--- a/cheatsheets/project-analysis-cheatsheet.pptx
+++ b/cheatsheets/project-analysis-cheatsheet.pptx
@@ -312,7 +312,18 @@
   </p:defaultTextStyle>
   <p:extLst>
     <p:ext uri="{EFAFB233-063F-42B5-8137-9DF3F51BA10A}">
-      <p15:sldGuideLst xmlns:p15="http://schemas.microsoft.com/office/powerpoint/2012/main"/>
+      <p15:sldGuideLst xmlns:p15="http://schemas.microsoft.com/office/powerpoint/2012/main">
+        <p15:guide id="1" orient="horz" pos="3400" userDrawn="1">
+          <p15:clr>
+            <a:srgbClr val="A4A3A4"/>
+          </p15:clr>
+        </p15:guide>
+        <p15:guide id="2" pos="4400" userDrawn="1">
+          <p15:clr>
+            <a:srgbClr val="A4A3A4"/>
+          </p15:clr>
+        </p15:guide>
+      </p15:sldGuideLst>
     </p:ext>
   </p:extLst>
 </p:presentation>
@@ -2190,7 +2201,7 @@
           </a:ln>
           <a:extLst>
             <a:ext uri="{C572A759-6A51-4108-AA02-DFA0A04FC94B}">
-              <ma14:wrappingTextBoxFlag xmlns="" xmlns:m="http://schemas.openxmlformats.org/officeDocument/2006/math" xmlns:a14="http://schemas.microsoft.com/office/drawing/2010/main" xmlns:ma14="http://schemas.microsoft.com/office/mac/drawingml/2011/main" val="1"/>
+              <ma14:wrappingTextBoxFlag xmlns:ma14="http://schemas.microsoft.com/office/mac/drawingml/2011/main" xmlns:a14="http://schemas.microsoft.com/office/drawing/2010/main" xmlns:m="http://schemas.openxmlformats.org/officeDocument/2006/math" xmlns="" val="1"/>
             </a:ext>
           </a:extLst>
         </p:spPr>
@@ -2229,7 +2240,7 @@
           </a:ln>
           <a:extLst>
             <a:ext uri="{C572A759-6A51-4108-AA02-DFA0A04FC94B}">
-              <ma14:wrappingTextBoxFlag xmlns="" xmlns:m="http://schemas.openxmlformats.org/officeDocument/2006/math" xmlns:a14="http://schemas.microsoft.com/office/drawing/2010/main" xmlns:ma14="http://schemas.microsoft.com/office/mac/drawingml/2011/main" val="1"/>
+              <ma14:wrappingTextBoxFlag xmlns:ma14="http://schemas.microsoft.com/office/mac/drawingml/2011/main" xmlns:a14="http://schemas.microsoft.com/office/drawing/2010/main" xmlns:m="http://schemas.openxmlformats.org/officeDocument/2006/math" xmlns="" val="1"/>
             </a:ext>
           </a:extLst>
         </p:spPr>
@@ -3375,7 +3386,7 @@
           </a:ln>
           <a:extLst>
             <a:ext uri="{C572A759-6A51-4108-AA02-DFA0A04FC94B}">
-              <ma14:wrappingTextBoxFlag xmlns="" xmlns:m="http://schemas.openxmlformats.org/officeDocument/2006/math" xmlns:a14="http://schemas.microsoft.com/office/drawing/2010/main" xmlns:ma14="http://schemas.microsoft.com/office/mac/drawingml/2011/main" val="1"/>
+              <ma14:wrappingTextBoxFlag xmlns:ma14="http://schemas.microsoft.com/office/mac/drawingml/2011/main" xmlns:a14="http://schemas.microsoft.com/office/drawing/2010/main" xmlns:m="http://schemas.openxmlformats.org/officeDocument/2006/math" xmlns="" val="1"/>
             </a:ext>
           </a:extLst>
         </p:spPr>
@@ -3427,7 +3438,7 @@
           </a:ln>
           <a:extLst>
             <a:ext uri="{C572A759-6A51-4108-AA02-DFA0A04FC94B}">
-              <ma14:wrappingTextBoxFlag xmlns="" xmlns:m="http://schemas.openxmlformats.org/officeDocument/2006/math" xmlns:a14="http://schemas.microsoft.com/office/drawing/2010/main" xmlns:ma14="http://schemas.microsoft.com/office/mac/drawingml/2011/main" val="1"/>
+              <ma14:wrappingTextBoxFlag xmlns:ma14="http://schemas.microsoft.com/office/mac/drawingml/2011/main" xmlns:a14="http://schemas.microsoft.com/office/drawing/2010/main" xmlns:m="http://schemas.openxmlformats.org/officeDocument/2006/math" xmlns="" val="1"/>
             </a:ext>
           </a:extLst>
         </p:spPr>
@@ -3525,7 +3536,7 @@
           </a:ln>
           <a:extLst>
             <a:ext uri="{C572A759-6A51-4108-AA02-DFA0A04FC94B}">
-              <ma14:wrappingTextBoxFlag xmlns="" xmlns:m="http://schemas.openxmlformats.org/officeDocument/2006/math" xmlns:a14="http://schemas.microsoft.com/office/drawing/2010/main" xmlns:ma14="http://schemas.microsoft.com/office/mac/drawingml/2011/main" val="1"/>
+              <ma14:wrappingTextBoxFlag xmlns:ma14="http://schemas.microsoft.com/office/mac/drawingml/2011/main" xmlns:a14="http://schemas.microsoft.com/office/drawing/2010/main" xmlns:m="http://schemas.openxmlformats.org/officeDocument/2006/math" xmlns="" val="1"/>
             </a:ext>
           </a:extLst>
         </p:spPr>
@@ -3662,7 +3673,7 @@
           </a:ln>
           <a:extLst>
             <a:ext uri="{C572A759-6A51-4108-AA02-DFA0A04FC94B}">
-              <ma14:wrappingTextBoxFlag xmlns="" xmlns:m="http://schemas.openxmlformats.org/officeDocument/2006/math" xmlns:a14="http://schemas.microsoft.com/office/drawing/2010/main" xmlns:ma14="http://schemas.microsoft.com/office/mac/drawingml/2011/main" val="1"/>
+              <ma14:wrappingTextBoxFlag xmlns:ma14="http://schemas.microsoft.com/office/mac/drawingml/2011/main" xmlns:a14="http://schemas.microsoft.com/office/drawing/2010/main" xmlns:m="http://schemas.openxmlformats.org/officeDocument/2006/math" xmlns="" val="1"/>
             </a:ext>
           </a:extLst>
         </p:spPr>
@@ -3711,7 +3722,7 @@
           </a:ln>
           <a:extLst>
             <a:ext uri="{C572A759-6A51-4108-AA02-DFA0A04FC94B}">
-              <ma14:wrappingTextBoxFlag xmlns="" xmlns:m="http://schemas.openxmlformats.org/officeDocument/2006/math" xmlns:a14="http://schemas.microsoft.com/office/drawing/2010/main" xmlns:ma14="http://schemas.microsoft.com/office/mac/drawingml/2011/main" val="1"/>
+              <ma14:wrappingTextBoxFlag xmlns:ma14="http://schemas.microsoft.com/office/mac/drawingml/2011/main" xmlns:a14="http://schemas.microsoft.com/office/drawing/2010/main" xmlns:m="http://schemas.openxmlformats.org/officeDocument/2006/math" xmlns="" val="1"/>
             </a:ext>
           </a:extLst>
         </p:spPr>
@@ -4030,7 +4041,7 @@
           </a:ln>
           <a:extLst>
             <a:ext uri="{C572A759-6A51-4108-AA02-DFA0A04FC94B}">
-              <ma14:wrappingTextBoxFlag xmlns="" xmlns:m="http://schemas.openxmlformats.org/officeDocument/2006/math" xmlns:a14="http://schemas.microsoft.com/office/drawing/2010/main" xmlns:ma14="http://schemas.microsoft.com/office/mac/drawingml/2011/main" val="1"/>
+              <ma14:wrappingTextBoxFlag xmlns:ma14="http://schemas.microsoft.com/office/mac/drawingml/2011/main" xmlns:a14="http://schemas.microsoft.com/office/drawing/2010/main" xmlns:m="http://schemas.openxmlformats.org/officeDocument/2006/math" xmlns="" val="1"/>
             </a:ext>
           </a:extLst>
         </p:spPr>
@@ -4210,7 +4221,7 @@
         <p:spPr>
           <a:xfrm flipV="1">
             <a:off x="4930264" y="6723644"/>
-            <a:ext cx="4178808" cy="0"/>
+            <a:ext cx="3944763" cy="0"/>
           </a:xfrm>
           <a:prstGeom prst="line">
             <a:avLst/>
@@ -4268,7 +4279,7 @@
           </a:ln>
           <a:extLst>
             <a:ext uri="{C572A759-6A51-4108-AA02-DFA0A04FC94B}">
-              <ma14:wrappingTextBoxFlag xmlns="" xmlns:m="http://schemas.openxmlformats.org/officeDocument/2006/math" xmlns:a14="http://schemas.microsoft.com/office/drawing/2010/main" xmlns:ma14="http://schemas.microsoft.com/office/mac/drawingml/2011/main" val="1"/>
+              <ma14:wrappingTextBoxFlag xmlns:ma14="http://schemas.microsoft.com/office/mac/drawingml/2011/main" xmlns:a14="http://schemas.microsoft.com/office/drawing/2010/main" xmlns:m="http://schemas.openxmlformats.org/officeDocument/2006/math" xmlns="" val="1"/>
             </a:ext>
           </a:extLst>
         </p:spPr>
@@ -6287,7 +6298,7 @@
           </a:ln>
           <a:extLst>
             <a:ext uri="{C572A759-6A51-4108-AA02-DFA0A04FC94B}">
-              <ma14:wrappingTextBoxFlag xmlns="" xmlns:m="http://schemas.openxmlformats.org/officeDocument/2006/math" xmlns:a14="http://schemas.microsoft.com/office/drawing/2010/main" xmlns:ma14="http://schemas.microsoft.com/office/mac/drawingml/2011/main" val="1"/>
+              <ma14:wrappingTextBoxFlag xmlns:ma14="http://schemas.microsoft.com/office/mac/drawingml/2011/main" xmlns:a14="http://schemas.microsoft.com/office/drawing/2010/main" xmlns:m="http://schemas.openxmlformats.org/officeDocument/2006/math" xmlns="" val="1"/>
             </a:ext>
           </a:extLst>
         </p:spPr>
@@ -6714,7 +6725,7 @@
           </a:ln>
           <a:extLst>
             <a:ext uri="{C572A759-6A51-4108-AA02-DFA0A04FC94B}">
-              <ma14:wrappingTextBoxFlag xmlns="" xmlns:m="http://schemas.openxmlformats.org/officeDocument/2006/math" xmlns:a14="http://schemas.microsoft.com/office/drawing/2010/main" xmlns:ma14="http://schemas.microsoft.com/office/mac/drawingml/2011/main" val="1"/>
+              <ma14:wrappingTextBoxFlag xmlns:ma14="http://schemas.microsoft.com/office/mac/drawingml/2011/main" xmlns:a14="http://schemas.microsoft.com/office/drawing/2010/main" xmlns:m="http://schemas.openxmlformats.org/officeDocument/2006/math" xmlns="" val="1"/>
             </a:ext>
           </a:extLst>
         </p:spPr>
@@ -6905,7 +6916,7 @@
           </a:ln>
           <a:extLst>
             <a:ext uri="{C572A759-6A51-4108-AA02-DFA0A04FC94B}">
-              <ma14:wrappingTextBoxFlag xmlns="" xmlns:m="http://schemas.openxmlformats.org/officeDocument/2006/math" xmlns:a14="http://schemas.microsoft.com/office/drawing/2010/main" xmlns:ma14="http://schemas.microsoft.com/office/mac/drawingml/2011/main" val="1"/>
+              <ma14:wrappingTextBoxFlag xmlns:ma14="http://schemas.microsoft.com/office/mac/drawingml/2011/main" xmlns:a14="http://schemas.microsoft.com/office/drawing/2010/main" xmlns:m="http://schemas.openxmlformats.org/officeDocument/2006/math" xmlns="" val="1"/>
             </a:ext>
           </a:extLst>
         </p:spPr>
@@ -7078,7 +7089,7 @@
           </a:ln>
           <a:extLst>
             <a:ext uri="{C572A759-6A51-4108-AA02-DFA0A04FC94B}">
-              <ma14:wrappingTextBoxFlag xmlns="" xmlns:m="http://schemas.openxmlformats.org/officeDocument/2006/math" xmlns:a14="http://schemas.microsoft.com/office/drawing/2010/main" xmlns:ma14="http://schemas.microsoft.com/office/mac/drawingml/2011/main" val="1"/>
+              <ma14:wrappingTextBoxFlag xmlns:ma14="http://schemas.microsoft.com/office/mac/drawingml/2011/main" xmlns:a14="http://schemas.microsoft.com/office/drawing/2010/main" xmlns:m="http://schemas.openxmlformats.org/officeDocument/2006/math" xmlns="" val="1"/>
             </a:ext>
           </a:extLst>
         </p:spPr>
@@ -7260,7 +7271,7 @@
           </a:ln>
           <a:extLst>
             <a:ext uri="{C572A759-6A51-4108-AA02-DFA0A04FC94B}">
-              <ma14:wrappingTextBoxFlag xmlns="" xmlns:ma14="http://schemas.microsoft.com/office/mac/drawingml/2011/main" xmlns:a14="http://schemas.microsoft.com/office/drawing/2010/main" xmlns:m="http://schemas.openxmlformats.org/officeDocument/2006/math" val="1"/>
+              <ma14:wrappingTextBoxFlag xmlns:m="http://schemas.openxmlformats.org/officeDocument/2006/math" xmlns:a14="http://schemas.microsoft.com/office/drawing/2010/main" xmlns:ma14="http://schemas.microsoft.com/office/mac/drawingml/2011/main" xmlns="" val="1"/>
             </a:ext>
           </a:extLst>
         </p:spPr>
@@ -13741,7 +13752,7 @@
           </a:ln>
           <a:extLst>
             <a:ext uri="{C572A759-6A51-4108-AA02-DFA0A04FC94B}">
-              <ma14:wrappingTextBoxFlag xmlns:ma14="http://schemas.microsoft.com/office/mac/drawingml/2011/main" xmlns:a14="http://schemas.microsoft.com/office/drawing/2010/main" xmlns:m="http://schemas.openxmlformats.org/officeDocument/2006/math" xmlns="" val="1"/>
+              <ma14:wrappingTextBoxFlag xmlns="" xmlns:m="http://schemas.openxmlformats.org/officeDocument/2006/math" xmlns:a14="http://schemas.microsoft.com/office/drawing/2010/main" xmlns:ma14="http://schemas.microsoft.com/office/mac/drawingml/2011/main" val="1"/>
             </a:ext>
           </a:extLst>
         </p:spPr>
@@ -13866,7 +13877,22 @@
                 <a:ea typeface="Source Sans Pro" panose="020B0503030403020204" pitchFamily="34" charset="0"/>
                 <a:sym typeface="Source Sans Pro"/>
               </a:rPr>
-              <a:t>, Kaiāulu functions can be called in parallel, enabling server-side analysis of large projects.</a:t>
+              <a:t>, Kaiāulu functions can be called in parallel, enabling </a:t>
+            </a:r>
+            <a:r>
+              <a:rPr lang="en-US" dirty="0">
+                <a:latin typeface="Source Sans Pro" panose="020B0503030403020204" pitchFamily="34" charset="0"/>
+                <a:ea typeface="Source Sans Pro" panose="020B0503030403020204" pitchFamily="34" charset="0"/>
+              </a:rPr>
+              <a:t>concurrent</a:t>
+            </a:r>
+            <a:r>
+              <a:rPr lang="en-US" dirty="0">
+                <a:latin typeface="Source Sans Pro" panose="020B0503030403020204" pitchFamily="34" charset="0"/>
+                <a:ea typeface="Source Sans Pro" panose="020B0503030403020204" pitchFamily="34" charset="0"/>
+                <a:sym typeface="Source Sans Pro"/>
+              </a:rPr>
+              <a:t> analysis of large projects.</a:t>
             </a:r>
           </a:p>
         </p:txBody>
@@ -13902,7 +13928,7 @@
         </p:blipFill>
         <p:spPr>
           <a:xfrm>
-            <a:off x="10045641" y="6976731"/>
+            <a:off x="9932229" y="6976731"/>
             <a:ext cx="527267" cy="527267"/>
           </a:xfrm>
           <a:prstGeom prst="rect">
@@ -13924,7 +13950,7 @@
         </p:nvSpPr>
         <p:spPr>
           <a:xfrm>
-            <a:off x="9930730" y="7412153"/>
+            <a:off x="9861279" y="7411211"/>
             <a:ext cx="781573" cy="258964"/>
           </a:xfrm>
           <a:prstGeom prst="rect">
@@ -13994,10 +14020,10 @@
       </p:sp>
       <p:pic>
         <p:nvPicPr>
-          <p:cNvPr id="458" name="Graphic 457" descr="Folder outline">
+          <p:cNvPr id="460" name="Graphic 459" descr="Paper outline">
             <a:extLst>
               <a:ext uri="{FF2B5EF4-FFF2-40B4-BE49-F238E27FC236}">
-                <a16:creationId xmlns:a16="http://schemas.microsoft.com/office/drawing/2014/main" id="{AB2E20B4-B980-CD14-663B-5BBED3C89CC2}"/>
+                <a16:creationId xmlns:a16="http://schemas.microsoft.com/office/drawing/2014/main" id="{AB4948A8-E2F0-B484-1C7D-C6BF08B81893}"/>
               </a:ext>
             </a:extLst>
           </p:cNvPr>
@@ -14007,13 +14033,13 @@
           <p:nvPr/>
         </p:nvPicPr>
         <p:blipFill>
-          <a:blip r:embed="rId10">
+          <a:blip r:embed="rId12">
             <a:extLst>
               <a:ext uri="{28A0092B-C50C-407E-A947-70E740481C1C}">
                 <a14:useLocalDpi xmlns:a14="http://schemas.microsoft.com/office/drawing/2010/main" val="0"/>
               </a:ext>
               <a:ext uri="{96DAC541-7B7A-43D3-8B79-37D633B846F1}">
-                <asvg:svgBlip xmlns:asvg="http://schemas.microsoft.com/office/drawing/2016/SVG/main" r:embed="rId11"/>
+                <asvg:svgBlip xmlns:asvg="http://schemas.microsoft.com/office/drawing/2016/SVG/main" r:embed="rId13"/>
               </a:ext>
             </a:extLst>
           </a:blip>
@@ -14023,8 +14049,8 @@
         </p:blipFill>
         <p:spPr>
           <a:xfrm>
-            <a:off x="9281819" y="6883294"/>
-            <a:ext cx="674740" cy="674740"/>
+            <a:off x="11374936" y="6464108"/>
+            <a:ext cx="527267" cy="527267"/>
           </a:xfrm>
           <a:prstGeom prst="rect">
             <a:avLst/>
@@ -14033,10 +14059,10 @@
       </p:pic>
       <p:sp>
         <p:nvSpPr>
-          <p:cNvPr id="459" name="TextBox 458">
+          <p:cNvPr id="465" name="TextBox 464">
             <a:extLst>
               <a:ext uri="{FF2B5EF4-FFF2-40B4-BE49-F238E27FC236}">
-                <a16:creationId xmlns:a16="http://schemas.microsoft.com/office/drawing/2014/main" id="{AB9A242A-C3AF-FE0D-DA0B-D92AF16A0199}"/>
+                <a16:creationId xmlns:a16="http://schemas.microsoft.com/office/drawing/2014/main" id="{17572B7F-C0FA-5C8A-8BB5-6A1FA8A4AF07}"/>
               </a:ext>
             </a:extLst>
           </p:cNvPr>
@@ -14045,8 +14071,8 @@
         </p:nvSpPr>
         <p:spPr>
           <a:xfrm>
-            <a:off x="9424588" y="7106453"/>
-            <a:ext cx="453492" cy="258964"/>
+            <a:off x="11478843" y="6601251"/>
+            <a:ext cx="319451" cy="258964"/>
           </a:xfrm>
           <a:prstGeom prst="rect">
             <a:avLst/>
@@ -14094,19 +14120,19 @@
               <a:tabLst/>
             </a:pPr>
             <a:r>
-              <a:rPr lang="en-US" sz="800" b="0" dirty="0" err="1"/>
-              <a:t>mbox</a:t>
-            </a:r>
-            <a:r>
-              <a:rPr lang="en-US" sz="800" b="0" dirty="0"/>
-              <a:t> </a:t>
+              <a:rPr lang="en-US" sz="800" b="0" dirty="0">
+                <a:solidFill>
+                  <a:schemeClr val="accent1"/>
+                </a:solidFill>
+              </a:rPr>
+              <a:t>exec</a:t>
             </a:r>
             <a:endParaRPr kumimoji="0" lang="en-US" sz="800" b="0" i="0" u="none" strike="noStrike" cap="none" spc="0" normalizeH="0" baseline="0" dirty="0">
               <a:ln>
                 <a:noFill/>
               </a:ln>
               <a:solidFill>
-                <a:srgbClr val="4C4C4C"/>
+                <a:schemeClr val="accent1"/>
               </a:solidFill>
               <a:effectLst/>
               <a:uFillTx/>
@@ -14120,10 +14146,10 @@
       </p:sp>
       <p:pic>
         <p:nvPicPr>
-          <p:cNvPr id="460" name="Graphic 459" descr="Paper outline">
+          <p:cNvPr id="466" name="Graphic 465" descr="Paper outline">
             <a:extLst>
               <a:ext uri="{FF2B5EF4-FFF2-40B4-BE49-F238E27FC236}">
-                <a16:creationId xmlns:a16="http://schemas.microsoft.com/office/drawing/2014/main" id="{AB4948A8-E2F0-B484-1C7D-C6BF08B81893}"/>
+                <a16:creationId xmlns:a16="http://schemas.microsoft.com/office/drawing/2014/main" id="{A9BCD6BA-46C8-A3B9-2895-6182E50D8910}"/>
               </a:ext>
             </a:extLst>
           </p:cNvPr>
@@ -14149,46 +14175,7 @@
         </p:blipFill>
         <p:spPr>
           <a:xfrm>
-            <a:off x="10987744" y="6464108"/>
-            <a:ext cx="527267" cy="527267"/>
-          </a:xfrm>
-          <a:prstGeom prst="rect">
-            <a:avLst/>
-          </a:prstGeom>
-        </p:spPr>
-      </p:pic>
-      <p:pic>
-        <p:nvPicPr>
-          <p:cNvPr id="461" name="Graphic 460" descr="Paper outline">
-            <a:extLst>
-              <a:ext uri="{FF2B5EF4-FFF2-40B4-BE49-F238E27FC236}">
-                <a16:creationId xmlns:a16="http://schemas.microsoft.com/office/drawing/2014/main" id="{DE0FD8A3-6FC9-7AE2-045E-1580EE1AB044}"/>
-              </a:ext>
-            </a:extLst>
-          </p:cNvPr>
-          <p:cNvPicPr>
-            <a:picLocks noChangeAspect="1"/>
-          </p:cNvPicPr>
-          <p:nvPr/>
-        </p:nvPicPr>
-        <p:blipFill>
-          <a:blip r:embed="rId12">
-            <a:extLst>
-              <a:ext uri="{28A0092B-C50C-407E-A947-70E740481C1C}">
-                <a14:useLocalDpi xmlns:a14="http://schemas.microsoft.com/office/drawing/2010/main" val="0"/>
-              </a:ext>
-              <a:ext uri="{96DAC541-7B7A-43D3-8B79-37D633B846F1}">
-                <asvg:svgBlip xmlns:asvg="http://schemas.microsoft.com/office/drawing/2016/SVG/main" r:embed="rId13"/>
-              </a:ext>
-            </a:extLst>
-          </a:blip>
-          <a:stretch>
-            <a:fillRect/>
-          </a:stretch>
-        </p:blipFill>
-        <p:spPr>
-          <a:xfrm>
-            <a:off x="10997904" y="7436561"/>
+            <a:off x="11954204" y="6460966"/>
             <a:ext cx="527267" cy="527267"/>
           </a:xfrm>
           <a:prstGeom prst="rect">
@@ -14198,10 +14185,10 @@
       </p:pic>
       <p:sp>
         <p:nvSpPr>
-          <p:cNvPr id="462" name="TextBox 461">
+          <p:cNvPr id="470" name="TextBox 469">
             <a:extLst>
               <a:ext uri="{FF2B5EF4-FFF2-40B4-BE49-F238E27FC236}">
-                <a16:creationId xmlns:a16="http://schemas.microsoft.com/office/drawing/2014/main" id="{C1356EE5-576E-97D8-E34D-4C6A5D6408AB}"/>
+                <a16:creationId xmlns:a16="http://schemas.microsoft.com/office/drawing/2014/main" id="{25A8E869-D336-213B-305E-218F828D79BE}"/>
               </a:ext>
             </a:extLst>
           </p:cNvPr>
@@ -14210,8 +14197,8 @@
         </p:nvSpPr>
         <p:spPr>
           <a:xfrm>
-            <a:off x="10928756" y="7875044"/>
-            <a:ext cx="781573" cy="258964"/>
+            <a:off x="12033440" y="6604903"/>
+            <a:ext cx="423360" cy="258964"/>
           </a:xfrm>
           <a:prstGeom prst="rect">
             <a:avLst/>
@@ -14260,715 +14247,6 @@
             </a:pPr>
             <a:r>
               <a:rPr lang="en-US" sz="800" b="0" dirty="0" err="1"/>
-              <a:t>m</a:t>
-            </a:r>
-            <a:r>
-              <a:rPr kumimoji="0" lang="en-US" sz="800" b="0" i="0" u="none" strike="noStrike" cap="none" spc="0" normalizeH="0" baseline="0" dirty="0" err="1">
-                <a:ln>
-                  <a:noFill/>
-                </a:ln>
-                <a:solidFill>
-                  <a:srgbClr val="4C4C4C"/>
-                </a:solidFill>
-                <a:effectLst/>
-                <a:uFillTx/>
-                <a:latin typeface="Source Sans Pro"/>
-                <a:ea typeface="Source Sans Pro"/>
-                <a:cs typeface="Source Sans Pro"/>
-                <a:sym typeface="Source Sans Pro"/>
-              </a:rPr>
-              <a:t>ailinglist.R</a:t>
-            </a:r>
-            <a:endParaRPr kumimoji="0" lang="en-US" sz="800" b="0" i="0" u="none" strike="noStrike" cap="none" spc="0" normalizeH="0" baseline="0" dirty="0">
-              <a:ln>
-                <a:noFill/>
-              </a:ln>
-              <a:solidFill>
-                <a:srgbClr val="4C4C4C"/>
-              </a:solidFill>
-              <a:effectLst/>
-              <a:uFillTx/>
-              <a:latin typeface="Source Sans Pro"/>
-              <a:ea typeface="Source Sans Pro"/>
-              <a:cs typeface="Source Sans Pro"/>
-              <a:sym typeface="Source Sans Pro"/>
-            </a:endParaRPr>
-          </a:p>
-        </p:txBody>
-      </p:sp>
-      <p:sp>
-        <p:nvSpPr>
-          <p:cNvPr id="463" name="TextBox 462">
-            <a:extLst>
-              <a:ext uri="{FF2B5EF4-FFF2-40B4-BE49-F238E27FC236}">
-                <a16:creationId xmlns:a16="http://schemas.microsoft.com/office/drawing/2014/main" id="{BC4708C3-5F8D-0D2F-82D9-C37BC151EB2C}"/>
-              </a:ext>
-            </a:extLst>
-          </p:cNvPr>
-          <p:cNvSpPr txBox="1"/>
-          <p:nvPr/>
-        </p:nvSpPr>
-        <p:spPr>
-          <a:xfrm>
-            <a:off x="10918596" y="6895981"/>
-            <a:ext cx="781573" cy="258964"/>
-          </a:xfrm>
-          <a:prstGeom prst="rect">
-            <a:avLst/>
-          </a:prstGeom>
-          <a:noFill/>
-          <a:ln w="12700" cap="flat">
-            <a:noFill/>
-            <a:miter lim="400000"/>
-          </a:ln>
-          <a:effectLst/>
-          <a:sp3d/>
-        </p:spPr>
-        <p:style>
-          <a:lnRef idx="0">
-            <a:scrgbClr r="0" g="0" b="0"/>
-          </a:lnRef>
-          <a:fillRef idx="0">
-            <a:scrgbClr r="0" g="0" b="0"/>
-          </a:fillRef>
-          <a:effectRef idx="0">
-            <a:scrgbClr r="0" g="0" b="0"/>
-          </a:effectRef>
-          <a:fontRef idx="none"/>
-        </p:style>
-        <p:txBody>
-          <a:bodyPr rot="0" spcFirstLastPara="1" vertOverflow="overflow" horzOverflow="overflow" vert="horz" wrap="square" lIns="54570" tIns="54570" rIns="54570" bIns="54570" numCol="1" spcCol="38100" rtlCol="0" anchor="ctr">
-            <a:spAutoFit/>
-          </a:bodyPr>
-          <a:lstStyle/>
-          <a:p>
-            <a:pPr marL="0" marR="0" indent="0" algn="l" defTabSz="584200" rtl="0" fontAlgn="auto" latinLnBrk="0" hangingPunct="0">
-              <a:lnSpc>
-                <a:spcPct val="100000"/>
-              </a:lnSpc>
-              <a:spcBef>
-                <a:spcPts val="200"/>
-              </a:spcBef>
-              <a:spcAft>
-                <a:spcPts val="0"/>
-              </a:spcAft>
-              <a:buClrTx/>
-              <a:buSzTx/>
-              <a:buFontTx/>
-              <a:buNone/>
-              <a:tabLst/>
-            </a:pPr>
-            <a:r>
-              <a:rPr lang="en-US" sz="800" b="0" dirty="0" err="1"/>
-              <a:t>m</a:t>
-            </a:r>
-            <a:r>
-              <a:rPr kumimoji="0" lang="en-US" sz="800" b="0" i="0" u="none" strike="noStrike" cap="none" spc="0" normalizeH="0" baseline="0" dirty="0" err="1">
-                <a:ln>
-                  <a:noFill/>
-                </a:ln>
-                <a:solidFill>
-                  <a:srgbClr val="4C4C4C"/>
-                </a:solidFill>
-                <a:effectLst/>
-                <a:uFillTx/>
-                <a:latin typeface="Source Sans Pro"/>
-                <a:ea typeface="Source Sans Pro"/>
-                <a:cs typeface="Source Sans Pro"/>
-                <a:sym typeface="Source Sans Pro"/>
-              </a:rPr>
-              <a:t>ailinglist.R</a:t>
-            </a:r>
-            <a:endParaRPr kumimoji="0" lang="en-US" sz="800" b="0" i="0" u="none" strike="noStrike" cap="none" spc="0" normalizeH="0" baseline="0" dirty="0">
-              <a:ln>
-                <a:noFill/>
-              </a:ln>
-              <a:solidFill>
-                <a:srgbClr val="4C4C4C"/>
-              </a:solidFill>
-              <a:effectLst/>
-              <a:uFillTx/>
-              <a:latin typeface="Source Sans Pro"/>
-              <a:ea typeface="Source Sans Pro"/>
-              <a:cs typeface="Source Sans Pro"/>
-              <a:sym typeface="Source Sans Pro"/>
-            </a:endParaRPr>
-          </a:p>
-        </p:txBody>
-      </p:sp>
-      <p:sp>
-        <p:nvSpPr>
-          <p:cNvPr id="464" name="TextBox 463">
-            <a:extLst>
-              <a:ext uri="{FF2B5EF4-FFF2-40B4-BE49-F238E27FC236}">
-                <a16:creationId xmlns:a16="http://schemas.microsoft.com/office/drawing/2014/main" id="{A70BFC1C-79FB-899F-D60C-3EFAE785F80B}"/>
-              </a:ext>
-            </a:extLst>
-          </p:cNvPr>
-          <p:cNvSpPr txBox="1"/>
-          <p:nvPr/>
-        </p:nvSpPr>
-        <p:spPr>
-          <a:xfrm>
-            <a:off x="11101357" y="7601140"/>
-            <a:ext cx="319451" cy="258964"/>
-          </a:xfrm>
-          <a:prstGeom prst="rect">
-            <a:avLst/>
-          </a:prstGeom>
-          <a:noFill/>
-          <a:ln w="12700" cap="flat">
-            <a:noFill/>
-            <a:miter lim="400000"/>
-          </a:ln>
-          <a:effectLst/>
-          <a:sp3d/>
-        </p:spPr>
-        <p:style>
-          <a:lnRef idx="0">
-            <a:scrgbClr r="0" g="0" b="0"/>
-          </a:lnRef>
-          <a:fillRef idx="0">
-            <a:scrgbClr r="0" g="0" b="0"/>
-          </a:fillRef>
-          <a:effectRef idx="0">
-            <a:scrgbClr r="0" g="0" b="0"/>
-          </a:effectRef>
-          <a:fontRef idx="none"/>
-        </p:style>
-        <p:txBody>
-          <a:bodyPr rot="0" spcFirstLastPara="1" vertOverflow="overflow" horzOverflow="overflow" vert="horz" wrap="square" lIns="54570" tIns="54570" rIns="54570" bIns="54570" numCol="1" spcCol="38100" rtlCol="0" anchor="ctr">
-            <a:spAutoFit/>
-          </a:bodyPr>
-          <a:lstStyle/>
-          <a:p>
-            <a:pPr marL="0" marR="0" indent="0" algn="l" defTabSz="584200" rtl="0" fontAlgn="auto" latinLnBrk="0" hangingPunct="0">
-              <a:lnSpc>
-                <a:spcPct val="100000"/>
-              </a:lnSpc>
-              <a:spcBef>
-                <a:spcPts val="200"/>
-              </a:spcBef>
-              <a:spcAft>
-                <a:spcPts val="0"/>
-              </a:spcAft>
-              <a:buClrTx/>
-              <a:buSzTx/>
-              <a:buFontTx/>
-              <a:buNone/>
-              <a:tabLst/>
-            </a:pPr>
-            <a:r>
-              <a:rPr lang="en-US" sz="800" b="0" dirty="0">
-                <a:solidFill>
-                  <a:schemeClr val="accent1"/>
-                </a:solidFill>
-              </a:rPr>
-              <a:t>exec</a:t>
-            </a:r>
-            <a:endParaRPr kumimoji="0" lang="en-US" sz="800" b="0" i="0" u="none" strike="noStrike" cap="none" spc="0" normalizeH="0" baseline="0" dirty="0">
-              <a:ln>
-                <a:noFill/>
-              </a:ln>
-              <a:solidFill>
-                <a:schemeClr val="accent1"/>
-              </a:solidFill>
-              <a:effectLst/>
-              <a:uFillTx/>
-              <a:latin typeface="Source Sans Pro"/>
-              <a:ea typeface="Source Sans Pro"/>
-              <a:cs typeface="Source Sans Pro"/>
-              <a:sym typeface="Source Sans Pro"/>
-            </a:endParaRPr>
-          </a:p>
-        </p:txBody>
-      </p:sp>
-      <p:sp>
-        <p:nvSpPr>
-          <p:cNvPr id="465" name="TextBox 464">
-            <a:extLst>
-              <a:ext uri="{FF2B5EF4-FFF2-40B4-BE49-F238E27FC236}">
-                <a16:creationId xmlns:a16="http://schemas.microsoft.com/office/drawing/2014/main" id="{17572B7F-C0FA-5C8A-8BB5-6A1FA8A4AF07}"/>
-              </a:ext>
-            </a:extLst>
-          </p:cNvPr>
-          <p:cNvSpPr txBox="1"/>
-          <p:nvPr/>
-        </p:nvSpPr>
-        <p:spPr>
-          <a:xfrm>
-            <a:off x="11091651" y="6601251"/>
-            <a:ext cx="319451" cy="258964"/>
-          </a:xfrm>
-          <a:prstGeom prst="rect">
-            <a:avLst/>
-          </a:prstGeom>
-          <a:noFill/>
-          <a:ln w="12700" cap="flat">
-            <a:noFill/>
-            <a:miter lim="400000"/>
-          </a:ln>
-          <a:effectLst/>
-          <a:sp3d/>
-        </p:spPr>
-        <p:style>
-          <a:lnRef idx="0">
-            <a:scrgbClr r="0" g="0" b="0"/>
-          </a:lnRef>
-          <a:fillRef idx="0">
-            <a:scrgbClr r="0" g="0" b="0"/>
-          </a:fillRef>
-          <a:effectRef idx="0">
-            <a:scrgbClr r="0" g="0" b="0"/>
-          </a:effectRef>
-          <a:fontRef idx="none"/>
-        </p:style>
-        <p:txBody>
-          <a:bodyPr rot="0" spcFirstLastPara="1" vertOverflow="overflow" horzOverflow="overflow" vert="horz" wrap="square" lIns="54570" tIns="54570" rIns="54570" bIns="54570" numCol="1" spcCol="38100" rtlCol="0" anchor="ctr">
-            <a:spAutoFit/>
-          </a:bodyPr>
-          <a:lstStyle/>
-          <a:p>
-            <a:pPr marL="0" marR="0" indent="0" algn="l" defTabSz="584200" rtl="0" fontAlgn="auto" latinLnBrk="0" hangingPunct="0">
-              <a:lnSpc>
-                <a:spcPct val="100000"/>
-              </a:lnSpc>
-              <a:spcBef>
-                <a:spcPts val="200"/>
-              </a:spcBef>
-              <a:spcAft>
-                <a:spcPts val="0"/>
-              </a:spcAft>
-              <a:buClrTx/>
-              <a:buSzTx/>
-              <a:buFontTx/>
-              <a:buNone/>
-              <a:tabLst/>
-            </a:pPr>
-            <a:r>
-              <a:rPr lang="en-US" sz="800" b="0" dirty="0">
-                <a:solidFill>
-                  <a:schemeClr val="accent1"/>
-                </a:solidFill>
-              </a:rPr>
-              <a:t>exec</a:t>
-            </a:r>
-            <a:endParaRPr kumimoji="0" lang="en-US" sz="800" b="0" i="0" u="none" strike="noStrike" cap="none" spc="0" normalizeH="0" baseline="0" dirty="0">
-              <a:ln>
-                <a:noFill/>
-              </a:ln>
-              <a:solidFill>
-                <a:schemeClr val="accent1"/>
-              </a:solidFill>
-              <a:effectLst/>
-              <a:uFillTx/>
-              <a:latin typeface="Source Sans Pro"/>
-              <a:ea typeface="Source Sans Pro"/>
-              <a:cs typeface="Source Sans Pro"/>
-              <a:sym typeface="Source Sans Pro"/>
-            </a:endParaRPr>
-          </a:p>
-        </p:txBody>
-      </p:sp>
-      <p:pic>
-        <p:nvPicPr>
-          <p:cNvPr id="466" name="Graphic 465" descr="Paper outline">
-            <a:extLst>
-              <a:ext uri="{FF2B5EF4-FFF2-40B4-BE49-F238E27FC236}">
-                <a16:creationId xmlns:a16="http://schemas.microsoft.com/office/drawing/2014/main" id="{A9BCD6BA-46C8-A3B9-2895-6182E50D8910}"/>
-              </a:ext>
-            </a:extLst>
-          </p:cNvPr>
-          <p:cNvPicPr>
-            <a:picLocks noChangeAspect="1"/>
-          </p:cNvPicPr>
-          <p:nvPr/>
-        </p:nvPicPr>
-        <p:blipFill>
-          <a:blip r:embed="rId12">
-            <a:extLst>
-              <a:ext uri="{28A0092B-C50C-407E-A947-70E740481C1C}">
-                <a14:useLocalDpi xmlns:a14="http://schemas.microsoft.com/office/drawing/2010/main" val="0"/>
-              </a:ext>
-              <a:ext uri="{96DAC541-7B7A-43D3-8B79-37D633B846F1}">
-                <asvg:svgBlip xmlns:asvg="http://schemas.microsoft.com/office/drawing/2016/SVG/main" r:embed="rId13"/>
-              </a:ext>
-            </a:extLst>
-          </a:blip>
-          <a:stretch>
-            <a:fillRect/>
-          </a:stretch>
-        </p:blipFill>
-        <p:spPr>
-          <a:xfrm>
-            <a:off x="11691947" y="6460966"/>
-            <a:ext cx="527267" cy="527267"/>
-          </a:xfrm>
-          <a:prstGeom prst="rect">
-            <a:avLst/>
-          </a:prstGeom>
-        </p:spPr>
-      </p:pic>
-      <p:pic>
-        <p:nvPicPr>
-          <p:cNvPr id="467" name="Graphic 466" descr="Paper outline">
-            <a:extLst>
-              <a:ext uri="{FF2B5EF4-FFF2-40B4-BE49-F238E27FC236}">
-                <a16:creationId xmlns:a16="http://schemas.microsoft.com/office/drawing/2014/main" id="{4C75BD0C-A784-5A27-43F5-70BB47D97CD7}"/>
-              </a:ext>
-            </a:extLst>
-          </p:cNvPr>
-          <p:cNvPicPr>
-            <a:picLocks noChangeAspect="1"/>
-          </p:cNvPicPr>
-          <p:nvPr/>
-        </p:nvPicPr>
-        <p:blipFill>
-          <a:blip r:embed="rId12">
-            <a:extLst>
-              <a:ext uri="{28A0092B-C50C-407E-A947-70E740481C1C}">
-                <a14:useLocalDpi xmlns:a14="http://schemas.microsoft.com/office/drawing/2010/main" val="0"/>
-              </a:ext>
-              <a:ext uri="{96DAC541-7B7A-43D3-8B79-37D633B846F1}">
-                <asvg:svgBlip xmlns:asvg="http://schemas.microsoft.com/office/drawing/2016/SVG/main" r:embed="rId13"/>
-              </a:ext>
-            </a:extLst>
-          </a:blip>
-          <a:stretch>
-            <a:fillRect/>
-          </a:stretch>
-        </p:blipFill>
-        <p:spPr>
-          <a:xfrm>
-            <a:off x="11708819" y="7443436"/>
-            <a:ext cx="527267" cy="527267"/>
-          </a:xfrm>
-          <a:prstGeom prst="rect">
-            <a:avLst/>
-          </a:prstGeom>
-        </p:spPr>
-      </p:pic>
-      <p:sp>
-        <p:nvSpPr>
-          <p:cNvPr id="468" name="TextBox 467">
-            <a:extLst>
-              <a:ext uri="{FF2B5EF4-FFF2-40B4-BE49-F238E27FC236}">
-                <a16:creationId xmlns:a16="http://schemas.microsoft.com/office/drawing/2014/main" id="{AF3921CF-F78F-AAA6-6C62-7645EFD73D5C}"/>
-              </a:ext>
-            </a:extLst>
-          </p:cNvPr>
-          <p:cNvSpPr txBox="1"/>
-          <p:nvPr/>
-        </p:nvSpPr>
-        <p:spPr>
-          <a:xfrm>
-            <a:off x="11639671" y="7875044"/>
-            <a:ext cx="781573" cy="258964"/>
-          </a:xfrm>
-          <a:prstGeom prst="rect">
-            <a:avLst/>
-          </a:prstGeom>
-          <a:noFill/>
-          <a:ln w="12700" cap="flat">
-            <a:noFill/>
-            <a:miter lim="400000"/>
-          </a:ln>
-          <a:effectLst/>
-          <a:sp3d/>
-        </p:spPr>
-        <p:style>
-          <a:lnRef idx="0">
-            <a:scrgbClr r="0" g="0" b="0"/>
-          </a:lnRef>
-          <a:fillRef idx="0">
-            <a:scrgbClr r="0" g="0" b="0"/>
-          </a:fillRef>
-          <a:effectRef idx="0">
-            <a:scrgbClr r="0" g="0" b="0"/>
-          </a:effectRef>
-          <a:fontRef idx="none"/>
-        </p:style>
-        <p:txBody>
-          <a:bodyPr rot="0" spcFirstLastPara="1" vertOverflow="overflow" horzOverflow="overflow" vert="horz" wrap="square" lIns="54570" tIns="54570" rIns="54570" bIns="54570" numCol="1" spcCol="38100" rtlCol="0" anchor="ctr">
-            <a:spAutoFit/>
-          </a:bodyPr>
-          <a:lstStyle/>
-          <a:p>
-            <a:pPr marL="0" marR="0" indent="0" algn="l" defTabSz="584200" rtl="0" fontAlgn="auto" latinLnBrk="0" hangingPunct="0">
-              <a:lnSpc>
-                <a:spcPct val="100000"/>
-              </a:lnSpc>
-              <a:spcBef>
-                <a:spcPts val="200"/>
-              </a:spcBef>
-              <a:spcAft>
-                <a:spcPts val="0"/>
-              </a:spcAft>
-              <a:buClrTx/>
-              <a:buSzTx/>
-              <a:buFontTx/>
-              <a:buNone/>
-              <a:tabLst/>
-            </a:pPr>
-            <a:r>
-              <a:rPr lang="en-US" sz="800" b="0" dirty="0" err="1"/>
-              <a:t>parse_mbox</a:t>
-            </a:r>
-            <a:r>
-              <a:rPr lang="en-US" sz="800" b="0" dirty="0"/>
-              <a:t>()</a:t>
-            </a:r>
-            <a:endParaRPr kumimoji="0" lang="en-US" sz="800" b="0" i="0" u="none" strike="noStrike" cap="none" spc="0" normalizeH="0" baseline="0" dirty="0">
-              <a:ln>
-                <a:noFill/>
-              </a:ln>
-              <a:solidFill>
-                <a:srgbClr val="4C4C4C"/>
-              </a:solidFill>
-              <a:effectLst/>
-              <a:uFillTx/>
-              <a:latin typeface="Source Sans Pro"/>
-              <a:ea typeface="Source Sans Pro"/>
-              <a:cs typeface="Source Sans Pro"/>
-              <a:sym typeface="Source Sans Pro"/>
-            </a:endParaRPr>
-          </a:p>
-        </p:txBody>
-      </p:sp>
-      <p:sp>
-        <p:nvSpPr>
-          <p:cNvPr id="469" name="TextBox 468">
-            <a:extLst>
-              <a:ext uri="{FF2B5EF4-FFF2-40B4-BE49-F238E27FC236}">
-                <a16:creationId xmlns:a16="http://schemas.microsoft.com/office/drawing/2014/main" id="{B0777A3F-BCEA-DF03-E946-9EAA09AF9449}"/>
-              </a:ext>
-            </a:extLst>
-          </p:cNvPr>
-          <p:cNvSpPr txBox="1"/>
-          <p:nvPr/>
-        </p:nvSpPr>
-        <p:spPr>
-          <a:xfrm>
-            <a:off x="11622799" y="6885964"/>
-            <a:ext cx="781573" cy="258964"/>
-          </a:xfrm>
-          <a:prstGeom prst="rect">
-            <a:avLst/>
-          </a:prstGeom>
-          <a:noFill/>
-          <a:ln w="12700" cap="flat">
-            <a:noFill/>
-            <a:miter lim="400000"/>
-          </a:ln>
-          <a:effectLst/>
-          <a:sp3d/>
-        </p:spPr>
-        <p:style>
-          <a:lnRef idx="0">
-            <a:scrgbClr r="0" g="0" b="0"/>
-          </a:lnRef>
-          <a:fillRef idx="0">
-            <a:scrgbClr r="0" g="0" b="0"/>
-          </a:fillRef>
-          <a:effectRef idx="0">
-            <a:scrgbClr r="0" g="0" b="0"/>
-          </a:effectRef>
-          <a:fontRef idx="none"/>
-        </p:style>
-        <p:txBody>
-          <a:bodyPr rot="0" spcFirstLastPara="1" vertOverflow="overflow" horzOverflow="overflow" vert="horz" wrap="square" lIns="54570" tIns="54570" rIns="54570" bIns="54570" numCol="1" spcCol="38100" rtlCol="0" anchor="ctr">
-            <a:spAutoFit/>
-          </a:bodyPr>
-          <a:lstStyle/>
-          <a:p>
-            <a:pPr marL="0" marR="0" indent="0" algn="l" defTabSz="584200" rtl="0" fontAlgn="auto" latinLnBrk="0" hangingPunct="0">
-              <a:lnSpc>
-                <a:spcPct val="100000"/>
-              </a:lnSpc>
-              <a:spcBef>
-                <a:spcPts val="200"/>
-              </a:spcBef>
-              <a:spcAft>
-                <a:spcPts val="0"/>
-              </a:spcAft>
-              <a:buClrTx/>
-              <a:buSzTx/>
-              <a:buFontTx/>
-              <a:buNone/>
-              <a:tabLst/>
-            </a:pPr>
-            <a:r>
-              <a:rPr lang="en-US" sz="800" b="0" dirty="0" err="1"/>
-              <a:t>parse_mbox</a:t>
-            </a:r>
-            <a:r>
-              <a:rPr lang="en-US" sz="800" b="0" dirty="0"/>
-              <a:t>()</a:t>
-            </a:r>
-            <a:endParaRPr kumimoji="0" lang="en-US" sz="800" b="0" i="0" u="none" strike="noStrike" cap="none" spc="0" normalizeH="0" baseline="0" dirty="0">
-              <a:ln>
-                <a:noFill/>
-              </a:ln>
-              <a:solidFill>
-                <a:srgbClr val="4C4C4C"/>
-              </a:solidFill>
-              <a:effectLst/>
-              <a:uFillTx/>
-              <a:latin typeface="Source Sans Pro"/>
-              <a:ea typeface="Source Sans Pro"/>
-              <a:cs typeface="Source Sans Pro"/>
-              <a:sym typeface="Source Sans Pro"/>
-            </a:endParaRPr>
-          </a:p>
-        </p:txBody>
-      </p:sp>
-      <p:sp>
-        <p:nvSpPr>
-          <p:cNvPr id="470" name="TextBox 469">
-            <a:extLst>
-              <a:ext uri="{FF2B5EF4-FFF2-40B4-BE49-F238E27FC236}">
-                <a16:creationId xmlns:a16="http://schemas.microsoft.com/office/drawing/2014/main" id="{25A8E869-D336-213B-305E-218F828D79BE}"/>
-              </a:ext>
-            </a:extLst>
-          </p:cNvPr>
-          <p:cNvSpPr txBox="1"/>
-          <p:nvPr/>
-        </p:nvSpPr>
-        <p:spPr>
-          <a:xfrm>
-            <a:off x="11771183" y="6604903"/>
-            <a:ext cx="423360" cy="258964"/>
-          </a:xfrm>
-          <a:prstGeom prst="rect">
-            <a:avLst/>
-          </a:prstGeom>
-          <a:noFill/>
-          <a:ln w="12700" cap="flat">
-            <a:noFill/>
-            <a:miter lim="400000"/>
-          </a:ln>
-          <a:effectLst/>
-          <a:sp3d/>
-        </p:spPr>
-        <p:style>
-          <a:lnRef idx="0">
-            <a:scrgbClr r="0" g="0" b="0"/>
-          </a:lnRef>
-          <a:fillRef idx="0">
-            <a:scrgbClr r="0" g="0" b="0"/>
-          </a:fillRef>
-          <a:effectRef idx="0">
-            <a:scrgbClr r="0" g="0" b="0"/>
-          </a:effectRef>
-          <a:fontRef idx="none"/>
-        </p:style>
-        <p:txBody>
-          <a:bodyPr rot="0" spcFirstLastPara="1" vertOverflow="overflow" horzOverflow="overflow" vert="horz" wrap="square" lIns="54570" tIns="54570" rIns="54570" bIns="54570" numCol="1" spcCol="38100" rtlCol="0" anchor="ctr">
-            <a:spAutoFit/>
-          </a:bodyPr>
-          <a:lstStyle/>
-          <a:p>
-            <a:pPr marL="0" marR="0" indent="0" algn="l" defTabSz="584200" rtl="0" fontAlgn="auto" latinLnBrk="0" hangingPunct="0">
-              <a:lnSpc>
-                <a:spcPct val="100000"/>
-              </a:lnSpc>
-              <a:spcBef>
-                <a:spcPts val="200"/>
-              </a:spcBef>
-              <a:spcAft>
-                <a:spcPts val="0"/>
-              </a:spcAft>
-              <a:buClrTx/>
-              <a:buSzTx/>
-              <a:buFontTx/>
-              <a:buNone/>
-              <a:tabLst/>
-            </a:pPr>
-            <a:r>
-              <a:rPr lang="en-US" sz="800" b="0" dirty="0" err="1"/>
-              <a:t>mail.R</a:t>
-            </a:r>
-            <a:endParaRPr kumimoji="0" lang="en-US" sz="800" b="0" i="0" u="none" strike="noStrike" cap="none" spc="0" normalizeH="0" baseline="0" dirty="0">
-              <a:ln>
-                <a:noFill/>
-              </a:ln>
-              <a:solidFill>
-                <a:srgbClr val="4C4C4C"/>
-              </a:solidFill>
-              <a:effectLst/>
-              <a:uFillTx/>
-              <a:latin typeface="Source Sans Pro"/>
-              <a:ea typeface="Source Sans Pro"/>
-              <a:cs typeface="Source Sans Pro"/>
-              <a:sym typeface="Source Sans Pro"/>
-            </a:endParaRPr>
-          </a:p>
-        </p:txBody>
-      </p:sp>
-      <p:sp>
-        <p:nvSpPr>
-          <p:cNvPr id="471" name="TextBox 470">
-            <a:extLst>
-              <a:ext uri="{FF2B5EF4-FFF2-40B4-BE49-F238E27FC236}">
-                <a16:creationId xmlns:a16="http://schemas.microsoft.com/office/drawing/2014/main" id="{8D3B62AF-E6E2-B74E-D86E-ACE7153D5479}"/>
-              </a:ext>
-            </a:extLst>
-          </p:cNvPr>
-          <p:cNvSpPr txBox="1"/>
-          <p:nvPr/>
-        </p:nvSpPr>
-        <p:spPr>
-          <a:xfrm>
-            <a:off x="11780721" y="7577587"/>
-            <a:ext cx="423360" cy="258964"/>
-          </a:xfrm>
-          <a:prstGeom prst="rect">
-            <a:avLst/>
-          </a:prstGeom>
-          <a:noFill/>
-          <a:ln w="12700" cap="flat">
-            <a:noFill/>
-            <a:miter lim="400000"/>
-          </a:ln>
-          <a:effectLst/>
-          <a:sp3d/>
-        </p:spPr>
-        <p:style>
-          <a:lnRef idx="0">
-            <a:scrgbClr r="0" g="0" b="0"/>
-          </a:lnRef>
-          <a:fillRef idx="0">
-            <a:scrgbClr r="0" g="0" b="0"/>
-          </a:fillRef>
-          <a:effectRef idx="0">
-            <a:scrgbClr r="0" g="0" b="0"/>
-          </a:effectRef>
-          <a:fontRef idx="none"/>
-        </p:style>
-        <p:txBody>
-          <a:bodyPr rot="0" spcFirstLastPara="1" vertOverflow="overflow" horzOverflow="overflow" vert="horz" wrap="square" lIns="54570" tIns="54570" rIns="54570" bIns="54570" numCol="1" spcCol="38100" rtlCol="0" anchor="ctr">
-            <a:spAutoFit/>
-          </a:bodyPr>
-          <a:lstStyle/>
-          <a:p>
-            <a:pPr marL="0" marR="0" indent="0" algn="l" defTabSz="584200" rtl="0" fontAlgn="auto" latinLnBrk="0" hangingPunct="0">
-              <a:lnSpc>
-                <a:spcPct val="100000"/>
-              </a:lnSpc>
-              <a:spcBef>
-                <a:spcPts val="200"/>
-              </a:spcBef>
-              <a:spcAft>
-                <a:spcPts val="0"/>
-              </a:spcAft>
-              <a:buClrTx/>
-              <a:buSzTx/>
-              <a:buFontTx/>
-              <a:buNone/>
-              <a:tabLst/>
-            </a:pPr>
-            <a:r>
-              <a:rPr lang="en-US" sz="800" b="0" dirty="0" err="1"/>
               <a:t>mail.R</a:t>
             </a:r>
             <a:endParaRPr kumimoji="0" lang="en-US" sz="800" b="0" i="0" u="none" strike="noStrike" cap="none" spc="0" normalizeH="0" baseline="0" dirty="0">
@@ -15001,14 +14279,14 @@
           <p:nvPr>
             <p:extLst>
               <p:ext uri="{D42A27DB-BD31-4B8C-83A1-F6EECF244321}">
-                <p14:modId xmlns:p14="http://schemas.microsoft.com/office/powerpoint/2010/main" val="1072663476"/>
+                <p14:modId xmlns:p14="http://schemas.microsoft.com/office/powerpoint/2010/main" val="4129999772"/>
               </p:ext>
             </p:extLst>
           </p:nvPr>
         </p:nvGraphicFramePr>
         <p:xfrm>
-          <a:off x="12396150" y="6529982"/>
-          <a:ext cx="554556" cy="373251"/>
+          <a:off x="12614626" y="6529982"/>
+          <a:ext cx="369704" cy="373251"/>
         </p:xfrm>
         <a:graphic>
           <a:graphicData uri="http://schemas.openxmlformats.org/drawingml/2006/table">
@@ -15028,13 +14306,6 @@
                   <a:extLst>
                     <a:ext uri="{9D8B030D-6E8A-4147-A177-3AD203B41FA5}">
                       <a16:colId xmlns:a16="http://schemas.microsoft.com/office/drawing/2014/main" val="20001"/>
-                    </a:ext>
-                  </a:extLst>
-                </a:gridCol>
-                <a:gridCol w="184852">
-                  <a:extLst>
-                    <a:ext uri="{9D8B030D-6E8A-4147-A177-3AD203B41FA5}">
-                      <a16:colId xmlns:a16="http://schemas.microsoft.com/office/drawing/2014/main" val="20002"/>
                     </a:ext>
                   </a:extLst>
                 </a:gridCol>
@@ -15160,66 +14431,6 @@
                     </a:solidFill>
                   </a:tcPr>
                 </a:tc>
-                <a:tc>
-                  <a:txBody>
-                    <a:bodyPr/>
-                    <a:lstStyle/>
-                    <a:p>
-                      <a:pPr defTabSz="914400">
-                        <a:defRPr sz="700" b="0">
-                          <a:latin typeface="+mj-lt"/>
-                          <a:ea typeface="+mj-ea"/>
-                          <a:cs typeface="+mj-cs"/>
-                          <a:sym typeface="Source Sans Pro Regular"/>
-                        </a:defRPr>
-                      </a:pPr>
-                      <a:endParaRPr>
-                        <a:noFill/>
-                      </a:endParaRPr>
-                    </a:p>
-                  </a:txBody>
-                  <a:tcPr marL="0" marR="0" marT="0" marB="0" anchor="ctr" horzOverflow="overflow">
-                    <a:lnL w="12700" cap="flat" cmpd="sng" algn="ctr">
-                      <a:solidFill>
-                        <a:schemeClr val="bg1"/>
-                      </a:solidFill>
-                      <a:prstDash val="solid"/>
-                      <a:round/>
-                      <a:headEnd type="none" w="med" len="med"/>
-                      <a:tailEnd type="none" w="med" len="med"/>
-                    </a:lnL>
-                    <a:lnR w="12700" cap="flat" cmpd="sng" algn="ctr">
-                      <a:solidFill>
-                        <a:schemeClr val="bg1"/>
-                      </a:solidFill>
-                      <a:prstDash val="solid"/>
-                      <a:round/>
-                      <a:headEnd type="none" w="med" len="med"/>
-                      <a:tailEnd type="none" w="med" len="med"/>
-                    </a:lnR>
-                    <a:lnT w="12700" cap="flat" cmpd="sng" algn="ctr">
-                      <a:solidFill>
-                        <a:schemeClr val="bg1"/>
-                      </a:solidFill>
-                      <a:prstDash val="solid"/>
-                      <a:round/>
-                      <a:headEnd type="none" w="med" len="med"/>
-                      <a:tailEnd type="none" w="med" len="med"/>
-                    </a:lnT>
-                    <a:lnB w="12700" cap="flat" cmpd="sng" algn="ctr">
-                      <a:solidFill>
-                        <a:schemeClr val="bg1"/>
-                      </a:solidFill>
-                      <a:prstDash val="solid"/>
-                      <a:round/>
-                      <a:headEnd type="none" w="med" len="med"/>
-                      <a:tailEnd type="none" w="med" len="med"/>
-                    </a:lnB>
-                    <a:solidFill>
-                      <a:srgbClr val="C1C1C0"/>
-                    </a:solidFill>
-                  </a:tcPr>
-                </a:tc>
                 <a:extLst>
                   <a:ext uri="{0D108BD9-81ED-4DB2-BD59-A6C34878D82A}">
                     <a16:rowId xmlns:a16="http://schemas.microsoft.com/office/drawing/2014/main" val="10000"/>
@@ -15227,66 +14438,6 @@
                 </a:extLst>
               </a:tr>
               <a:tr h="124417">
-                <a:tc>
-                  <a:txBody>
-                    <a:bodyPr/>
-                    <a:lstStyle/>
-                    <a:p>
-                      <a:pPr defTabSz="914400">
-                        <a:defRPr sz="700">
-                          <a:sym typeface="Source Sans Pro Regular"/>
-                        </a:defRPr>
-                      </a:pPr>
-                      <a:endParaRPr dirty="0">
-                        <a:noFill/>
-                        <a:highlight>
-                          <a:srgbClr val="FFFF00"/>
-                        </a:highlight>
-                      </a:endParaRPr>
-                    </a:p>
-                  </a:txBody>
-                  <a:tcPr marL="0" marR="0" marT="0" marB="0" anchor="ctr" horzOverflow="overflow">
-                    <a:lnL w="12700" cap="flat" cmpd="sng" algn="ctr">
-                      <a:solidFill>
-                        <a:schemeClr val="bg1"/>
-                      </a:solidFill>
-                      <a:prstDash val="solid"/>
-                      <a:round/>
-                      <a:headEnd type="none" w="med" len="med"/>
-                      <a:tailEnd type="none" w="med" len="med"/>
-                    </a:lnL>
-                    <a:lnR w="12700" cap="flat" cmpd="sng" algn="ctr">
-                      <a:solidFill>
-                        <a:schemeClr val="bg1"/>
-                      </a:solidFill>
-                      <a:prstDash val="solid"/>
-                      <a:round/>
-                      <a:headEnd type="none" w="med" len="med"/>
-                      <a:tailEnd type="none" w="med" len="med"/>
-                    </a:lnR>
-                    <a:lnT w="12700" cap="flat" cmpd="sng" algn="ctr">
-                      <a:solidFill>
-                        <a:schemeClr val="bg1"/>
-                      </a:solidFill>
-                      <a:prstDash val="solid"/>
-                      <a:round/>
-                      <a:headEnd type="none" w="med" len="med"/>
-                      <a:tailEnd type="none" w="med" len="med"/>
-                    </a:lnT>
-                    <a:lnB w="12700" cap="flat" cmpd="sng" algn="ctr">
-                      <a:solidFill>
-                        <a:schemeClr val="bg1"/>
-                      </a:solidFill>
-                      <a:prstDash val="solid"/>
-                      <a:round/>
-                      <a:headEnd type="none" w="med" len="med"/>
-                      <a:tailEnd type="none" w="med" len="med"/>
-                    </a:lnB>
-                    <a:solidFill>
-                      <a:schemeClr val="accent3"/>
-                    </a:solidFill>
-                  </a:tcPr>
-                </a:tc>
                 <a:tc>
                   <a:txBody>
                     <a:bodyPr/>
@@ -15528,670 +14679,6 @@
                     </a:solidFill>
                   </a:tcPr>
                 </a:tc>
-                <a:tc>
-                  <a:txBody>
-                    <a:bodyPr/>
-                    <a:lstStyle/>
-                    <a:p>
-                      <a:pPr defTabSz="914400">
-                        <a:defRPr sz="700">
-                          <a:sym typeface="Source Sans Pro Regular"/>
-                        </a:defRPr>
-                      </a:pPr>
-                      <a:endParaRPr dirty="0">
-                        <a:noFill/>
-                      </a:endParaRPr>
-                    </a:p>
-                  </a:txBody>
-                  <a:tcPr marL="0" marR="0" marT="0" marB="0" anchor="ctr" horzOverflow="overflow">
-                    <a:lnL w="12700" cap="flat" cmpd="sng" algn="ctr">
-                      <a:solidFill>
-                        <a:schemeClr val="bg1"/>
-                      </a:solidFill>
-                      <a:prstDash val="solid"/>
-                      <a:round/>
-                      <a:headEnd type="none" w="med" len="med"/>
-                      <a:tailEnd type="none" w="med" len="med"/>
-                    </a:lnL>
-                    <a:lnR w="12700" cap="flat" cmpd="sng" algn="ctr">
-                      <a:solidFill>
-                        <a:schemeClr val="bg1"/>
-                      </a:solidFill>
-                      <a:prstDash val="solid"/>
-                      <a:round/>
-                      <a:headEnd type="none" w="med" len="med"/>
-                      <a:tailEnd type="none" w="med" len="med"/>
-                    </a:lnR>
-                    <a:lnT w="12700" cap="flat" cmpd="sng" algn="ctr">
-                      <a:solidFill>
-                        <a:schemeClr val="bg1"/>
-                      </a:solidFill>
-                      <a:prstDash val="solid"/>
-                      <a:round/>
-                      <a:headEnd type="none" w="med" len="med"/>
-                      <a:tailEnd type="none" w="med" len="med"/>
-                    </a:lnT>
-                    <a:lnB w="12700" cap="flat" cmpd="sng" algn="ctr">
-                      <a:solidFill>
-                        <a:schemeClr val="bg1"/>
-                      </a:solidFill>
-                      <a:prstDash val="solid"/>
-                      <a:round/>
-                      <a:headEnd type="none" w="med" len="med"/>
-                      <a:tailEnd type="none" w="med" len="med"/>
-                    </a:lnB>
-                    <a:solidFill>
-                      <a:schemeClr val="accent3"/>
-                    </a:solidFill>
-                  </a:tcPr>
-                </a:tc>
-                <a:extLst>
-                  <a:ext uri="{0D108BD9-81ED-4DB2-BD59-A6C34878D82A}">
-                    <a16:rowId xmlns:a16="http://schemas.microsoft.com/office/drawing/2014/main" val="10002"/>
-                  </a:ext>
-                </a:extLst>
-              </a:tr>
-            </a:tbl>
-          </a:graphicData>
-        </a:graphic>
-      </p:graphicFrame>
-      <p:graphicFrame>
-        <p:nvGraphicFramePr>
-          <p:cNvPr id="473" name="Table">
-            <a:extLst>
-              <a:ext uri="{FF2B5EF4-FFF2-40B4-BE49-F238E27FC236}">
-                <a16:creationId xmlns:a16="http://schemas.microsoft.com/office/drawing/2014/main" id="{3995FE7B-5335-FB78-9ABA-35992E855E24}"/>
-              </a:ext>
-            </a:extLst>
-          </p:cNvPr>
-          <p:cNvGraphicFramePr/>
-          <p:nvPr>
-            <p:extLst>
-              <p:ext uri="{D42A27DB-BD31-4B8C-83A1-F6EECF244321}">
-                <p14:modId xmlns:p14="http://schemas.microsoft.com/office/powerpoint/2010/main" val="3623033422"/>
-              </p:ext>
-            </p:extLst>
-          </p:nvPr>
-        </p:nvGraphicFramePr>
-        <p:xfrm>
-          <a:off x="12406310" y="7540248"/>
-          <a:ext cx="554556" cy="373251"/>
-        </p:xfrm>
-        <a:graphic>
-          <a:graphicData uri="http://schemas.openxmlformats.org/drawingml/2006/table">
-            <a:tbl>
-              <a:tblPr firstRow="1">
-                <a:tableStyleId>{4C3C2611-4C71-4FC5-86AE-919BDF0F9419}</a:tableStyleId>
-              </a:tblPr>
-              <a:tblGrid>
-                <a:gridCol w="184852">
-                  <a:extLst>
-                    <a:ext uri="{9D8B030D-6E8A-4147-A177-3AD203B41FA5}">
-                      <a16:colId xmlns:a16="http://schemas.microsoft.com/office/drawing/2014/main" val="20000"/>
-                    </a:ext>
-                  </a:extLst>
-                </a:gridCol>
-                <a:gridCol w="184852">
-                  <a:extLst>
-                    <a:ext uri="{9D8B030D-6E8A-4147-A177-3AD203B41FA5}">
-                      <a16:colId xmlns:a16="http://schemas.microsoft.com/office/drawing/2014/main" val="20001"/>
-                    </a:ext>
-                  </a:extLst>
-                </a:gridCol>
-                <a:gridCol w="184852">
-                  <a:extLst>
-                    <a:ext uri="{9D8B030D-6E8A-4147-A177-3AD203B41FA5}">
-                      <a16:colId xmlns:a16="http://schemas.microsoft.com/office/drawing/2014/main" val="20002"/>
-                    </a:ext>
-                  </a:extLst>
-                </a:gridCol>
-              </a:tblGrid>
-              <a:tr h="124417">
-                <a:tc>
-                  <a:txBody>
-                    <a:bodyPr/>
-                    <a:lstStyle/>
-                    <a:p>
-                      <a:pPr defTabSz="914400">
-                        <a:defRPr sz="700" b="0">
-                          <a:latin typeface="+mj-lt"/>
-                          <a:ea typeface="+mj-ea"/>
-                          <a:cs typeface="+mj-cs"/>
-                          <a:sym typeface="Source Sans Pro Regular"/>
-                        </a:defRPr>
-                      </a:pPr>
-                      <a:endParaRPr dirty="0">
-                        <a:noFill/>
-                      </a:endParaRPr>
-                    </a:p>
-                  </a:txBody>
-                  <a:tcPr marL="0" marR="0" marT="0" marB="0" anchor="ctr" horzOverflow="overflow">
-                    <a:lnL w="12700" cap="flat" cmpd="sng" algn="ctr">
-                      <a:solidFill>
-                        <a:schemeClr val="bg1"/>
-                      </a:solidFill>
-                      <a:prstDash val="solid"/>
-                      <a:round/>
-                      <a:headEnd type="none" w="med" len="med"/>
-                      <a:tailEnd type="none" w="med" len="med"/>
-                    </a:lnL>
-                    <a:lnR w="12700" cap="flat" cmpd="sng" algn="ctr">
-                      <a:solidFill>
-                        <a:schemeClr val="bg1"/>
-                      </a:solidFill>
-                      <a:prstDash val="solid"/>
-                      <a:round/>
-                      <a:headEnd type="none" w="med" len="med"/>
-                      <a:tailEnd type="none" w="med" len="med"/>
-                    </a:lnR>
-                    <a:lnT w="12700" cap="flat" cmpd="sng" algn="ctr">
-                      <a:solidFill>
-                        <a:schemeClr val="bg1"/>
-                      </a:solidFill>
-                      <a:prstDash val="solid"/>
-                      <a:round/>
-                      <a:headEnd type="none" w="med" len="med"/>
-                      <a:tailEnd type="none" w="med" len="med"/>
-                    </a:lnT>
-                    <a:lnB w="12700" cap="flat" cmpd="sng" algn="ctr">
-                      <a:solidFill>
-                        <a:schemeClr val="bg1"/>
-                      </a:solidFill>
-                      <a:prstDash val="solid"/>
-                      <a:round/>
-                      <a:headEnd type="none" w="med" len="med"/>
-                      <a:tailEnd type="none" w="med" len="med"/>
-                    </a:lnB>
-                    <a:solidFill>
-                      <a:srgbClr val="C1C1C0"/>
-                    </a:solidFill>
-                  </a:tcPr>
-                </a:tc>
-                <a:tc>
-                  <a:txBody>
-                    <a:bodyPr/>
-                    <a:lstStyle/>
-                    <a:p>
-                      <a:pPr defTabSz="914400">
-                        <a:defRPr sz="700" b="0">
-                          <a:latin typeface="+mj-lt"/>
-                          <a:ea typeface="+mj-ea"/>
-                          <a:cs typeface="+mj-cs"/>
-                          <a:sym typeface="Source Sans Pro Regular"/>
-                        </a:defRPr>
-                      </a:pPr>
-                      <a:endParaRPr dirty="0">
-                        <a:noFill/>
-                      </a:endParaRPr>
-                    </a:p>
-                  </a:txBody>
-                  <a:tcPr marL="0" marR="0" marT="0" marB="0" anchor="ctr" horzOverflow="overflow">
-                    <a:lnL w="12700" cap="flat" cmpd="sng" algn="ctr">
-                      <a:solidFill>
-                        <a:schemeClr val="bg1"/>
-                      </a:solidFill>
-                      <a:prstDash val="solid"/>
-                      <a:round/>
-                      <a:headEnd type="none" w="med" len="med"/>
-                      <a:tailEnd type="none" w="med" len="med"/>
-                    </a:lnL>
-                    <a:lnR w="12700" cap="flat" cmpd="sng" algn="ctr">
-                      <a:solidFill>
-                        <a:schemeClr val="bg1"/>
-                      </a:solidFill>
-                      <a:prstDash val="solid"/>
-                      <a:round/>
-                      <a:headEnd type="none" w="med" len="med"/>
-                      <a:tailEnd type="none" w="med" len="med"/>
-                    </a:lnR>
-                    <a:lnT w="12700" cap="flat" cmpd="sng" algn="ctr">
-                      <a:solidFill>
-                        <a:schemeClr val="bg1"/>
-                      </a:solidFill>
-                      <a:prstDash val="solid"/>
-                      <a:round/>
-                      <a:headEnd type="none" w="med" len="med"/>
-                      <a:tailEnd type="none" w="med" len="med"/>
-                    </a:lnT>
-                    <a:lnB w="12700" cap="flat" cmpd="sng" algn="ctr">
-                      <a:solidFill>
-                        <a:schemeClr val="bg1"/>
-                      </a:solidFill>
-                      <a:prstDash val="solid"/>
-                      <a:round/>
-                      <a:headEnd type="none" w="med" len="med"/>
-                      <a:tailEnd type="none" w="med" len="med"/>
-                    </a:lnB>
-                    <a:solidFill>
-                      <a:srgbClr val="C1C1C0"/>
-                    </a:solidFill>
-                  </a:tcPr>
-                </a:tc>
-                <a:tc>
-                  <a:txBody>
-                    <a:bodyPr/>
-                    <a:lstStyle/>
-                    <a:p>
-                      <a:pPr defTabSz="914400">
-                        <a:defRPr sz="700" b="0">
-                          <a:latin typeface="+mj-lt"/>
-                          <a:ea typeface="+mj-ea"/>
-                          <a:cs typeface="+mj-cs"/>
-                          <a:sym typeface="Source Sans Pro Regular"/>
-                        </a:defRPr>
-                      </a:pPr>
-                      <a:endParaRPr>
-                        <a:noFill/>
-                      </a:endParaRPr>
-                    </a:p>
-                  </a:txBody>
-                  <a:tcPr marL="0" marR="0" marT="0" marB="0" anchor="ctr" horzOverflow="overflow">
-                    <a:lnL w="12700" cap="flat" cmpd="sng" algn="ctr">
-                      <a:solidFill>
-                        <a:schemeClr val="bg1"/>
-                      </a:solidFill>
-                      <a:prstDash val="solid"/>
-                      <a:round/>
-                      <a:headEnd type="none" w="med" len="med"/>
-                      <a:tailEnd type="none" w="med" len="med"/>
-                    </a:lnL>
-                    <a:lnR w="12700" cap="flat" cmpd="sng" algn="ctr">
-                      <a:solidFill>
-                        <a:schemeClr val="bg1"/>
-                      </a:solidFill>
-                      <a:prstDash val="solid"/>
-                      <a:round/>
-                      <a:headEnd type="none" w="med" len="med"/>
-                      <a:tailEnd type="none" w="med" len="med"/>
-                    </a:lnR>
-                    <a:lnT w="12700" cap="flat" cmpd="sng" algn="ctr">
-                      <a:solidFill>
-                        <a:schemeClr val="bg1"/>
-                      </a:solidFill>
-                      <a:prstDash val="solid"/>
-                      <a:round/>
-                      <a:headEnd type="none" w="med" len="med"/>
-                      <a:tailEnd type="none" w="med" len="med"/>
-                    </a:lnT>
-                    <a:lnB w="12700" cap="flat" cmpd="sng" algn="ctr">
-                      <a:solidFill>
-                        <a:schemeClr val="bg1"/>
-                      </a:solidFill>
-                      <a:prstDash val="solid"/>
-                      <a:round/>
-                      <a:headEnd type="none" w="med" len="med"/>
-                      <a:tailEnd type="none" w="med" len="med"/>
-                    </a:lnB>
-                    <a:solidFill>
-                      <a:srgbClr val="C1C1C0"/>
-                    </a:solidFill>
-                  </a:tcPr>
-                </a:tc>
-                <a:extLst>
-                  <a:ext uri="{0D108BD9-81ED-4DB2-BD59-A6C34878D82A}">
-                    <a16:rowId xmlns:a16="http://schemas.microsoft.com/office/drawing/2014/main" val="10000"/>
-                  </a:ext>
-                </a:extLst>
-              </a:tr>
-              <a:tr h="124417">
-                <a:tc>
-                  <a:txBody>
-                    <a:bodyPr/>
-                    <a:lstStyle/>
-                    <a:p>
-                      <a:pPr defTabSz="914400">
-                        <a:defRPr sz="700">
-                          <a:sym typeface="Source Sans Pro Regular"/>
-                        </a:defRPr>
-                      </a:pPr>
-                      <a:endParaRPr dirty="0">
-                        <a:noFill/>
-                        <a:highlight>
-                          <a:srgbClr val="FFFF00"/>
-                        </a:highlight>
-                      </a:endParaRPr>
-                    </a:p>
-                  </a:txBody>
-                  <a:tcPr marL="0" marR="0" marT="0" marB="0" anchor="ctr" horzOverflow="overflow">
-                    <a:lnL w="12700" cap="flat" cmpd="sng" algn="ctr">
-                      <a:solidFill>
-                        <a:schemeClr val="bg1"/>
-                      </a:solidFill>
-                      <a:prstDash val="solid"/>
-                      <a:round/>
-                      <a:headEnd type="none" w="med" len="med"/>
-                      <a:tailEnd type="none" w="med" len="med"/>
-                    </a:lnL>
-                    <a:lnR w="12700" cap="flat" cmpd="sng" algn="ctr">
-                      <a:solidFill>
-                        <a:schemeClr val="bg1"/>
-                      </a:solidFill>
-                      <a:prstDash val="solid"/>
-                      <a:round/>
-                      <a:headEnd type="none" w="med" len="med"/>
-                      <a:tailEnd type="none" w="med" len="med"/>
-                    </a:lnR>
-                    <a:lnT w="12700" cap="flat" cmpd="sng" algn="ctr">
-                      <a:solidFill>
-                        <a:schemeClr val="bg1"/>
-                      </a:solidFill>
-                      <a:prstDash val="solid"/>
-                      <a:round/>
-                      <a:headEnd type="none" w="med" len="med"/>
-                      <a:tailEnd type="none" w="med" len="med"/>
-                    </a:lnT>
-                    <a:lnB w="12700" cap="flat" cmpd="sng" algn="ctr">
-                      <a:solidFill>
-                        <a:schemeClr val="bg1"/>
-                      </a:solidFill>
-                      <a:prstDash val="solid"/>
-                      <a:round/>
-                      <a:headEnd type="none" w="med" len="med"/>
-                      <a:tailEnd type="none" w="med" len="med"/>
-                    </a:lnB>
-                    <a:solidFill>
-                      <a:schemeClr val="accent3"/>
-                    </a:solidFill>
-                  </a:tcPr>
-                </a:tc>
-                <a:tc>
-                  <a:txBody>
-                    <a:bodyPr/>
-                    <a:lstStyle/>
-                    <a:p>
-                      <a:pPr defTabSz="914400">
-                        <a:defRPr sz="700">
-                          <a:sym typeface="Source Sans Pro Regular"/>
-                        </a:defRPr>
-                      </a:pPr>
-                      <a:endParaRPr dirty="0">
-                        <a:noFill/>
-                        <a:highlight>
-                          <a:srgbClr val="FFFF00"/>
-                        </a:highlight>
-                      </a:endParaRPr>
-                    </a:p>
-                  </a:txBody>
-                  <a:tcPr marL="0" marR="0" marT="0" marB="0" anchor="ctr" horzOverflow="overflow">
-                    <a:lnL w="12700" cap="flat" cmpd="sng" algn="ctr">
-                      <a:solidFill>
-                        <a:schemeClr val="bg1"/>
-                      </a:solidFill>
-                      <a:prstDash val="solid"/>
-                      <a:round/>
-                      <a:headEnd type="none" w="med" len="med"/>
-                      <a:tailEnd type="none" w="med" len="med"/>
-                    </a:lnL>
-                    <a:lnR w="12700" cap="flat" cmpd="sng" algn="ctr">
-                      <a:solidFill>
-                        <a:schemeClr val="bg1"/>
-                      </a:solidFill>
-                      <a:prstDash val="solid"/>
-                      <a:round/>
-                      <a:headEnd type="none" w="med" len="med"/>
-                      <a:tailEnd type="none" w="med" len="med"/>
-                    </a:lnR>
-                    <a:lnT w="12700" cap="flat" cmpd="sng" algn="ctr">
-                      <a:solidFill>
-                        <a:schemeClr val="bg1"/>
-                      </a:solidFill>
-                      <a:prstDash val="solid"/>
-                      <a:round/>
-                      <a:headEnd type="none" w="med" len="med"/>
-                      <a:tailEnd type="none" w="med" len="med"/>
-                    </a:lnT>
-                    <a:lnB w="12700" cap="flat" cmpd="sng" algn="ctr">
-                      <a:solidFill>
-                        <a:schemeClr val="bg1"/>
-                      </a:solidFill>
-                      <a:prstDash val="solid"/>
-                      <a:round/>
-                      <a:headEnd type="none" w="med" len="med"/>
-                      <a:tailEnd type="none" w="med" len="med"/>
-                    </a:lnB>
-                    <a:solidFill>
-                      <a:schemeClr val="accent3"/>
-                    </a:solidFill>
-                  </a:tcPr>
-                </a:tc>
-                <a:tc>
-                  <a:txBody>
-                    <a:bodyPr/>
-                    <a:lstStyle/>
-                    <a:p>
-                      <a:pPr defTabSz="914400">
-                        <a:defRPr sz="700">
-                          <a:sym typeface="Source Sans Pro Regular"/>
-                        </a:defRPr>
-                      </a:pPr>
-                      <a:endParaRPr dirty="0">
-                        <a:noFill/>
-                        <a:highlight>
-                          <a:srgbClr val="FFFF00"/>
-                        </a:highlight>
-                      </a:endParaRPr>
-                    </a:p>
-                  </a:txBody>
-                  <a:tcPr marL="0" marR="0" marT="0" marB="0" anchor="ctr" horzOverflow="overflow">
-                    <a:lnL w="12700" cap="flat" cmpd="sng" algn="ctr">
-                      <a:solidFill>
-                        <a:schemeClr val="bg1"/>
-                      </a:solidFill>
-                      <a:prstDash val="solid"/>
-                      <a:round/>
-                      <a:headEnd type="none" w="med" len="med"/>
-                      <a:tailEnd type="none" w="med" len="med"/>
-                    </a:lnL>
-                    <a:lnR w="12700" cap="flat" cmpd="sng" algn="ctr">
-                      <a:solidFill>
-                        <a:schemeClr val="bg1"/>
-                      </a:solidFill>
-                      <a:prstDash val="solid"/>
-                      <a:round/>
-                      <a:headEnd type="none" w="med" len="med"/>
-                      <a:tailEnd type="none" w="med" len="med"/>
-                    </a:lnR>
-                    <a:lnT w="12700" cap="flat" cmpd="sng" algn="ctr">
-                      <a:solidFill>
-                        <a:schemeClr val="bg1"/>
-                      </a:solidFill>
-                      <a:prstDash val="solid"/>
-                      <a:round/>
-                      <a:headEnd type="none" w="med" len="med"/>
-                      <a:tailEnd type="none" w="med" len="med"/>
-                    </a:lnT>
-                    <a:lnB w="12700" cap="flat" cmpd="sng" algn="ctr">
-                      <a:solidFill>
-                        <a:schemeClr val="bg1"/>
-                      </a:solidFill>
-                      <a:prstDash val="solid"/>
-                      <a:round/>
-                      <a:headEnd type="none" w="med" len="med"/>
-                      <a:tailEnd type="none" w="med" len="med"/>
-                    </a:lnB>
-                    <a:solidFill>
-                      <a:schemeClr val="accent3"/>
-                    </a:solidFill>
-                  </a:tcPr>
-                </a:tc>
-                <a:extLst>
-                  <a:ext uri="{0D108BD9-81ED-4DB2-BD59-A6C34878D82A}">
-                    <a16:rowId xmlns:a16="http://schemas.microsoft.com/office/drawing/2014/main" val="10001"/>
-                  </a:ext>
-                </a:extLst>
-              </a:tr>
-              <a:tr h="124417">
-                <a:tc>
-                  <a:txBody>
-                    <a:bodyPr/>
-                    <a:lstStyle/>
-                    <a:p>
-                      <a:pPr defTabSz="914400">
-                        <a:defRPr sz="700">
-                          <a:sym typeface="Source Sans Pro Regular"/>
-                        </a:defRPr>
-                      </a:pPr>
-                      <a:endParaRPr dirty="0">
-                        <a:noFill/>
-                      </a:endParaRPr>
-                    </a:p>
-                  </a:txBody>
-                  <a:tcPr marL="0" marR="0" marT="0" marB="0" anchor="ctr" horzOverflow="overflow">
-                    <a:lnL w="12700" cap="flat" cmpd="sng" algn="ctr">
-                      <a:solidFill>
-                        <a:schemeClr val="bg1"/>
-                      </a:solidFill>
-                      <a:prstDash val="solid"/>
-                      <a:round/>
-                      <a:headEnd type="none" w="med" len="med"/>
-                      <a:tailEnd type="none" w="med" len="med"/>
-                    </a:lnL>
-                    <a:lnR w="12700" cap="flat" cmpd="sng" algn="ctr">
-                      <a:solidFill>
-                        <a:schemeClr val="bg1"/>
-                      </a:solidFill>
-                      <a:prstDash val="solid"/>
-                      <a:round/>
-                      <a:headEnd type="none" w="med" len="med"/>
-                      <a:tailEnd type="none" w="med" len="med"/>
-                    </a:lnR>
-                    <a:lnT w="12700" cap="flat" cmpd="sng" algn="ctr">
-                      <a:solidFill>
-                        <a:schemeClr val="bg1"/>
-                      </a:solidFill>
-                      <a:prstDash val="solid"/>
-                      <a:round/>
-                      <a:headEnd type="none" w="med" len="med"/>
-                      <a:tailEnd type="none" w="med" len="med"/>
-                    </a:lnT>
-                    <a:lnB w="12700" cap="flat" cmpd="sng" algn="ctr">
-                      <a:solidFill>
-                        <a:schemeClr val="bg1"/>
-                      </a:solidFill>
-                      <a:prstDash val="solid"/>
-                      <a:round/>
-                      <a:headEnd type="none" w="med" len="med"/>
-                      <a:tailEnd type="none" w="med" len="med"/>
-                    </a:lnB>
-                    <a:solidFill>
-                      <a:schemeClr val="accent3"/>
-                    </a:solidFill>
-                  </a:tcPr>
-                </a:tc>
-                <a:tc>
-                  <a:txBody>
-                    <a:bodyPr/>
-                    <a:lstStyle/>
-                    <a:p>
-                      <a:pPr defTabSz="914400">
-                        <a:defRPr sz="700">
-                          <a:sym typeface="Source Sans Pro Regular"/>
-                        </a:defRPr>
-                      </a:pPr>
-                      <a:endParaRPr dirty="0">
-                        <a:noFill/>
-                      </a:endParaRPr>
-                    </a:p>
-                  </a:txBody>
-                  <a:tcPr marL="0" marR="0" marT="0" marB="0" anchor="ctr" horzOverflow="overflow">
-                    <a:lnL w="12700" cap="flat" cmpd="sng" algn="ctr">
-                      <a:solidFill>
-                        <a:schemeClr val="bg1"/>
-                      </a:solidFill>
-                      <a:prstDash val="solid"/>
-                      <a:round/>
-                      <a:headEnd type="none" w="med" len="med"/>
-                      <a:tailEnd type="none" w="med" len="med"/>
-                    </a:lnL>
-                    <a:lnR w="12700" cap="flat" cmpd="sng" algn="ctr">
-                      <a:solidFill>
-                        <a:schemeClr val="bg1"/>
-                      </a:solidFill>
-                      <a:prstDash val="solid"/>
-                      <a:round/>
-                      <a:headEnd type="none" w="med" len="med"/>
-                      <a:tailEnd type="none" w="med" len="med"/>
-                    </a:lnR>
-                    <a:lnT w="12700" cap="flat" cmpd="sng" algn="ctr">
-                      <a:solidFill>
-                        <a:schemeClr val="bg1"/>
-                      </a:solidFill>
-                      <a:prstDash val="solid"/>
-                      <a:round/>
-                      <a:headEnd type="none" w="med" len="med"/>
-                      <a:tailEnd type="none" w="med" len="med"/>
-                    </a:lnT>
-                    <a:lnB w="12700" cap="flat" cmpd="sng" algn="ctr">
-                      <a:solidFill>
-                        <a:schemeClr val="bg1"/>
-                      </a:solidFill>
-                      <a:prstDash val="solid"/>
-                      <a:round/>
-                      <a:headEnd type="none" w="med" len="med"/>
-                      <a:tailEnd type="none" w="med" len="med"/>
-                    </a:lnB>
-                    <a:solidFill>
-                      <a:schemeClr val="accent3"/>
-                    </a:solidFill>
-                  </a:tcPr>
-                </a:tc>
-                <a:tc>
-                  <a:txBody>
-                    <a:bodyPr/>
-                    <a:lstStyle/>
-                    <a:p>
-                      <a:pPr defTabSz="914400">
-                        <a:defRPr sz="700">
-                          <a:sym typeface="Source Sans Pro Regular"/>
-                        </a:defRPr>
-                      </a:pPr>
-                      <a:endParaRPr dirty="0">
-                        <a:noFill/>
-                      </a:endParaRPr>
-                    </a:p>
-                  </a:txBody>
-                  <a:tcPr marL="0" marR="0" marT="0" marB="0" anchor="ctr" horzOverflow="overflow">
-                    <a:lnL w="12700" cap="flat" cmpd="sng" algn="ctr">
-                      <a:solidFill>
-                        <a:schemeClr val="bg1"/>
-                      </a:solidFill>
-                      <a:prstDash val="solid"/>
-                      <a:round/>
-                      <a:headEnd type="none" w="med" len="med"/>
-                      <a:tailEnd type="none" w="med" len="med"/>
-                    </a:lnL>
-                    <a:lnR w="12700" cap="flat" cmpd="sng" algn="ctr">
-                      <a:solidFill>
-                        <a:schemeClr val="bg1"/>
-                      </a:solidFill>
-                      <a:prstDash val="solid"/>
-                      <a:round/>
-                      <a:headEnd type="none" w="med" len="med"/>
-                      <a:tailEnd type="none" w="med" len="med"/>
-                    </a:lnR>
-                    <a:lnT w="12700" cap="flat" cmpd="sng" algn="ctr">
-                      <a:solidFill>
-                        <a:schemeClr val="bg1"/>
-                      </a:solidFill>
-                      <a:prstDash val="solid"/>
-                      <a:round/>
-                      <a:headEnd type="none" w="med" len="med"/>
-                      <a:tailEnd type="none" w="med" len="med"/>
-                    </a:lnT>
-                    <a:lnB w="12700" cap="flat" cmpd="sng" algn="ctr">
-                      <a:solidFill>
-                        <a:schemeClr val="bg1"/>
-                      </a:solidFill>
-                      <a:prstDash val="solid"/>
-                      <a:round/>
-                      <a:headEnd type="none" w="med" len="med"/>
-                      <a:tailEnd type="none" w="med" len="med"/>
-                    </a:lnB>
-                    <a:solidFill>
-                      <a:schemeClr val="accent3"/>
-                    </a:solidFill>
-                  </a:tcPr>
-                </a:tc>
                 <a:extLst>
                   <a:ext uri="{0D108BD9-81ED-4DB2-BD59-A6C34878D82A}">
                     <a16:rowId xmlns:a16="http://schemas.microsoft.com/office/drawing/2014/main" val="10002"/>
@@ -16346,7 +14833,7 @@
         </p:nvSpPr>
         <p:spPr>
           <a:xfrm>
-            <a:off x="10909794" y="6082519"/>
+            <a:off x="10672402" y="6063272"/>
             <a:ext cx="781573" cy="258964"/>
           </a:xfrm>
           <a:prstGeom prst="rect">
@@ -16435,7 +14922,7 @@
         </p:nvCxnSpPr>
         <p:spPr>
           <a:xfrm>
-            <a:off x="9919330" y="7235935"/>
+            <a:off x="9756302" y="7235935"/>
             <a:ext cx="167561" cy="4430"/>
           </a:xfrm>
           <a:prstGeom prst="straightConnector1">
@@ -16482,7 +14969,7 @@
         </p:nvCxnSpPr>
         <p:spPr>
           <a:xfrm flipV="1">
-            <a:off x="10566899" y="7011918"/>
+            <a:off x="10403871" y="7011918"/>
             <a:ext cx="239813" cy="224017"/>
           </a:xfrm>
           <a:prstGeom prst="straightConnector1">
@@ -16529,7 +15016,7 @@
         </p:nvCxnSpPr>
         <p:spPr>
           <a:xfrm>
-            <a:off x="11489812" y="6724620"/>
+            <a:off x="11858397" y="6724620"/>
             <a:ext cx="167561" cy="4430"/>
           </a:xfrm>
           <a:prstGeom prst="straightConnector1">
@@ -16562,10 +15049,10 @@
       </p:cxnSp>
       <p:cxnSp>
         <p:nvCxnSpPr>
-          <p:cNvPr id="480" name="Straight Arrow Connector 479">
+          <p:cNvPr id="483" name="Straight Arrow Connector 482">
             <a:extLst>
               <a:ext uri="{FF2B5EF4-FFF2-40B4-BE49-F238E27FC236}">
-                <a16:creationId xmlns:a16="http://schemas.microsoft.com/office/drawing/2014/main" id="{41BDD874-2A8F-5F24-917E-6A720BC4F947}"/>
+                <a16:creationId xmlns:a16="http://schemas.microsoft.com/office/drawing/2014/main" id="{4B4BC862-1168-7836-331C-15CAAF4AE5B4}"/>
               </a:ext>
             </a:extLst>
           </p:cNvPr>
@@ -16576,141 +15063,7 @@
         </p:nvCxnSpPr>
         <p:spPr>
           <a:xfrm>
-            <a:off x="11499971" y="7719276"/>
-            <a:ext cx="167561" cy="4430"/>
-          </a:xfrm>
-          <a:prstGeom prst="straightConnector1">
-            <a:avLst/>
-          </a:prstGeom>
-          <a:noFill/>
-          <a:ln w="12700" cap="flat">
-            <a:solidFill>
-              <a:srgbClr val="000000"/>
-            </a:solidFill>
-            <a:prstDash val="solid"/>
-            <a:miter lim="400000"/>
-            <a:tailEnd type="triangle"/>
-          </a:ln>
-          <a:effectLst/>
-          <a:sp3d/>
-        </p:spPr>
-        <p:style>
-          <a:lnRef idx="0">
-            <a:scrgbClr r="0" g="0" b="0"/>
-          </a:lnRef>
-          <a:fillRef idx="0">
-            <a:scrgbClr r="0" g="0" b="0"/>
-          </a:fillRef>
-          <a:effectRef idx="0">
-            <a:scrgbClr r="0" g="0" b="0"/>
-          </a:effectRef>
-          <a:fontRef idx="none"/>
-        </p:style>
-      </p:cxnSp>
-      <p:sp>
-        <p:nvSpPr>
-          <p:cNvPr id="482" name="Rectangle 481">
-            <a:extLst>
-              <a:ext uri="{FF2B5EF4-FFF2-40B4-BE49-F238E27FC236}">
-                <a16:creationId xmlns:a16="http://schemas.microsoft.com/office/drawing/2014/main" id="{F53488AE-298B-5D52-4E5F-CDB1266A9062}"/>
-              </a:ext>
-            </a:extLst>
-          </p:cNvPr>
-          <p:cNvSpPr/>
-          <p:nvPr/>
-        </p:nvSpPr>
-        <p:spPr>
-          <a:xfrm>
-            <a:off x="10918748" y="7383407"/>
-            <a:ext cx="2157867" cy="799189"/>
-          </a:xfrm>
-          <a:prstGeom prst="rect">
-            <a:avLst/>
-          </a:prstGeom>
-          <a:noFill/>
-          <a:ln w="12700" cap="flat">
-            <a:solidFill>
-              <a:schemeClr val="accent1"/>
-            </a:solidFill>
-            <a:miter lim="400000"/>
-          </a:ln>
-          <a:effectLst>
-            <a:outerShdw blurRad="38100" dist="25400" dir="5400000" rotWithShape="0">
-              <a:srgbClr val="000000">
-                <a:alpha val="50000"/>
-              </a:srgbClr>
-            </a:outerShdw>
-          </a:effectLst>
-          <a:sp3d/>
-        </p:spPr>
-        <p:style>
-          <a:lnRef idx="0">
-            <a:scrgbClr r="0" g="0" b="0"/>
-          </a:lnRef>
-          <a:fillRef idx="0">
-            <a:scrgbClr r="0" g="0" b="0"/>
-          </a:fillRef>
-          <a:effectRef idx="0">
-            <a:scrgbClr r="0" g="0" b="0"/>
-          </a:effectRef>
-          <a:fontRef idx="none"/>
-        </p:style>
-        <p:txBody>
-          <a:bodyPr rot="0" spcFirstLastPara="1" vertOverflow="overflow" horzOverflow="overflow" vert="horz" wrap="square" lIns="54570" tIns="54570" rIns="54570" bIns="54570" numCol="1" spcCol="38100" rtlCol="0" anchor="ctr">
-            <a:spAutoFit/>
-          </a:bodyPr>
-          <a:lstStyle/>
-          <a:p>
-            <a:pPr marL="0" marR="0" indent="0" algn="l" defTabSz="584200" rtl="0" fontAlgn="auto" latinLnBrk="0" hangingPunct="0">
-              <a:lnSpc>
-                <a:spcPct val="80000"/>
-              </a:lnSpc>
-              <a:spcBef>
-                <a:spcPts val="0"/>
-              </a:spcBef>
-              <a:spcAft>
-                <a:spcPts val="0"/>
-              </a:spcAft>
-              <a:buClrTx/>
-              <a:buSzTx/>
-              <a:buFontTx/>
-              <a:buNone/>
-              <a:tabLst/>
-            </a:pPr>
-            <a:endParaRPr kumimoji="0" lang="en-US" sz="1200" b="0" i="0" u="none" strike="noStrike" cap="none" spc="0" normalizeH="0" baseline="0">
-              <a:ln>
-                <a:noFill/>
-              </a:ln>
-              <a:solidFill>
-                <a:srgbClr val="000000"/>
-              </a:solidFill>
-              <a:effectLst/>
-              <a:uFillTx/>
-              <a:latin typeface="Source Sans Pro"/>
-              <a:ea typeface="Source Sans Pro"/>
-              <a:cs typeface="Source Sans Pro"/>
-              <a:sym typeface="Source Sans Pro"/>
-            </a:endParaRPr>
-          </a:p>
-        </p:txBody>
-      </p:sp>
-      <p:cxnSp>
-        <p:nvCxnSpPr>
-          <p:cNvPr id="483" name="Straight Arrow Connector 482">
-            <a:extLst>
-              <a:ext uri="{FF2B5EF4-FFF2-40B4-BE49-F238E27FC236}">
-                <a16:creationId xmlns:a16="http://schemas.microsoft.com/office/drawing/2014/main" id="{4B4BC862-1168-7836-331C-15CAAF4AE5B4}"/>
-              </a:ext>
-            </a:extLst>
-          </p:cNvPr>
-          <p:cNvCxnSpPr>
-            <a:cxnSpLocks/>
-          </p:cNvCxnSpPr>
-          <p:nvPr/>
-        </p:nvCxnSpPr>
-        <p:spPr>
-          <a:xfrm>
-            <a:off x="10568487" y="7235935"/>
+            <a:off x="10405459" y="7235935"/>
             <a:ext cx="222607" cy="227211"/>
           </a:xfrm>
           <a:prstGeom prst="straightConnector1">
@@ -16757,54 +15110,7 @@
         </p:nvCxnSpPr>
         <p:spPr>
           <a:xfrm>
-            <a:off x="12181273" y="6727044"/>
-            <a:ext cx="167561" cy="4430"/>
-          </a:xfrm>
-          <a:prstGeom prst="straightConnector1">
-            <a:avLst/>
-          </a:prstGeom>
-          <a:noFill/>
-          <a:ln w="12700" cap="flat">
-            <a:solidFill>
-              <a:srgbClr val="000000"/>
-            </a:solidFill>
-            <a:prstDash val="solid"/>
-            <a:miter lim="400000"/>
-            <a:tailEnd type="triangle"/>
-          </a:ln>
-          <a:effectLst/>
-          <a:sp3d/>
-        </p:spPr>
-        <p:style>
-          <a:lnRef idx="0">
-            <a:scrgbClr r="0" g="0" b="0"/>
-          </a:lnRef>
-          <a:fillRef idx="0">
-            <a:scrgbClr r="0" g="0" b="0"/>
-          </a:fillRef>
-          <a:effectRef idx="0">
-            <a:scrgbClr r="0" g="0" b="0"/>
-          </a:effectRef>
-          <a:fontRef idx="none"/>
-        </p:style>
-      </p:cxnSp>
-      <p:cxnSp>
-        <p:nvCxnSpPr>
-          <p:cNvPr id="485" name="Straight Arrow Connector 484">
-            <a:extLst>
-              <a:ext uri="{FF2B5EF4-FFF2-40B4-BE49-F238E27FC236}">
-                <a16:creationId xmlns:a16="http://schemas.microsoft.com/office/drawing/2014/main" id="{4451925F-C4D3-A875-78F3-8B43660F15AB}"/>
-              </a:ext>
-            </a:extLst>
-          </p:cNvPr>
-          <p:cNvCxnSpPr>
-            <a:cxnSpLocks/>
-          </p:cNvCxnSpPr>
-          <p:nvPr/>
-        </p:nvCxnSpPr>
-        <p:spPr>
-          <a:xfrm>
-            <a:off x="12201937" y="7714846"/>
+            <a:off x="12413702" y="6727044"/>
             <a:ext cx="167561" cy="4430"/>
           </a:xfrm>
           <a:prstGeom prst="straightConnector1">
@@ -16898,7 +15204,7 @@
         </p:nvCxnSpPr>
         <p:spPr>
           <a:xfrm>
-            <a:off x="13080279" y="7386965"/>
+            <a:off x="13073191" y="7386965"/>
             <a:ext cx="167561" cy="4430"/>
           </a:xfrm>
           <a:prstGeom prst="straightConnector1">
@@ -17112,93 +15418,6 @@
               </a:rPr>
               <a:t>serve as interface between Kaiāulu functions and external tools, allowing a subset of capabilities to be accessed via the command line in other languages.</a:t>
             </a:r>
-          </a:p>
-        </p:txBody>
-      </p:sp>
-      <p:sp>
-        <p:nvSpPr>
-          <p:cNvPr id="27" name="Rectangle 26">
-            <a:extLst>
-              <a:ext uri="{FF2B5EF4-FFF2-40B4-BE49-F238E27FC236}">
-                <a16:creationId xmlns:a16="http://schemas.microsoft.com/office/drawing/2014/main" id="{9C186F55-0A3C-D905-26B1-7928EA96F1A5}"/>
-              </a:ext>
-            </a:extLst>
-          </p:cNvPr>
-          <p:cNvSpPr/>
-          <p:nvPr/>
-        </p:nvSpPr>
-        <p:spPr>
-          <a:xfrm>
-            <a:off x="10918596" y="6341483"/>
-            <a:ext cx="2157867" cy="799189"/>
-          </a:xfrm>
-          <a:prstGeom prst="rect">
-            <a:avLst/>
-          </a:prstGeom>
-          <a:noFill/>
-          <a:ln w="12700" cap="flat">
-            <a:solidFill>
-              <a:schemeClr val="accent1"/>
-            </a:solidFill>
-            <a:miter lim="400000"/>
-          </a:ln>
-          <a:effectLst>
-            <a:outerShdw blurRad="38100" dist="25400" dir="5400000" rotWithShape="0">
-              <a:srgbClr val="000000">
-                <a:alpha val="50000"/>
-              </a:srgbClr>
-            </a:outerShdw>
-          </a:effectLst>
-          <a:sp3d/>
-        </p:spPr>
-        <p:style>
-          <a:lnRef idx="0">
-            <a:scrgbClr r="0" g="0" b="0"/>
-          </a:lnRef>
-          <a:fillRef idx="0">
-            <a:scrgbClr r="0" g="0" b="0"/>
-          </a:fillRef>
-          <a:effectRef idx="0">
-            <a:scrgbClr r="0" g="0" b="0"/>
-          </a:effectRef>
-          <a:fontRef idx="none"/>
-        </p:style>
-        <p:txBody>
-          <a:bodyPr rot="0" spcFirstLastPara="1" vertOverflow="overflow" horzOverflow="overflow" vert="horz" wrap="square" lIns="54570" tIns="54570" rIns="54570" bIns="54570" numCol="1" spcCol="38100" rtlCol="0" anchor="ctr">
-            <a:spAutoFit/>
-          </a:bodyPr>
-          <a:lstStyle/>
-          <a:p>
-            <a:pPr marL="0" marR="0" indent="0" algn="l" defTabSz="584200" rtl="0" fontAlgn="auto" latinLnBrk="0" hangingPunct="0">
-              <a:lnSpc>
-                <a:spcPct val="80000"/>
-              </a:lnSpc>
-              <a:spcBef>
-                <a:spcPts val="0"/>
-              </a:spcBef>
-              <a:spcAft>
-                <a:spcPts val="0"/>
-              </a:spcAft>
-              <a:buClrTx/>
-              <a:buSzTx/>
-              <a:buFontTx/>
-              <a:buNone/>
-              <a:tabLst/>
-            </a:pPr>
-            <a:endParaRPr kumimoji="0" lang="en-US" sz="1200" b="0" i="0" u="none" strike="noStrike" cap="none" spc="0" normalizeH="0" baseline="0">
-              <a:ln>
-                <a:noFill/>
-              </a:ln>
-              <a:solidFill>
-                <a:srgbClr val="000000"/>
-              </a:solidFill>
-              <a:effectLst/>
-              <a:uFillTx/>
-              <a:latin typeface="Source Sans Pro"/>
-              <a:ea typeface="Source Sans Pro"/>
-              <a:cs typeface="Source Sans Pro"/>
-              <a:sym typeface="Source Sans Pro"/>
-            </a:endParaRPr>
           </a:p>
         </p:txBody>
       </p:sp>
@@ -20593,6 +18812,2157 @@
               </a:rPr>
               <a:t>Analysis Output</a:t>
             </a:r>
+          </a:p>
+        </p:txBody>
+      </p:sp>
+      <p:sp>
+        <p:nvSpPr>
+          <p:cNvPr id="13" name="TextBox 12">
+            <a:extLst>
+              <a:ext uri="{FF2B5EF4-FFF2-40B4-BE49-F238E27FC236}">
+                <a16:creationId xmlns:a16="http://schemas.microsoft.com/office/drawing/2014/main" id="{9D40B8F4-6468-4B94-4619-144C3AFD935B}"/>
+              </a:ext>
+            </a:extLst>
+          </p:cNvPr>
+          <p:cNvSpPr txBox="1"/>
+          <p:nvPr/>
+        </p:nvSpPr>
+        <p:spPr>
+          <a:xfrm>
+            <a:off x="8932015" y="6578970"/>
+            <a:ext cx="1075025" cy="258964"/>
+          </a:xfrm>
+          <a:prstGeom prst="rect">
+            <a:avLst/>
+          </a:prstGeom>
+          <a:noFill/>
+          <a:ln w="12700" cap="flat">
+            <a:noFill/>
+            <a:miter lim="400000"/>
+          </a:ln>
+          <a:effectLst/>
+          <a:sp3d/>
+        </p:spPr>
+        <p:style>
+          <a:lnRef idx="0">
+            <a:scrgbClr r="0" g="0" b="0"/>
+          </a:lnRef>
+          <a:fillRef idx="0">
+            <a:scrgbClr r="0" g="0" b="0"/>
+          </a:fillRef>
+          <a:effectRef idx="0">
+            <a:scrgbClr r="0" g="0" b="0"/>
+          </a:effectRef>
+          <a:fontRef idx="none"/>
+        </p:style>
+        <p:txBody>
+          <a:bodyPr rot="0" spcFirstLastPara="1" vertOverflow="overflow" horzOverflow="overflow" vert="horz" wrap="square" lIns="54570" tIns="54570" rIns="54570" bIns="54570" numCol="1" spcCol="38100" rtlCol="0" anchor="ctr">
+            <a:spAutoFit/>
+          </a:bodyPr>
+          <a:lstStyle/>
+          <a:p>
+            <a:pPr marL="0" marR="0" indent="0" algn="l" defTabSz="584200" rtl="0" fontAlgn="auto" latinLnBrk="0" hangingPunct="0">
+              <a:lnSpc>
+                <a:spcPct val="100000"/>
+              </a:lnSpc>
+              <a:spcBef>
+                <a:spcPts val="200"/>
+              </a:spcBef>
+              <a:spcAft>
+                <a:spcPts val="0"/>
+              </a:spcAft>
+              <a:buClrTx/>
+              <a:buSzTx/>
+              <a:buFontTx/>
+              <a:buNone/>
+              <a:tabLst/>
+            </a:pPr>
+            <a:r>
+              <a:rPr lang="en-US" sz="800" b="0" dirty="0"/>
+              <a:t>kaiaulu</a:t>
+            </a:r>
+            <a:r>
+              <a:rPr kumimoji="0" lang="en-US" sz="800" b="0" i="0" u="none" strike="noStrike" cap="none" spc="0" normalizeH="0" baseline="0" dirty="0">
+                <a:ln>
+                  <a:noFill/>
+                </a:ln>
+                <a:solidFill>
+                  <a:srgbClr val="4C4C4C"/>
+                </a:solidFill>
+                <a:effectLst/>
+                <a:uFillTx/>
+                <a:latin typeface="Source Sans Pro"/>
+                <a:ea typeface="Source Sans Pro"/>
+                <a:cs typeface="Source Sans Pro"/>
+                <a:sym typeface="Source Sans Pro"/>
+              </a:rPr>
+              <a:t>_</a:t>
+            </a:r>
+            <a:r>
+              <a:rPr kumimoji="0" lang="en-US" sz="800" i="0" u="none" strike="noStrike" cap="none" spc="0" normalizeH="0" baseline="0" dirty="0">
+                <a:ln>
+                  <a:noFill/>
+                </a:ln>
+                <a:solidFill>
+                  <a:srgbClr val="4C4C4C"/>
+                </a:solidFill>
+                <a:effectLst/>
+                <a:uFillTx/>
+                <a:latin typeface="Source Sans Pro"/>
+                <a:ea typeface="Source Sans Pro"/>
+                <a:cs typeface="Source Sans Pro"/>
+                <a:sym typeface="Source Sans Pro"/>
+              </a:rPr>
+              <a:t>202410</a:t>
+            </a:r>
+            <a:r>
+              <a:rPr kumimoji="0" lang="en-US" sz="800" b="0" i="0" u="none" strike="noStrike" cap="none" spc="0" normalizeH="0" baseline="0" dirty="0">
+                <a:ln>
+                  <a:noFill/>
+                </a:ln>
+                <a:solidFill>
+                  <a:srgbClr val="4C4C4C"/>
+                </a:solidFill>
+                <a:effectLst/>
+                <a:uFillTx/>
+                <a:latin typeface="Source Sans Pro"/>
+                <a:ea typeface="Source Sans Pro"/>
+                <a:cs typeface="Source Sans Pro"/>
+                <a:sym typeface="Source Sans Pro"/>
+              </a:rPr>
+              <a:t>.mbox</a:t>
+            </a:r>
+          </a:p>
+        </p:txBody>
+      </p:sp>
+      <p:pic>
+        <p:nvPicPr>
+          <p:cNvPr id="15" name="Graphic 14" descr="Paper outline">
+            <a:extLst>
+              <a:ext uri="{FF2B5EF4-FFF2-40B4-BE49-F238E27FC236}">
+                <a16:creationId xmlns:a16="http://schemas.microsoft.com/office/drawing/2014/main" id="{E3AC43D7-093F-4EB5-452C-CB38436C0A69}"/>
+              </a:ext>
+            </a:extLst>
+          </p:cNvPr>
+          <p:cNvPicPr>
+            <a:picLocks noChangeAspect="1"/>
+          </p:cNvPicPr>
+          <p:nvPr/>
+        </p:nvPicPr>
+        <p:blipFill>
+          <a:blip r:embed="rId12">
+            <a:extLst>
+              <a:ext uri="{28A0092B-C50C-407E-A947-70E740481C1C}">
+                <a14:useLocalDpi xmlns:a14="http://schemas.microsoft.com/office/drawing/2010/main" val="0"/>
+              </a:ext>
+              <a:ext uri="{96DAC541-7B7A-43D3-8B79-37D633B846F1}">
+                <asvg:svgBlip xmlns:asvg="http://schemas.microsoft.com/office/drawing/2016/SVG/main" r:embed="rId13"/>
+              </a:ext>
+            </a:extLst>
+          </a:blip>
+          <a:stretch>
+            <a:fillRect/>
+          </a:stretch>
+        </p:blipFill>
+        <p:spPr>
+          <a:xfrm>
+            <a:off x="9180236" y="6151155"/>
+            <a:ext cx="527267" cy="527267"/>
+          </a:xfrm>
+          <a:prstGeom prst="rect">
+            <a:avLst/>
+          </a:prstGeom>
+        </p:spPr>
+      </p:pic>
+      <p:sp>
+        <p:nvSpPr>
+          <p:cNvPr id="21" name="TextBox 20">
+            <a:extLst>
+              <a:ext uri="{FF2B5EF4-FFF2-40B4-BE49-F238E27FC236}">
+                <a16:creationId xmlns:a16="http://schemas.microsoft.com/office/drawing/2014/main" id="{CF066A87-C848-B42E-E356-0982ACA7A663}"/>
+              </a:ext>
+            </a:extLst>
+          </p:cNvPr>
+          <p:cNvSpPr txBox="1"/>
+          <p:nvPr/>
+        </p:nvSpPr>
+        <p:spPr>
+          <a:xfrm>
+            <a:off x="8929315" y="7265788"/>
+            <a:ext cx="1093916" cy="258964"/>
+          </a:xfrm>
+          <a:prstGeom prst="rect">
+            <a:avLst/>
+          </a:prstGeom>
+          <a:noFill/>
+          <a:ln w="12700" cap="flat">
+            <a:noFill/>
+            <a:miter lim="400000"/>
+          </a:ln>
+          <a:effectLst/>
+          <a:sp3d/>
+        </p:spPr>
+        <p:style>
+          <a:lnRef idx="0">
+            <a:scrgbClr r="0" g="0" b="0"/>
+          </a:lnRef>
+          <a:fillRef idx="0">
+            <a:scrgbClr r="0" g="0" b="0"/>
+          </a:fillRef>
+          <a:effectRef idx="0">
+            <a:scrgbClr r="0" g="0" b="0"/>
+          </a:effectRef>
+          <a:fontRef idx="none"/>
+        </p:style>
+        <p:txBody>
+          <a:bodyPr rot="0" spcFirstLastPara="1" vertOverflow="overflow" horzOverflow="overflow" vert="horz" wrap="square" lIns="54570" tIns="54570" rIns="54570" bIns="54570" numCol="1" spcCol="38100" rtlCol="0" anchor="ctr">
+            <a:spAutoFit/>
+          </a:bodyPr>
+          <a:lstStyle/>
+          <a:p>
+            <a:pPr marL="0" marR="0" indent="0" algn="l" defTabSz="584200" rtl="0" fontAlgn="auto" latinLnBrk="0" hangingPunct="0">
+              <a:lnSpc>
+                <a:spcPct val="100000"/>
+              </a:lnSpc>
+              <a:spcBef>
+                <a:spcPts val="200"/>
+              </a:spcBef>
+              <a:spcAft>
+                <a:spcPts val="0"/>
+              </a:spcAft>
+              <a:buClrTx/>
+              <a:buSzTx/>
+              <a:buFontTx/>
+              <a:buNone/>
+              <a:tabLst/>
+            </a:pPr>
+            <a:r>
+              <a:rPr lang="en-US" sz="800" b="0" dirty="0"/>
+              <a:t>k</a:t>
+            </a:r>
+            <a:r>
+              <a:rPr kumimoji="0" lang="en-US" sz="800" b="0" i="0" u="none" strike="noStrike" cap="none" spc="0" normalizeH="0" baseline="0" dirty="0">
+                <a:ln>
+                  <a:noFill/>
+                </a:ln>
+                <a:solidFill>
+                  <a:srgbClr val="4C4C4C"/>
+                </a:solidFill>
+                <a:effectLst/>
+                <a:uFillTx/>
+                <a:sym typeface="Source Sans Pro"/>
+              </a:rPr>
+              <a:t>aiaulu_</a:t>
+            </a:r>
+            <a:r>
+              <a:rPr kumimoji="0" lang="en-US" sz="800" i="0" u="none" strike="noStrike" cap="none" spc="0" normalizeH="0" baseline="0" dirty="0">
+                <a:ln>
+                  <a:noFill/>
+                </a:ln>
+                <a:solidFill>
+                  <a:schemeClr val="tx1"/>
+                </a:solidFill>
+                <a:effectLst/>
+                <a:uFillTx/>
+                <a:sym typeface="Source Sans Pro"/>
+              </a:rPr>
+              <a:t>202411</a:t>
+            </a:r>
+            <a:r>
+              <a:rPr kumimoji="0" lang="en-US" sz="800" b="0" i="0" u="none" strike="noStrike" cap="none" spc="0" normalizeH="0" baseline="0" dirty="0">
+                <a:ln>
+                  <a:noFill/>
+                </a:ln>
+                <a:solidFill>
+                  <a:srgbClr val="4C4C4C"/>
+                </a:solidFill>
+                <a:effectLst/>
+                <a:uFillTx/>
+                <a:sym typeface="Source Sans Pro"/>
+              </a:rPr>
+              <a:t>.mbox</a:t>
+            </a:r>
+          </a:p>
+        </p:txBody>
+      </p:sp>
+      <p:pic>
+        <p:nvPicPr>
+          <p:cNvPr id="22" name="Graphic 21" descr="Paper outline">
+            <a:extLst>
+              <a:ext uri="{FF2B5EF4-FFF2-40B4-BE49-F238E27FC236}">
+                <a16:creationId xmlns:a16="http://schemas.microsoft.com/office/drawing/2014/main" id="{7B51269E-DCD1-75D7-81B7-8AA98CBCFD09}"/>
+              </a:ext>
+            </a:extLst>
+          </p:cNvPr>
+          <p:cNvPicPr>
+            <a:picLocks noChangeAspect="1"/>
+          </p:cNvPicPr>
+          <p:nvPr/>
+        </p:nvPicPr>
+        <p:blipFill>
+          <a:blip r:embed="rId12">
+            <a:extLst>
+              <a:ext uri="{28A0092B-C50C-407E-A947-70E740481C1C}">
+                <a14:useLocalDpi xmlns:a14="http://schemas.microsoft.com/office/drawing/2010/main" val="0"/>
+              </a:ext>
+              <a:ext uri="{96DAC541-7B7A-43D3-8B79-37D633B846F1}">
+                <asvg:svgBlip xmlns:asvg="http://schemas.microsoft.com/office/drawing/2016/SVG/main" r:embed="rId13"/>
+              </a:ext>
+            </a:extLst>
+          </a:blip>
+          <a:stretch>
+            <a:fillRect/>
+          </a:stretch>
+        </p:blipFill>
+        <p:spPr>
+          <a:xfrm>
+            <a:off x="9180035" y="6805926"/>
+            <a:ext cx="527267" cy="527267"/>
+          </a:xfrm>
+          <a:prstGeom prst="rect">
+            <a:avLst/>
+          </a:prstGeom>
+        </p:spPr>
+      </p:pic>
+      <p:sp>
+        <p:nvSpPr>
+          <p:cNvPr id="23" name="TextBox 22">
+            <a:extLst>
+              <a:ext uri="{FF2B5EF4-FFF2-40B4-BE49-F238E27FC236}">
+                <a16:creationId xmlns:a16="http://schemas.microsoft.com/office/drawing/2014/main" id="{FC1C9FDB-B21E-3612-13E3-4DACD5384525}"/>
+              </a:ext>
+            </a:extLst>
+          </p:cNvPr>
+          <p:cNvSpPr txBox="1"/>
+          <p:nvPr/>
+        </p:nvSpPr>
+        <p:spPr>
+          <a:xfrm>
+            <a:off x="8929315" y="7960535"/>
+            <a:ext cx="1087486" cy="258964"/>
+          </a:xfrm>
+          <a:prstGeom prst="rect">
+            <a:avLst/>
+          </a:prstGeom>
+          <a:noFill/>
+          <a:ln w="12700" cap="flat">
+            <a:noFill/>
+            <a:miter lim="400000"/>
+          </a:ln>
+          <a:effectLst/>
+          <a:sp3d/>
+        </p:spPr>
+        <p:style>
+          <a:lnRef idx="0">
+            <a:scrgbClr r="0" g="0" b="0"/>
+          </a:lnRef>
+          <a:fillRef idx="0">
+            <a:scrgbClr r="0" g="0" b="0"/>
+          </a:fillRef>
+          <a:effectRef idx="0">
+            <a:scrgbClr r="0" g="0" b="0"/>
+          </a:effectRef>
+          <a:fontRef idx="none"/>
+        </p:style>
+        <p:txBody>
+          <a:bodyPr rot="0" spcFirstLastPara="1" vertOverflow="overflow" horzOverflow="overflow" vert="horz" wrap="square" lIns="54570" tIns="54570" rIns="54570" bIns="54570" numCol="1" spcCol="38100" rtlCol="0" anchor="ctr">
+            <a:spAutoFit/>
+          </a:bodyPr>
+          <a:lstStyle/>
+          <a:p>
+            <a:pPr marL="0" marR="0" indent="0" algn="l" defTabSz="584200" rtl="0" fontAlgn="auto" latinLnBrk="0" hangingPunct="0">
+              <a:lnSpc>
+                <a:spcPct val="100000"/>
+              </a:lnSpc>
+              <a:spcBef>
+                <a:spcPts val="200"/>
+              </a:spcBef>
+              <a:spcAft>
+                <a:spcPts val="0"/>
+              </a:spcAft>
+              <a:buClrTx/>
+              <a:buSzTx/>
+              <a:buFontTx/>
+              <a:buNone/>
+              <a:tabLst/>
+            </a:pPr>
+            <a:r>
+              <a:rPr lang="en-US" sz="800" b="0" dirty="0"/>
+              <a:t>kaiaulu</a:t>
+            </a:r>
+            <a:r>
+              <a:rPr kumimoji="0" lang="en-US" sz="800" b="0" i="0" u="none" strike="noStrike" cap="none" spc="0" normalizeH="0" baseline="0" dirty="0">
+                <a:ln>
+                  <a:noFill/>
+                </a:ln>
+                <a:solidFill>
+                  <a:srgbClr val="4C4C4C"/>
+                </a:solidFill>
+                <a:effectLst/>
+                <a:uFillTx/>
+                <a:latin typeface="Source Sans Pro"/>
+                <a:ea typeface="Source Sans Pro"/>
+                <a:cs typeface="Source Sans Pro"/>
+                <a:sym typeface="Source Sans Pro"/>
+              </a:rPr>
+              <a:t>_</a:t>
+            </a:r>
+            <a:r>
+              <a:rPr kumimoji="0" lang="en-US" sz="800" i="0" u="none" strike="noStrike" cap="none" spc="0" normalizeH="0" baseline="0" dirty="0">
+                <a:ln>
+                  <a:noFill/>
+                </a:ln>
+                <a:solidFill>
+                  <a:srgbClr val="4C4C4C"/>
+                </a:solidFill>
+                <a:effectLst/>
+                <a:uFillTx/>
+                <a:latin typeface="Source Sans Pro"/>
+                <a:ea typeface="Source Sans Pro"/>
+                <a:cs typeface="Source Sans Pro"/>
+                <a:sym typeface="Source Sans Pro"/>
+              </a:rPr>
+              <a:t>202412</a:t>
+            </a:r>
+            <a:r>
+              <a:rPr kumimoji="0" lang="en-US" sz="800" b="0" i="0" u="none" strike="noStrike" cap="none" spc="0" normalizeH="0" baseline="0" dirty="0">
+                <a:ln>
+                  <a:noFill/>
+                </a:ln>
+                <a:solidFill>
+                  <a:srgbClr val="4C4C4C"/>
+                </a:solidFill>
+                <a:effectLst/>
+                <a:uFillTx/>
+                <a:latin typeface="Source Sans Pro"/>
+                <a:ea typeface="Source Sans Pro"/>
+                <a:cs typeface="Source Sans Pro"/>
+                <a:sym typeface="Source Sans Pro"/>
+              </a:rPr>
+              <a:t>.mbox</a:t>
+            </a:r>
+          </a:p>
+        </p:txBody>
+      </p:sp>
+      <p:pic>
+        <p:nvPicPr>
+          <p:cNvPr id="24" name="Graphic 23" descr="Paper outline">
+            <a:extLst>
+              <a:ext uri="{FF2B5EF4-FFF2-40B4-BE49-F238E27FC236}">
+                <a16:creationId xmlns:a16="http://schemas.microsoft.com/office/drawing/2014/main" id="{6CBDFF73-BC3E-3940-4DC8-C54E3D1F7AC2}"/>
+              </a:ext>
+            </a:extLst>
+          </p:cNvPr>
+          <p:cNvPicPr>
+            <a:picLocks noChangeAspect="1"/>
+          </p:cNvPicPr>
+          <p:nvPr/>
+        </p:nvPicPr>
+        <p:blipFill>
+          <a:blip r:embed="rId12">
+            <a:extLst>
+              <a:ext uri="{28A0092B-C50C-407E-A947-70E740481C1C}">
+                <a14:useLocalDpi xmlns:a14="http://schemas.microsoft.com/office/drawing/2010/main" val="0"/>
+              </a:ext>
+              <a:ext uri="{96DAC541-7B7A-43D3-8B79-37D633B846F1}">
+                <asvg:svgBlip xmlns:asvg="http://schemas.microsoft.com/office/drawing/2016/SVG/main" r:embed="rId13"/>
+              </a:ext>
+            </a:extLst>
+          </a:blip>
+          <a:stretch>
+            <a:fillRect/>
+          </a:stretch>
+        </p:blipFill>
+        <p:spPr>
+          <a:xfrm>
+            <a:off x="9179066" y="7488760"/>
+            <a:ext cx="527267" cy="527267"/>
+          </a:xfrm>
+          <a:prstGeom prst="rect">
+            <a:avLst/>
+          </a:prstGeom>
+        </p:spPr>
+      </p:pic>
+      <p:pic>
+        <p:nvPicPr>
+          <p:cNvPr id="26" name="Graphic 25" descr="Paper outline">
+            <a:extLst>
+              <a:ext uri="{FF2B5EF4-FFF2-40B4-BE49-F238E27FC236}">
+                <a16:creationId xmlns:a16="http://schemas.microsoft.com/office/drawing/2014/main" id="{C4A4496D-5B04-5E64-9EE4-A99F6DDE42B3}"/>
+              </a:ext>
+            </a:extLst>
+          </p:cNvPr>
+          <p:cNvPicPr>
+            <a:picLocks noChangeAspect="1"/>
+          </p:cNvPicPr>
+          <p:nvPr/>
+        </p:nvPicPr>
+        <p:blipFill>
+          <a:blip r:embed="rId12">
+            <a:extLst>
+              <a:ext uri="{28A0092B-C50C-407E-A947-70E740481C1C}">
+                <a14:useLocalDpi xmlns:a14="http://schemas.microsoft.com/office/drawing/2010/main" val="0"/>
+              </a:ext>
+              <a:ext uri="{96DAC541-7B7A-43D3-8B79-37D633B846F1}">
+                <asvg:svgBlip xmlns:asvg="http://schemas.microsoft.com/office/drawing/2016/SVG/main" r:embed="rId13"/>
+              </a:ext>
+            </a:extLst>
+          </a:blip>
+          <a:stretch>
+            <a:fillRect/>
+          </a:stretch>
+        </p:blipFill>
+        <p:spPr>
+          <a:xfrm>
+            <a:off x="10770193" y="6464166"/>
+            <a:ext cx="527267" cy="527267"/>
+          </a:xfrm>
+          <a:prstGeom prst="rect">
+            <a:avLst/>
+          </a:prstGeom>
+        </p:spPr>
+      </p:pic>
+      <p:sp>
+        <p:nvSpPr>
+          <p:cNvPr id="47" name="TextBox 46">
+            <a:extLst>
+              <a:ext uri="{FF2B5EF4-FFF2-40B4-BE49-F238E27FC236}">
+                <a16:creationId xmlns:a16="http://schemas.microsoft.com/office/drawing/2014/main" id="{21419341-B932-20A2-75E0-504D26E0CC6B}"/>
+              </a:ext>
+            </a:extLst>
+          </p:cNvPr>
+          <p:cNvSpPr txBox="1"/>
+          <p:nvPr/>
+        </p:nvSpPr>
+        <p:spPr>
+          <a:xfrm>
+            <a:off x="11325473" y="6890723"/>
+            <a:ext cx="781573" cy="258964"/>
+          </a:xfrm>
+          <a:prstGeom prst="rect">
+            <a:avLst/>
+          </a:prstGeom>
+          <a:noFill/>
+          <a:ln w="12700" cap="flat">
+            <a:noFill/>
+            <a:miter lim="400000"/>
+          </a:ln>
+          <a:effectLst/>
+          <a:sp3d/>
+        </p:spPr>
+        <p:style>
+          <a:lnRef idx="0">
+            <a:scrgbClr r="0" g="0" b="0"/>
+          </a:lnRef>
+          <a:fillRef idx="0">
+            <a:scrgbClr r="0" g="0" b="0"/>
+          </a:fillRef>
+          <a:effectRef idx="0">
+            <a:scrgbClr r="0" g="0" b="0"/>
+          </a:effectRef>
+          <a:fontRef idx="none"/>
+        </p:style>
+        <p:txBody>
+          <a:bodyPr rot="0" spcFirstLastPara="1" vertOverflow="overflow" horzOverflow="overflow" vert="horz" wrap="square" lIns="54570" tIns="54570" rIns="54570" bIns="54570" numCol="1" spcCol="38100" rtlCol="0" anchor="ctr">
+            <a:spAutoFit/>
+          </a:bodyPr>
+          <a:lstStyle/>
+          <a:p>
+            <a:pPr marL="0" marR="0" indent="0" algn="l" defTabSz="584200" rtl="0" fontAlgn="auto" latinLnBrk="0" hangingPunct="0">
+              <a:lnSpc>
+                <a:spcPct val="100000"/>
+              </a:lnSpc>
+              <a:spcBef>
+                <a:spcPts val="200"/>
+              </a:spcBef>
+              <a:spcAft>
+                <a:spcPts val="0"/>
+              </a:spcAft>
+              <a:buClrTx/>
+              <a:buSzTx/>
+              <a:buFontTx/>
+              <a:buNone/>
+              <a:tabLst/>
+            </a:pPr>
+            <a:r>
+              <a:rPr lang="en-US" sz="800" b="0" dirty="0" err="1"/>
+              <a:t>m</a:t>
+            </a:r>
+            <a:r>
+              <a:rPr kumimoji="0" lang="en-US" sz="800" b="0" i="0" u="none" strike="noStrike" cap="none" spc="0" normalizeH="0" baseline="0" dirty="0" err="1">
+                <a:ln>
+                  <a:noFill/>
+                </a:ln>
+                <a:solidFill>
+                  <a:srgbClr val="4C4C4C"/>
+                </a:solidFill>
+                <a:effectLst/>
+                <a:uFillTx/>
+                <a:latin typeface="Source Sans Pro"/>
+                <a:ea typeface="Source Sans Pro"/>
+                <a:cs typeface="Source Sans Pro"/>
+                <a:sym typeface="Source Sans Pro"/>
+              </a:rPr>
+              <a:t>ailinglist.R</a:t>
+            </a:r>
+            <a:endParaRPr kumimoji="0" lang="en-US" sz="800" b="0" i="0" u="none" strike="noStrike" cap="none" spc="0" normalizeH="0" baseline="0" dirty="0">
+              <a:ln>
+                <a:noFill/>
+              </a:ln>
+              <a:solidFill>
+                <a:srgbClr val="4C4C4C"/>
+              </a:solidFill>
+              <a:effectLst/>
+              <a:uFillTx/>
+              <a:latin typeface="Source Sans Pro"/>
+              <a:ea typeface="Source Sans Pro"/>
+              <a:cs typeface="Source Sans Pro"/>
+              <a:sym typeface="Source Sans Pro"/>
+            </a:endParaRPr>
+          </a:p>
+        </p:txBody>
+      </p:sp>
+      <p:sp>
+        <p:nvSpPr>
+          <p:cNvPr id="48" name="TextBox 47">
+            <a:extLst>
+              <a:ext uri="{FF2B5EF4-FFF2-40B4-BE49-F238E27FC236}">
+                <a16:creationId xmlns:a16="http://schemas.microsoft.com/office/drawing/2014/main" id="{8EFBF20C-9F16-016C-9E80-206897BF014B}"/>
+              </a:ext>
+            </a:extLst>
+          </p:cNvPr>
+          <p:cNvSpPr txBox="1"/>
+          <p:nvPr/>
+        </p:nvSpPr>
+        <p:spPr>
+          <a:xfrm>
+            <a:off x="11909754" y="6883635"/>
+            <a:ext cx="781573" cy="258964"/>
+          </a:xfrm>
+          <a:prstGeom prst="rect">
+            <a:avLst/>
+          </a:prstGeom>
+          <a:noFill/>
+          <a:ln w="12700" cap="flat">
+            <a:noFill/>
+            <a:miter lim="400000"/>
+          </a:ln>
+          <a:effectLst/>
+          <a:sp3d/>
+        </p:spPr>
+        <p:style>
+          <a:lnRef idx="0">
+            <a:scrgbClr r="0" g="0" b="0"/>
+          </a:lnRef>
+          <a:fillRef idx="0">
+            <a:scrgbClr r="0" g="0" b="0"/>
+          </a:fillRef>
+          <a:effectRef idx="0">
+            <a:scrgbClr r="0" g="0" b="0"/>
+          </a:effectRef>
+          <a:fontRef idx="none"/>
+        </p:style>
+        <p:txBody>
+          <a:bodyPr rot="0" spcFirstLastPara="1" vertOverflow="overflow" horzOverflow="overflow" vert="horz" wrap="square" lIns="54570" tIns="54570" rIns="54570" bIns="54570" numCol="1" spcCol="38100" rtlCol="0" anchor="ctr">
+            <a:spAutoFit/>
+          </a:bodyPr>
+          <a:lstStyle/>
+          <a:p>
+            <a:pPr marL="0" marR="0" indent="0" algn="l" defTabSz="584200" rtl="0" fontAlgn="auto" latinLnBrk="0" hangingPunct="0">
+              <a:lnSpc>
+                <a:spcPct val="100000"/>
+              </a:lnSpc>
+              <a:spcBef>
+                <a:spcPts val="200"/>
+              </a:spcBef>
+              <a:spcAft>
+                <a:spcPts val="0"/>
+              </a:spcAft>
+              <a:buClrTx/>
+              <a:buSzTx/>
+              <a:buFontTx/>
+              <a:buNone/>
+              <a:tabLst/>
+            </a:pPr>
+            <a:r>
+              <a:rPr lang="en-US" sz="800" b="0" dirty="0" err="1"/>
+              <a:t>parse_mbox</a:t>
+            </a:r>
+            <a:r>
+              <a:rPr lang="en-US" sz="800" b="0" dirty="0"/>
+              <a:t>()</a:t>
+            </a:r>
+            <a:endParaRPr kumimoji="0" lang="en-US" sz="800" b="0" i="0" u="none" strike="noStrike" cap="none" spc="0" normalizeH="0" baseline="0" dirty="0">
+              <a:ln>
+                <a:noFill/>
+              </a:ln>
+              <a:solidFill>
+                <a:srgbClr val="4C4C4C"/>
+              </a:solidFill>
+              <a:effectLst/>
+              <a:uFillTx/>
+              <a:latin typeface="Source Sans Pro"/>
+              <a:ea typeface="Source Sans Pro"/>
+              <a:cs typeface="Source Sans Pro"/>
+              <a:sym typeface="Source Sans Pro"/>
+            </a:endParaRPr>
+          </a:p>
+        </p:txBody>
+      </p:sp>
+      <p:sp>
+        <p:nvSpPr>
+          <p:cNvPr id="49" name="TextBox 48">
+            <a:extLst>
+              <a:ext uri="{FF2B5EF4-FFF2-40B4-BE49-F238E27FC236}">
+                <a16:creationId xmlns:a16="http://schemas.microsoft.com/office/drawing/2014/main" id="{65D6E084-DADC-C8E1-11F2-3E9AF798902D}"/>
+              </a:ext>
+            </a:extLst>
+          </p:cNvPr>
+          <p:cNvSpPr txBox="1"/>
+          <p:nvPr/>
+        </p:nvSpPr>
+        <p:spPr>
+          <a:xfrm>
+            <a:off x="10707134" y="6892779"/>
+            <a:ext cx="745139" cy="258964"/>
+          </a:xfrm>
+          <a:prstGeom prst="rect">
+            <a:avLst/>
+          </a:prstGeom>
+          <a:noFill/>
+          <a:ln w="12700" cap="flat">
+            <a:noFill/>
+            <a:miter lim="400000"/>
+          </a:ln>
+          <a:effectLst/>
+          <a:sp3d/>
+        </p:spPr>
+        <p:style>
+          <a:lnRef idx="0">
+            <a:scrgbClr r="0" g="0" b="0"/>
+          </a:lnRef>
+          <a:fillRef idx="0">
+            <a:scrgbClr r="0" g="0" b="0"/>
+          </a:fillRef>
+          <a:effectRef idx="0">
+            <a:scrgbClr r="0" g="0" b="0"/>
+          </a:effectRef>
+          <a:fontRef idx="none"/>
+        </p:style>
+        <p:txBody>
+          <a:bodyPr rot="0" spcFirstLastPara="1" vertOverflow="overflow" horzOverflow="overflow" vert="horz" wrap="square" lIns="54570" tIns="54570" rIns="54570" bIns="54570" numCol="1" spcCol="38100" rtlCol="0" anchor="ctr">
+            <a:spAutoFit/>
+          </a:bodyPr>
+          <a:lstStyle/>
+          <a:p>
+            <a:pPr marL="0" marR="0" indent="0" algn="l" defTabSz="584200" rtl="0" fontAlgn="auto" latinLnBrk="0" hangingPunct="0">
+              <a:lnSpc>
+                <a:spcPct val="100000"/>
+              </a:lnSpc>
+              <a:spcBef>
+                <a:spcPts val="200"/>
+              </a:spcBef>
+              <a:spcAft>
+                <a:spcPts val="0"/>
+              </a:spcAft>
+              <a:buClrTx/>
+              <a:buSzTx/>
+              <a:buFontTx/>
+              <a:buNone/>
+              <a:tabLst/>
+            </a:pPr>
+            <a:r>
+              <a:rPr kumimoji="0" lang="en-US" sz="800" i="0" u="none" strike="noStrike" cap="none" spc="0" normalizeH="0" baseline="0" dirty="0">
+                <a:ln>
+                  <a:noFill/>
+                </a:ln>
+                <a:solidFill>
+                  <a:srgbClr val="4C4C4C"/>
+                </a:solidFill>
+                <a:effectLst/>
+                <a:uFillTx/>
+                <a:latin typeface="Source Sans Pro"/>
+                <a:ea typeface="Source Sans Pro"/>
+                <a:cs typeface="Source Sans Pro"/>
+                <a:sym typeface="Source Sans Pro"/>
+              </a:rPr>
+              <a:t>202410</a:t>
+            </a:r>
+            <a:r>
+              <a:rPr kumimoji="0" lang="en-US" sz="800" b="0" i="0" u="none" strike="noStrike" cap="none" spc="0" normalizeH="0" baseline="0" dirty="0">
+                <a:ln>
+                  <a:noFill/>
+                </a:ln>
+                <a:solidFill>
+                  <a:srgbClr val="4C4C4C"/>
+                </a:solidFill>
+                <a:effectLst/>
+                <a:uFillTx/>
+                <a:latin typeface="Source Sans Pro"/>
+                <a:ea typeface="Source Sans Pro"/>
+                <a:cs typeface="Source Sans Pro"/>
+                <a:sym typeface="Source Sans Pro"/>
+              </a:rPr>
+              <a:t>.mbox</a:t>
+            </a:r>
+          </a:p>
+        </p:txBody>
+      </p:sp>
+      <p:cxnSp>
+        <p:nvCxnSpPr>
+          <p:cNvPr id="458" name="Straight Arrow Connector 457">
+            <a:extLst>
+              <a:ext uri="{FF2B5EF4-FFF2-40B4-BE49-F238E27FC236}">
+                <a16:creationId xmlns:a16="http://schemas.microsoft.com/office/drawing/2014/main" id="{56BEE57D-8C03-F458-A549-B98604E7E893}"/>
+              </a:ext>
+            </a:extLst>
+          </p:cNvPr>
+          <p:cNvCxnSpPr>
+            <a:cxnSpLocks/>
+          </p:cNvCxnSpPr>
+          <p:nvPr/>
+        </p:nvCxnSpPr>
+        <p:spPr>
+          <a:xfrm>
+            <a:off x="11262131" y="6725564"/>
+            <a:ext cx="167561" cy="4430"/>
+          </a:xfrm>
+          <a:prstGeom prst="straightConnector1">
+            <a:avLst/>
+          </a:prstGeom>
+          <a:noFill/>
+          <a:ln w="12700" cap="flat">
+            <a:solidFill>
+              <a:srgbClr val="000000"/>
+            </a:solidFill>
+            <a:prstDash val="solid"/>
+            <a:miter lim="400000"/>
+            <a:tailEnd type="triangle"/>
+          </a:ln>
+          <a:effectLst/>
+          <a:sp3d/>
+        </p:spPr>
+        <p:style>
+          <a:lnRef idx="0">
+            <a:scrgbClr r="0" g="0" b="0"/>
+          </a:lnRef>
+          <a:fillRef idx="0">
+            <a:scrgbClr r="0" g="0" b="0"/>
+          </a:fillRef>
+          <a:effectRef idx="0">
+            <a:scrgbClr r="0" g="0" b="0"/>
+          </a:effectRef>
+          <a:fontRef idx="none"/>
+        </p:style>
+      </p:cxnSp>
+      <p:sp>
+        <p:nvSpPr>
+          <p:cNvPr id="459" name="Rectangle 458">
+            <a:extLst>
+              <a:ext uri="{FF2B5EF4-FFF2-40B4-BE49-F238E27FC236}">
+                <a16:creationId xmlns:a16="http://schemas.microsoft.com/office/drawing/2014/main" id="{AA7300E8-BEDA-5082-1974-A38BFB8BDA35}"/>
+              </a:ext>
+            </a:extLst>
+          </p:cNvPr>
+          <p:cNvSpPr/>
+          <p:nvPr/>
+        </p:nvSpPr>
+        <p:spPr>
+          <a:xfrm>
+            <a:off x="10700238" y="6283327"/>
+            <a:ext cx="2365131" cy="899988"/>
+          </a:xfrm>
+          <a:prstGeom prst="rect">
+            <a:avLst/>
+          </a:prstGeom>
+          <a:noFill/>
+          <a:ln w="12700" cap="flat">
+            <a:solidFill>
+              <a:schemeClr val="accent1"/>
+            </a:solidFill>
+            <a:miter lim="400000"/>
+          </a:ln>
+          <a:effectLst>
+            <a:outerShdw blurRad="38100" dist="25400" dir="5400000" rotWithShape="0">
+              <a:srgbClr val="000000">
+                <a:alpha val="50000"/>
+              </a:srgbClr>
+            </a:outerShdw>
+          </a:effectLst>
+          <a:sp3d/>
+        </p:spPr>
+        <p:style>
+          <a:lnRef idx="0">
+            <a:scrgbClr r="0" g="0" b="0"/>
+          </a:lnRef>
+          <a:fillRef idx="0">
+            <a:scrgbClr r="0" g="0" b="0"/>
+          </a:fillRef>
+          <a:effectRef idx="0">
+            <a:scrgbClr r="0" g="0" b="0"/>
+          </a:effectRef>
+          <a:fontRef idx="none"/>
+        </p:style>
+        <p:txBody>
+          <a:bodyPr rot="0" spcFirstLastPara="1" vertOverflow="overflow" horzOverflow="overflow" vert="horz" wrap="square" lIns="54570" tIns="54570" rIns="54570" bIns="54570" numCol="1" spcCol="38100" rtlCol="0" anchor="ctr">
+            <a:spAutoFit/>
+          </a:bodyPr>
+          <a:lstStyle/>
+          <a:p>
+            <a:pPr marL="0" marR="0" indent="0" algn="l" defTabSz="584200" rtl="0" fontAlgn="auto" latinLnBrk="0" hangingPunct="0">
+              <a:lnSpc>
+                <a:spcPct val="80000"/>
+              </a:lnSpc>
+              <a:spcBef>
+                <a:spcPts val="0"/>
+              </a:spcBef>
+              <a:spcAft>
+                <a:spcPts val="0"/>
+              </a:spcAft>
+              <a:buClrTx/>
+              <a:buSzTx/>
+              <a:buFontTx/>
+              <a:buNone/>
+              <a:tabLst/>
+            </a:pPr>
+            <a:endParaRPr kumimoji="0" lang="en-US" sz="1200" b="0" i="0" u="none" strike="noStrike" cap="none" spc="0" normalizeH="0" baseline="0" dirty="0">
+              <a:ln>
+                <a:noFill/>
+              </a:ln>
+              <a:solidFill>
+                <a:srgbClr val="000000"/>
+              </a:solidFill>
+              <a:effectLst/>
+              <a:uFillTx/>
+              <a:latin typeface="Source Sans Pro"/>
+              <a:ea typeface="Source Sans Pro"/>
+              <a:cs typeface="Source Sans Pro"/>
+              <a:sym typeface="Source Sans Pro"/>
+            </a:endParaRPr>
+          </a:p>
+        </p:txBody>
+      </p:sp>
+      <p:pic>
+        <p:nvPicPr>
+          <p:cNvPr id="481" name="Graphic 480" descr="Paper outline">
+            <a:extLst>
+              <a:ext uri="{FF2B5EF4-FFF2-40B4-BE49-F238E27FC236}">
+                <a16:creationId xmlns:a16="http://schemas.microsoft.com/office/drawing/2014/main" id="{F6F2F3EC-4D74-D415-C28A-FD46070895EB}"/>
+              </a:ext>
+            </a:extLst>
+          </p:cNvPr>
+          <p:cNvPicPr>
+            <a:picLocks noChangeAspect="1"/>
+          </p:cNvPicPr>
+          <p:nvPr/>
+        </p:nvPicPr>
+        <p:blipFill>
+          <a:blip r:embed="rId12">
+            <a:extLst>
+              <a:ext uri="{28A0092B-C50C-407E-A947-70E740481C1C}">
+                <a14:useLocalDpi xmlns:a14="http://schemas.microsoft.com/office/drawing/2010/main" val="0"/>
+              </a:ext>
+              <a:ext uri="{96DAC541-7B7A-43D3-8B79-37D633B846F1}">
+                <asvg:svgBlip xmlns:asvg="http://schemas.microsoft.com/office/drawing/2016/SVG/main" r:embed="rId13"/>
+              </a:ext>
+            </a:extLst>
+          </a:blip>
+          <a:stretch>
+            <a:fillRect/>
+          </a:stretch>
+        </p:blipFill>
+        <p:spPr>
+          <a:xfrm>
+            <a:off x="11378995" y="7518941"/>
+            <a:ext cx="527267" cy="527267"/>
+          </a:xfrm>
+          <a:prstGeom prst="rect">
+            <a:avLst/>
+          </a:prstGeom>
+        </p:spPr>
+      </p:pic>
+      <p:sp>
+        <p:nvSpPr>
+          <p:cNvPr id="490" name="TextBox 489">
+            <a:extLst>
+              <a:ext uri="{FF2B5EF4-FFF2-40B4-BE49-F238E27FC236}">
+                <a16:creationId xmlns:a16="http://schemas.microsoft.com/office/drawing/2014/main" id="{1F3B287A-6356-C4DF-8DD5-F5C716FA407E}"/>
+              </a:ext>
+            </a:extLst>
+          </p:cNvPr>
+          <p:cNvSpPr txBox="1"/>
+          <p:nvPr/>
+        </p:nvSpPr>
+        <p:spPr>
+          <a:xfrm>
+            <a:off x="11482902" y="7656084"/>
+            <a:ext cx="319451" cy="258964"/>
+          </a:xfrm>
+          <a:prstGeom prst="rect">
+            <a:avLst/>
+          </a:prstGeom>
+          <a:noFill/>
+          <a:ln w="12700" cap="flat">
+            <a:noFill/>
+            <a:miter lim="400000"/>
+          </a:ln>
+          <a:effectLst/>
+          <a:sp3d/>
+        </p:spPr>
+        <p:style>
+          <a:lnRef idx="0">
+            <a:scrgbClr r="0" g="0" b="0"/>
+          </a:lnRef>
+          <a:fillRef idx="0">
+            <a:scrgbClr r="0" g="0" b="0"/>
+          </a:fillRef>
+          <a:effectRef idx="0">
+            <a:scrgbClr r="0" g="0" b="0"/>
+          </a:effectRef>
+          <a:fontRef idx="none"/>
+        </p:style>
+        <p:txBody>
+          <a:bodyPr rot="0" spcFirstLastPara="1" vertOverflow="overflow" horzOverflow="overflow" vert="horz" wrap="square" lIns="54570" tIns="54570" rIns="54570" bIns="54570" numCol="1" spcCol="38100" rtlCol="0" anchor="ctr">
+            <a:spAutoFit/>
+          </a:bodyPr>
+          <a:lstStyle/>
+          <a:p>
+            <a:pPr marL="0" marR="0" indent="0" algn="l" defTabSz="584200" rtl="0" fontAlgn="auto" latinLnBrk="0" hangingPunct="0">
+              <a:lnSpc>
+                <a:spcPct val="100000"/>
+              </a:lnSpc>
+              <a:spcBef>
+                <a:spcPts val="200"/>
+              </a:spcBef>
+              <a:spcAft>
+                <a:spcPts val="0"/>
+              </a:spcAft>
+              <a:buClrTx/>
+              <a:buSzTx/>
+              <a:buFontTx/>
+              <a:buNone/>
+              <a:tabLst/>
+            </a:pPr>
+            <a:r>
+              <a:rPr lang="en-US" sz="800" b="0" dirty="0">
+                <a:solidFill>
+                  <a:schemeClr val="accent1"/>
+                </a:solidFill>
+              </a:rPr>
+              <a:t>exec</a:t>
+            </a:r>
+            <a:endParaRPr kumimoji="0" lang="en-US" sz="800" b="0" i="0" u="none" strike="noStrike" cap="none" spc="0" normalizeH="0" baseline="0" dirty="0">
+              <a:ln>
+                <a:noFill/>
+              </a:ln>
+              <a:solidFill>
+                <a:schemeClr val="accent1"/>
+              </a:solidFill>
+              <a:effectLst/>
+              <a:uFillTx/>
+              <a:latin typeface="Source Sans Pro"/>
+              <a:ea typeface="Source Sans Pro"/>
+              <a:cs typeface="Source Sans Pro"/>
+              <a:sym typeface="Source Sans Pro"/>
+            </a:endParaRPr>
+          </a:p>
+        </p:txBody>
+      </p:sp>
+      <p:pic>
+        <p:nvPicPr>
+          <p:cNvPr id="491" name="Graphic 490" descr="Paper outline">
+            <a:extLst>
+              <a:ext uri="{FF2B5EF4-FFF2-40B4-BE49-F238E27FC236}">
+                <a16:creationId xmlns:a16="http://schemas.microsoft.com/office/drawing/2014/main" id="{D0A6C14A-1321-777B-FD90-9CBC75D8CDA8}"/>
+              </a:ext>
+            </a:extLst>
+          </p:cNvPr>
+          <p:cNvPicPr>
+            <a:picLocks noChangeAspect="1"/>
+          </p:cNvPicPr>
+          <p:nvPr/>
+        </p:nvPicPr>
+        <p:blipFill>
+          <a:blip r:embed="rId12">
+            <a:extLst>
+              <a:ext uri="{28A0092B-C50C-407E-A947-70E740481C1C}">
+                <a14:useLocalDpi xmlns:a14="http://schemas.microsoft.com/office/drawing/2010/main" val="0"/>
+              </a:ext>
+              <a:ext uri="{96DAC541-7B7A-43D3-8B79-37D633B846F1}">
+                <asvg:svgBlip xmlns:asvg="http://schemas.microsoft.com/office/drawing/2016/SVG/main" r:embed="rId13"/>
+              </a:ext>
+            </a:extLst>
+          </a:blip>
+          <a:stretch>
+            <a:fillRect/>
+          </a:stretch>
+        </p:blipFill>
+        <p:spPr>
+          <a:xfrm>
+            <a:off x="11958263" y="7515799"/>
+            <a:ext cx="527267" cy="527267"/>
+          </a:xfrm>
+          <a:prstGeom prst="rect">
+            <a:avLst/>
+          </a:prstGeom>
+        </p:spPr>
+      </p:pic>
+      <p:sp>
+        <p:nvSpPr>
+          <p:cNvPr id="494" name="TextBox 493">
+            <a:extLst>
+              <a:ext uri="{FF2B5EF4-FFF2-40B4-BE49-F238E27FC236}">
+                <a16:creationId xmlns:a16="http://schemas.microsoft.com/office/drawing/2014/main" id="{1F44BBB8-10D4-8C7A-97B9-DF4402D696BB}"/>
+              </a:ext>
+            </a:extLst>
+          </p:cNvPr>
+          <p:cNvSpPr txBox="1"/>
+          <p:nvPr/>
+        </p:nvSpPr>
+        <p:spPr>
+          <a:xfrm>
+            <a:off x="12037499" y="7659736"/>
+            <a:ext cx="423360" cy="258964"/>
+          </a:xfrm>
+          <a:prstGeom prst="rect">
+            <a:avLst/>
+          </a:prstGeom>
+          <a:noFill/>
+          <a:ln w="12700" cap="flat">
+            <a:noFill/>
+            <a:miter lim="400000"/>
+          </a:ln>
+          <a:effectLst/>
+          <a:sp3d/>
+        </p:spPr>
+        <p:style>
+          <a:lnRef idx="0">
+            <a:scrgbClr r="0" g="0" b="0"/>
+          </a:lnRef>
+          <a:fillRef idx="0">
+            <a:scrgbClr r="0" g="0" b="0"/>
+          </a:fillRef>
+          <a:effectRef idx="0">
+            <a:scrgbClr r="0" g="0" b="0"/>
+          </a:effectRef>
+          <a:fontRef idx="none"/>
+        </p:style>
+        <p:txBody>
+          <a:bodyPr rot="0" spcFirstLastPara="1" vertOverflow="overflow" horzOverflow="overflow" vert="horz" wrap="square" lIns="54570" tIns="54570" rIns="54570" bIns="54570" numCol="1" spcCol="38100" rtlCol="0" anchor="ctr">
+            <a:spAutoFit/>
+          </a:bodyPr>
+          <a:lstStyle/>
+          <a:p>
+            <a:pPr marL="0" marR="0" indent="0" algn="l" defTabSz="584200" rtl="0" fontAlgn="auto" latinLnBrk="0" hangingPunct="0">
+              <a:lnSpc>
+                <a:spcPct val="100000"/>
+              </a:lnSpc>
+              <a:spcBef>
+                <a:spcPts val="200"/>
+              </a:spcBef>
+              <a:spcAft>
+                <a:spcPts val="0"/>
+              </a:spcAft>
+              <a:buClrTx/>
+              <a:buSzTx/>
+              <a:buFontTx/>
+              <a:buNone/>
+              <a:tabLst/>
+            </a:pPr>
+            <a:r>
+              <a:rPr lang="en-US" sz="800" b="0" dirty="0" err="1"/>
+              <a:t>mail.R</a:t>
+            </a:r>
+            <a:endParaRPr kumimoji="0" lang="en-US" sz="800" b="0" i="0" u="none" strike="noStrike" cap="none" spc="0" normalizeH="0" baseline="0" dirty="0">
+              <a:ln>
+                <a:noFill/>
+              </a:ln>
+              <a:solidFill>
+                <a:srgbClr val="4C4C4C"/>
+              </a:solidFill>
+              <a:effectLst/>
+              <a:uFillTx/>
+              <a:latin typeface="Source Sans Pro"/>
+              <a:ea typeface="Source Sans Pro"/>
+              <a:cs typeface="Source Sans Pro"/>
+              <a:sym typeface="Source Sans Pro"/>
+            </a:endParaRPr>
+          </a:p>
+        </p:txBody>
+      </p:sp>
+      <p:graphicFrame>
+        <p:nvGraphicFramePr>
+          <p:cNvPr id="497" name="Table">
+            <a:extLst>
+              <a:ext uri="{FF2B5EF4-FFF2-40B4-BE49-F238E27FC236}">
+                <a16:creationId xmlns:a16="http://schemas.microsoft.com/office/drawing/2014/main" id="{A82139C6-D13A-C777-620F-3C8EDE0A8A69}"/>
+              </a:ext>
+            </a:extLst>
+          </p:cNvPr>
+          <p:cNvGraphicFramePr/>
+          <p:nvPr>
+            <p:extLst>
+              <p:ext uri="{D42A27DB-BD31-4B8C-83A1-F6EECF244321}">
+                <p14:modId xmlns:p14="http://schemas.microsoft.com/office/powerpoint/2010/main" val="2910518981"/>
+              </p:ext>
+            </p:extLst>
+          </p:nvPr>
+        </p:nvGraphicFramePr>
+        <p:xfrm>
+          <a:off x="12618685" y="7584815"/>
+          <a:ext cx="369704" cy="373251"/>
+        </p:xfrm>
+        <a:graphic>
+          <a:graphicData uri="http://schemas.openxmlformats.org/drawingml/2006/table">
+            <a:tbl>
+              <a:tblPr firstRow="1">
+                <a:tableStyleId>{4C3C2611-4C71-4FC5-86AE-919BDF0F9419}</a:tableStyleId>
+              </a:tblPr>
+              <a:tblGrid>
+                <a:gridCol w="184852">
+                  <a:extLst>
+                    <a:ext uri="{9D8B030D-6E8A-4147-A177-3AD203B41FA5}">
+                      <a16:colId xmlns:a16="http://schemas.microsoft.com/office/drawing/2014/main" val="20000"/>
+                    </a:ext>
+                  </a:extLst>
+                </a:gridCol>
+                <a:gridCol w="184852">
+                  <a:extLst>
+                    <a:ext uri="{9D8B030D-6E8A-4147-A177-3AD203B41FA5}">
+                      <a16:colId xmlns:a16="http://schemas.microsoft.com/office/drawing/2014/main" val="20001"/>
+                    </a:ext>
+                  </a:extLst>
+                </a:gridCol>
+              </a:tblGrid>
+              <a:tr h="124417">
+                <a:tc>
+                  <a:txBody>
+                    <a:bodyPr/>
+                    <a:lstStyle/>
+                    <a:p>
+                      <a:pPr defTabSz="914400">
+                        <a:defRPr sz="700" b="0">
+                          <a:latin typeface="+mj-lt"/>
+                          <a:ea typeface="+mj-ea"/>
+                          <a:cs typeface="+mj-cs"/>
+                          <a:sym typeface="Source Sans Pro Regular"/>
+                        </a:defRPr>
+                      </a:pPr>
+                      <a:endParaRPr dirty="0">
+                        <a:noFill/>
+                      </a:endParaRPr>
+                    </a:p>
+                  </a:txBody>
+                  <a:tcPr marL="0" marR="0" marT="0" marB="0" anchor="ctr" horzOverflow="overflow">
+                    <a:lnL w="12700" cap="flat" cmpd="sng" algn="ctr">
+                      <a:solidFill>
+                        <a:schemeClr val="bg1"/>
+                      </a:solidFill>
+                      <a:prstDash val="solid"/>
+                      <a:round/>
+                      <a:headEnd type="none" w="med" len="med"/>
+                      <a:tailEnd type="none" w="med" len="med"/>
+                    </a:lnL>
+                    <a:lnR w="12700" cap="flat" cmpd="sng" algn="ctr">
+                      <a:solidFill>
+                        <a:schemeClr val="bg1"/>
+                      </a:solidFill>
+                      <a:prstDash val="solid"/>
+                      <a:round/>
+                      <a:headEnd type="none" w="med" len="med"/>
+                      <a:tailEnd type="none" w="med" len="med"/>
+                    </a:lnR>
+                    <a:lnT w="12700" cap="flat" cmpd="sng" algn="ctr">
+                      <a:solidFill>
+                        <a:schemeClr val="bg1"/>
+                      </a:solidFill>
+                      <a:prstDash val="solid"/>
+                      <a:round/>
+                      <a:headEnd type="none" w="med" len="med"/>
+                      <a:tailEnd type="none" w="med" len="med"/>
+                    </a:lnT>
+                    <a:lnB w="12700" cap="flat" cmpd="sng" algn="ctr">
+                      <a:solidFill>
+                        <a:schemeClr val="bg1"/>
+                      </a:solidFill>
+                      <a:prstDash val="solid"/>
+                      <a:round/>
+                      <a:headEnd type="none" w="med" len="med"/>
+                      <a:tailEnd type="none" w="med" len="med"/>
+                    </a:lnB>
+                    <a:solidFill>
+                      <a:srgbClr val="C1C1C0"/>
+                    </a:solidFill>
+                  </a:tcPr>
+                </a:tc>
+                <a:tc>
+                  <a:txBody>
+                    <a:bodyPr/>
+                    <a:lstStyle/>
+                    <a:p>
+                      <a:pPr defTabSz="914400">
+                        <a:defRPr sz="700" b="0">
+                          <a:latin typeface="+mj-lt"/>
+                          <a:ea typeface="+mj-ea"/>
+                          <a:cs typeface="+mj-cs"/>
+                          <a:sym typeface="Source Sans Pro Regular"/>
+                        </a:defRPr>
+                      </a:pPr>
+                      <a:endParaRPr dirty="0">
+                        <a:noFill/>
+                      </a:endParaRPr>
+                    </a:p>
+                  </a:txBody>
+                  <a:tcPr marL="0" marR="0" marT="0" marB="0" anchor="ctr" horzOverflow="overflow">
+                    <a:lnL w="12700" cap="flat" cmpd="sng" algn="ctr">
+                      <a:solidFill>
+                        <a:schemeClr val="bg1"/>
+                      </a:solidFill>
+                      <a:prstDash val="solid"/>
+                      <a:round/>
+                      <a:headEnd type="none" w="med" len="med"/>
+                      <a:tailEnd type="none" w="med" len="med"/>
+                    </a:lnL>
+                    <a:lnR w="12700" cap="flat" cmpd="sng" algn="ctr">
+                      <a:solidFill>
+                        <a:schemeClr val="bg1"/>
+                      </a:solidFill>
+                      <a:prstDash val="solid"/>
+                      <a:round/>
+                      <a:headEnd type="none" w="med" len="med"/>
+                      <a:tailEnd type="none" w="med" len="med"/>
+                    </a:lnR>
+                    <a:lnT w="12700" cap="flat" cmpd="sng" algn="ctr">
+                      <a:solidFill>
+                        <a:schemeClr val="bg1"/>
+                      </a:solidFill>
+                      <a:prstDash val="solid"/>
+                      <a:round/>
+                      <a:headEnd type="none" w="med" len="med"/>
+                      <a:tailEnd type="none" w="med" len="med"/>
+                    </a:lnT>
+                    <a:lnB w="12700" cap="flat" cmpd="sng" algn="ctr">
+                      <a:solidFill>
+                        <a:schemeClr val="bg1"/>
+                      </a:solidFill>
+                      <a:prstDash val="solid"/>
+                      <a:round/>
+                      <a:headEnd type="none" w="med" len="med"/>
+                      <a:tailEnd type="none" w="med" len="med"/>
+                    </a:lnB>
+                    <a:solidFill>
+                      <a:srgbClr val="C1C1C0"/>
+                    </a:solidFill>
+                  </a:tcPr>
+                </a:tc>
+                <a:extLst>
+                  <a:ext uri="{0D108BD9-81ED-4DB2-BD59-A6C34878D82A}">
+                    <a16:rowId xmlns:a16="http://schemas.microsoft.com/office/drawing/2014/main" val="10000"/>
+                  </a:ext>
+                </a:extLst>
+              </a:tr>
+              <a:tr h="124417">
+                <a:tc>
+                  <a:txBody>
+                    <a:bodyPr/>
+                    <a:lstStyle/>
+                    <a:p>
+                      <a:pPr defTabSz="914400">
+                        <a:defRPr sz="700">
+                          <a:sym typeface="Source Sans Pro Regular"/>
+                        </a:defRPr>
+                      </a:pPr>
+                      <a:endParaRPr dirty="0">
+                        <a:noFill/>
+                        <a:highlight>
+                          <a:srgbClr val="FFFF00"/>
+                        </a:highlight>
+                      </a:endParaRPr>
+                    </a:p>
+                  </a:txBody>
+                  <a:tcPr marL="0" marR="0" marT="0" marB="0" anchor="ctr" horzOverflow="overflow">
+                    <a:lnL w="12700" cap="flat" cmpd="sng" algn="ctr">
+                      <a:solidFill>
+                        <a:schemeClr val="bg1"/>
+                      </a:solidFill>
+                      <a:prstDash val="solid"/>
+                      <a:round/>
+                      <a:headEnd type="none" w="med" len="med"/>
+                      <a:tailEnd type="none" w="med" len="med"/>
+                    </a:lnL>
+                    <a:lnR w="12700" cap="flat" cmpd="sng" algn="ctr">
+                      <a:solidFill>
+                        <a:schemeClr val="bg1"/>
+                      </a:solidFill>
+                      <a:prstDash val="solid"/>
+                      <a:round/>
+                      <a:headEnd type="none" w="med" len="med"/>
+                      <a:tailEnd type="none" w="med" len="med"/>
+                    </a:lnR>
+                    <a:lnT w="12700" cap="flat" cmpd="sng" algn="ctr">
+                      <a:solidFill>
+                        <a:schemeClr val="bg1"/>
+                      </a:solidFill>
+                      <a:prstDash val="solid"/>
+                      <a:round/>
+                      <a:headEnd type="none" w="med" len="med"/>
+                      <a:tailEnd type="none" w="med" len="med"/>
+                    </a:lnT>
+                    <a:lnB w="12700" cap="flat" cmpd="sng" algn="ctr">
+                      <a:solidFill>
+                        <a:schemeClr val="bg1"/>
+                      </a:solidFill>
+                      <a:prstDash val="solid"/>
+                      <a:round/>
+                      <a:headEnd type="none" w="med" len="med"/>
+                      <a:tailEnd type="none" w="med" len="med"/>
+                    </a:lnB>
+                    <a:solidFill>
+                      <a:schemeClr val="accent3"/>
+                    </a:solidFill>
+                  </a:tcPr>
+                </a:tc>
+                <a:tc>
+                  <a:txBody>
+                    <a:bodyPr/>
+                    <a:lstStyle/>
+                    <a:p>
+                      <a:pPr defTabSz="914400">
+                        <a:defRPr sz="700">
+                          <a:sym typeface="Source Sans Pro Regular"/>
+                        </a:defRPr>
+                      </a:pPr>
+                      <a:endParaRPr dirty="0">
+                        <a:noFill/>
+                        <a:highlight>
+                          <a:srgbClr val="FFFF00"/>
+                        </a:highlight>
+                      </a:endParaRPr>
+                    </a:p>
+                  </a:txBody>
+                  <a:tcPr marL="0" marR="0" marT="0" marB="0" anchor="ctr" horzOverflow="overflow">
+                    <a:lnL w="12700" cap="flat" cmpd="sng" algn="ctr">
+                      <a:solidFill>
+                        <a:schemeClr val="bg1"/>
+                      </a:solidFill>
+                      <a:prstDash val="solid"/>
+                      <a:round/>
+                      <a:headEnd type="none" w="med" len="med"/>
+                      <a:tailEnd type="none" w="med" len="med"/>
+                    </a:lnL>
+                    <a:lnR w="12700" cap="flat" cmpd="sng" algn="ctr">
+                      <a:solidFill>
+                        <a:schemeClr val="bg1"/>
+                      </a:solidFill>
+                      <a:prstDash val="solid"/>
+                      <a:round/>
+                      <a:headEnd type="none" w="med" len="med"/>
+                      <a:tailEnd type="none" w="med" len="med"/>
+                    </a:lnR>
+                    <a:lnT w="12700" cap="flat" cmpd="sng" algn="ctr">
+                      <a:solidFill>
+                        <a:schemeClr val="bg1"/>
+                      </a:solidFill>
+                      <a:prstDash val="solid"/>
+                      <a:round/>
+                      <a:headEnd type="none" w="med" len="med"/>
+                      <a:tailEnd type="none" w="med" len="med"/>
+                    </a:lnT>
+                    <a:lnB w="12700" cap="flat" cmpd="sng" algn="ctr">
+                      <a:solidFill>
+                        <a:schemeClr val="bg1"/>
+                      </a:solidFill>
+                      <a:prstDash val="solid"/>
+                      <a:round/>
+                      <a:headEnd type="none" w="med" len="med"/>
+                      <a:tailEnd type="none" w="med" len="med"/>
+                    </a:lnB>
+                    <a:solidFill>
+                      <a:schemeClr val="accent3"/>
+                    </a:solidFill>
+                  </a:tcPr>
+                </a:tc>
+                <a:extLst>
+                  <a:ext uri="{0D108BD9-81ED-4DB2-BD59-A6C34878D82A}">
+                    <a16:rowId xmlns:a16="http://schemas.microsoft.com/office/drawing/2014/main" val="10001"/>
+                  </a:ext>
+                </a:extLst>
+              </a:tr>
+              <a:tr h="124417">
+                <a:tc>
+                  <a:txBody>
+                    <a:bodyPr/>
+                    <a:lstStyle/>
+                    <a:p>
+                      <a:pPr defTabSz="914400">
+                        <a:defRPr sz="700">
+                          <a:sym typeface="Source Sans Pro Regular"/>
+                        </a:defRPr>
+                      </a:pPr>
+                      <a:endParaRPr dirty="0">
+                        <a:noFill/>
+                      </a:endParaRPr>
+                    </a:p>
+                  </a:txBody>
+                  <a:tcPr marL="0" marR="0" marT="0" marB="0" anchor="ctr" horzOverflow="overflow">
+                    <a:lnL w="12700" cap="flat" cmpd="sng" algn="ctr">
+                      <a:solidFill>
+                        <a:schemeClr val="bg1"/>
+                      </a:solidFill>
+                      <a:prstDash val="solid"/>
+                      <a:round/>
+                      <a:headEnd type="none" w="med" len="med"/>
+                      <a:tailEnd type="none" w="med" len="med"/>
+                    </a:lnL>
+                    <a:lnR w="12700" cap="flat" cmpd="sng" algn="ctr">
+                      <a:solidFill>
+                        <a:schemeClr val="bg1"/>
+                      </a:solidFill>
+                      <a:prstDash val="solid"/>
+                      <a:round/>
+                      <a:headEnd type="none" w="med" len="med"/>
+                      <a:tailEnd type="none" w="med" len="med"/>
+                    </a:lnR>
+                    <a:lnT w="12700" cap="flat" cmpd="sng" algn="ctr">
+                      <a:solidFill>
+                        <a:schemeClr val="bg1"/>
+                      </a:solidFill>
+                      <a:prstDash val="solid"/>
+                      <a:round/>
+                      <a:headEnd type="none" w="med" len="med"/>
+                      <a:tailEnd type="none" w="med" len="med"/>
+                    </a:lnT>
+                    <a:lnB w="12700" cap="flat" cmpd="sng" algn="ctr">
+                      <a:solidFill>
+                        <a:schemeClr val="bg1"/>
+                      </a:solidFill>
+                      <a:prstDash val="solid"/>
+                      <a:round/>
+                      <a:headEnd type="none" w="med" len="med"/>
+                      <a:tailEnd type="none" w="med" len="med"/>
+                    </a:lnB>
+                    <a:solidFill>
+                      <a:schemeClr val="accent3"/>
+                    </a:solidFill>
+                  </a:tcPr>
+                </a:tc>
+                <a:tc>
+                  <a:txBody>
+                    <a:bodyPr/>
+                    <a:lstStyle/>
+                    <a:p>
+                      <a:pPr defTabSz="914400">
+                        <a:defRPr sz="700">
+                          <a:sym typeface="Source Sans Pro Regular"/>
+                        </a:defRPr>
+                      </a:pPr>
+                      <a:endParaRPr dirty="0">
+                        <a:noFill/>
+                      </a:endParaRPr>
+                    </a:p>
+                  </a:txBody>
+                  <a:tcPr marL="0" marR="0" marT="0" marB="0" anchor="ctr" horzOverflow="overflow">
+                    <a:lnL w="12700" cap="flat" cmpd="sng" algn="ctr">
+                      <a:solidFill>
+                        <a:schemeClr val="bg1"/>
+                      </a:solidFill>
+                      <a:prstDash val="solid"/>
+                      <a:round/>
+                      <a:headEnd type="none" w="med" len="med"/>
+                      <a:tailEnd type="none" w="med" len="med"/>
+                    </a:lnL>
+                    <a:lnR w="12700" cap="flat" cmpd="sng" algn="ctr">
+                      <a:solidFill>
+                        <a:schemeClr val="bg1"/>
+                      </a:solidFill>
+                      <a:prstDash val="solid"/>
+                      <a:round/>
+                      <a:headEnd type="none" w="med" len="med"/>
+                      <a:tailEnd type="none" w="med" len="med"/>
+                    </a:lnR>
+                    <a:lnT w="12700" cap="flat" cmpd="sng" algn="ctr">
+                      <a:solidFill>
+                        <a:schemeClr val="bg1"/>
+                      </a:solidFill>
+                      <a:prstDash val="solid"/>
+                      <a:round/>
+                      <a:headEnd type="none" w="med" len="med"/>
+                      <a:tailEnd type="none" w="med" len="med"/>
+                    </a:lnT>
+                    <a:lnB w="12700" cap="flat" cmpd="sng" algn="ctr">
+                      <a:solidFill>
+                        <a:schemeClr val="bg1"/>
+                      </a:solidFill>
+                      <a:prstDash val="solid"/>
+                      <a:round/>
+                      <a:headEnd type="none" w="med" len="med"/>
+                      <a:tailEnd type="none" w="med" len="med"/>
+                    </a:lnB>
+                    <a:solidFill>
+                      <a:schemeClr val="accent3"/>
+                    </a:solidFill>
+                  </a:tcPr>
+                </a:tc>
+                <a:extLst>
+                  <a:ext uri="{0D108BD9-81ED-4DB2-BD59-A6C34878D82A}">
+                    <a16:rowId xmlns:a16="http://schemas.microsoft.com/office/drawing/2014/main" val="10002"/>
+                  </a:ext>
+                </a:extLst>
+              </a:tr>
+            </a:tbl>
+          </a:graphicData>
+        </a:graphic>
+      </p:graphicFrame>
+      <p:cxnSp>
+        <p:nvCxnSpPr>
+          <p:cNvPr id="498" name="Straight Arrow Connector 497">
+            <a:extLst>
+              <a:ext uri="{FF2B5EF4-FFF2-40B4-BE49-F238E27FC236}">
+                <a16:creationId xmlns:a16="http://schemas.microsoft.com/office/drawing/2014/main" id="{CB33CDE3-6E35-E0E4-CF1E-66E04EBD1CA8}"/>
+              </a:ext>
+            </a:extLst>
+          </p:cNvPr>
+          <p:cNvCxnSpPr>
+            <a:cxnSpLocks/>
+          </p:cNvCxnSpPr>
+          <p:nvPr/>
+        </p:nvCxnSpPr>
+        <p:spPr>
+          <a:xfrm>
+            <a:off x="11862456" y="7779453"/>
+            <a:ext cx="167561" cy="4430"/>
+          </a:xfrm>
+          <a:prstGeom prst="straightConnector1">
+            <a:avLst/>
+          </a:prstGeom>
+          <a:noFill/>
+          <a:ln w="12700" cap="flat">
+            <a:solidFill>
+              <a:srgbClr val="000000"/>
+            </a:solidFill>
+            <a:prstDash val="solid"/>
+            <a:miter lim="400000"/>
+            <a:tailEnd type="triangle"/>
+          </a:ln>
+          <a:effectLst/>
+          <a:sp3d/>
+        </p:spPr>
+        <p:style>
+          <a:lnRef idx="0">
+            <a:scrgbClr r="0" g="0" b="0"/>
+          </a:lnRef>
+          <a:fillRef idx="0">
+            <a:scrgbClr r="0" g="0" b="0"/>
+          </a:fillRef>
+          <a:effectRef idx="0">
+            <a:scrgbClr r="0" g="0" b="0"/>
+          </a:effectRef>
+          <a:fontRef idx="none"/>
+        </p:style>
+      </p:cxnSp>
+      <p:cxnSp>
+        <p:nvCxnSpPr>
+          <p:cNvPr id="499" name="Straight Arrow Connector 498">
+            <a:extLst>
+              <a:ext uri="{FF2B5EF4-FFF2-40B4-BE49-F238E27FC236}">
+                <a16:creationId xmlns:a16="http://schemas.microsoft.com/office/drawing/2014/main" id="{9AE57429-27AB-05FC-4A9C-DE8B53759629}"/>
+              </a:ext>
+            </a:extLst>
+          </p:cNvPr>
+          <p:cNvCxnSpPr>
+            <a:cxnSpLocks/>
+          </p:cNvCxnSpPr>
+          <p:nvPr/>
+        </p:nvCxnSpPr>
+        <p:spPr>
+          <a:xfrm>
+            <a:off x="12417761" y="7781877"/>
+            <a:ext cx="167561" cy="4430"/>
+          </a:xfrm>
+          <a:prstGeom prst="straightConnector1">
+            <a:avLst/>
+          </a:prstGeom>
+          <a:noFill/>
+          <a:ln w="12700" cap="flat">
+            <a:solidFill>
+              <a:srgbClr val="000000"/>
+            </a:solidFill>
+            <a:prstDash val="solid"/>
+            <a:miter lim="400000"/>
+            <a:tailEnd type="triangle"/>
+          </a:ln>
+          <a:effectLst/>
+          <a:sp3d/>
+        </p:spPr>
+        <p:style>
+          <a:lnRef idx="0">
+            <a:scrgbClr r="0" g="0" b="0"/>
+          </a:lnRef>
+          <a:fillRef idx="0">
+            <a:scrgbClr r="0" g="0" b="0"/>
+          </a:fillRef>
+          <a:effectRef idx="0">
+            <a:scrgbClr r="0" g="0" b="0"/>
+          </a:effectRef>
+          <a:fontRef idx="none"/>
+        </p:style>
+      </p:cxnSp>
+      <p:pic>
+        <p:nvPicPr>
+          <p:cNvPr id="500" name="Graphic 499" descr="Paper outline">
+            <a:extLst>
+              <a:ext uri="{FF2B5EF4-FFF2-40B4-BE49-F238E27FC236}">
+                <a16:creationId xmlns:a16="http://schemas.microsoft.com/office/drawing/2014/main" id="{987AABEB-9D8E-3180-0990-3BE9BF7A2536}"/>
+              </a:ext>
+            </a:extLst>
+          </p:cNvPr>
+          <p:cNvPicPr>
+            <a:picLocks noChangeAspect="1"/>
+          </p:cNvPicPr>
+          <p:nvPr/>
+        </p:nvPicPr>
+        <p:blipFill>
+          <a:blip r:embed="rId12">
+            <a:extLst>
+              <a:ext uri="{28A0092B-C50C-407E-A947-70E740481C1C}">
+                <a14:useLocalDpi xmlns:a14="http://schemas.microsoft.com/office/drawing/2010/main" val="0"/>
+              </a:ext>
+              <a:ext uri="{96DAC541-7B7A-43D3-8B79-37D633B846F1}">
+                <asvg:svgBlip xmlns:asvg="http://schemas.microsoft.com/office/drawing/2016/SVG/main" r:embed="rId13"/>
+              </a:ext>
+            </a:extLst>
+          </a:blip>
+          <a:stretch>
+            <a:fillRect/>
+          </a:stretch>
+        </p:blipFill>
+        <p:spPr>
+          <a:xfrm>
+            <a:off x="10774252" y="7518999"/>
+            <a:ext cx="527267" cy="527267"/>
+          </a:xfrm>
+          <a:prstGeom prst="rect">
+            <a:avLst/>
+          </a:prstGeom>
+        </p:spPr>
+      </p:pic>
+      <p:sp>
+        <p:nvSpPr>
+          <p:cNvPr id="501" name="TextBox 500">
+            <a:extLst>
+              <a:ext uri="{FF2B5EF4-FFF2-40B4-BE49-F238E27FC236}">
+                <a16:creationId xmlns:a16="http://schemas.microsoft.com/office/drawing/2014/main" id="{32D01911-A82F-5E2F-499E-E02D06DE989B}"/>
+              </a:ext>
+            </a:extLst>
+          </p:cNvPr>
+          <p:cNvSpPr txBox="1"/>
+          <p:nvPr/>
+        </p:nvSpPr>
+        <p:spPr>
+          <a:xfrm>
+            <a:off x="11329532" y="7945556"/>
+            <a:ext cx="781573" cy="258964"/>
+          </a:xfrm>
+          <a:prstGeom prst="rect">
+            <a:avLst/>
+          </a:prstGeom>
+          <a:noFill/>
+          <a:ln w="12700" cap="flat">
+            <a:noFill/>
+            <a:miter lim="400000"/>
+          </a:ln>
+          <a:effectLst/>
+          <a:sp3d/>
+        </p:spPr>
+        <p:style>
+          <a:lnRef idx="0">
+            <a:scrgbClr r="0" g="0" b="0"/>
+          </a:lnRef>
+          <a:fillRef idx="0">
+            <a:scrgbClr r="0" g="0" b="0"/>
+          </a:fillRef>
+          <a:effectRef idx="0">
+            <a:scrgbClr r="0" g="0" b="0"/>
+          </a:effectRef>
+          <a:fontRef idx="none"/>
+        </p:style>
+        <p:txBody>
+          <a:bodyPr rot="0" spcFirstLastPara="1" vertOverflow="overflow" horzOverflow="overflow" vert="horz" wrap="square" lIns="54570" tIns="54570" rIns="54570" bIns="54570" numCol="1" spcCol="38100" rtlCol="0" anchor="ctr">
+            <a:spAutoFit/>
+          </a:bodyPr>
+          <a:lstStyle/>
+          <a:p>
+            <a:pPr marL="0" marR="0" indent="0" algn="l" defTabSz="584200" rtl="0" fontAlgn="auto" latinLnBrk="0" hangingPunct="0">
+              <a:lnSpc>
+                <a:spcPct val="100000"/>
+              </a:lnSpc>
+              <a:spcBef>
+                <a:spcPts val="200"/>
+              </a:spcBef>
+              <a:spcAft>
+                <a:spcPts val="0"/>
+              </a:spcAft>
+              <a:buClrTx/>
+              <a:buSzTx/>
+              <a:buFontTx/>
+              <a:buNone/>
+              <a:tabLst/>
+            </a:pPr>
+            <a:r>
+              <a:rPr lang="en-US" sz="800" b="0" dirty="0" err="1"/>
+              <a:t>m</a:t>
+            </a:r>
+            <a:r>
+              <a:rPr kumimoji="0" lang="en-US" sz="800" b="0" i="0" u="none" strike="noStrike" cap="none" spc="0" normalizeH="0" baseline="0" dirty="0" err="1">
+                <a:ln>
+                  <a:noFill/>
+                </a:ln>
+                <a:solidFill>
+                  <a:srgbClr val="4C4C4C"/>
+                </a:solidFill>
+                <a:effectLst/>
+                <a:uFillTx/>
+                <a:latin typeface="Source Sans Pro"/>
+                <a:ea typeface="Source Sans Pro"/>
+                <a:cs typeface="Source Sans Pro"/>
+                <a:sym typeface="Source Sans Pro"/>
+              </a:rPr>
+              <a:t>ailinglist.R</a:t>
+            </a:r>
+            <a:endParaRPr kumimoji="0" lang="en-US" sz="800" b="0" i="0" u="none" strike="noStrike" cap="none" spc="0" normalizeH="0" baseline="0" dirty="0">
+              <a:ln>
+                <a:noFill/>
+              </a:ln>
+              <a:solidFill>
+                <a:srgbClr val="4C4C4C"/>
+              </a:solidFill>
+              <a:effectLst/>
+              <a:uFillTx/>
+              <a:latin typeface="Source Sans Pro"/>
+              <a:ea typeface="Source Sans Pro"/>
+              <a:cs typeface="Source Sans Pro"/>
+              <a:sym typeface="Source Sans Pro"/>
+            </a:endParaRPr>
+          </a:p>
+        </p:txBody>
+      </p:sp>
+      <p:sp>
+        <p:nvSpPr>
+          <p:cNvPr id="502" name="TextBox 501">
+            <a:extLst>
+              <a:ext uri="{FF2B5EF4-FFF2-40B4-BE49-F238E27FC236}">
+                <a16:creationId xmlns:a16="http://schemas.microsoft.com/office/drawing/2014/main" id="{92CEBE86-0A6C-3963-163D-73E4C8BBDA8E}"/>
+              </a:ext>
+            </a:extLst>
+          </p:cNvPr>
+          <p:cNvSpPr txBox="1"/>
+          <p:nvPr/>
+        </p:nvSpPr>
+        <p:spPr>
+          <a:xfrm>
+            <a:off x="11913813" y="7938468"/>
+            <a:ext cx="781573" cy="258964"/>
+          </a:xfrm>
+          <a:prstGeom prst="rect">
+            <a:avLst/>
+          </a:prstGeom>
+          <a:noFill/>
+          <a:ln w="12700" cap="flat">
+            <a:noFill/>
+            <a:miter lim="400000"/>
+          </a:ln>
+          <a:effectLst/>
+          <a:sp3d/>
+        </p:spPr>
+        <p:style>
+          <a:lnRef idx="0">
+            <a:scrgbClr r="0" g="0" b="0"/>
+          </a:lnRef>
+          <a:fillRef idx="0">
+            <a:scrgbClr r="0" g="0" b="0"/>
+          </a:fillRef>
+          <a:effectRef idx="0">
+            <a:scrgbClr r="0" g="0" b="0"/>
+          </a:effectRef>
+          <a:fontRef idx="none"/>
+        </p:style>
+        <p:txBody>
+          <a:bodyPr rot="0" spcFirstLastPara="1" vertOverflow="overflow" horzOverflow="overflow" vert="horz" wrap="square" lIns="54570" tIns="54570" rIns="54570" bIns="54570" numCol="1" spcCol="38100" rtlCol="0" anchor="ctr">
+            <a:spAutoFit/>
+          </a:bodyPr>
+          <a:lstStyle/>
+          <a:p>
+            <a:pPr marL="0" marR="0" indent="0" algn="l" defTabSz="584200" rtl="0" fontAlgn="auto" latinLnBrk="0" hangingPunct="0">
+              <a:lnSpc>
+                <a:spcPct val="100000"/>
+              </a:lnSpc>
+              <a:spcBef>
+                <a:spcPts val="200"/>
+              </a:spcBef>
+              <a:spcAft>
+                <a:spcPts val="0"/>
+              </a:spcAft>
+              <a:buClrTx/>
+              <a:buSzTx/>
+              <a:buFontTx/>
+              <a:buNone/>
+              <a:tabLst/>
+            </a:pPr>
+            <a:r>
+              <a:rPr lang="en-US" sz="800" b="0" dirty="0" err="1"/>
+              <a:t>parse_mbox</a:t>
+            </a:r>
+            <a:r>
+              <a:rPr lang="en-US" sz="800" b="0" dirty="0"/>
+              <a:t>()</a:t>
+            </a:r>
+            <a:endParaRPr kumimoji="0" lang="en-US" sz="800" b="0" i="0" u="none" strike="noStrike" cap="none" spc="0" normalizeH="0" baseline="0" dirty="0">
+              <a:ln>
+                <a:noFill/>
+              </a:ln>
+              <a:solidFill>
+                <a:srgbClr val="4C4C4C"/>
+              </a:solidFill>
+              <a:effectLst/>
+              <a:uFillTx/>
+              <a:latin typeface="Source Sans Pro"/>
+              <a:ea typeface="Source Sans Pro"/>
+              <a:cs typeface="Source Sans Pro"/>
+              <a:sym typeface="Source Sans Pro"/>
+            </a:endParaRPr>
+          </a:p>
+        </p:txBody>
+      </p:sp>
+      <p:sp>
+        <p:nvSpPr>
+          <p:cNvPr id="503" name="TextBox 502">
+            <a:extLst>
+              <a:ext uri="{FF2B5EF4-FFF2-40B4-BE49-F238E27FC236}">
+                <a16:creationId xmlns:a16="http://schemas.microsoft.com/office/drawing/2014/main" id="{5AE02DD3-63E3-D797-8A63-3AAC0256860C}"/>
+              </a:ext>
+            </a:extLst>
+          </p:cNvPr>
+          <p:cNvSpPr txBox="1"/>
+          <p:nvPr/>
+        </p:nvSpPr>
+        <p:spPr>
+          <a:xfrm>
+            <a:off x="10711193" y="7947612"/>
+            <a:ext cx="745139" cy="258964"/>
+          </a:xfrm>
+          <a:prstGeom prst="rect">
+            <a:avLst/>
+          </a:prstGeom>
+          <a:noFill/>
+          <a:ln w="12700" cap="flat">
+            <a:noFill/>
+            <a:miter lim="400000"/>
+          </a:ln>
+          <a:effectLst/>
+          <a:sp3d/>
+        </p:spPr>
+        <p:style>
+          <a:lnRef idx="0">
+            <a:scrgbClr r="0" g="0" b="0"/>
+          </a:lnRef>
+          <a:fillRef idx="0">
+            <a:scrgbClr r="0" g="0" b="0"/>
+          </a:fillRef>
+          <a:effectRef idx="0">
+            <a:scrgbClr r="0" g="0" b="0"/>
+          </a:effectRef>
+          <a:fontRef idx="none"/>
+        </p:style>
+        <p:txBody>
+          <a:bodyPr rot="0" spcFirstLastPara="1" vertOverflow="overflow" horzOverflow="overflow" vert="horz" wrap="square" lIns="54570" tIns="54570" rIns="54570" bIns="54570" numCol="1" spcCol="38100" rtlCol="0" anchor="ctr">
+            <a:spAutoFit/>
+          </a:bodyPr>
+          <a:lstStyle/>
+          <a:p>
+            <a:pPr marL="0" marR="0" indent="0" algn="l" defTabSz="584200" rtl="0" fontAlgn="auto" latinLnBrk="0" hangingPunct="0">
+              <a:lnSpc>
+                <a:spcPct val="100000"/>
+              </a:lnSpc>
+              <a:spcBef>
+                <a:spcPts val="200"/>
+              </a:spcBef>
+              <a:spcAft>
+                <a:spcPts val="0"/>
+              </a:spcAft>
+              <a:buClrTx/>
+              <a:buSzTx/>
+              <a:buFontTx/>
+              <a:buNone/>
+              <a:tabLst/>
+            </a:pPr>
+            <a:r>
+              <a:rPr kumimoji="0" lang="en-US" sz="800" i="0" u="none" strike="noStrike" cap="none" spc="0" normalizeH="0" baseline="0" dirty="0">
+                <a:ln>
+                  <a:noFill/>
+                </a:ln>
+                <a:solidFill>
+                  <a:srgbClr val="4C4C4C"/>
+                </a:solidFill>
+                <a:effectLst/>
+                <a:uFillTx/>
+                <a:latin typeface="Source Sans Pro"/>
+                <a:ea typeface="Source Sans Pro"/>
+                <a:cs typeface="Source Sans Pro"/>
+                <a:sym typeface="Source Sans Pro"/>
+              </a:rPr>
+              <a:t>202411</a:t>
+            </a:r>
+            <a:r>
+              <a:rPr kumimoji="0" lang="en-US" sz="800" b="0" i="0" u="none" strike="noStrike" cap="none" spc="0" normalizeH="0" baseline="0" dirty="0">
+                <a:ln>
+                  <a:noFill/>
+                </a:ln>
+                <a:solidFill>
+                  <a:srgbClr val="4C4C4C"/>
+                </a:solidFill>
+                <a:effectLst/>
+                <a:uFillTx/>
+                <a:latin typeface="Source Sans Pro"/>
+                <a:ea typeface="Source Sans Pro"/>
+                <a:cs typeface="Source Sans Pro"/>
+                <a:sym typeface="Source Sans Pro"/>
+              </a:rPr>
+              <a:t>.mbox</a:t>
+            </a:r>
+          </a:p>
+        </p:txBody>
+      </p:sp>
+      <p:cxnSp>
+        <p:nvCxnSpPr>
+          <p:cNvPr id="504" name="Straight Arrow Connector 503">
+            <a:extLst>
+              <a:ext uri="{FF2B5EF4-FFF2-40B4-BE49-F238E27FC236}">
+                <a16:creationId xmlns:a16="http://schemas.microsoft.com/office/drawing/2014/main" id="{00ECACF0-FF62-728A-B035-F2A6796E0EDA}"/>
+              </a:ext>
+            </a:extLst>
+          </p:cNvPr>
+          <p:cNvCxnSpPr>
+            <a:cxnSpLocks/>
+          </p:cNvCxnSpPr>
+          <p:nvPr/>
+        </p:nvCxnSpPr>
+        <p:spPr>
+          <a:xfrm>
+            <a:off x="11266190" y="7780397"/>
+            <a:ext cx="167561" cy="4430"/>
+          </a:xfrm>
+          <a:prstGeom prst="straightConnector1">
+            <a:avLst/>
+          </a:prstGeom>
+          <a:noFill/>
+          <a:ln w="12700" cap="flat">
+            <a:solidFill>
+              <a:srgbClr val="000000"/>
+            </a:solidFill>
+            <a:prstDash val="solid"/>
+            <a:miter lim="400000"/>
+            <a:tailEnd type="triangle"/>
+          </a:ln>
+          <a:effectLst/>
+          <a:sp3d/>
+        </p:spPr>
+        <p:style>
+          <a:lnRef idx="0">
+            <a:scrgbClr r="0" g="0" b="0"/>
+          </a:lnRef>
+          <a:fillRef idx="0">
+            <a:scrgbClr r="0" g="0" b="0"/>
+          </a:fillRef>
+          <a:effectRef idx="0">
+            <a:scrgbClr r="0" g="0" b="0"/>
+          </a:effectRef>
+          <a:fontRef idx="none"/>
+        </p:style>
+      </p:cxnSp>
+      <p:sp>
+        <p:nvSpPr>
+          <p:cNvPr id="505" name="Rectangle 504">
+            <a:extLst>
+              <a:ext uri="{FF2B5EF4-FFF2-40B4-BE49-F238E27FC236}">
+                <a16:creationId xmlns:a16="http://schemas.microsoft.com/office/drawing/2014/main" id="{03469667-1977-33CB-A584-A8B15E4B59C9}"/>
+              </a:ext>
+            </a:extLst>
+          </p:cNvPr>
+          <p:cNvSpPr/>
+          <p:nvPr/>
+        </p:nvSpPr>
+        <p:spPr>
+          <a:xfrm>
+            <a:off x="10704297" y="7338160"/>
+            <a:ext cx="2365131" cy="899988"/>
+          </a:xfrm>
+          <a:prstGeom prst="rect">
+            <a:avLst/>
+          </a:prstGeom>
+          <a:noFill/>
+          <a:ln w="12700" cap="flat">
+            <a:solidFill>
+              <a:schemeClr val="accent1"/>
+            </a:solidFill>
+            <a:miter lim="400000"/>
+          </a:ln>
+          <a:effectLst>
+            <a:outerShdw blurRad="38100" dist="25400" dir="5400000" rotWithShape="0">
+              <a:srgbClr val="000000">
+                <a:alpha val="50000"/>
+              </a:srgbClr>
+            </a:outerShdw>
+          </a:effectLst>
+          <a:sp3d/>
+        </p:spPr>
+        <p:style>
+          <a:lnRef idx="0">
+            <a:scrgbClr r="0" g="0" b="0"/>
+          </a:lnRef>
+          <a:fillRef idx="0">
+            <a:scrgbClr r="0" g="0" b="0"/>
+          </a:fillRef>
+          <a:effectRef idx="0">
+            <a:scrgbClr r="0" g="0" b="0"/>
+          </a:effectRef>
+          <a:fontRef idx="none"/>
+        </p:style>
+        <p:txBody>
+          <a:bodyPr rot="0" spcFirstLastPara="1" vertOverflow="overflow" horzOverflow="overflow" vert="horz" wrap="square" lIns="54570" tIns="54570" rIns="54570" bIns="54570" numCol="1" spcCol="38100" rtlCol="0" anchor="ctr">
+            <a:spAutoFit/>
+          </a:bodyPr>
+          <a:lstStyle/>
+          <a:p>
+            <a:pPr marL="0" marR="0" indent="0" algn="l" defTabSz="584200" rtl="0" fontAlgn="auto" latinLnBrk="0" hangingPunct="0">
+              <a:lnSpc>
+                <a:spcPct val="80000"/>
+              </a:lnSpc>
+              <a:spcBef>
+                <a:spcPts val="0"/>
+              </a:spcBef>
+              <a:spcAft>
+                <a:spcPts val="0"/>
+              </a:spcAft>
+              <a:buClrTx/>
+              <a:buSzTx/>
+              <a:buFontTx/>
+              <a:buNone/>
+              <a:tabLst/>
+            </a:pPr>
+            <a:endParaRPr kumimoji="0" lang="en-US" sz="1200" b="0" i="0" u="none" strike="noStrike" cap="none" spc="0" normalizeH="0" baseline="0" dirty="0">
+              <a:ln>
+                <a:noFill/>
+              </a:ln>
+              <a:solidFill>
+                <a:srgbClr val="000000"/>
+              </a:solidFill>
+              <a:effectLst/>
+              <a:uFillTx/>
+              <a:latin typeface="Source Sans Pro"/>
+              <a:ea typeface="Source Sans Pro"/>
+              <a:cs typeface="Source Sans Pro"/>
+              <a:sym typeface="Source Sans Pro"/>
+            </a:endParaRPr>
           </a:p>
         </p:txBody>
       </p:sp>

--- a/cheatsheets/project-analysis-cheatsheet.pptx
+++ b/cheatsheets/project-analysis-cheatsheet.pptx
@@ -3159,140 +3159,6 @@
           <a:chExt cx="0" cy="0"/>
         </a:xfrm>
       </p:grpSpPr>
-      <p:sp>
-        <p:nvSpPr>
-          <p:cNvPr id="432" name="TextBox 103">
-            <a:extLst>
-              <a:ext uri="{FF2B5EF4-FFF2-40B4-BE49-F238E27FC236}">
-                <a16:creationId xmlns:a16="http://schemas.microsoft.com/office/drawing/2014/main" id="{F5BEA8B1-2F7C-092A-7FFB-46710DB9C2D4}"/>
-              </a:ext>
-            </a:extLst>
-          </p:cNvPr>
-          <p:cNvSpPr txBox="1"/>
-          <p:nvPr/>
-        </p:nvSpPr>
-        <p:spPr>
-          <a:xfrm>
-            <a:off x="143718" y="8319000"/>
-            <a:ext cx="2813194" cy="1842977"/>
-          </a:xfrm>
-          <a:prstGeom prst="rect">
-            <a:avLst/>
-          </a:prstGeom>
-          <a:solidFill>
-            <a:srgbClr val="008BFC">
-              <a:alpha val="7000"/>
-            </a:srgbClr>
-          </a:solidFill>
-        </p:spPr>
-        <p:txBody>
-          <a:bodyPr rot="0" spcFirstLastPara="0" vert="horz" wrap="square" lIns="91440" tIns="45720" rIns="91440" bIns="45720" numCol="1" spcCol="0" rtlCol="0" fromWordArt="0" anchor="t" anchorCtr="0" forceAA="0" compatLnSpc="1">
-            <a:prstTxWarp prst="textNoShape">
-              <a:avLst/>
-            </a:prstTxWarp>
-            <a:spAutoFit/>
-          </a:bodyPr>
-          <a:lstStyle>
-            <a:defPPr>
-              <a:defRPr lang="en-US"/>
-            </a:defPPr>
-            <a:lvl1pPr marL="0" algn="l" defTabSz="914400" rtl="0" eaLnBrk="1" latinLnBrk="0" hangingPunct="1">
-              <a:defRPr sz="1800" kern="1200">
-                <a:solidFill>
-                  <a:schemeClr val="tx1"/>
-                </a:solidFill>
-                <a:latin typeface="+mn-lt"/>
-                <a:ea typeface="+mn-ea"/>
-                <a:cs typeface="+mn-cs"/>
-              </a:defRPr>
-            </a:lvl1pPr>
-            <a:lvl2pPr marL="457200" algn="l" defTabSz="914400" rtl="0" eaLnBrk="1" latinLnBrk="0" hangingPunct="1">
-              <a:defRPr sz="1800" kern="1200">
-                <a:solidFill>
-                  <a:schemeClr val="tx1"/>
-                </a:solidFill>
-                <a:latin typeface="+mn-lt"/>
-                <a:ea typeface="+mn-ea"/>
-                <a:cs typeface="+mn-cs"/>
-              </a:defRPr>
-            </a:lvl2pPr>
-            <a:lvl3pPr marL="914400" algn="l" defTabSz="914400" rtl="0" eaLnBrk="1" latinLnBrk="0" hangingPunct="1">
-              <a:defRPr sz="1800" kern="1200">
-                <a:solidFill>
-                  <a:schemeClr val="tx1"/>
-                </a:solidFill>
-                <a:latin typeface="+mn-lt"/>
-                <a:ea typeface="+mn-ea"/>
-                <a:cs typeface="+mn-cs"/>
-              </a:defRPr>
-            </a:lvl3pPr>
-            <a:lvl4pPr marL="1371600" algn="l" defTabSz="914400" rtl="0" eaLnBrk="1" latinLnBrk="0" hangingPunct="1">
-              <a:defRPr sz="1800" kern="1200">
-                <a:solidFill>
-                  <a:schemeClr val="tx1"/>
-                </a:solidFill>
-                <a:latin typeface="+mn-lt"/>
-                <a:ea typeface="+mn-ea"/>
-                <a:cs typeface="+mn-cs"/>
-              </a:defRPr>
-            </a:lvl4pPr>
-            <a:lvl5pPr marL="1828800" algn="l" defTabSz="914400" rtl="0" eaLnBrk="1" latinLnBrk="0" hangingPunct="1">
-              <a:defRPr sz="1800" kern="1200">
-                <a:solidFill>
-                  <a:schemeClr val="tx1"/>
-                </a:solidFill>
-                <a:latin typeface="+mn-lt"/>
-                <a:ea typeface="+mn-ea"/>
-                <a:cs typeface="+mn-cs"/>
-              </a:defRPr>
-            </a:lvl5pPr>
-            <a:lvl6pPr marL="2286000" algn="l" defTabSz="914400" rtl="0" eaLnBrk="1" latinLnBrk="0" hangingPunct="1">
-              <a:defRPr sz="1800" kern="1200">
-                <a:solidFill>
-                  <a:schemeClr val="tx1"/>
-                </a:solidFill>
-                <a:latin typeface="+mn-lt"/>
-                <a:ea typeface="+mn-ea"/>
-                <a:cs typeface="+mn-cs"/>
-              </a:defRPr>
-            </a:lvl6pPr>
-            <a:lvl7pPr marL="2743200" algn="l" defTabSz="914400" rtl="0" eaLnBrk="1" latinLnBrk="0" hangingPunct="1">
-              <a:defRPr sz="1800" kern="1200">
-                <a:solidFill>
-                  <a:schemeClr val="tx1"/>
-                </a:solidFill>
-                <a:latin typeface="+mn-lt"/>
-                <a:ea typeface="+mn-ea"/>
-                <a:cs typeface="+mn-cs"/>
-              </a:defRPr>
-            </a:lvl7pPr>
-            <a:lvl8pPr marL="3200400" algn="l" defTabSz="914400" rtl="0" eaLnBrk="1" latinLnBrk="0" hangingPunct="1">
-              <a:defRPr sz="1800" kern="1200">
-                <a:solidFill>
-                  <a:schemeClr val="tx1"/>
-                </a:solidFill>
-                <a:latin typeface="+mn-lt"/>
-                <a:ea typeface="+mn-ea"/>
-                <a:cs typeface="+mn-cs"/>
-              </a:defRPr>
-            </a:lvl8pPr>
-            <a:lvl9pPr marL="3657600" algn="l" defTabSz="914400" rtl="0" eaLnBrk="1" latinLnBrk="0" hangingPunct="1">
-              <a:defRPr sz="1800" kern="1200">
-                <a:solidFill>
-                  <a:schemeClr val="tx1"/>
-                </a:solidFill>
-                <a:latin typeface="+mn-lt"/>
-                <a:ea typeface="+mn-ea"/>
-                <a:cs typeface="+mn-cs"/>
-              </a:defRPr>
-            </a:lvl9pPr>
-          </a:lstStyle>
-          <a:p>
-            <a:pPr algn="l"/>
-            <a:endParaRPr lang="en-US"/>
-          </a:p>
-        </p:txBody>
-      </p:sp>
       <p:pic>
         <p:nvPicPr>
           <p:cNvPr id="292" name="Image" descr="Image"/>
@@ -3427,7 +3293,7 @@
         </p:nvSpPr>
         <p:spPr>
           <a:xfrm>
-            <a:off x="9573838" y="1726531"/>
+            <a:off x="9573838" y="1724749"/>
             <a:ext cx="3321422" cy="340029"/>
           </a:xfrm>
           <a:prstGeom prst="rect">
@@ -3525,8 +3391,8 @@
         </p:nvSpPr>
         <p:spPr>
           <a:xfrm>
-            <a:off x="219255" y="1798505"/>
-            <a:ext cx="3949153" cy="1350545"/>
+            <a:off x="198780" y="2092793"/>
+            <a:ext cx="3949153" cy="1145874"/>
           </a:xfrm>
           <a:prstGeom prst="rect">
             <a:avLst/>
@@ -3581,32 +3447,6 @@
               </a:rPr>
               <a:t>Kaiāulu recommends a set of steps to analyze projects. These include the way to organize a project’s folders and the way the analysis is configured for reproducibility. </a:t>
             </a:r>
-          </a:p>
-          <a:p>
-            <a:pPr>
-              <a:lnSpc>
-                <a:spcPct val="90000"/>
-              </a:lnSpc>
-              <a:spcBef>
-                <a:spcPts val="300"/>
-              </a:spcBef>
-              <a:buClr>
-                <a:schemeClr val="accent4">
-                  <a:hueOff val="384618"/>
-                  <a:satOff val="3869"/>
-                  <a:lumOff val="5802"/>
-                </a:schemeClr>
-              </a:buClr>
-              <a:defRPr b="0">
-                <a:solidFill>
-                  <a:srgbClr val="000000"/>
-                </a:solidFill>
-                <a:latin typeface="+mn-lt"/>
-                <a:ea typeface="+mn-ea"/>
-                <a:cs typeface="+mn-cs"/>
-                <a:sym typeface="Source Sans Pro Light"/>
-              </a:defRPr>
-            </a:pPr>
             <a:endParaRPr lang="en-US" b="0" dirty="0">
               <a:solidFill>
                 <a:srgbClr val="000000"/>
@@ -3662,7 +3502,7 @@
         </p:nvSpPr>
         <p:spPr>
           <a:xfrm>
-            <a:off x="4879092" y="1458476"/>
+            <a:off x="4721426" y="1724749"/>
             <a:ext cx="4634282" cy="340029"/>
           </a:xfrm>
           <a:prstGeom prst="rect">
@@ -3711,8 +3551,8 @@
         </p:nvSpPr>
         <p:spPr>
           <a:xfrm>
-            <a:off x="255452" y="1453679"/>
-            <a:ext cx="2621281" cy="340029"/>
+            <a:off x="143717" y="1724749"/>
+            <a:ext cx="2770632" cy="340029"/>
           </a:xfrm>
           <a:prstGeom prst="rect">
             <a:avLst/>
@@ -3727,7 +3567,7 @@
           </a:extLst>
         </p:spPr>
         <p:txBody>
-          <a:bodyPr wrap="square" lIns="12700" tIns="12700" rIns="12700" bIns="12700" anchor="ctr">
+          <a:bodyPr wrap="square" lIns="12700" tIns="12700" rIns="12700" bIns="12700" anchor="ctr" anchorCtr="0">
             <a:spAutoFit/>
           </a:bodyPr>
           <a:lstStyle/>
@@ -4030,7 +3870,7 @@
         </p:nvSpPr>
         <p:spPr>
           <a:xfrm>
-            <a:off x="4879091" y="6919338"/>
+            <a:off x="4721426" y="6852279"/>
             <a:ext cx="4053967" cy="340029"/>
           </a:xfrm>
           <a:prstGeom prst="rect">
@@ -4102,7 +3942,7 @@
         </p:blipFill>
         <p:spPr>
           <a:xfrm>
-            <a:off x="4906617" y="3804361"/>
+            <a:off x="4721426" y="3985722"/>
             <a:ext cx="527267" cy="527267"/>
           </a:xfrm>
           <a:prstGeom prst="rect">
@@ -4124,7 +3964,7 @@
         </p:nvSpPr>
         <p:spPr>
           <a:xfrm flipV="1">
-            <a:off x="75878" y="3275245"/>
+            <a:off x="165225" y="3275245"/>
             <a:ext cx="4175493" cy="0"/>
           </a:xfrm>
           <a:prstGeom prst="line">
@@ -4220,7 +4060,7 @@
         </p:nvSpPr>
         <p:spPr>
           <a:xfrm flipV="1">
-            <a:off x="4930264" y="6723644"/>
+            <a:off x="4795201" y="6753928"/>
             <a:ext cx="3944763" cy="0"/>
           </a:xfrm>
           <a:prstGeom prst="line">
@@ -4268,7 +4108,7 @@
         </p:nvSpPr>
         <p:spPr>
           <a:xfrm>
-            <a:off x="4906617" y="1802528"/>
+            <a:off x="4716784" y="2115885"/>
             <a:ext cx="4001355" cy="941203"/>
           </a:xfrm>
           <a:prstGeom prst="rect">
@@ -4602,7 +4442,7 @@
         </p:nvSpPr>
         <p:spPr>
           <a:xfrm>
-            <a:off x="4980392" y="3937397"/>
+            <a:off x="4795201" y="4118758"/>
             <a:ext cx="405158" cy="289742"/>
           </a:xfrm>
           <a:prstGeom prst="rect">
@@ -4732,7 +4572,7 @@
         </p:blipFill>
         <p:spPr>
           <a:xfrm>
-            <a:off x="5437976" y="3817548"/>
+            <a:off x="5252785" y="3998909"/>
             <a:ext cx="527267" cy="527267"/>
           </a:xfrm>
           <a:prstGeom prst="rect">
@@ -4754,7 +4594,7 @@
         </p:nvSpPr>
         <p:spPr>
           <a:xfrm>
-            <a:off x="5511751" y="3950584"/>
+            <a:off x="5326560" y="4131945"/>
             <a:ext cx="405158" cy="289742"/>
           </a:xfrm>
           <a:prstGeom prst="rect">
@@ -4884,7 +4724,7 @@
         </p:blipFill>
         <p:spPr>
           <a:xfrm>
-            <a:off x="5965189" y="3816273"/>
+            <a:off x="5779998" y="3997634"/>
             <a:ext cx="527267" cy="527267"/>
           </a:xfrm>
           <a:prstGeom prst="rect">
@@ -4906,7 +4746,7 @@
         </p:nvSpPr>
         <p:spPr>
           <a:xfrm>
-            <a:off x="6038964" y="3949309"/>
+            <a:off x="5853773" y="4130670"/>
             <a:ext cx="405158" cy="289742"/>
           </a:xfrm>
           <a:prstGeom prst="rect">
@@ -5036,7 +4876,7 @@
         </p:blipFill>
         <p:spPr>
           <a:xfrm>
-            <a:off x="5433884" y="3174880"/>
+            <a:off x="5248693" y="3356241"/>
             <a:ext cx="527267" cy="527267"/>
           </a:xfrm>
           <a:prstGeom prst="rect">
@@ -5058,7 +4898,7 @@
         </p:nvSpPr>
         <p:spPr>
           <a:xfrm>
-            <a:off x="5507659" y="3307916"/>
+            <a:off x="5322468" y="3489277"/>
             <a:ext cx="405158" cy="289742"/>
           </a:xfrm>
           <a:prstGeom prst="rect">
@@ -5173,7 +5013,7 @@
         </p:nvCxnSpPr>
         <p:spPr>
           <a:xfrm flipV="1">
-            <a:off x="5677826" y="3666895"/>
+            <a:off x="5492635" y="3848256"/>
             <a:ext cx="0" cy="166129"/>
           </a:xfrm>
           <a:prstGeom prst="straightConnector1">
@@ -5221,7 +5061,7 @@
         </p:nvCxnSpPr>
         <p:spPr>
           <a:xfrm flipV="1">
-            <a:off x="5132230" y="3666895"/>
+            <a:off x="4947039" y="3848256"/>
             <a:ext cx="346168" cy="157256"/>
           </a:xfrm>
           <a:prstGeom prst="straightConnector1">
@@ -5269,7 +5109,7 @@
         </p:nvCxnSpPr>
         <p:spPr>
           <a:xfrm flipH="1" flipV="1">
-            <a:off x="5912817" y="3663234"/>
+            <a:off x="5727626" y="3844595"/>
             <a:ext cx="316005" cy="180306"/>
           </a:xfrm>
           <a:prstGeom prst="straightConnector1">
@@ -5332,7 +5172,7 @@
         </p:blipFill>
         <p:spPr>
           <a:xfrm>
-            <a:off x="7447004" y="3778991"/>
+            <a:off x="7261813" y="3960352"/>
             <a:ext cx="527267" cy="527267"/>
           </a:xfrm>
           <a:prstGeom prst="rect">
@@ -5354,7 +5194,7 @@
         </p:nvSpPr>
         <p:spPr>
           <a:xfrm>
-            <a:off x="7520779" y="3912027"/>
+            <a:off x="7335588" y="4093388"/>
             <a:ext cx="405158" cy="289742"/>
           </a:xfrm>
           <a:prstGeom prst="rect">
@@ -5484,7 +5324,7 @@
         </p:blipFill>
         <p:spPr>
           <a:xfrm>
-            <a:off x="7978363" y="3792178"/>
+            <a:off x="7793172" y="3973539"/>
             <a:ext cx="527267" cy="527267"/>
           </a:xfrm>
           <a:prstGeom prst="rect">
@@ -5506,7 +5346,7 @@
         </p:nvSpPr>
         <p:spPr>
           <a:xfrm>
-            <a:off x="8052138" y="3925214"/>
+            <a:off x="7866947" y="4106575"/>
             <a:ext cx="405158" cy="289742"/>
           </a:xfrm>
           <a:prstGeom prst="rect">
@@ -5636,7 +5476,7 @@
         </p:blipFill>
         <p:spPr>
           <a:xfrm>
-            <a:off x="8505576" y="3790903"/>
+            <a:off x="8320385" y="3972264"/>
             <a:ext cx="527267" cy="527267"/>
           </a:xfrm>
           <a:prstGeom prst="rect">
@@ -5658,7 +5498,7 @@
         </p:nvSpPr>
         <p:spPr>
           <a:xfrm>
-            <a:off x="8579351" y="3923939"/>
+            <a:off x="8394160" y="4105300"/>
             <a:ext cx="405158" cy="289742"/>
           </a:xfrm>
           <a:prstGeom prst="rect">
@@ -5788,7 +5628,7 @@
         </p:blipFill>
         <p:spPr>
           <a:xfrm>
-            <a:off x="7971778" y="2609566"/>
+            <a:off x="7786587" y="2790927"/>
             <a:ext cx="527267" cy="527267"/>
           </a:xfrm>
           <a:prstGeom prst="rect">
@@ -5810,7 +5650,7 @@
         </p:nvSpPr>
         <p:spPr>
           <a:xfrm>
-            <a:off x="8045553" y="2742602"/>
+            <a:off x="7860362" y="2923963"/>
             <a:ext cx="405158" cy="289742"/>
           </a:xfrm>
           <a:prstGeom prst="rect">
@@ -5925,7 +5765,7 @@
         </p:nvCxnSpPr>
         <p:spPr>
           <a:xfrm flipV="1">
-            <a:off x="8218213" y="3641525"/>
+            <a:off x="8033022" y="3822886"/>
             <a:ext cx="0" cy="166129"/>
           </a:xfrm>
           <a:prstGeom prst="straightConnector1">
@@ -5973,7 +5813,7 @@
         </p:nvCxnSpPr>
         <p:spPr>
           <a:xfrm flipV="1">
-            <a:off x="7672617" y="3641525"/>
+            <a:off x="7487426" y="3822886"/>
             <a:ext cx="346168" cy="157256"/>
           </a:xfrm>
           <a:prstGeom prst="straightConnector1">
@@ -6021,7 +5861,7 @@
         </p:nvCxnSpPr>
         <p:spPr>
           <a:xfrm flipH="1" flipV="1">
-            <a:off x="8453204" y="3637864"/>
+            <a:off x="8268013" y="3819225"/>
             <a:ext cx="316005" cy="180306"/>
           </a:xfrm>
           <a:prstGeom prst="straightConnector1">
@@ -6069,7 +5909,7 @@
         </p:nvCxnSpPr>
         <p:spPr>
           <a:xfrm flipV="1">
-            <a:off x="8224637" y="3109116"/>
+            <a:off x="8039446" y="3290477"/>
             <a:ext cx="0" cy="166129"/>
           </a:xfrm>
           <a:prstGeom prst="straightConnector1">
@@ -6115,7 +5955,7 @@
         </p:nvSpPr>
         <p:spPr>
           <a:xfrm>
-            <a:off x="7914769" y="3330065"/>
+            <a:off x="7729578" y="3511426"/>
             <a:ext cx="641284" cy="257939"/>
           </a:xfrm>
           <a:prstGeom prst="rect">
@@ -6212,7 +6052,7 @@
         </p:nvSpPr>
         <p:spPr>
           <a:xfrm>
-            <a:off x="6621549" y="3321336"/>
+            <a:off x="6436358" y="3502697"/>
             <a:ext cx="796239" cy="512385"/>
           </a:xfrm>
           <a:prstGeom prst="rightArrow">
@@ -6287,8 +6127,8 @@
         </p:nvSpPr>
         <p:spPr>
           <a:xfrm>
-            <a:off x="4873672" y="7274748"/>
-            <a:ext cx="4001355" cy="3000228"/>
+            <a:off x="4728517" y="7188040"/>
+            <a:ext cx="3616562" cy="3127955"/>
           </a:xfrm>
           <a:prstGeom prst="rect">
             <a:avLst/>
@@ -6468,7 +6308,29 @@
                 <a:latin typeface="Source Sans Pro" panose="020B0503030403020204" pitchFamily="34" charset="0"/>
                 <a:ea typeface="Source Sans Pro" panose="020B0503030403020204" pitchFamily="34" charset="0"/>
               </a:rPr>
-              <a:t> interfaces with OpenHub API to facilitate locating open-source projects for studies. </a:t>
+              <a:t> showcases how Kaiāulu interfaces with OpenHub API to facilitate selecting open-source projects for studies. This </a:t>
+            </a:r>
+            <a:r>
+              <a:rPr lang="en-US" b="0" i="0" u="none" strike="noStrike" dirty="0">
+                <a:solidFill>
+                  <a:schemeClr val="accent2"/>
+                </a:solidFill>
+                <a:effectLst/>
+                <a:latin typeface="Source Sans Pro" panose="020B0503030403020204" pitchFamily="34" charset="0"/>
+                <a:ea typeface="Source Sans Pro" panose="020B0503030403020204" pitchFamily="34" charset="0"/>
+              </a:rPr>
+              <a:t>Notebook</a:t>
+            </a:r>
+            <a:r>
+              <a:rPr lang="en-US" b="0" i="0" u="none" strike="noStrike" dirty="0">
+                <a:solidFill>
+                  <a:srgbClr val="000000"/>
+                </a:solidFill>
+                <a:effectLst/>
+                <a:latin typeface="Source Sans Pro" panose="020B0503030403020204" pitchFamily="34" charset="0"/>
+                <a:ea typeface="Source Sans Pro" panose="020B0503030403020204" pitchFamily="34" charset="0"/>
+              </a:rPr>
+              <a:t> demonstrates how to use the Kaiāulu OpenHub API interface to search for projects that meet specific criteria, streamlining the process of discovering open-source projects through OpenHub’s database.</a:t>
             </a:r>
           </a:p>
           <a:p>
@@ -6538,98 +6400,6 @@
                 <a:latin typeface="Source Sans Pro" panose="020B0503030403020204" pitchFamily="34" charset="0"/>
                 <a:ea typeface="Source Sans Pro" panose="020B0503030403020204" pitchFamily="34" charset="0"/>
               </a:rPr>
-              <a:t>This </a:t>
-            </a:r>
-            <a:r>
-              <a:rPr lang="en-US" b="0" i="0" u="none" strike="noStrike" dirty="0">
-                <a:solidFill>
-                  <a:schemeClr val="accent2"/>
-                </a:solidFill>
-                <a:effectLst/>
-                <a:latin typeface="Source Sans Pro" panose="020B0503030403020204" pitchFamily="34" charset="0"/>
-                <a:ea typeface="Source Sans Pro" panose="020B0503030403020204" pitchFamily="34" charset="0"/>
-              </a:rPr>
-              <a:t>Notebook</a:t>
-            </a:r>
-            <a:r>
-              <a:rPr lang="en-US" b="0" i="0" u="none" strike="noStrike" dirty="0">
-                <a:solidFill>
-                  <a:srgbClr val="000000"/>
-                </a:solidFill>
-                <a:effectLst/>
-                <a:latin typeface="Source Sans Pro" panose="020B0503030403020204" pitchFamily="34" charset="0"/>
-                <a:ea typeface="Source Sans Pro" panose="020B0503030403020204" pitchFamily="34" charset="0"/>
-              </a:rPr>
-              <a:t> demonstrates how to use the Kaiāulu OpenHub API interface to search for projects that meet specific criteria, streamlining the process of discovering open-source projects through OpenHub’s database.</a:t>
-            </a:r>
-          </a:p>
-          <a:p>
-            <a:pPr>
-              <a:lnSpc>
-                <a:spcPct val="90000"/>
-              </a:lnSpc>
-              <a:spcBef>
-                <a:spcPts val="300"/>
-              </a:spcBef>
-              <a:buClr>
-                <a:schemeClr val="accent4">
-                  <a:hueOff val="384618"/>
-                  <a:satOff val="3869"/>
-                  <a:lumOff val="5802"/>
-                </a:schemeClr>
-              </a:buClr>
-              <a:defRPr b="0">
-                <a:solidFill>
-                  <a:srgbClr val="000000"/>
-                </a:solidFill>
-                <a:latin typeface="+mn-lt"/>
-                <a:ea typeface="+mn-ea"/>
-                <a:cs typeface="+mn-cs"/>
-                <a:sym typeface="Source Sans Pro Light"/>
-              </a:defRPr>
-            </a:pPr>
-            <a:endParaRPr lang="en-US" b="0" dirty="0">
-              <a:solidFill>
-                <a:srgbClr val="000000"/>
-              </a:solidFill>
-              <a:latin typeface="Source Sans Pro" panose="020B0503030403020204" pitchFamily="34" charset="0"/>
-              <a:ea typeface="Source Sans Pro" panose="020B0503030403020204" pitchFamily="34" charset="0"/>
-            </a:endParaRPr>
-          </a:p>
-          <a:p>
-            <a:pPr>
-              <a:lnSpc>
-                <a:spcPct val="90000"/>
-              </a:lnSpc>
-              <a:spcBef>
-                <a:spcPts val="300"/>
-              </a:spcBef>
-              <a:buClr>
-                <a:schemeClr val="accent4">
-                  <a:hueOff val="384618"/>
-                  <a:satOff val="3869"/>
-                  <a:lumOff val="5802"/>
-                </a:schemeClr>
-              </a:buClr>
-              <a:defRPr b="0">
-                <a:solidFill>
-                  <a:srgbClr val="000000"/>
-                </a:solidFill>
-                <a:latin typeface="+mn-lt"/>
-                <a:ea typeface="+mn-ea"/>
-                <a:cs typeface="+mn-cs"/>
-                <a:sym typeface="Source Sans Pro Light"/>
-              </a:defRPr>
-            </a:pPr>
-            <a:r>
-              <a:rPr lang="en-US" b="0" i="0" u="none" strike="noStrike" dirty="0">
-                <a:solidFill>
-                  <a:srgbClr val="000000"/>
-                </a:solidFill>
-                <a:effectLst/>
-                <a:latin typeface="Source Sans Pro" panose="020B0503030403020204" pitchFamily="34" charset="0"/>
-                <a:ea typeface="Source Sans Pro" panose="020B0503030403020204" pitchFamily="34" charset="0"/>
-              </a:rPr>
               <a:t>Once projects for analysis are decided upon, they can be documented as </a:t>
             </a:r>
             <a:r>
@@ -6714,7 +6484,7 @@
         </p:nvSpPr>
         <p:spPr>
           <a:xfrm>
-            <a:off x="4906617" y="4577524"/>
+            <a:off x="4769760" y="4568719"/>
             <a:ext cx="1537505" cy="1439801"/>
           </a:xfrm>
           <a:prstGeom prst="rect">
@@ -6905,7 +6675,7 @@
         </p:nvSpPr>
         <p:spPr>
           <a:xfrm>
-            <a:off x="7417788" y="4577524"/>
+            <a:off x="7270693" y="4594663"/>
             <a:ext cx="1537505" cy="1273601"/>
           </a:xfrm>
           <a:prstGeom prst="rect">
@@ -7078,8 +6848,8 @@
         </p:nvSpPr>
         <p:spPr>
           <a:xfrm>
-            <a:off x="4889586" y="5978925"/>
-            <a:ext cx="4032978" cy="608804"/>
+            <a:off x="4721426" y="5978925"/>
+            <a:ext cx="4032978" cy="775003"/>
           </a:xfrm>
           <a:prstGeom prst="rect">
             <a:avLst/>
@@ -7191,6 +6961,37 @@
                 <a:latin typeface="Source Sans Pro" panose="020B0503030403020204" pitchFamily="34" charset="0"/>
                 <a:ea typeface="Source Sans Pro" panose="020B0503030403020204" pitchFamily="34" charset="0"/>
               </a:rPr>
+              <a:t> and </a:t>
+            </a:r>
+            <a:r>
+              <a:rPr lang="en-US" b="0" dirty="0">
+                <a:solidFill>
+                  <a:schemeClr val="accent1"/>
+                </a:solidFill>
+                <a:latin typeface="Source Sans Pro" panose="020B0503030403020204" pitchFamily="34" charset="0"/>
+                <a:ea typeface="Source Sans Pro" panose="020B0503030403020204" pitchFamily="34" charset="0"/>
+              </a:rPr>
+              <a:t>E</a:t>
+            </a:r>
+            <a:r>
+              <a:rPr lang="en-US" dirty="0">
+                <a:solidFill>
+                  <a:schemeClr val="accent1"/>
+                </a:solidFill>
+                <a:latin typeface="Source Sans Pro" panose="020B0503030403020204" pitchFamily="34" charset="0"/>
+                <a:ea typeface="Source Sans Pro" panose="020B0503030403020204" pitchFamily="34" charset="0"/>
+                <a:sym typeface="Source Sans Pro"/>
+              </a:rPr>
+              <a:t>xec scripts</a:t>
+            </a:r>
+            <a:r>
+              <a:rPr lang="en-US" b="0" dirty="0">
+                <a:solidFill>
+                  <a:srgbClr val="000000"/>
+                </a:solidFill>
+                <a:latin typeface="Source Sans Pro" panose="020B0503030403020204" pitchFamily="34" charset="0"/>
+                <a:ea typeface="Source Sans Pro" panose="020B0503030403020204" pitchFamily="34" charset="0"/>
+              </a:rPr>
               <a:t>.</a:t>
             </a:r>
           </a:p>
@@ -7210,7 +7011,7 @@
         </p:nvSpPr>
         <p:spPr>
           <a:xfrm>
-            <a:off x="78156" y="3771130"/>
+            <a:off x="170343" y="3771130"/>
             <a:ext cx="4190402" cy="3769563"/>
           </a:xfrm>
           <a:prstGeom prst="rect">
@@ -7260,7 +7061,7 @@
         </p:nvSpPr>
         <p:spPr>
           <a:xfrm>
-            <a:off x="82460" y="3405494"/>
+            <a:off x="143717" y="3405494"/>
             <a:ext cx="2766632" cy="340029"/>
           </a:xfrm>
           <a:prstGeom prst="rect">
@@ -7304,6431 +7105,6 @@
       </p:sp>
       <p:sp>
         <p:nvSpPr>
-          <p:cNvPr id="349" name="TextBox 104">
-            <a:extLst>
-              <a:ext uri="{FF2B5EF4-FFF2-40B4-BE49-F238E27FC236}">
-                <a16:creationId xmlns:a16="http://schemas.microsoft.com/office/drawing/2014/main" id="{4C274851-B413-9E04-859C-9EEF270EA671}"/>
-              </a:ext>
-            </a:extLst>
-          </p:cNvPr>
-          <p:cNvSpPr txBox="1"/>
-          <p:nvPr/>
-        </p:nvSpPr>
-        <p:spPr>
-          <a:xfrm>
-            <a:off x="2985157" y="8319370"/>
-            <a:ext cx="1817687" cy="1309687"/>
-          </a:xfrm>
-          <a:prstGeom prst="rect">
-            <a:avLst/>
-          </a:prstGeom>
-          <a:solidFill>
-            <a:srgbClr val="FF0000">
-              <a:alpha val="8000"/>
-            </a:srgbClr>
-          </a:solidFill>
-        </p:spPr>
-        <p:txBody>
-          <a:bodyPr rot="0" spcFirstLastPara="0" vert="horz" wrap="square" lIns="91440" tIns="45720" rIns="91440" bIns="45720" numCol="1" spcCol="0" rtlCol="0" fromWordArt="0" anchor="t" anchorCtr="0" forceAA="0" compatLnSpc="1">
-            <a:prstTxWarp prst="textNoShape">
-              <a:avLst/>
-            </a:prstTxWarp>
-            <a:spAutoFit/>
-          </a:bodyPr>
-          <a:lstStyle>
-            <a:defPPr>
-              <a:defRPr lang="en-US"/>
-            </a:defPPr>
-            <a:lvl1pPr marL="0" algn="l" defTabSz="914400" rtl="0" eaLnBrk="1" latinLnBrk="0" hangingPunct="1">
-              <a:defRPr sz="1800" kern="1200">
-                <a:solidFill>
-                  <a:schemeClr val="tx1"/>
-                </a:solidFill>
-                <a:latin typeface="+mn-lt"/>
-                <a:ea typeface="+mn-ea"/>
-                <a:cs typeface="+mn-cs"/>
-              </a:defRPr>
-            </a:lvl1pPr>
-            <a:lvl2pPr marL="457200" algn="l" defTabSz="914400" rtl="0" eaLnBrk="1" latinLnBrk="0" hangingPunct="1">
-              <a:defRPr sz="1800" kern="1200">
-                <a:solidFill>
-                  <a:schemeClr val="tx1"/>
-                </a:solidFill>
-                <a:latin typeface="+mn-lt"/>
-                <a:ea typeface="+mn-ea"/>
-                <a:cs typeface="+mn-cs"/>
-              </a:defRPr>
-            </a:lvl2pPr>
-            <a:lvl3pPr marL="914400" algn="l" defTabSz="914400" rtl="0" eaLnBrk="1" latinLnBrk="0" hangingPunct="1">
-              <a:defRPr sz="1800" kern="1200">
-                <a:solidFill>
-                  <a:schemeClr val="tx1"/>
-                </a:solidFill>
-                <a:latin typeface="+mn-lt"/>
-                <a:ea typeface="+mn-ea"/>
-                <a:cs typeface="+mn-cs"/>
-              </a:defRPr>
-            </a:lvl3pPr>
-            <a:lvl4pPr marL="1371600" algn="l" defTabSz="914400" rtl="0" eaLnBrk="1" latinLnBrk="0" hangingPunct="1">
-              <a:defRPr sz="1800" kern="1200">
-                <a:solidFill>
-                  <a:schemeClr val="tx1"/>
-                </a:solidFill>
-                <a:latin typeface="+mn-lt"/>
-                <a:ea typeface="+mn-ea"/>
-                <a:cs typeface="+mn-cs"/>
-              </a:defRPr>
-            </a:lvl4pPr>
-            <a:lvl5pPr marL="1828800" algn="l" defTabSz="914400" rtl="0" eaLnBrk="1" latinLnBrk="0" hangingPunct="1">
-              <a:defRPr sz="1800" kern="1200">
-                <a:solidFill>
-                  <a:schemeClr val="tx1"/>
-                </a:solidFill>
-                <a:latin typeface="+mn-lt"/>
-                <a:ea typeface="+mn-ea"/>
-                <a:cs typeface="+mn-cs"/>
-              </a:defRPr>
-            </a:lvl5pPr>
-            <a:lvl6pPr marL="2286000" algn="l" defTabSz="914400" rtl="0" eaLnBrk="1" latinLnBrk="0" hangingPunct="1">
-              <a:defRPr sz="1800" kern="1200">
-                <a:solidFill>
-                  <a:schemeClr val="tx1"/>
-                </a:solidFill>
-                <a:latin typeface="+mn-lt"/>
-                <a:ea typeface="+mn-ea"/>
-                <a:cs typeface="+mn-cs"/>
-              </a:defRPr>
-            </a:lvl6pPr>
-            <a:lvl7pPr marL="2743200" algn="l" defTabSz="914400" rtl="0" eaLnBrk="1" latinLnBrk="0" hangingPunct="1">
-              <a:defRPr sz="1800" kern="1200">
-                <a:solidFill>
-                  <a:schemeClr val="tx1"/>
-                </a:solidFill>
-                <a:latin typeface="+mn-lt"/>
-                <a:ea typeface="+mn-ea"/>
-                <a:cs typeface="+mn-cs"/>
-              </a:defRPr>
-            </a:lvl7pPr>
-            <a:lvl8pPr marL="3200400" algn="l" defTabSz="914400" rtl="0" eaLnBrk="1" latinLnBrk="0" hangingPunct="1">
-              <a:defRPr sz="1800" kern="1200">
-                <a:solidFill>
-                  <a:schemeClr val="tx1"/>
-                </a:solidFill>
-                <a:latin typeface="+mn-lt"/>
-                <a:ea typeface="+mn-ea"/>
-                <a:cs typeface="+mn-cs"/>
-              </a:defRPr>
-            </a:lvl8pPr>
-            <a:lvl9pPr marL="3657600" algn="l" defTabSz="914400" rtl="0" eaLnBrk="1" latinLnBrk="0" hangingPunct="1">
-              <a:defRPr sz="1800" kern="1200">
-                <a:solidFill>
-                  <a:schemeClr val="tx1"/>
-                </a:solidFill>
-                <a:latin typeface="+mn-lt"/>
-                <a:ea typeface="+mn-ea"/>
-                <a:cs typeface="+mn-cs"/>
-              </a:defRPr>
-            </a:lvl9pPr>
-          </a:lstStyle>
-          <a:p>
-            <a:pPr algn="l"/>
-            <a:endParaRPr lang="en-US"/>
-          </a:p>
-        </p:txBody>
-      </p:sp>
-      <p:sp>
-        <p:nvSpPr>
-          <p:cNvPr id="350" name="TextBox 392">
-            <a:extLst>
-              <a:ext uri="{FF2B5EF4-FFF2-40B4-BE49-F238E27FC236}">
-                <a16:creationId xmlns:a16="http://schemas.microsoft.com/office/drawing/2014/main" id="{FB3A6DA3-ABF3-27A1-7CF8-EB76A7C18FB1}"/>
-              </a:ext>
-            </a:extLst>
-          </p:cNvPr>
-          <p:cNvSpPr txBox="1"/>
-          <p:nvPr/>
-        </p:nvSpPr>
-        <p:spPr>
-          <a:xfrm>
-            <a:off x="2168477" y="7742273"/>
-            <a:ext cx="693294" cy="305131"/>
-          </a:xfrm>
-          <a:prstGeom prst="rect">
-            <a:avLst/>
-          </a:prstGeom>
-          <a:noFill/>
-          <a:ln w="12700" cap="flat">
-            <a:noFill/>
-            <a:miter lim="400000"/>
-          </a:ln>
-          <a:effectLst/>
-          <a:sp3d/>
-        </p:spPr>
-        <p:style>
-          <a:lnRef idx="0">
-            <a:scrgbClr r="0" g="0" b="0"/>
-          </a:lnRef>
-          <a:fillRef idx="0">
-            <a:scrgbClr r="0" g="0" b="0"/>
-          </a:fillRef>
-          <a:effectRef idx="0">
-            <a:scrgbClr r="0" g="0" b="0"/>
-          </a:effectRef>
-          <a:fontRef idx="none"/>
-        </p:style>
-        <p:txBody>
-          <a:bodyPr rot="0" spcFirstLastPara="1" vert="horz" wrap="square" lIns="54570" tIns="54570" rIns="54570" bIns="54570" numCol="1" spcCol="38100" rtlCol="0" anchor="ctr">
-            <a:spAutoFit/>
-          </a:bodyPr>
-          <a:lstStyle>
-            <a:defPPr>
-              <a:defRPr lang="en-US"/>
-            </a:defPPr>
-            <a:lvl1pPr marL="0" algn="l" defTabSz="914400" rtl="0" eaLnBrk="1" latinLnBrk="0" hangingPunct="1">
-              <a:defRPr sz="1800" kern="1200">
-                <a:solidFill>
-                  <a:schemeClr val="tx1"/>
-                </a:solidFill>
-                <a:latin typeface="+mn-lt"/>
-                <a:ea typeface="+mn-ea"/>
-                <a:cs typeface="+mn-cs"/>
-              </a:defRPr>
-            </a:lvl1pPr>
-            <a:lvl2pPr marL="457200" algn="l" defTabSz="914400" rtl="0" eaLnBrk="1" latinLnBrk="0" hangingPunct="1">
-              <a:defRPr sz="1800" kern="1200">
-                <a:solidFill>
-                  <a:schemeClr val="tx1"/>
-                </a:solidFill>
-                <a:latin typeface="+mn-lt"/>
-                <a:ea typeface="+mn-ea"/>
-                <a:cs typeface="+mn-cs"/>
-              </a:defRPr>
-            </a:lvl2pPr>
-            <a:lvl3pPr marL="914400" algn="l" defTabSz="914400" rtl="0" eaLnBrk="1" latinLnBrk="0" hangingPunct="1">
-              <a:defRPr sz="1800" kern="1200">
-                <a:solidFill>
-                  <a:schemeClr val="tx1"/>
-                </a:solidFill>
-                <a:latin typeface="+mn-lt"/>
-                <a:ea typeface="+mn-ea"/>
-                <a:cs typeface="+mn-cs"/>
-              </a:defRPr>
-            </a:lvl3pPr>
-            <a:lvl4pPr marL="1371600" algn="l" defTabSz="914400" rtl="0" eaLnBrk="1" latinLnBrk="0" hangingPunct="1">
-              <a:defRPr sz="1800" kern="1200">
-                <a:solidFill>
-                  <a:schemeClr val="tx1"/>
-                </a:solidFill>
-                <a:latin typeface="+mn-lt"/>
-                <a:ea typeface="+mn-ea"/>
-                <a:cs typeface="+mn-cs"/>
-              </a:defRPr>
-            </a:lvl4pPr>
-            <a:lvl5pPr marL="1828800" algn="l" defTabSz="914400" rtl="0" eaLnBrk="1" latinLnBrk="0" hangingPunct="1">
-              <a:defRPr sz="1800" kern="1200">
-                <a:solidFill>
-                  <a:schemeClr val="tx1"/>
-                </a:solidFill>
-                <a:latin typeface="+mn-lt"/>
-                <a:ea typeface="+mn-ea"/>
-                <a:cs typeface="+mn-cs"/>
-              </a:defRPr>
-            </a:lvl5pPr>
-            <a:lvl6pPr marL="2286000" algn="l" defTabSz="914400" rtl="0" eaLnBrk="1" latinLnBrk="0" hangingPunct="1">
-              <a:defRPr sz="1800" kern="1200">
-                <a:solidFill>
-                  <a:schemeClr val="tx1"/>
-                </a:solidFill>
-                <a:latin typeface="+mn-lt"/>
-                <a:ea typeface="+mn-ea"/>
-                <a:cs typeface="+mn-cs"/>
-              </a:defRPr>
-            </a:lvl6pPr>
-            <a:lvl7pPr marL="2743200" algn="l" defTabSz="914400" rtl="0" eaLnBrk="1" latinLnBrk="0" hangingPunct="1">
-              <a:defRPr sz="1800" kern="1200">
-                <a:solidFill>
-                  <a:schemeClr val="tx1"/>
-                </a:solidFill>
-                <a:latin typeface="+mn-lt"/>
-                <a:ea typeface="+mn-ea"/>
-                <a:cs typeface="+mn-cs"/>
-              </a:defRPr>
-            </a:lvl7pPr>
-            <a:lvl8pPr marL="3200400" algn="l" defTabSz="914400" rtl="0" eaLnBrk="1" latinLnBrk="0" hangingPunct="1">
-              <a:defRPr sz="1800" kern="1200">
-                <a:solidFill>
-                  <a:schemeClr val="tx1"/>
-                </a:solidFill>
-                <a:latin typeface="+mn-lt"/>
-                <a:ea typeface="+mn-ea"/>
-                <a:cs typeface="+mn-cs"/>
-              </a:defRPr>
-            </a:lvl8pPr>
-            <a:lvl9pPr marL="3657600" algn="l" defTabSz="914400" rtl="0" eaLnBrk="1" latinLnBrk="0" hangingPunct="1">
-              <a:defRPr sz="1800" kern="1200">
-                <a:solidFill>
-                  <a:schemeClr val="tx1"/>
-                </a:solidFill>
-                <a:latin typeface="+mn-lt"/>
-                <a:ea typeface="+mn-ea"/>
-                <a:cs typeface="+mn-cs"/>
-              </a:defRPr>
-            </a:lvl9pPr>
-          </a:lstStyle>
-          <a:p>
-            <a:pPr marL="0" marR="0" indent="0" algn="ctr" defTabSz="584200" rtl="0" fontAlgn="auto" latinLnBrk="0" hangingPunct="0">
-              <a:lnSpc>
-                <a:spcPct val="100000"/>
-              </a:lnSpc>
-              <a:spcBef>
-                <a:spcPts val="200"/>
-              </a:spcBef>
-              <a:spcAft>
-                <a:spcPts val="0"/>
-              </a:spcAft>
-              <a:buClrTx/>
-              <a:buSzTx/>
-              <a:buFontTx/>
-              <a:buNone/>
-              <a:tabLst/>
-            </a:pPr>
-            <a:r>
-              <a:rPr kumimoji="0" lang="en-US" sz="1100" b="0" i="0" u="none" strike="noStrike" cap="none" spc="0" normalizeH="0" baseline="0" dirty="0" err="1">
-                <a:ln>
-                  <a:noFill/>
-                </a:ln>
-                <a:solidFill>
-                  <a:srgbClr val="4C4C4C"/>
-                </a:solidFill>
-                <a:effectLst/>
-                <a:uFillTx/>
-                <a:latin typeface="Source Sans Pro"/>
-                <a:ea typeface="Source Sans Pro"/>
-                <a:cs typeface="Source Sans Pro"/>
-                <a:sym typeface="Source Sans Pro"/>
-              </a:rPr>
-              <a:t>Kaiaulu</a:t>
-            </a:r>
-            <a:endParaRPr kumimoji="0" lang="en-US" sz="1100" b="0" i="0" u="none" strike="noStrike" cap="none" spc="0" normalizeH="0" baseline="0" dirty="0">
-              <a:ln>
-                <a:noFill/>
-              </a:ln>
-              <a:solidFill>
-                <a:srgbClr val="4C4C4C"/>
-              </a:solidFill>
-              <a:effectLst/>
-              <a:uFillTx/>
-              <a:latin typeface="Source Sans Pro"/>
-              <a:ea typeface="Source Sans Pro"/>
-              <a:cs typeface="Source Sans Pro"/>
-              <a:sym typeface="Source Sans Pro"/>
-            </a:endParaRPr>
-          </a:p>
-        </p:txBody>
-      </p:sp>
-      <p:cxnSp>
-        <p:nvCxnSpPr>
-          <p:cNvPr id="351" name="Straight Connector 350">
-            <a:extLst>
-              <a:ext uri="{FF2B5EF4-FFF2-40B4-BE49-F238E27FC236}">
-                <a16:creationId xmlns:a16="http://schemas.microsoft.com/office/drawing/2014/main" id="{137BCF41-BF6C-1E7D-94F9-08A8001864B9}"/>
-              </a:ext>
-            </a:extLst>
-          </p:cNvPr>
-          <p:cNvCxnSpPr>
-            <a:cxnSpLocks/>
-          </p:cNvCxnSpPr>
-          <p:nvPr/>
-        </p:nvCxnSpPr>
-        <p:spPr>
-          <a:xfrm>
-            <a:off x="2504966" y="8066489"/>
-            <a:ext cx="0" cy="275807"/>
-          </a:xfrm>
-          <a:prstGeom prst="line">
-            <a:avLst/>
-          </a:prstGeom>
-          <a:noFill/>
-          <a:ln w="25400" cap="flat">
-            <a:solidFill>
-              <a:srgbClr val="000000"/>
-            </a:solidFill>
-            <a:prstDash val="solid"/>
-            <a:miter lim="400000"/>
-          </a:ln>
-          <a:effectLst/>
-          <a:sp3d/>
-        </p:spPr>
-        <p:style>
-          <a:lnRef idx="0">
-            <a:scrgbClr r="0" g="0" b="0"/>
-          </a:lnRef>
-          <a:fillRef idx="0">
-            <a:scrgbClr r="0" g="0" b="0"/>
-          </a:fillRef>
-          <a:effectRef idx="0">
-            <a:scrgbClr r="0" g="0" b="0"/>
-          </a:effectRef>
-          <a:fontRef idx="none"/>
-        </p:style>
-      </p:cxnSp>
-      <p:cxnSp>
-        <p:nvCxnSpPr>
-          <p:cNvPr id="352" name="Straight Connector 351">
-            <a:extLst>
-              <a:ext uri="{FF2B5EF4-FFF2-40B4-BE49-F238E27FC236}">
-                <a16:creationId xmlns:a16="http://schemas.microsoft.com/office/drawing/2014/main" id="{50698185-9525-CD01-2C17-AEE68089CADD}"/>
-              </a:ext>
-            </a:extLst>
-          </p:cNvPr>
-          <p:cNvCxnSpPr/>
-          <p:nvPr/>
-        </p:nvCxnSpPr>
-        <p:spPr>
-          <a:xfrm flipH="1">
-            <a:off x="631422" y="8308471"/>
-            <a:ext cx="3766925" cy="12137"/>
-          </a:xfrm>
-          <a:prstGeom prst="line">
-            <a:avLst/>
-          </a:prstGeom>
-          <a:noFill/>
-          <a:ln w="25400" cap="flat">
-            <a:solidFill>
-              <a:srgbClr val="000000"/>
-            </a:solidFill>
-            <a:prstDash val="solid"/>
-            <a:miter lim="400000"/>
-          </a:ln>
-          <a:effectLst/>
-          <a:sp3d/>
-        </p:spPr>
-        <p:style>
-          <a:lnRef idx="0">
-            <a:scrgbClr r="0" g="0" b="0"/>
-          </a:lnRef>
-          <a:fillRef idx="0">
-            <a:scrgbClr r="0" g="0" b="0"/>
-          </a:fillRef>
-          <a:effectRef idx="0">
-            <a:scrgbClr r="0" g="0" b="0"/>
-          </a:effectRef>
-          <a:fontRef idx="none"/>
-        </p:style>
-      </p:cxnSp>
-      <p:cxnSp>
-        <p:nvCxnSpPr>
-          <p:cNvPr id="353" name="Straight Connector 352">
-            <a:extLst>
-              <a:ext uri="{FF2B5EF4-FFF2-40B4-BE49-F238E27FC236}">
-                <a16:creationId xmlns:a16="http://schemas.microsoft.com/office/drawing/2014/main" id="{E6CF5086-9738-2219-6ECD-D6ECCA277C02}"/>
-              </a:ext>
-            </a:extLst>
-          </p:cNvPr>
-          <p:cNvCxnSpPr>
-            <a:cxnSpLocks/>
-          </p:cNvCxnSpPr>
-          <p:nvPr/>
-        </p:nvCxnSpPr>
-        <p:spPr>
-          <a:xfrm>
-            <a:off x="642708" y="8331762"/>
-            <a:ext cx="0" cy="275807"/>
-          </a:xfrm>
-          <a:prstGeom prst="line">
-            <a:avLst/>
-          </a:prstGeom>
-          <a:noFill/>
-          <a:ln w="25400" cap="flat">
-            <a:solidFill>
-              <a:srgbClr val="000000"/>
-            </a:solidFill>
-            <a:prstDash val="solid"/>
-            <a:miter lim="400000"/>
-          </a:ln>
-          <a:effectLst/>
-          <a:sp3d/>
-        </p:spPr>
-        <p:style>
-          <a:lnRef idx="0">
-            <a:scrgbClr r="0" g="0" b="0"/>
-          </a:lnRef>
-          <a:fillRef idx="0">
-            <a:scrgbClr r="0" g="0" b="0"/>
-          </a:fillRef>
-          <a:effectRef idx="0">
-            <a:scrgbClr r="0" g="0" b="0"/>
-          </a:effectRef>
-          <a:fontRef idx="none"/>
-        </p:style>
-      </p:cxnSp>
-      <p:cxnSp>
-        <p:nvCxnSpPr>
-          <p:cNvPr id="354" name="Straight Connector 353">
-            <a:extLst>
-              <a:ext uri="{FF2B5EF4-FFF2-40B4-BE49-F238E27FC236}">
-                <a16:creationId xmlns:a16="http://schemas.microsoft.com/office/drawing/2014/main" id="{CA2F193B-7B8B-1EBC-AE9A-DC193FCB99C5}"/>
-              </a:ext>
-            </a:extLst>
-          </p:cNvPr>
-          <p:cNvCxnSpPr>
-            <a:cxnSpLocks/>
-          </p:cNvCxnSpPr>
-          <p:nvPr/>
-        </p:nvCxnSpPr>
-        <p:spPr>
-          <a:xfrm>
-            <a:off x="4384569" y="8317133"/>
-            <a:ext cx="3594" cy="304562"/>
-          </a:xfrm>
-          <a:prstGeom prst="line">
-            <a:avLst/>
-          </a:prstGeom>
-          <a:noFill/>
-          <a:ln w="25400" cap="flat">
-            <a:solidFill>
-              <a:srgbClr val="000000"/>
-            </a:solidFill>
-            <a:prstDash val="solid"/>
-            <a:miter lim="400000"/>
-          </a:ln>
-          <a:effectLst/>
-          <a:sp3d/>
-        </p:spPr>
-        <p:style>
-          <a:lnRef idx="0">
-            <a:scrgbClr r="0" g="0" b="0"/>
-          </a:lnRef>
-          <a:fillRef idx="0">
-            <a:scrgbClr r="0" g="0" b="0"/>
-          </a:fillRef>
-          <a:effectRef idx="0">
-            <a:scrgbClr r="0" g="0" b="0"/>
-          </a:effectRef>
-          <a:fontRef idx="none"/>
-        </p:style>
-      </p:cxnSp>
-      <p:cxnSp>
-        <p:nvCxnSpPr>
-          <p:cNvPr id="355" name="Straight Connector 354">
-            <a:extLst>
-              <a:ext uri="{FF2B5EF4-FFF2-40B4-BE49-F238E27FC236}">
-                <a16:creationId xmlns:a16="http://schemas.microsoft.com/office/drawing/2014/main" id="{1B2744EE-23CA-66E2-A5A7-C9F9FB6A084C}"/>
-              </a:ext>
-            </a:extLst>
-          </p:cNvPr>
-          <p:cNvCxnSpPr>
-            <a:cxnSpLocks/>
-          </p:cNvCxnSpPr>
-          <p:nvPr/>
-        </p:nvCxnSpPr>
-        <p:spPr>
-          <a:xfrm>
-            <a:off x="1591665" y="8338270"/>
-            <a:ext cx="0" cy="275807"/>
-          </a:xfrm>
-          <a:prstGeom prst="line">
-            <a:avLst/>
-          </a:prstGeom>
-          <a:noFill/>
-          <a:ln w="25400" cap="flat">
-            <a:solidFill>
-              <a:srgbClr val="000000"/>
-            </a:solidFill>
-            <a:prstDash val="solid"/>
-            <a:miter lim="400000"/>
-          </a:ln>
-          <a:effectLst/>
-          <a:sp3d/>
-        </p:spPr>
-        <p:style>
-          <a:lnRef idx="0">
-            <a:scrgbClr r="0" g="0" b="0"/>
-          </a:lnRef>
-          <a:fillRef idx="0">
-            <a:scrgbClr r="0" g="0" b="0"/>
-          </a:fillRef>
-          <a:effectRef idx="0">
-            <a:scrgbClr r="0" g="0" b="0"/>
-          </a:effectRef>
-          <a:fontRef idx="none"/>
-        </p:style>
-      </p:cxnSp>
-      <p:cxnSp>
-        <p:nvCxnSpPr>
-          <p:cNvPr id="356" name="Straight Connector 355">
-            <a:extLst>
-              <a:ext uri="{FF2B5EF4-FFF2-40B4-BE49-F238E27FC236}">
-                <a16:creationId xmlns:a16="http://schemas.microsoft.com/office/drawing/2014/main" id="{281F3440-ACB4-0FFB-2E89-D2B66E930632}"/>
-              </a:ext>
-            </a:extLst>
-          </p:cNvPr>
-          <p:cNvCxnSpPr>
-            <a:cxnSpLocks/>
-          </p:cNvCxnSpPr>
-          <p:nvPr/>
-        </p:nvCxnSpPr>
-        <p:spPr>
-          <a:xfrm>
-            <a:off x="3443519" y="8317448"/>
-            <a:ext cx="0" cy="314120"/>
-          </a:xfrm>
-          <a:prstGeom prst="line">
-            <a:avLst/>
-          </a:prstGeom>
-          <a:noFill/>
-          <a:ln w="25400" cap="flat">
-            <a:solidFill>
-              <a:srgbClr val="000000"/>
-            </a:solidFill>
-            <a:prstDash val="solid"/>
-            <a:miter lim="400000"/>
-          </a:ln>
-          <a:effectLst/>
-          <a:sp3d/>
-        </p:spPr>
-        <p:style>
-          <a:lnRef idx="0">
-            <a:scrgbClr r="0" g="0" b="0"/>
-          </a:lnRef>
-          <a:fillRef idx="0">
-            <a:scrgbClr r="0" g="0" b="0"/>
-          </a:fillRef>
-          <a:effectRef idx="0">
-            <a:scrgbClr r="0" g="0" b="0"/>
-          </a:effectRef>
-          <a:fontRef idx="none"/>
-        </p:style>
-      </p:cxnSp>
-      <p:pic>
-        <p:nvPicPr>
-          <p:cNvPr id="357" name="Graphic 411" descr="Folder outline">
-            <a:extLst>
-              <a:ext uri="{FF2B5EF4-FFF2-40B4-BE49-F238E27FC236}">
-                <a16:creationId xmlns:a16="http://schemas.microsoft.com/office/drawing/2014/main" id="{E94E2018-25EB-44E8-B55C-7DBC3FBE4B75}"/>
-              </a:ext>
-            </a:extLst>
-          </p:cNvPr>
-          <p:cNvPicPr>
-            <a:picLocks noChangeAspect="1"/>
-          </p:cNvPicPr>
-          <p:nvPr/>
-        </p:nvPicPr>
-        <p:blipFill>
-          <a:blip r:embed="rId10">
-            <a:extLst>
-              <a:ext uri="{28A0092B-C50C-407E-A947-70E740481C1C}">
-                <a14:useLocalDpi xmlns:a14="http://schemas.microsoft.com/office/drawing/2010/main" val="0"/>
-              </a:ext>
-              <a:ext uri="{96DAC541-7B7A-43D3-8B79-37D633B846F1}">
-                <asvg:svgBlip xmlns:asvg="http://schemas.microsoft.com/office/drawing/2016/SVG/main" r:embed="rId11"/>
-              </a:ext>
-            </a:extLst>
-          </a:blip>
-          <a:stretch>
-            <a:fillRect/>
-          </a:stretch>
-        </p:blipFill>
-        <p:spPr>
-          <a:xfrm>
-            <a:off x="298194" y="8412542"/>
-            <a:ext cx="674740" cy="674740"/>
-          </a:xfrm>
-          <a:prstGeom prst="rect">
-            <a:avLst/>
-          </a:prstGeom>
-        </p:spPr>
-      </p:pic>
-      <p:pic>
-        <p:nvPicPr>
-          <p:cNvPr id="358" name="Graphic 412" descr="Folder outline">
-            <a:extLst>
-              <a:ext uri="{FF2B5EF4-FFF2-40B4-BE49-F238E27FC236}">
-                <a16:creationId xmlns:a16="http://schemas.microsoft.com/office/drawing/2014/main" id="{0C395136-9BEE-5353-3275-E836A39662EB}"/>
-              </a:ext>
-            </a:extLst>
-          </p:cNvPr>
-          <p:cNvPicPr>
-            <a:picLocks noChangeAspect="1"/>
-          </p:cNvPicPr>
-          <p:nvPr/>
-        </p:nvPicPr>
-        <p:blipFill>
-          <a:blip r:embed="rId10">
-            <a:extLst>
-              <a:ext uri="{28A0092B-C50C-407E-A947-70E740481C1C}">
-                <a14:useLocalDpi xmlns:a14="http://schemas.microsoft.com/office/drawing/2010/main" val="0"/>
-              </a:ext>
-              <a:ext uri="{96DAC541-7B7A-43D3-8B79-37D633B846F1}">
-                <asvg:svgBlip xmlns:asvg="http://schemas.microsoft.com/office/drawing/2016/SVG/main" r:embed="rId11"/>
-              </a:ext>
-            </a:extLst>
-          </a:blip>
-          <a:stretch>
-            <a:fillRect/>
-          </a:stretch>
-        </p:blipFill>
-        <p:spPr>
-          <a:xfrm>
-            <a:off x="2164322" y="7537960"/>
-            <a:ext cx="674740" cy="674740"/>
-          </a:xfrm>
-          <a:prstGeom prst="rect">
-            <a:avLst/>
-          </a:prstGeom>
-        </p:spPr>
-      </p:pic>
-      <p:pic>
-        <p:nvPicPr>
-          <p:cNvPr id="359" name="Graphic 413" descr="Folder outline">
-            <a:extLst>
-              <a:ext uri="{FF2B5EF4-FFF2-40B4-BE49-F238E27FC236}">
-                <a16:creationId xmlns:a16="http://schemas.microsoft.com/office/drawing/2014/main" id="{084C12F0-8E65-DFC2-EACC-5F280B620B95}"/>
-              </a:ext>
-            </a:extLst>
-          </p:cNvPr>
-          <p:cNvPicPr>
-            <a:picLocks noChangeAspect="1"/>
-          </p:cNvPicPr>
-          <p:nvPr/>
-        </p:nvPicPr>
-        <p:blipFill>
-          <a:blip r:embed="rId10">
-            <a:extLst>
-              <a:ext uri="{28A0092B-C50C-407E-A947-70E740481C1C}">
-                <a14:useLocalDpi xmlns:a14="http://schemas.microsoft.com/office/drawing/2010/main" val="0"/>
-              </a:ext>
-              <a:ext uri="{96DAC541-7B7A-43D3-8B79-37D633B846F1}">
-                <asvg:svgBlip xmlns:asvg="http://schemas.microsoft.com/office/drawing/2016/SVG/main" r:embed="rId11"/>
-              </a:ext>
-            </a:extLst>
-          </a:blip>
-          <a:stretch>
-            <a:fillRect/>
-          </a:stretch>
-        </p:blipFill>
-        <p:spPr>
-          <a:xfrm>
-            <a:off x="1254295" y="8416959"/>
-            <a:ext cx="674740" cy="674740"/>
-          </a:xfrm>
-          <a:prstGeom prst="rect">
-            <a:avLst/>
-          </a:prstGeom>
-        </p:spPr>
-      </p:pic>
-      <p:pic>
-        <p:nvPicPr>
-          <p:cNvPr id="360" name="Graphic 414" descr="Folder outline">
-            <a:extLst>
-              <a:ext uri="{FF2B5EF4-FFF2-40B4-BE49-F238E27FC236}">
-                <a16:creationId xmlns:a16="http://schemas.microsoft.com/office/drawing/2014/main" id="{C4AAB95C-48E8-3016-7A76-7A065BCE4F2D}"/>
-              </a:ext>
-            </a:extLst>
-          </p:cNvPr>
-          <p:cNvPicPr>
-            <a:picLocks noChangeAspect="1"/>
-          </p:cNvPicPr>
-          <p:nvPr/>
-        </p:nvPicPr>
-        <p:blipFill>
-          <a:blip r:embed="rId10">
-            <a:extLst>
-              <a:ext uri="{28A0092B-C50C-407E-A947-70E740481C1C}">
-                <a14:useLocalDpi xmlns:a14="http://schemas.microsoft.com/office/drawing/2010/main" val="0"/>
-              </a:ext>
-              <a:ext uri="{96DAC541-7B7A-43D3-8B79-37D633B846F1}">
-                <asvg:svgBlip xmlns:asvg="http://schemas.microsoft.com/office/drawing/2016/SVG/main" r:embed="rId11"/>
-              </a:ext>
-            </a:extLst>
-          </a:blip>
-          <a:stretch>
-            <a:fillRect/>
-          </a:stretch>
-        </p:blipFill>
-        <p:spPr>
-          <a:xfrm>
-            <a:off x="3102596" y="8434680"/>
-            <a:ext cx="674740" cy="674740"/>
-          </a:xfrm>
-          <a:prstGeom prst="rect">
-            <a:avLst/>
-          </a:prstGeom>
-        </p:spPr>
-      </p:pic>
-      <p:pic>
-        <p:nvPicPr>
-          <p:cNvPr id="361" name="Graphic 444" descr="Folder outline">
-            <a:extLst>
-              <a:ext uri="{FF2B5EF4-FFF2-40B4-BE49-F238E27FC236}">
-                <a16:creationId xmlns:a16="http://schemas.microsoft.com/office/drawing/2014/main" id="{2984F03D-EF7A-1A0D-55AE-D0FED8A6CE4E}"/>
-              </a:ext>
-            </a:extLst>
-          </p:cNvPr>
-          <p:cNvPicPr>
-            <a:picLocks noChangeAspect="1"/>
-          </p:cNvPicPr>
-          <p:nvPr/>
-        </p:nvPicPr>
-        <p:blipFill>
-          <a:blip r:embed="rId10">
-            <a:extLst>
-              <a:ext uri="{28A0092B-C50C-407E-A947-70E740481C1C}">
-                <a14:useLocalDpi xmlns:a14="http://schemas.microsoft.com/office/drawing/2010/main" val="0"/>
-              </a:ext>
-              <a:ext uri="{96DAC541-7B7A-43D3-8B79-37D633B846F1}">
-                <asvg:svgBlip xmlns:asvg="http://schemas.microsoft.com/office/drawing/2016/SVG/main" r:embed="rId11"/>
-              </a:ext>
-            </a:extLst>
-          </a:blip>
-          <a:stretch>
-            <a:fillRect/>
-          </a:stretch>
-        </p:blipFill>
-        <p:spPr>
-          <a:xfrm>
-            <a:off x="4042044" y="8420555"/>
-            <a:ext cx="674740" cy="674740"/>
-          </a:xfrm>
-          <a:prstGeom prst="rect">
-            <a:avLst/>
-          </a:prstGeom>
-        </p:spPr>
-      </p:pic>
-      <p:sp>
-        <p:nvSpPr>
-          <p:cNvPr id="362" name="TextBox 445">
-            <a:extLst>
-              <a:ext uri="{FF2B5EF4-FFF2-40B4-BE49-F238E27FC236}">
-                <a16:creationId xmlns:a16="http://schemas.microsoft.com/office/drawing/2014/main" id="{AF9E7FAA-1D8C-A124-C042-16F1E662CC60}"/>
-              </a:ext>
-            </a:extLst>
-          </p:cNvPr>
-          <p:cNvSpPr txBox="1"/>
-          <p:nvPr/>
-        </p:nvSpPr>
-        <p:spPr>
-          <a:xfrm>
-            <a:off x="366362" y="8633430"/>
-            <a:ext cx="538404" cy="289742"/>
-          </a:xfrm>
-          <a:prstGeom prst="rect">
-            <a:avLst/>
-          </a:prstGeom>
-          <a:noFill/>
-          <a:ln w="12700" cap="flat">
-            <a:noFill/>
-            <a:miter lim="400000"/>
-          </a:ln>
-          <a:effectLst/>
-          <a:sp3d/>
-        </p:spPr>
-        <p:style>
-          <a:lnRef idx="0">
-            <a:scrgbClr r="0" g="0" b="0"/>
-          </a:lnRef>
-          <a:fillRef idx="0">
-            <a:scrgbClr r="0" g="0" b="0"/>
-          </a:fillRef>
-          <a:effectRef idx="0">
-            <a:scrgbClr r="0" g="0" b="0"/>
-          </a:effectRef>
-          <a:fontRef idx="none"/>
-        </p:style>
-        <p:txBody>
-          <a:bodyPr rot="0" spcFirstLastPara="1" vert="horz" wrap="square" lIns="54570" tIns="54570" rIns="54570" bIns="54570" numCol="1" spcCol="38100" rtlCol="0" anchor="ctr">
-            <a:spAutoFit/>
-          </a:bodyPr>
-          <a:lstStyle>
-            <a:defPPr>
-              <a:defRPr lang="en-US"/>
-            </a:defPPr>
-            <a:lvl1pPr marL="0" algn="l" defTabSz="914400" rtl="0" eaLnBrk="1" latinLnBrk="0" hangingPunct="1">
-              <a:defRPr sz="1800" kern="1200">
-                <a:solidFill>
-                  <a:schemeClr val="tx1"/>
-                </a:solidFill>
-                <a:latin typeface="+mn-lt"/>
-                <a:ea typeface="+mn-ea"/>
-                <a:cs typeface="+mn-cs"/>
-              </a:defRPr>
-            </a:lvl1pPr>
-            <a:lvl2pPr marL="457200" algn="l" defTabSz="914400" rtl="0" eaLnBrk="1" latinLnBrk="0" hangingPunct="1">
-              <a:defRPr sz="1800" kern="1200">
-                <a:solidFill>
-                  <a:schemeClr val="tx1"/>
-                </a:solidFill>
-                <a:latin typeface="+mn-lt"/>
-                <a:ea typeface="+mn-ea"/>
-                <a:cs typeface="+mn-cs"/>
-              </a:defRPr>
-            </a:lvl2pPr>
-            <a:lvl3pPr marL="914400" algn="l" defTabSz="914400" rtl="0" eaLnBrk="1" latinLnBrk="0" hangingPunct="1">
-              <a:defRPr sz="1800" kern="1200">
-                <a:solidFill>
-                  <a:schemeClr val="tx1"/>
-                </a:solidFill>
-                <a:latin typeface="+mn-lt"/>
-                <a:ea typeface="+mn-ea"/>
-                <a:cs typeface="+mn-cs"/>
-              </a:defRPr>
-            </a:lvl3pPr>
-            <a:lvl4pPr marL="1371600" algn="l" defTabSz="914400" rtl="0" eaLnBrk="1" latinLnBrk="0" hangingPunct="1">
-              <a:defRPr sz="1800" kern="1200">
-                <a:solidFill>
-                  <a:schemeClr val="tx1"/>
-                </a:solidFill>
-                <a:latin typeface="+mn-lt"/>
-                <a:ea typeface="+mn-ea"/>
-                <a:cs typeface="+mn-cs"/>
-              </a:defRPr>
-            </a:lvl4pPr>
-            <a:lvl5pPr marL="1828800" algn="l" defTabSz="914400" rtl="0" eaLnBrk="1" latinLnBrk="0" hangingPunct="1">
-              <a:defRPr sz="1800" kern="1200">
-                <a:solidFill>
-                  <a:schemeClr val="tx1"/>
-                </a:solidFill>
-                <a:latin typeface="+mn-lt"/>
-                <a:ea typeface="+mn-ea"/>
-                <a:cs typeface="+mn-cs"/>
-              </a:defRPr>
-            </a:lvl5pPr>
-            <a:lvl6pPr marL="2286000" algn="l" defTabSz="914400" rtl="0" eaLnBrk="1" latinLnBrk="0" hangingPunct="1">
-              <a:defRPr sz="1800" kern="1200">
-                <a:solidFill>
-                  <a:schemeClr val="tx1"/>
-                </a:solidFill>
-                <a:latin typeface="+mn-lt"/>
-                <a:ea typeface="+mn-ea"/>
-                <a:cs typeface="+mn-cs"/>
-              </a:defRPr>
-            </a:lvl6pPr>
-            <a:lvl7pPr marL="2743200" algn="l" defTabSz="914400" rtl="0" eaLnBrk="1" latinLnBrk="0" hangingPunct="1">
-              <a:defRPr sz="1800" kern="1200">
-                <a:solidFill>
-                  <a:schemeClr val="tx1"/>
-                </a:solidFill>
-                <a:latin typeface="+mn-lt"/>
-                <a:ea typeface="+mn-ea"/>
-                <a:cs typeface="+mn-cs"/>
-              </a:defRPr>
-            </a:lvl7pPr>
-            <a:lvl8pPr marL="3200400" algn="l" defTabSz="914400" rtl="0" eaLnBrk="1" latinLnBrk="0" hangingPunct="1">
-              <a:defRPr sz="1800" kern="1200">
-                <a:solidFill>
-                  <a:schemeClr val="tx1"/>
-                </a:solidFill>
-                <a:latin typeface="+mn-lt"/>
-                <a:ea typeface="+mn-ea"/>
-                <a:cs typeface="+mn-cs"/>
-              </a:defRPr>
-            </a:lvl8pPr>
-            <a:lvl9pPr marL="3657600" algn="l" defTabSz="914400" rtl="0" eaLnBrk="1" latinLnBrk="0" hangingPunct="1">
-              <a:defRPr sz="1800" kern="1200">
-                <a:solidFill>
-                  <a:schemeClr val="tx1"/>
-                </a:solidFill>
-                <a:latin typeface="+mn-lt"/>
-                <a:ea typeface="+mn-ea"/>
-                <a:cs typeface="+mn-cs"/>
-              </a:defRPr>
-            </a:lvl9pPr>
-          </a:lstStyle>
-          <a:p>
-            <a:pPr marL="0" marR="0" indent="0" algn="l" defTabSz="584200" rtl="0" fontAlgn="auto" latinLnBrk="0" hangingPunct="0">
-              <a:lnSpc>
-                <a:spcPct val="100000"/>
-              </a:lnSpc>
-              <a:spcBef>
-                <a:spcPts val="200"/>
-              </a:spcBef>
-              <a:spcAft>
-                <a:spcPts val="0"/>
-              </a:spcAft>
-              <a:buClrTx/>
-              <a:buSzTx/>
-              <a:buFontTx/>
-              <a:buNone/>
-              <a:tabLst/>
-            </a:pPr>
-            <a:r>
-              <a:rPr kumimoji="0" lang="en-US" sz="1000" b="0" i="0" u="none" strike="noStrike" cap="none" spc="0" normalizeH="0" baseline="0">
-                <a:ln>
-                  <a:noFill/>
-                </a:ln>
-                <a:solidFill>
-                  <a:srgbClr val="4C4C4C"/>
-                </a:solidFill>
-                <a:effectLst/>
-                <a:uFillTx/>
-                <a:latin typeface="Source Sans Pro"/>
-                <a:ea typeface="Source Sans Pro"/>
-                <a:cs typeface="Source Sans Pro"/>
-                <a:sym typeface="Source Sans Pro"/>
-              </a:rPr>
-              <a:t>Bugzilla</a:t>
-            </a:r>
-          </a:p>
-        </p:txBody>
-      </p:sp>
-      <p:sp>
-        <p:nvSpPr>
-          <p:cNvPr id="363" name="TextBox 446">
-            <a:extLst>
-              <a:ext uri="{FF2B5EF4-FFF2-40B4-BE49-F238E27FC236}">
-                <a16:creationId xmlns:a16="http://schemas.microsoft.com/office/drawing/2014/main" id="{5491EFB1-EE60-536B-AB60-FF909F7F9661}"/>
-              </a:ext>
-            </a:extLst>
-          </p:cNvPr>
-          <p:cNvSpPr txBox="1"/>
-          <p:nvPr/>
-        </p:nvSpPr>
-        <p:spPr>
-          <a:xfrm>
-            <a:off x="1342709" y="8624231"/>
-            <a:ext cx="556571" cy="289742"/>
-          </a:xfrm>
-          <a:prstGeom prst="rect">
-            <a:avLst/>
-          </a:prstGeom>
-          <a:noFill/>
-          <a:ln w="12700" cap="flat">
-            <a:noFill/>
-            <a:miter lim="400000"/>
-          </a:ln>
-          <a:effectLst/>
-          <a:sp3d/>
-        </p:spPr>
-        <p:style>
-          <a:lnRef idx="0">
-            <a:scrgbClr r="0" g="0" b="0"/>
-          </a:lnRef>
-          <a:fillRef idx="0">
-            <a:scrgbClr r="0" g="0" b="0"/>
-          </a:fillRef>
-          <a:effectRef idx="0">
-            <a:scrgbClr r="0" g="0" b="0"/>
-          </a:effectRef>
-          <a:fontRef idx="none"/>
-        </p:style>
-        <p:txBody>
-          <a:bodyPr rot="0" spcFirstLastPara="1" vert="horz" wrap="square" lIns="54570" tIns="54570" rIns="54570" bIns="54570" numCol="1" spcCol="38100" rtlCol="0" anchor="ctr">
-            <a:spAutoFit/>
-          </a:bodyPr>
-          <a:lstStyle>
-            <a:defPPr>
-              <a:defRPr lang="en-US"/>
-            </a:defPPr>
-            <a:lvl1pPr marL="0" algn="l" defTabSz="914400" rtl="0" eaLnBrk="1" latinLnBrk="0" hangingPunct="1">
-              <a:defRPr sz="1800" kern="1200">
-                <a:solidFill>
-                  <a:schemeClr val="tx1"/>
-                </a:solidFill>
-                <a:latin typeface="+mn-lt"/>
-                <a:ea typeface="+mn-ea"/>
-                <a:cs typeface="+mn-cs"/>
-              </a:defRPr>
-            </a:lvl1pPr>
-            <a:lvl2pPr marL="457200" algn="l" defTabSz="914400" rtl="0" eaLnBrk="1" latinLnBrk="0" hangingPunct="1">
-              <a:defRPr sz="1800" kern="1200">
-                <a:solidFill>
-                  <a:schemeClr val="tx1"/>
-                </a:solidFill>
-                <a:latin typeface="+mn-lt"/>
-                <a:ea typeface="+mn-ea"/>
-                <a:cs typeface="+mn-cs"/>
-              </a:defRPr>
-            </a:lvl2pPr>
-            <a:lvl3pPr marL="914400" algn="l" defTabSz="914400" rtl="0" eaLnBrk="1" latinLnBrk="0" hangingPunct="1">
-              <a:defRPr sz="1800" kern="1200">
-                <a:solidFill>
-                  <a:schemeClr val="tx1"/>
-                </a:solidFill>
-                <a:latin typeface="+mn-lt"/>
-                <a:ea typeface="+mn-ea"/>
-                <a:cs typeface="+mn-cs"/>
-              </a:defRPr>
-            </a:lvl3pPr>
-            <a:lvl4pPr marL="1371600" algn="l" defTabSz="914400" rtl="0" eaLnBrk="1" latinLnBrk="0" hangingPunct="1">
-              <a:defRPr sz="1800" kern="1200">
-                <a:solidFill>
-                  <a:schemeClr val="tx1"/>
-                </a:solidFill>
-                <a:latin typeface="+mn-lt"/>
-                <a:ea typeface="+mn-ea"/>
-                <a:cs typeface="+mn-cs"/>
-              </a:defRPr>
-            </a:lvl4pPr>
-            <a:lvl5pPr marL="1828800" algn="l" defTabSz="914400" rtl="0" eaLnBrk="1" latinLnBrk="0" hangingPunct="1">
-              <a:defRPr sz="1800" kern="1200">
-                <a:solidFill>
-                  <a:schemeClr val="tx1"/>
-                </a:solidFill>
-                <a:latin typeface="+mn-lt"/>
-                <a:ea typeface="+mn-ea"/>
-                <a:cs typeface="+mn-cs"/>
-              </a:defRPr>
-            </a:lvl5pPr>
-            <a:lvl6pPr marL="2286000" algn="l" defTabSz="914400" rtl="0" eaLnBrk="1" latinLnBrk="0" hangingPunct="1">
-              <a:defRPr sz="1800" kern="1200">
-                <a:solidFill>
-                  <a:schemeClr val="tx1"/>
-                </a:solidFill>
-                <a:latin typeface="+mn-lt"/>
-                <a:ea typeface="+mn-ea"/>
-                <a:cs typeface="+mn-cs"/>
-              </a:defRPr>
-            </a:lvl6pPr>
-            <a:lvl7pPr marL="2743200" algn="l" defTabSz="914400" rtl="0" eaLnBrk="1" latinLnBrk="0" hangingPunct="1">
-              <a:defRPr sz="1800" kern="1200">
-                <a:solidFill>
-                  <a:schemeClr val="tx1"/>
-                </a:solidFill>
-                <a:latin typeface="+mn-lt"/>
-                <a:ea typeface="+mn-ea"/>
-                <a:cs typeface="+mn-cs"/>
-              </a:defRPr>
-            </a:lvl7pPr>
-            <a:lvl8pPr marL="3200400" algn="l" defTabSz="914400" rtl="0" eaLnBrk="1" latinLnBrk="0" hangingPunct="1">
-              <a:defRPr sz="1800" kern="1200">
-                <a:solidFill>
-                  <a:schemeClr val="tx1"/>
-                </a:solidFill>
-                <a:latin typeface="+mn-lt"/>
-                <a:ea typeface="+mn-ea"/>
-                <a:cs typeface="+mn-cs"/>
-              </a:defRPr>
-            </a:lvl8pPr>
-            <a:lvl9pPr marL="3657600" algn="l" defTabSz="914400" rtl="0" eaLnBrk="1" latinLnBrk="0" hangingPunct="1">
-              <a:defRPr sz="1800" kern="1200">
-                <a:solidFill>
-                  <a:schemeClr val="tx1"/>
-                </a:solidFill>
-                <a:latin typeface="+mn-lt"/>
-                <a:ea typeface="+mn-ea"/>
-                <a:cs typeface="+mn-cs"/>
-              </a:defRPr>
-            </a:lvl9pPr>
-          </a:lstStyle>
-          <a:p>
-            <a:pPr marL="0" marR="0" indent="0" algn="l" defTabSz="584200" rtl="0" fontAlgn="auto" latinLnBrk="0" hangingPunct="0">
-              <a:lnSpc>
-                <a:spcPct val="100000"/>
-              </a:lnSpc>
-              <a:spcBef>
-                <a:spcPts val="200"/>
-              </a:spcBef>
-              <a:spcAft>
-                <a:spcPts val="0"/>
-              </a:spcAft>
-              <a:buClrTx/>
-              <a:buSzTx/>
-              <a:buFontTx/>
-              <a:buNone/>
-              <a:tabLst/>
-            </a:pPr>
-            <a:r>
-              <a:rPr kumimoji="0" lang="en-US" sz="1000" b="0" i="0" u="none" strike="noStrike" cap="none" spc="0" normalizeH="0" baseline="0">
-                <a:ln>
-                  <a:noFill/>
-                </a:ln>
-                <a:solidFill>
-                  <a:srgbClr val="4C4C4C"/>
-                </a:solidFill>
-                <a:effectLst/>
-                <a:uFillTx/>
-                <a:latin typeface="Source Sans Pro"/>
-                <a:ea typeface="Source Sans Pro"/>
-                <a:cs typeface="Source Sans Pro"/>
-                <a:sym typeface="Source Sans Pro"/>
-              </a:rPr>
-              <a:t>GitHub</a:t>
-            </a:r>
-          </a:p>
-        </p:txBody>
-      </p:sp>
-      <p:sp>
-        <p:nvSpPr>
-          <p:cNvPr id="364" name="TextBox 511">
-            <a:extLst>
-              <a:ext uri="{FF2B5EF4-FFF2-40B4-BE49-F238E27FC236}">
-                <a16:creationId xmlns:a16="http://schemas.microsoft.com/office/drawing/2014/main" id="{00D9F2FB-B54B-FE46-5D6F-A01D714EA619}"/>
-              </a:ext>
-            </a:extLst>
-          </p:cNvPr>
-          <p:cNvSpPr txBox="1"/>
-          <p:nvPr/>
-        </p:nvSpPr>
-        <p:spPr>
-          <a:xfrm>
-            <a:off x="3220840" y="8527302"/>
-            <a:ext cx="492583" cy="469278"/>
-          </a:xfrm>
-          <a:prstGeom prst="rect">
-            <a:avLst/>
-          </a:prstGeom>
-          <a:noFill/>
-          <a:ln w="12700" cap="flat">
-            <a:noFill/>
-            <a:miter lim="400000"/>
-          </a:ln>
-          <a:effectLst/>
-          <a:sp3d/>
-        </p:spPr>
-        <p:style>
-          <a:lnRef idx="0">
-            <a:scrgbClr r="0" g="0" b="0"/>
-          </a:lnRef>
-          <a:fillRef idx="0">
-            <a:scrgbClr r="0" g="0" b="0"/>
-          </a:fillRef>
-          <a:effectRef idx="0">
-            <a:scrgbClr r="0" g="0" b="0"/>
-          </a:effectRef>
-          <a:fontRef idx="none"/>
-        </p:style>
-        <p:txBody>
-          <a:bodyPr rot="0" spcFirstLastPara="1" vert="horz" wrap="square" lIns="54570" tIns="54570" rIns="54570" bIns="54570" numCol="1" spcCol="38100" rtlCol="0" anchor="ctr">
-            <a:spAutoFit/>
-          </a:bodyPr>
-          <a:lstStyle>
-            <a:defPPr>
-              <a:defRPr lang="en-US"/>
-            </a:defPPr>
-            <a:lvl1pPr marL="0" algn="l" defTabSz="914400" rtl="0" eaLnBrk="1" latinLnBrk="0" hangingPunct="1">
-              <a:defRPr sz="1800" kern="1200">
-                <a:solidFill>
-                  <a:schemeClr val="tx1"/>
-                </a:solidFill>
-                <a:latin typeface="+mn-lt"/>
-                <a:ea typeface="+mn-ea"/>
-                <a:cs typeface="+mn-cs"/>
-              </a:defRPr>
-            </a:lvl1pPr>
-            <a:lvl2pPr marL="457200" algn="l" defTabSz="914400" rtl="0" eaLnBrk="1" latinLnBrk="0" hangingPunct="1">
-              <a:defRPr sz="1800" kern="1200">
-                <a:solidFill>
-                  <a:schemeClr val="tx1"/>
-                </a:solidFill>
-                <a:latin typeface="+mn-lt"/>
-                <a:ea typeface="+mn-ea"/>
-                <a:cs typeface="+mn-cs"/>
-              </a:defRPr>
-            </a:lvl2pPr>
-            <a:lvl3pPr marL="914400" algn="l" defTabSz="914400" rtl="0" eaLnBrk="1" latinLnBrk="0" hangingPunct="1">
-              <a:defRPr sz="1800" kern="1200">
-                <a:solidFill>
-                  <a:schemeClr val="tx1"/>
-                </a:solidFill>
-                <a:latin typeface="+mn-lt"/>
-                <a:ea typeface="+mn-ea"/>
-                <a:cs typeface="+mn-cs"/>
-              </a:defRPr>
-            </a:lvl3pPr>
-            <a:lvl4pPr marL="1371600" algn="l" defTabSz="914400" rtl="0" eaLnBrk="1" latinLnBrk="0" hangingPunct="1">
-              <a:defRPr sz="1800" kern="1200">
-                <a:solidFill>
-                  <a:schemeClr val="tx1"/>
-                </a:solidFill>
-                <a:latin typeface="+mn-lt"/>
-                <a:ea typeface="+mn-ea"/>
-                <a:cs typeface="+mn-cs"/>
-              </a:defRPr>
-            </a:lvl4pPr>
-            <a:lvl5pPr marL="1828800" algn="l" defTabSz="914400" rtl="0" eaLnBrk="1" latinLnBrk="0" hangingPunct="1">
-              <a:defRPr sz="1800" kern="1200">
-                <a:solidFill>
-                  <a:schemeClr val="tx1"/>
-                </a:solidFill>
-                <a:latin typeface="+mn-lt"/>
-                <a:ea typeface="+mn-ea"/>
-                <a:cs typeface="+mn-cs"/>
-              </a:defRPr>
-            </a:lvl5pPr>
-            <a:lvl6pPr marL="2286000" algn="l" defTabSz="914400" rtl="0" eaLnBrk="1" latinLnBrk="0" hangingPunct="1">
-              <a:defRPr sz="1800" kern="1200">
-                <a:solidFill>
-                  <a:schemeClr val="tx1"/>
-                </a:solidFill>
-                <a:latin typeface="+mn-lt"/>
-                <a:ea typeface="+mn-ea"/>
-                <a:cs typeface="+mn-cs"/>
-              </a:defRPr>
-            </a:lvl6pPr>
-            <a:lvl7pPr marL="2743200" algn="l" defTabSz="914400" rtl="0" eaLnBrk="1" latinLnBrk="0" hangingPunct="1">
-              <a:defRPr sz="1800" kern="1200">
-                <a:solidFill>
-                  <a:schemeClr val="tx1"/>
-                </a:solidFill>
-                <a:latin typeface="+mn-lt"/>
-                <a:ea typeface="+mn-ea"/>
-                <a:cs typeface="+mn-cs"/>
-              </a:defRPr>
-            </a:lvl7pPr>
-            <a:lvl8pPr marL="3200400" algn="l" defTabSz="914400" rtl="0" eaLnBrk="1" latinLnBrk="0" hangingPunct="1">
-              <a:defRPr sz="1800" kern="1200">
-                <a:solidFill>
-                  <a:schemeClr val="tx1"/>
-                </a:solidFill>
-                <a:latin typeface="+mn-lt"/>
-                <a:ea typeface="+mn-ea"/>
-                <a:cs typeface="+mn-cs"/>
-              </a:defRPr>
-            </a:lvl8pPr>
-            <a:lvl9pPr marL="3657600" algn="l" defTabSz="914400" rtl="0" eaLnBrk="1" latinLnBrk="0" hangingPunct="1">
-              <a:defRPr sz="1800" kern="1200">
-                <a:solidFill>
-                  <a:schemeClr val="tx1"/>
-                </a:solidFill>
-                <a:latin typeface="+mn-lt"/>
-                <a:ea typeface="+mn-ea"/>
-                <a:cs typeface="+mn-cs"/>
-              </a:defRPr>
-            </a:lvl9pPr>
-          </a:lstStyle>
-          <a:p>
-            <a:r>
-              <a:rPr lang="en-US" sz="1000" b="0" dirty="0"/>
-              <a:t>mod_</a:t>
-            </a:r>
-            <a:endParaRPr lang="en-US" sz="1000" dirty="0"/>
-          </a:p>
-          <a:p>
-            <a:pPr marL="0" marR="0" indent="0" algn="l" defTabSz="584200">
-              <a:lnSpc>
-                <a:spcPct val="100000"/>
-              </a:lnSpc>
-              <a:spcBef>
-                <a:spcPts val="200"/>
-              </a:spcBef>
-              <a:spcAft>
-                <a:spcPts val="0"/>
-              </a:spcAft>
-              <a:buClrTx/>
-              <a:buSzTx/>
-              <a:buFontTx/>
-              <a:buNone/>
-              <a:tabLst/>
-            </a:pPr>
-            <a:r>
-              <a:rPr lang="en-US" sz="1000" b="0" dirty="0" err="1"/>
-              <a:t>mbox</a:t>
-            </a:r>
-            <a:endParaRPr lang="en-US" sz="1000" b="0" i="0" u="none" strike="noStrike" cap="none" spc="0" normalizeH="0" baseline="0" dirty="0">
-              <a:ln>
-                <a:noFill/>
-              </a:ln>
-              <a:solidFill>
-                <a:srgbClr val="4C4C4C"/>
-              </a:solidFill>
-              <a:effectLst/>
-              <a:uFillTx/>
-              <a:latin typeface="Source Sans Pro"/>
-              <a:ea typeface="Source Sans Pro"/>
-              <a:cs typeface="Source Sans Pro"/>
-            </a:endParaRPr>
-          </a:p>
-        </p:txBody>
-      </p:sp>
-      <p:sp>
-        <p:nvSpPr>
-          <p:cNvPr id="365" name="TextBox 512">
-            <a:extLst>
-              <a:ext uri="{FF2B5EF4-FFF2-40B4-BE49-F238E27FC236}">
-                <a16:creationId xmlns:a16="http://schemas.microsoft.com/office/drawing/2014/main" id="{7C1B183E-C0E9-3FEE-AC3E-84288F6CC5C6}"/>
-              </a:ext>
-            </a:extLst>
-          </p:cNvPr>
-          <p:cNvSpPr txBox="1"/>
-          <p:nvPr/>
-        </p:nvSpPr>
-        <p:spPr>
-          <a:xfrm>
-            <a:off x="4209941" y="8546582"/>
-            <a:ext cx="442138" cy="443630"/>
-          </a:xfrm>
-          <a:prstGeom prst="rect">
-            <a:avLst/>
-          </a:prstGeom>
-          <a:noFill/>
-          <a:ln w="12700" cap="flat">
-            <a:noFill/>
-            <a:miter lim="400000"/>
-          </a:ln>
-          <a:effectLst/>
-          <a:sp3d/>
-        </p:spPr>
-        <p:style>
-          <a:lnRef idx="0">
-            <a:scrgbClr r="0" g="0" b="0"/>
-          </a:lnRef>
-          <a:fillRef idx="0">
-            <a:scrgbClr r="0" g="0" b="0"/>
-          </a:fillRef>
-          <a:effectRef idx="0">
-            <a:scrgbClr r="0" g="0" b="0"/>
-          </a:effectRef>
-          <a:fontRef idx="none"/>
-        </p:style>
-        <p:txBody>
-          <a:bodyPr rot="0" spcFirstLastPara="1" vert="horz" wrap="square" lIns="54570" tIns="54570" rIns="54570" bIns="54570" numCol="1" spcCol="38100" rtlCol="0" anchor="ctr">
-            <a:spAutoFit/>
-          </a:bodyPr>
-          <a:lstStyle>
-            <a:defPPr>
-              <a:defRPr lang="en-US"/>
-            </a:defPPr>
-            <a:lvl1pPr marL="0" algn="l" defTabSz="914400" rtl="0" eaLnBrk="1" latinLnBrk="0" hangingPunct="1">
-              <a:defRPr sz="1800" kern="1200">
-                <a:solidFill>
-                  <a:schemeClr val="tx1"/>
-                </a:solidFill>
-                <a:latin typeface="+mn-lt"/>
-                <a:ea typeface="+mn-ea"/>
-                <a:cs typeface="+mn-cs"/>
-              </a:defRPr>
-            </a:lvl1pPr>
-            <a:lvl2pPr marL="457200" algn="l" defTabSz="914400" rtl="0" eaLnBrk="1" latinLnBrk="0" hangingPunct="1">
-              <a:defRPr sz="1800" kern="1200">
-                <a:solidFill>
-                  <a:schemeClr val="tx1"/>
-                </a:solidFill>
-                <a:latin typeface="+mn-lt"/>
-                <a:ea typeface="+mn-ea"/>
-                <a:cs typeface="+mn-cs"/>
-              </a:defRPr>
-            </a:lvl2pPr>
-            <a:lvl3pPr marL="914400" algn="l" defTabSz="914400" rtl="0" eaLnBrk="1" latinLnBrk="0" hangingPunct="1">
-              <a:defRPr sz="1800" kern="1200">
-                <a:solidFill>
-                  <a:schemeClr val="tx1"/>
-                </a:solidFill>
-                <a:latin typeface="+mn-lt"/>
-                <a:ea typeface="+mn-ea"/>
-                <a:cs typeface="+mn-cs"/>
-              </a:defRPr>
-            </a:lvl3pPr>
-            <a:lvl4pPr marL="1371600" algn="l" defTabSz="914400" rtl="0" eaLnBrk="1" latinLnBrk="0" hangingPunct="1">
-              <a:defRPr sz="1800" kern="1200">
-                <a:solidFill>
-                  <a:schemeClr val="tx1"/>
-                </a:solidFill>
-                <a:latin typeface="+mn-lt"/>
-                <a:ea typeface="+mn-ea"/>
-                <a:cs typeface="+mn-cs"/>
-              </a:defRPr>
-            </a:lvl4pPr>
-            <a:lvl5pPr marL="1828800" algn="l" defTabSz="914400" rtl="0" eaLnBrk="1" latinLnBrk="0" hangingPunct="1">
-              <a:defRPr sz="1800" kern="1200">
-                <a:solidFill>
-                  <a:schemeClr val="tx1"/>
-                </a:solidFill>
-                <a:latin typeface="+mn-lt"/>
-                <a:ea typeface="+mn-ea"/>
-                <a:cs typeface="+mn-cs"/>
-              </a:defRPr>
-            </a:lvl5pPr>
-            <a:lvl6pPr marL="2286000" algn="l" defTabSz="914400" rtl="0" eaLnBrk="1" latinLnBrk="0" hangingPunct="1">
-              <a:defRPr sz="1800" kern="1200">
-                <a:solidFill>
-                  <a:schemeClr val="tx1"/>
-                </a:solidFill>
-                <a:latin typeface="+mn-lt"/>
-                <a:ea typeface="+mn-ea"/>
-                <a:cs typeface="+mn-cs"/>
-              </a:defRPr>
-            </a:lvl6pPr>
-            <a:lvl7pPr marL="2743200" algn="l" defTabSz="914400" rtl="0" eaLnBrk="1" latinLnBrk="0" hangingPunct="1">
-              <a:defRPr sz="1800" kern="1200">
-                <a:solidFill>
-                  <a:schemeClr val="tx1"/>
-                </a:solidFill>
-                <a:latin typeface="+mn-lt"/>
-                <a:ea typeface="+mn-ea"/>
-                <a:cs typeface="+mn-cs"/>
-              </a:defRPr>
-            </a:lvl7pPr>
-            <a:lvl8pPr marL="3200400" algn="l" defTabSz="914400" rtl="0" eaLnBrk="1" latinLnBrk="0" hangingPunct="1">
-              <a:defRPr sz="1800" kern="1200">
-                <a:solidFill>
-                  <a:schemeClr val="tx1"/>
-                </a:solidFill>
-                <a:latin typeface="+mn-lt"/>
-                <a:ea typeface="+mn-ea"/>
-                <a:cs typeface="+mn-cs"/>
-              </a:defRPr>
-            </a:lvl8pPr>
-            <a:lvl9pPr marL="3657600" algn="l" defTabSz="914400" rtl="0" eaLnBrk="1" latinLnBrk="0" hangingPunct="1">
-              <a:defRPr sz="1800" kern="1200">
-                <a:solidFill>
-                  <a:schemeClr val="tx1"/>
-                </a:solidFill>
-                <a:latin typeface="+mn-lt"/>
-                <a:ea typeface="+mn-ea"/>
-                <a:cs typeface="+mn-cs"/>
-              </a:defRPr>
-            </a:lvl9pPr>
-          </a:lstStyle>
-          <a:p>
-            <a:pPr marL="0" marR="0" indent="0" algn="l" defTabSz="584200" rtl="0" fontAlgn="auto" latinLnBrk="0" hangingPunct="0">
-              <a:lnSpc>
-                <a:spcPct val="100000"/>
-              </a:lnSpc>
-              <a:spcBef>
-                <a:spcPts val="200"/>
-              </a:spcBef>
-              <a:spcAft>
-                <a:spcPts val="0"/>
-              </a:spcAft>
-              <a:buClrTx/>
-              <a:buSzTx/>
-              <a:buFontTx/>
-              <a:buNone/>
-              <a:tabLst/>
-            </a:pPr>
-            <a:r>
-              <a:rPr lang="en-US" sz="1000" b="0" err="1"/>
-              <a:t>pipermail</a:t>
-            </a:r>
-            <a:endParaRPr lang="en-US" sz="1000" b="0" i="0" u="none" strike="noStrike" cap="none" spc="0" normalizeH="0" baseline="0">
-              <a:ln>
-                <a:noFill/>
-              </a:ln>
-              <a:solidFill>
-                <a:srgbClr val="4C4C4C"/>
-              </a:solidFill>
-              <a:effectLst/>
-              <a:uFillTx/>
-              <a:latin typeface="Source Sans Pro"/>
-              <a:ea typeface="Source Sans Pro"/>
-              <a:cs typeface="Source Sans Pro"/>
-            </a:endParaRPr>
-          </a:p>
-        </p:txBody>
-      </p:sp>
-      <p:cxnSp>
-        <p:nvCxnSpPr>
-          <p:cNvPr id="366" name="Straight Connector 365">
-            <a:extLst>
-              <a:ext uri="{FF2B5EF4-FFF2-40B4-BE49-F238E27FC236}">
-                <a16:creationId xmlns:a16="http://schemas.microsoft.com/office/drawing/2014/main" id="{B3FDC8E6-3863-3136-B4C5-41034A8A4BC3}"/>
-              </a:ext>
-            </a:extLst>
-          </p:cNvPr>
-          <p:cNvCxnSpPr>
-            <a:cxnSpLocks/>
-          </p:cNvCxnSpPr>
-          <p:nvPr/>
-        </p:nvCxnSpPr>
-        <p:spPr>
-          <a:xfrm>
-            <a:off x="639994" y="9426755"/>
-            <a:ext cx="0" cy="275807"/>
-          </a:xfrm>
-          <a:prstGeom prst="line">
-            <a:avLst/>
-          </a:prstGeom>
-          <a:noFill/>
-          <a:ln w="25400" cap="flat">
-            <a:solidFill>
-              <a:srgbClr val="000000"/>
-            </a:solidFill>
-            <a:prstDash val="solid"/>
-            <a:miter lim="400000"/>
-          </a:ln>
-          <a:effectLst/>
-          <a:sp3d/>
-        </p:spPr>
-        <p:style>
-          <a:lnRef idx="0">
-            <a:scrgbClr r="0" g="0" b="0"/>
-          </a:lnRef>
-          <a:fillRef idx="0">
-            <a:scrgbClr r="0" g="0" b="0"/>
-          </a:fillRef>
-          <a:effectRef idx="0">
-            <a:scrgbClr r="0" g="0" b="0"/>
-          </a:effectRef>
-          <a:fontRef idx="none"/>
-        </p:style>
-      </p:cxnSp>
-      <p:cxnSp>
-        <p:nvCxnSpPr>
-          <p:cNvPr id="367" name="Straight Connector 366">
-            <a:extLst>
-              <a:ext uri="{FF2B5EF4-FFF2-40B4-BE49-F238E27FC236}">
-                <a16:creationId xmlns:a16="http://schemas.microsoft.com/office/drawing/2014/main" id="{B6E7D45C-0736-4D40-99A6-F523FDEAB262}"/>
-              </a:ext>
-            </a:extLst>
-          </p:cNvPr>
-          <p:cNvCxnSpPr>
-            <a:cxnSpLocks/>
-          </p:cNvCxnSpPr>
-          <p:nvPr/>
-        </p:nvCxnSpPr>
-        <p:spPr>
-          <a:xfrm>
-            <a:off x="1600064" y="9440044"/>
-            <a:ext cx="0" cy="275807"/>
-          </a:xfrm>
-          <a:prstGeom prst="line">
-            <a:avLst/>
-          </a:prstGeom>
-          <a:noFill/>
-          <a:ln w="25400" cap="flat">
-            <a:solidFill>
-              <a:srgbClr val="000000"/>
-            </a:solidFill>
-            <a:prstDash val="solid"/>
-            <a:miter lim="400000"/>
-          </a:ln>
-          <a:effectLst/>
-          <a:sp3d/>
-        </p:spPr>
-        <p:style>
-          <a:lnRef idx="0">
-            <a:scrgbClr r="0" g="0" b="0"/>
-          </a:lnRef>
-          <a:fillRef idx="0">
-            <a:scrgbClr r="0" g="0" b="0"/>
-          </a:fillRef>
-          <a:effectRef idx="0">
-            <a:scrgbClr r="0" g="0" b="0"/>
-          </a:effectRef>
-          <a:fontRef idx="none"/>
-        </p:style>
-      </p:cxnSp>
-      <p:cxnSp>
-        <p:nvCxnSpPr>
-          <p:cNvPr id="368" name="Straight Connector 367">
-            <a:extLst>
-              <a:ext uri="{FF2B5EF4-FFF2-40B4-BE49-F238E27FC236}">
-                <a16:creationId xmlns:a16="http://schemas.microsoft.com/office/drawing/2014/main" id="{DB08F7A5-CB55-922D-22C8-0282B2C74FFC}"/>
-              </a:ext>
-            </a:extLst>
-          </p:cNvPr>
-          <p:cNvCxnSpPr>
-            <a:cxnSpLocks/>
-          </p:cNvCxnSpPr>
-          <p:nvPr/>
-        </p:nvCxnSpPr>
-        <p:spPr>
-          <a:xfrm>
-            <a:off x="3442883" y="8967266"/>
-            <a:ext cx="0" cy="275807"/>
-          </a:xfrm>
-          <a:prstGeom prst="line">
-            <a:avLst/>
-          </a:prstGeom>
-          <a:noFill/>
-          <a:ln w="25400" cap="flat">
-            <a:solidFill>
-              <a:srgbClr val="000000"/>
-            </a:solidFill>
-            <a:prstDash val="solid"/>
-            <a:miter lim="400000"/>
-          </a:ln>
-          <a:effectLst/>
-          <a:sp3d/>
-        </p:spPr>
-        <p:style>
-          <a:lnRef idx="0">
-            <a:scrgbClr r="0" g="0" b="0"/>
-          </a:lnRef>
-          <a:fillRef idx="0">
-            <a:scrgbClr r="0" g="0" b="0"/>
-          </a:fillRef>
-          <a:effectRef idx="0">
-            <a:scrgbClr r="0" g="0" b="0"/>
-          </a:effectRef>
-          <a:fontRef idx="none"/>
-        </p:style>
-      </p:cxnSp>
-      <p:cxnSp>
-        <p:nvCxnSpPr>
-          <p:cNvPr id="369" name="Straight Connector 368">
-            <a:extLst>
-              <a:ext uri="{FF2B5EF4-FFF2-40B4-BE49-F238E27FC236}">
-                <a16:creationId xmlns:a16="http://schemas.microsoft.com/office/drawing/2014/main" id="{E0F98EDD-0924-54BB-EC31-23ED38B1D226}"/>
-              </a:ext>
-            </a:extLst>
-          </p:cNvPr>
-          <p:cNvCxnSpPr>
-            <a:cxnSpLocks/>
-          </p:cNvCxnSpPr>
-          <p:nvPr/>
-        </p:nvCxnSpPr>
-        <p:spPr>
-          <a:xfrm>
-            <a:off x="2494318" y="9409200"/>
-            <a:ext cx="0" cy="303794"/>
-          </a:xfrm>
-          <a:prstGeom prst="line">
-            <a:avLst/>
-          </a:prstGeom>
-          <a:noFill/>
-          <a:ln w="25400" cap="flat">
-            <a:solidFill>
-              <a:srgbClr val="000000"/>
-            </a:solidFill>
-            <a:prstDash val="solid"/>
-            <a:miter lim="400000"/>
-          </a:ln>
-          <a:effectLst/>
-          <a:sp3d/>
-        </p:spPr>
-        <p:style>
-          <a:lnRef idx="0">
-            <a:scrgbClr r="0" g="0" b="0"/>
-          </a:lnRef>
-          <a:fillRef idx="0">
-            <a:scrgbClr r="0" g="0" b="0"/>
-          </a:fillRef>
-          <a:effectRef idx="0">
-            <a:scrgbClr r="0" g="0" b="0"/>
-          </a:effectRef>
-          <a:fontRef idx="none"/>
-        </p:style>
-      </p:cxnSp>
-      <p:cxnSp>
-        <p:nvCxnSpPr>
-          <p:cNvPr id="372" name="Straight Connector 371">
-            <a:extLst>
-              <a:ext uri="{FF2B5EF4-FFF2-40B4-BE49-F238E27FC236}">
-                <a16:creationId xmlns:a16="http://schemas.microsoft.com/office/drawing/2014/main" id="{3482CAEC-4472-A677-A0E8-0A58A29DA24F}"/>
-              </a:ext>
-            </a:extLst>
-          </p:cNvPr>
-          <p:cNvCxnSpPr/>
-          <p:nvPr/>
-        </p:nvCxnSpPr>
-        <p:spPr>
-          <a:xfrm>
-            <a:off x="639994" y="9699387"/>
-            <a:ext cx="223639" cy="0"/>
-          </a:xfrm>
-          <a:prstGeom prst="line">
-            <a:avLst/>
-          </a:prstGeom>
-          <a:noFill/>
-          <a:ln w="25400" cap="flat">
-            <a:solidFill>
-              <a:srgbClr val="000000"/>
-            </a:solidFill>
-            <a:prstDash val="solid"/>
-            <a:miter lim="400000"/>
-          </a:ln>
-          <a:effectLst/>
-          <a:sp3d/>
-        </p:spPr>
-        <p:style>
-          <a:lnRef idx="0">
-            <a:scrgbClr r="0" g="0" b="0"/>
-          </a:lnRef>
-          <a:fillRef idx="0">
-            <a:scrgbClr r="0" g="0" b="0"/>
-          </a:fillRef>
-          <a:effectRef idx="0">
-            <a:scrgbClr r="0" g="0" b="0"/>
-          </a:effectRef>
-          <a:fontRef idx="none"/>
-        </p:style>
-      </p:cxnSp>
-      <p:cxnSp>
-        <p:nvCxnSpPr>
-          <p:cNvPr id="376" name="Straight Connector 375">
-            <a:extLst>
-              <a:ext uri="{FF2B5EF4-FFF2-40B4-BE49-F238E27FC236}">
-                <a16:creationId xmlns:a16="http://schemas.microsoft.com/office/drawing/2014/main" id="{8361E320-040E-4BBB-C368-41B723D37271}"/>
-              </a:ext>
-            </a:extLst>
-          </p:cNvPr>
-          <p:cNvCxnSpPr/>
-          <p:nvPr/>
-        </p:nvCxnSpPr>
-        <p:spPr>
-          <a:xfrm>
-            <a:off x="416355" y="9699387"/>
-            <a:ext cx="223639" cy="0"/>
-          </a:xfrm>
-          <a:prstGeom prst="line">
-            <a:avLst/>
-          </a:prstGeom>
-          <a:noFill/>
-          <a:ln w="25400" cap="flat">
-            <a:solidFill>
-              <a:srgbClr val="000000"/>
-            </a:solidFill>
-            <a:prstDash val="solid"/>
-            <a:miter lim="400000"/>
-          </a:ln>
-          <a:effectLst/>
-          <a:sp3d/>
-        </p:spPr>
-        <p:style>
-          <a:lnRef idx="0">
-            <a:scrgbClr r="0" g="0" b="0"/>
-          </a:lnRef>
-          <a:fillRef idx="0">
-            <a:scrgbClr r="0" g="0" b="0"/>
-          </a:fillRef>
-          <a:effectRef idx="0">
-            <a:scrgbClr r="0" g="0" b="0"/>
-          </a:effectRef>
-          <a:fontRef idx="none"/>
-        </p:style>
-      </p:cxnSp>
-      <p:cxnSp>
-        <p:nvCxnSpPr>
-          <p:cNvPr id="377" name="Straight Connector 376">
-            <a:extLst>
-              <a:ext uri="{FF2B5EF4-FFF2-40B4-BE49-F238E27FC236}">
-                <a16:creationId xmlns:a16="http://schemas.microsoft.com/office/drawing/2014/main" id="{22DE01D4-6093-55F6-5477-B739F55236CB}"/>
-              </a:ext>
-            </a:extLst>
-          </p:cNvPr>
-          <p:cNvCxnSpPr/>
-          <p:nvPr/>
-        </p:nvCxnSpPr>
-        <p:spPr>
-          <a:xfrm>
-            <a:off x="416553" y="9689437"/>
-            <a:ext cx="0" cy="97023"/>
-          </a:xfrm>
-          <a:prstGeom prst="line">
-            <a:avLst/>
-          </a:prstGeom>
-          <a:noFill/>
-          <a:ln w="25400" cap="flat">
-            <a:solidFill>
-              <a:srgbClr val="000000"/>
-            </a:solidFill>
-            <a:prstDash val="solid"/>
-            <a:miter lim="400000"/>
-          </a:ln>
-          <a:effectLst/>
-          <a:sp3d/>
-        </p:spPr>
-        <p:style>
-          <a:lnRef idx="0">
-            <a:scrgbClr r="0" g="0" b="0"/>
-          </a:lnRef>
-          <a:fillRef idx="0">
-            <a:scrgbClr r="0" g="0" b="0"/>
-          </a:fillRef>
-          <a:effectRef idx="0">
-            <a:scrgbClr r="0" g="0" b="0"/>
-          </a:effectRef>
-          <a:fontRef idx="none"/>
-        </p:style>
-      </p:cxnSp>
-      <p:cxnSp>
-        <p:nvCxnSpPr>
-          <p:cNvPr id="378" name="Straight Connector 377">
-            <a:extLst>
-              <a:ext uri="{FF2B5EF4-FFF2-40B4-BE49-F238E27FC236}">
-                <a16:creationId xmlns:a16="http://schemas.microsoft.com/office/drawing/2014/main" id="{8D1E7655-6E0C-1CC6-398B-ED6C94D23A80}"/>
-              </a:ext>
-            </a:extLst>
-          </p:cNvPr>
-          <p:cNvCxnSpPr>
-            <a:cxnSpLocks/>
-          </p:cNvCxnSpPr>
-          <p:nvPr/>
-        </p:nvCxnSpPr>
-        <p:spPr>
-          <a:xfrm>
-            <a:off x="863633" y="9689436"/>
-            <a:ext cx="0" cy="97024"/>
-          </a:xfrm>
-          <a:prstGeom prst="line">
-            <a:avLst/>
-          </a:prstGeom>
-          <a:noFill/>
-          <a:ln w="25400" cap="flat">
-            <a:solidFill>
-              <a:srgbClr val="000000"/>
-            </a:solidFill>
-            <a:prstDash val="solid"/>
-            <a:miter lim="400000"/>
-          </a:ln>
-          <a:effectLst/>
-          <a:sp3d/>
-        </p:spPr>
-        <p:style>
-          <a:lnRef idx="0">
-            <a:scrgbClr r="0" g="0" b="0"/>
-          </a:lnRef>
-          <a:fillRef idx="0">
-            <a:scrgbClr r="0" g="0" b="0"/>
-          </a:fillRef>
-          <a:effectRef idx="0">
-            <a:scrgbClr r="0" g="0" b="0"/>
-          </a:effectRef>
-          <a:fontRef idx="none"/>
-        </p:style>
-      </p:cxnSp>
-      <p:pic>
-        <p:nvPicPr>
-          <p:cNvPr id="379" name="Graphic 607" descr="Folder outline">
-            <a:extLst>
-              <a:ext uri="{FF2B5EF4-FFF2-40B4-BE49-F238E27FC236}">
-                <a16:creationId xmlns:a16="http://schemas.microsoft.com/office/drawing/2014/main" id="{214CF069-E661-2EC1-0833-808D584E4127}"/>
-              </a:ext>
-            </a:extLst>
-          </p:cNvPr>
-          <p:cNvPicPr>
-            <a:picLocks noChangeAspect="1"/>
-          </p:cNvPicPr>
-          <p:nvPr/>
-        </p:nvPicPr>
-        <p:blipFill>
-          <a:blip r:embed="rId10">
-            <a:extLst>
-              <a:ext uri="{28A0092B-C50C-407E-A947-70E740481C1C}">
-                <a14:useLocalDpi xmlns:a14="http://schemas.microsoft.com/office/drawing/2010/main" val="0"/>
-              </a:ext>
-              <a:ext uri="{96DAC541-7B7A-43D3-8B79-37D633B846F1}">
-                <asvg:svgBlip xmlns:asvg="http://schemas.microsoft.com/office/drawing/2016/SVG/main" r:embed="rId11"/>
-              </a:ext>
-            </a:extLst>
-          </a:blip>
-          <a:stretch>
-            <a:fillRect/>
-          </a:stretch>
-        </p:blipFill>
-        <p:spPr>
-          <a:xfrm>
-            <a:off x="142351" y="9626231"/>
-            <a:ext cx="532524" cy="532524"/>
-          </a:xfrm>
-          <a:prstGeom prst="rect">
-            <a:avLst/>
-          </a:prstGeom>
-        </p:spPr>
-      </p:pic>
-      <p:sp>
-        <p:nvSpPr>
-          <p:cNvPr id="380" name="TextBox 608">
-            <a:extLst>
-              <a:ext uri="{FF2B5EF4-FFF2-40B4-BE49-F238E27FC236}">
-                <a16:creationId xmlns:a16="http://schemas.microsoft.com/office/drawing/2014/main" id="{37E53850-1649-5271-61AF-BDD7DC15452E}"/>
-              </a:ext>
-            </a:extLst>
-          </p:cNvPr>
-          <p:cNvSpPr txBox="1"/>
-          <p:nvPr/>
-        </p:nvSpPr>
-        <p:spPr>
-          <a:xfrm>
-            <a:off x="255452" y="9781544"/>
-            <a:ext cx="455073" cy="228187"/>
-          </a:xfrm>
-          <a:prstGeom prst="rect">
-            <a:avLst/>
-          </a:prstGeom>
-          <a:noFill/>
-          <a:ln w="12700" cap="flat">
-            <a:noFill/>
-            <a:miter lim="400000"/>
-          </a:ln>
-          <a:effectLst/>
-          <a:sp3d/>
-        </p:spPr>
-        <p:style>
-          <a:lnRef idx="0">
-            <a:scrgbClr r="0" g="0" b="0"/>
-          </a:lnRef>
-          <a:fillRef idx="0">
-            <a:scrgbClr r="0" g="0" b="0"/>
-          </a:fillRef>
-          <a:effectRef idx="0">
-            <a:scrgbClr r="0" g="0" b="0"/>
-          </a:effectRef>
-          <a:fontRef idx="none"/>
-        </p:style>
-        <p:txBody>
-          <a:bodyPr rot="0" spcFirstLastPara="1" vert="horz" wrap="square" lIns="54570" tIns="54570" rIns="54570" bIns="54570" numCol="1" spcCol="38100" rtlCol="0" anchor="ctr">
-            <a:spAutoFit/>
-          </a:bodyPr>
-          <a:lstStyle>
-            <a:defPPr>
-              <a:defRPr lang="en-US"/>
-            </a:defPPr>
-            <a:lvl1pPr marL="0" algn="l" defTabSz="914400" rtl="0" eaLnBrk="1" latinLnBrk="0" hangingPunct="1">
-              <a:defRPr sz="1800" kern="1200">
-                <a:solidFill>
-                  <a:schemeClr val="tx1"/>
-                </a:solidFill>
-                <a:latin typeface="+mn-lt"/>
-                <a:ea typeface="+mn-ea"/>
-                <a:cs typeface="+mn-cs"/>
-              </a:defRPr>
-            </a:lvl1pPr>
-            <a:lvl2pPr marL="457200" algn="l" defTabSz="914400" rtl="0" eaLnBrk="1" latinLnBrk="0" hangingPunct="1">
-              <a:defRPr sz="1800" kern="1200">
-                <a:solidFill>
-                  <a:schemeClr val="tx1"/>
-                </a:solidFill>
-                <a:latin typeface="+mn-lt"/>
-                <a:ea typeface="+mn-ea"/>
-                <a:cs typeface="+mn-cs"/>
-              </a:defRPr>
-            </a:lvl2pPr>
-            <a:lvl3pPr marL="914400" algn="l" defTabSz="914400" rtl="0" eaLnBrk="1" latinLnBrk="0" hangingPunct="1">
-              <a:defRPr sz="1800" kern="1200">
-                <a:solidFill>
-                  <a:schemeClr val="tx1"/>
-                </a:solidFill>
-                <a:latin typeface="+mn-lt"/>
-                <a:ea typeface="+mn-ea"/>
-                <a:cs typeface="+mn-cs"/>
-              </a:defRPr>
-            </a:lvl3pPr>
-            <a:lvl4pPr marL="1371600" algn="l" defTabSz="914400" rtl="0" eaLnBrk="1" latinLnBrk="0" hangingPunct="1">
-              <a:defRPr sz="1800" kern="1200">
-                <a:solidFill>
-                  <a:schemeClr val="tx1"/>
-                </a:solidFill>
-                <a:latin typeface="+mn-lt"/>
-                <a:ea typeface="+mn-ea"/>
-                <a:cs typeface="+mn-cs"/>
-              </a:defRPr>
-            </a:lvl4pPr>
-            <a:lvl5pPr marL="1828800" algn="l" defTabSz="914400" rtl="0" eaLnBrk="1" latinLnBrk="0" hangingPunct="1">
-              <a:defRPr sz="1800" kern="1200">
-                <a:solidFill>
-                  <a:schemeClr val="tx1"/>
-                </a:solidFill>
-                <a:latin typeface="+mn-lt"/>
-                <a:ea typeface="+mn-ea"/>
-                <a:cs typeface="+mn-cs"/>
-              </a:defRPr>
-            </a:lvl5pPr>
-            <a:lvl6pPr marL="2286000" algn="l" defTabSz="914400" rtl="0" eaLnBrk="1" latinLnBrk="0" hangingPunct="1">
-              <a:defRPr sz="1800" kern="1200">
-                <a:solidFill>
-                  <a:schemeClr val="tx1"/>
-                </a:solidFill>
-                <a:latin typeface="+mn-lt"/>
-                <a:ea typeface="+mn-ea"/>
-                <a:cs typeface="+mn-cs"/>
-              </a:defRPr>
-            </a:lvl6pPr>
-            <a:lvl7pPr marL="2743200" algn="l" defTabSz="914400" rtl="0" eaLnBrk="1" latinLnBrk="0" hangingPunct="1">
-              <a:defRPr sz="1800" kern="1200">
-                <a:solidFill>
-                  <a:schemeClr val="tx1"/>
-                </a:solidFill>
-                <a:latin typeface="+mn-lt"/>
-                <a:ea typeface="+mn-ea"/>
-                <a:cs typeface="+mn-cs"/>
-              </a:defRPr>
-            </a:lvl7pPr>
-            <a:lvl8pPr marL="3200400" algn="l" defTabSz="914400" rtl="0" eaLnBrk="1" latinLnBrk="0" hangingPunct="1">
-              <a:defRPr sz="1800" kern="1200">
-                <a:solidFill>
-                  <a:schemeClr val="tx1"/>
-                </a:solidFill>
-                <a:latin typeface="+mn-lt"/>
-                <a:ea typeface="+mn-ea"/>
-                <a:cs typeface="+mn-cs"/>
-              </a:defRPr>
-            </a:lvl8pPr>
-            <a:lvl9pPr marL="3657600" algn="l" defTabSz="914400" rtl="0" eaLnBrk="1" latinLnBrk="0" hangingPunct="1">
-              <a:defRPr sz="1800" kern="1200">
-                <a:solidFill>
-                  <a:schemeClr val="tx1"/>
-                </a:solidFill>
-                <a:latin typeface="+mn-lt"/>
-                <a:ea typeface="+mn-ea"/>
-                <a:cs typeface="+mn-cs"/>
-              </a:defRPr>
-            </a:lvl9pPr>
-          </a:lstStyle>
-          <a:p>
-            <a:pPr marL="0" marR="0" indent="0" algn="l" defTabSz="584200" rtl="0" fontAlgn="auto" latinLnBrk="0" hangingPunct="0">
-              <a:lnSpc>
-                <a:spcPct val="100000"/>
-              </a:lnSpc>
-              <a:spcBef>
-                <a:spcPts val="200"/>
-              </a:spcBef>
-              <a:spcAft>
-                <a:spcPts val="0"/>
-              </a:spcAft>
-              <a:buClrTx/>
-              <a:buSzTx/>
-              <a:buFontTx/>
-              <a:buNone/>
-              <a:tabLst/>
-            </a:pPr>
-            <a:r>
-              <a:rPr kumimoji="0" lang="en-US" sz="600" b="0" i="0" u="none" strike="noStrike" cap="none" spc="0" normalizeH="0" baseline="0">
-                <a:ln>
-                  <a:noFill/>
-                </a:ln>
-                <a:solidFill>
-                  <a:srgbClr val="4C4C4C"/>
-                </a:solidFill>
-                <a:effectLst/>
-                <a:uFillTx/>
-                <a:latin typeface="Source Sans Pro"/>
-                <a:ea typeface="Source Sans Pro"/>
-                <a:cs typeface="Source Sans Pro"/>
-                <a:sym typeface="Source Sans Pro"/>
-              </a:rPr>
-              <a:t>issues</a:t>
-            </a:r>
-          </a:p>
-        </p:txBody>
-      </p:sp>
-      <p:pic>
-        <p:nvPicPr>
-          <p:cNvPr id="381" name="Graphic 637" descr="Folder outline">
-            <a:extLst>
-              <a:ext uri="{FF2B5EF4-FFF2-40B4-BE49-F238E27FC236}">
-                <a16:creationId xmlns:a16="http://schemas.microsoft.com/office/drawing/2014/main" id="{D649F169-6BF4-BF1B-941C-E4579371AAE1}"/>
-              </a:ext>
-            </a:extLst>
-          </p:cNvPr>
-          <p:cNvPicPr>
-            <a:picLocks noChangeAspect="1"/>
-          </p:cNvPicPr>
-          <p:nvPr/>
-        </p:nvPicPr>
-        <p:blipFill>
-          <a:blip r:embed="rId10">
-            <a:extLst>
-              <a:ext uri="{28A0092B-C50C-407E-A947-70E740481C1C}">
-                <a14:useLocalDpi xmlns:a14="http://schemas.microsoft.com/office/drawing/2010/main" val="0"/>
-              </a:ext>
-              <a:ext uri="{96DAC541-7B7A-43D3-8B79-37D633B846F1}">
-                <asvg:svgBlip xmlns:asvg="http://schemas.microsoft.com/office/drawing/2016/SVG/main" r:embed="rId11"/>
-              </a:ext>
-            </a:extLst>
-          </a:blip>
-          <a:stretch>
-            <a:fillRect/>
-          </a:stretch>
-        </p:blipFill>
-        <p:spPr>
-          <a:xfrm>
-            <a:off x="572136" y="9628810"/>
-            <a:ext cx="532524" cy="532524"/>
-          </a:xfrm>
-          <a:prstGeom prst="rect">
-            <a:avLst/>
-          </a:prstGeom>
-        </p:spPr>
-      </p:pic>
-      <p:sp>
-        <p:nvSpPr>
-          <p:cNvPr id="383" name="TextBox 638">
-            <a:extLst>
-              <a:ext uri="{FF2B5EF4-FFF2-40B4-BE49-F238E27FC236}">
-                <a16:creationId xmlns:a16="http://schemas.microsoft.com/office/drawing/2014/main" id="{D4EB75F3-9A00-564A-86F1-606A71ECC8EF}"/>
-              </a:ext>
-            </a:extLst>
-          </p:cNvPr>
-          <p:cNvSpPr txBox="1"/>
-          <p:nvPr/>
-        </p:nvSpPr>
-        <p:spPr>
-          <a:xfrm>
-            <a:off x="615063" y="9731749"/>
-            <a:ext cx="455073" cy="346168"/>
-          </a:xfrm>
-          <a:prstGeom prst="rect">
-            <a:avLst/>
-          </a:prstGeom>
-          <a:noFill/>
-          <a:ln w="12700" cap="flat">
-            <a:noFill/>
-            <a:miter lim="400000"/>
-          </a:ln>
-          <a:effectLst/>
-          <a:sp3d/>
-        </p:spPr>
-        <p:style>
-          <a:lnRef idx="0">
-            <a:scrgbClr r="0" g="0" b="0"/>
-          </a:lnRef>
-          <a:fillRef idx="0">
-            <a:scrgbClr r="0" g="0" b="0"/>
-          </a:fillRef>
-          <a:effectRef idx="0">
-            <a:scrgbClr r="0" g="0" b="0"/>
-          </a:effectRef>
-          <a:fontRef idx="none"/>
-        </p:style>
-        <p:txBody>
-          <a:bodyPr rot="0" spcFirstLastPara="1" vert="horz" wrap="square" lIns="54570" tIns="54570" rIns="54570" bIns="54570" numCol="1" spcCol="38100" rtlCol="0" anchor="ctr">
-            <a:spAutoFit/>
-          </a:bodyPr>
-          <a:lstStyle>
-            <a:defPPr>
-              <a:defRPr lang="en-US"/>
-            </a:defPPr>
-            <a:lvl1pPr marL="0" algn="l" defTabSz="914400" rtl="0" eaLnBrk="1" latinLnBrk="0" hangingPunct="1">
-              <a:defRPr sz="1800" kern="1200">
-                <a:solidFill>
-                  <a:schemeClr val="tx1"/>
-                </a:solidFill>
-                <a:latin typeface="+mn-lt"/>
-                <a:ea typeface="+mn-ea"/>
-                <a:cs typeface="+mn-cs"/>
-              </a:defRPr>
-            </a:lvl1pPr>
-            <a:lvl2pPr marL="457200" algn="l" defTabSz="914400" rtl="0" eaLnBrk="1" latinLnBrk="0" hangingPunct="1">
-              <a:defRPr sz="1800" kern="1200">
-                <a:solidFill>
-                  <a:schemeClr val="tx1"/>
-                </a:solidFill>
-                <a:latin typeface="+mn-lt"/>
-                <a:ea typeface="+mn-ea"/>
-                <a:cs typeface="+mn-cs"/>
-              </a:defRPr>
-            </a:lvl2pPr>
-            <a:lvl3pPr marL="914400" algn="l" defTabSz="914400" rtl="0" eaLnBrk="1" latinLnBrk="0" hangingPunct="1">
-              <a:defRPr sz="1800" kern="1200">
-                <a:solidFill>
-                  <a:schemeClr val="tx1"/>
-                </a:solidFill>
-                <a:latin typeface="+mn-lt"/>
-                <a:ea typeface="+mn-ea"/>
-                <a:cs typeface="+mn-cs"/>
-              </a:defRPr>
-            </a:lvl3pPr>
-            <a:lvl4pPr marL="1371600" algn="l" defTabSz="914400" rtl="0" eaLnBrk="1" latinLnBrk="0" hangingPunct="1">
-              <a:defRPr sz="1800" kern="1200">
-                <a:solidFill>
-                  <a:schemeClr val="tx1"/>
-                </a:solidFill>
-                <a:latin typeface="+mn-lt"/>
-                <a:ea typeface="+mn-ea"/>
-                <a:cs typeface="+mn-cs"/>
-              </a:defRPr>
-            </a:lvl4pPr>
-            <a:lvl5pPr marL="1828800" algn="l" defTabSz="914400" rtl="0" eaLnBrk="1" latinLnBrk="0" hangingPunct="1">
-              <a:defRPr sz="1800" kern="1200">
-                <a:solidFill>
-                  <a:schemeClr val="tx1"/>
-                </a:solidFill>
-                <a:latin typeface="+mn-lt"/>
-                <a:ea typeface="+mn-ea"/>
-                <a:cs typeface="+mn-cs"/>
-              </a:defRPr>
-            </a:lvl5pPr>
-            <a:lvl6pPr marL="2286000" algn="l" defTabSz="914400" rtl="0" eaLnBrk="1" latinLnBrk="0" hangingPunct="1">
-              <a:defRPr sz="1800" kern="1200">
-                <a:solidFill>
-                  <a:schemeClr val="tx1"/>
-                </a:solidFill>
-                <a:latin typeface="+mn-lt"/>
-                <a:ea typeface="+mn-ea"/>
-                <a:cs typeface="+mn-cs"/>
-              </a:defRPr>
-            </a:lvl6pPr>
-            <a:lvl7pPr marL="2743200" algn="l" defTabSz="914400" rtl="0" eaLnBrk="1" latinLnBrk="0" hangingPunct="1">
-              <a:defRPr sz="1800" kern="1200">
-                <a:solidFill>
-                  <a:schemeClr val="tx1"/>
-                </a:solidFill>
-                <a:latin typeface="+mn-lt"/>
-                <a:ea typeface="+mn-ea"/>
-                <a:cs typeface="+mn-cs"/>
-              </a:defRPr>
-            </a:lvl7pPr>
-            <a:lvl8pPr marL="3200400" algn="l" defTabSz="914400" rtl="0" eaLnBrk="1" latinLnBrk="0" hangingPunct="1">
-              <a:defRPr sz="1800" kern="1200">
-                <a:solidFill>
-                  <a:schemeClr val="tx1"/>
-                </a:solidFill>
-                <a:latin typeface="+mn-lt"/>
-                <a:ea typeface="+mn-ea"/>
-                <a:cs typeface="+mn-cs"/>
-              </a:defRPr>
-            </a:lvl8pPr>
-            <a:lvl9pPr marL="3657600" algn="l" defTabSz="914400" rtl="0" eaLnBrk="1" latinLnBrk="0" hangingPunct="1">
-              <a:defRPr sz="1800" kern="1200">
-                <a:solidFill>
-                  <a:schemeClr val="tx1"/>
-                </a:solidFill>
-                <a:latin typeface="+mn-lt"/>
-                <a:ea typeface="+mn-ea"/>
-                <a:cs typeface="+mn-cs"/>
-              </a:defRPr>
-            </a:lvl9pPr>
-          </a:lstStyle>
-          <a:p>
-            <a:pPr marL="0" marR="0" indent="0" algn="ctr" defTabSz="584200" rtl="0" fontAlgn="auto" latinLnBrk="0" hangingPunct="0">
-              <a:lnSpc>
-                <a:spcPct val="100000"/>
-              </a:lnSpc>
-              <a:spcBef>
-                <a:spcPts val="200"/>
-              </a:spcBef>
-              <a:spcAft>
-                <a:spcPts val="0"/>
-              </a:spcAft>
-              <a:buClrTx/>
-              <a:buSzTx/>
-              <a:buFontTx/>
-              <a:buNone/>
-              <a:tabLst/>
-            </a:pPr>
-            <a:r>
-              <a:rPr kumimoji="0" lang="en-US" sz="600" b="0" i="0" u="none" strike="noStrike" cap="none" spc="0" normalizeH="0" baseline="0" dirty="0">
-                <a:ln>
-                  <a:noFill/>
-                </a:ln>
-                <a:solidFill>
-                  <a:srgbClr val="4C4C4C"/>
-                </a:solidFill>
-                <a:effectLst/>
-                <a:uFillTx/>
-                <a:latin typeface="Source Sans Pro"/>
-                <a:ea typeface="Source Sans Pro"/>
-                <a:cs typeface="Source Sans Pro"/>
-                <a:sym typeface="Source Sans Pro"/>
-              </a:rPr>
-              <a:t>issue</a:t>
-            </a:r>
-          </a:p>
-          <a:p>
-            <a:pPr marL="0" marR="0" indent="0" algn="ctr" defTabSz="584200" rtl="0" fontAlgn="auto" latinLnBrk="0" hangingPunct="0">
-              <a:lnSpc>
-                <a:spcPct val="100000"/>
-              </a:lnSpc>
-              <a:spcBef>
-                <a:spcPts val="200"/>
-              </a:spcBef>
-              <a:spcAft>
-                <a:spcPts val="0"/>
-              </a:spcAft>
-              <a:buClrTx/>
-              <a:buSzTx/>
-              <a:buFontTx/>
-              <a:buNone/>
-              <a:tabLst/>
-            </a:pPr>
-            <a:r>
-              <a:rPr kumimoji="0" lang="en-US" sz="600" b="0" i="0" u="none" strike="noStrike" cap="none" spc="0" normalizeH="0" baseline="0" dirty="0">
-                <a:ln>
-                  <a:noFill/>
-                </a:ln>
-                <a:solidFill>
-                  <a:srgbClr val="4C4C4C"/>
-                </a:solidFill>
-                <a:effectLst/>
-                <a:uFillTx/>
-                <a:latin typeface="Source Sans Pro"/>
-                <a:ea typeface="Source Sans Pro"/>
-                <a:cs typeface="Source Sans Pro"/>
-                <a:sym typeface="Source Sans Pro"/>
-              </a:rPr>
-              <a:t>comments</a:t>
-            </a:r>
-          </a:p>
-        </p:txBody>
-      </p:sp>
-      <p:cxnSp>
-        <p:nvCxnSpPr>
-          <p:cNvPr id="385" name="Straight Connector 384">
-            <a:extLst>
-              <a:ext uri="{FF2B5EF4-FFF2-40B4-BE49-F238E27FC236}">
-                <a16:creationId xmlns:a16="http://schemas.microsoft.com/office/drawing/2014/main" id="{638D2C65-5D53-5DFC-3829-ABEB5CD523BF}"/>
-              </a:ext>
-            </a:extLst>
-          </p:cNvPr>
-          <p:cNvCxnSpPr/>
-          <p:nvPr/>
-        </p:nvCxnSpPr>
-        <p:spPr>
-          <a:xfrm>
-            <a:off x="1600365" y="9717319"/>
-            <a:ext cx="223639" cy="0"/>
-          </a:xfrm>
-          <a:prstGeom prst="line">
-            <a:avLst/>
-          </a:prstGeom>
-          <a:noFill/>
-          <a:ln w="25400" cap="flat">
-            <a:solidFill>
-              <a:srgbClr val="000000"/>
-            </a:solidFill>
-            <a:prstDash val="solid"/>
-            <a:miter lim="400000"/>
-          </a:ln>
-          <a:effectLst/>
-          <a:sp3d/>
-        </p:spPr>
-        <p:style>
-          <a:lnRef idx="0">
-            <a:scrgbClr r="0" g="0" b="0"/>
-          </a:lnRef>
-          <a:fillRef idx="0">
-            <a:scrgbClr r="0" g="0" b="0"/>
-          </a:fillRef>
-          <a:effectRef idx="0">
-            <a:scrgbClr r="0" g="0" b="0"/>
-          </a:effectRef>
-          <a:fontRef idx="none"/>
-        </p:style>
-      </p:cxnSp>
-      <p:cxnSp>
-        <p:nvCxnSpPr>
-          <p:cNvPr id="386" name="Straight Connector 385">
-            <a:extLst>
-              <a:ext uri="{FF2B5EF4-FFF2-40B4-BE49-F238E27FC236}">
-                <a16:creationId xmlns:a16="http://schemas.microsoft.com/office/drawing/2014/main" id="{84CFEC04-9E50-B622-5134-D1AEDD4F3C79}"/>
-              </a:ext>
-            </a:extLst>
-          </p:cNvPr>
-          <p:cNvCxnSpPr/>
-          <p:nvPr/>
-        </p:nvCxnSpPr>
-        <p:spPr>
-          <a:xfrm>
-            <a:off x="1376726" y="9717319"/>
-            <a:ext cx="223639" cy="0"/>
-          </a:xfrm>
-          <a:prstGeom prst="line">
-            <a:avLst/>
-          </a:prstGeom>
-          <a:noFill/>
-          <a:ln w="25400" cap="flat">
-            <a:solidFill>
-              <a:srgbClr val="000000"/>
-            </a:solidFill>
-            <a:prstDash val="solid"/>
-            <a:miter lim="400000"/>
-          </a:ln>
-          <a:effectLst/>
-          <a:sp3d/>
-        </p:spPr>
-        <p:style>
-          <a:lnRef idx="0">
-            <a:scrgbClr r="0" g="0" b="0"/>
-          </a:lnRef>
-          <a:fillRef idx="0">
-            <a:scrgbClr r="0" g="0" b="0"/>
-          </a:fillRef>
-          <a:effectRef idx="0">
-            <a:scrgbClr r="0" g="0" b="0"/>
-          </a:effectRef>
-          <a:fontRef idx="none"/>
-        </p:style>
-      </p:cxnSp>
-      <p:cxnSp>
-        <p:nvCxnSpPr>
-          <p:cNvPr id="387" name="Straight Connector 386">
-            <a:extLst>
-              <a:ext uri="{FF2B5EF4-FFF2-40B4-BE49-F238E27FC236}">
-                <a16:creationId xmlns:a16="http://schemas.microsoft.com/office/drawing/2014/main" id="{586CA505-E491-C51E-7E61-84BEFDCE6CE5}"/>
-              </a:ext>
-            </a:extLst>
-          </p:cNvPr>
-          <p:cNvCxnSpPr/>
-          <p:nvPr/>
-        </p:nvCxnSpPr>
-        <p:spPr>
-          <a:xfrm>
-            <a:off x="1376924" y="9707369"/>
-            <a:ext cx="0" cy="97023"/>
-          </a:xfrm>
-          <a:prstGeom prst="line">
-            <a:avLst/>
-          </a:prstGeom>
-          <a:noFill/>
-          <a:ln w="25400" cap="flat">
-            <a:solidFill>
-              <a:srgbClr val="000000"/>
-            </a:solidFill>
-            <a:prstDash val="solid"/>
-            <a:miter lim="400000"/>
-          </a:ln>
-          <a:effectLst/>
-          <a:sp3d/>
-        </p:spPr>
-        <p:style>
-          <a:lnRef idx="0">
-            <a:scrgbClr r="0" g="0" b="0"/>
-          </a:lnRef>
-          <a:fillRef idx="0">
-            <a:scrgbClr r="0" g="0" b="0"/>
-          </a:fillRef>
-          <a:effectRef idx="0">
-            <a:scrgbClr r="0" g="0" b="0"/>
-          </a:effectRef>
-          <a:fontRef idx="none"/>
-        </p:style>
-      </p:cxnSp>
-      <p:cxnSp>
-        <p:nvCxnSpPr>
-          <p:cNvPr id="388" name="Straight Connector 387">
-            <a:extLst>
-              <a:ext uri="{FF2B5EF4-FFF2-40B4-BE49-F238E27FC236}">
-                <a16:creationId xmlns:a16="http://schemas.microsoft.com/office/drawing/2014/main" id="{0A47C63D-71CC-49A5-9C55-2DCECFE421ED}"/>
-              </a:ext>
-            </a:extLst>
-          </p:cNvPr>
-          <p:cNvCxnSpPr>
-            <a:cxnSpLocks/>
-          </p:cNvCxnSpPr>
-          <p:nvPr/>
-        </p:nvCxnSpPr>
-        <p:spPr>
-          <a:xfrm>
-            <a:off x="1824004" y="9707368"/>
-            <a:ext cx="0" cy="97024"/>
-          </a:xfrm>
-          <a:prstGeom prst="line">
-            <a:avLst/>
-          </a:prstGeom>
-          <a:noFill/>
-          <a:ln w="25400" cap="flat">
-            <a:solidFill>
-              <a:srgbClr val="000000"/>
-            </a:solidFill>
-            <a:prstDash val="solid"/>
-            <a:miter lim="400000"/>
-          </a:ln>
-          <a:effectLst/>
-          <a:sp3d/>
-        </p:spPr>
-        <p:style>
-          <a:lnRef idx="0">
-            <a:scrgbClr r="0" g="0" b="0"/>
-          </a:lnRef>
-          <a:fillRef idx="0">
-            <a:scrgbClr r="0" g="0" b="0"/>
-          </a:fillRef>
-          <a:effectRef idx="0">
-            <a:scrgbClr r="0" g="0" b="0"/>
-          </a:effectRef>
-          <a:fontRef idx="none"/>
-        </p:style>
-      </p:cxnSp>
-      <p:pic>
-        <p:nvPicPr>
-          <p:cNvPr id="389" name="Graphic 643" descr="Folder outline">
-            <a:extLst>
-              <a:ext uri="{FF2B5EF4-FFF2-40B4-BE49-F238E27FC236}">
-                <a16:creationId xmlns:a16="http://schemas.microsoft.com/office/drawing/2014/main" id="{0B5A930B-A2E3-201B-73BD-8A48E886037F}"/>
-              </a:ext>
-            </a:extLst>
-          </p:cNvPr>
-          <p:cNvPicPr>
-            <a:picLocks noChangeAspect="1"/>
-          </p:cNvPicPr>
-          <p:nvPr/>
-        </p:nvPicPr>
-        <p:blipFill>
-          <a:blip r:embed="rId10">
-            <a:extLst>
-              <a:ext uri="{28A0092B-C50C-407E-A947-70E740481C1C}">
-                <a14:useLocalDpi xmlns:a14="http://schemas.microsoft.com/office/drawing/2010/main" val="0"/>
-              </a:ext>
-              <a:ext uri="{96DAC541-7B7A-43D3-8B79-37D633B846F1}">
-                <asvg:svgBlip xmlns:asvg="http://schemas.microsoft.com/office/drawing/2016/SVG/main" r:embed="rId11"/>
-              </a:ext>
-            </a:extLst>
-          </a:blip>
-          <a:stretch>
-            <a:fillRect/>
-          </a:stretch>
-        </p:blipFill>
-        <p:spPr>
-          <a:xfrm>
-            <a:off x="1102722" y="9644163"/>
-            <a:ext cx="532524" cy="532524"/>
-          </a:xfrm>
-          <a:prstGeom prst="rect">
-            <a:avLst/>
-          </a:prstGeom>
-        </p:spPr>
-      </p:pic>
-      <p:sp>
-        <p:nvSpPr>
-          <p:cNvPr id="390" name="TextBox 644">
-            <a:extLst>
-              <a:ext uri="{FF2B5EF4-FFF2-40B4-BE49-F238E27FC236}">
-                <a16:creationId xmlns:a16="http://schemas.microsoft.com/office/drawing/2014/main" id="{27ACA8D1-B9D6-F062-9731-57FA6D710BAC}"/>
-              </a:ext>
-            </a:extLst>
-          </p:cNvPr>
-          <p:cNvSpPr txBox="1"/>
-          <p:nvPr/>
-        </p:nvSpPr>
-        <p:spPr>
-          <a:xfrm>
-            <a:off x="1212525" y="9798386"/>
-            <a:ext cx="455073" cy="228187"/>
-          </a:xfrm>
-          <a:prstGeom prst="rect">
-            <a:avLst/>
-          </a:prstGeom>
-          <a:noFill/>
-          <a:ln w="12700" cap="flat">
-            <a:noFill/>
-            <a:miter lim="400000"/>
-          </a:ln>
-          <a:effectLst/>
-          <a:sp3d/>
-        </p:spPr>
-        <p:style>
-          <a:lnRef idx="0">
-            <a:scrgbClr r="0" g="0" b="0"/>
-          </a:lnRef>
-          <a:fillRef idx="0">
-            <a:scrgbClr r="0" g="0" b="0"/>
-          </a:fillRef>
-          <a:effectRef idx="0">
-            <a:scrgbClr r="0" g="0" b="0"/>
-          </a:effectRef>
-          <a:fontRef idx="none"/>
-        </p:style>
-        <p:txBody>
-          <a:bodyPr rot="0" spcFirstLastPara="1" vert="horz" wrap="square" lIns="54570" tIns="54570" rIns="54570" bIns="54570" numCol="1" spcCol="38100" rtlCol="0" anchor="ctr">
-            <a:spAutoFit/>
-          </a:bodyPr>
-          <a:lstStyle>
-            <a:defPPr>
-              <a:defRPr lang="en-US"/>
-            </a:defPPr>
-            <a:lvl1pPr marL="0" algn="l" defTabSz="914400" rtl="0" eaLnBrk="1" latinLnBrk="0" hangingPunct="1">
-              <a:defRPr sz="1800" kern="1200">
-                <a:solidFill>
-                  <a:schemeClr val="tx1"/>
-                </a:solidFill>
-                <a:latin typeface="+mn-lt"/>
-                <a:ea typeface="+mn-ea"/>
-                <a:cs typeface="+mn-cs"/>
-              </a:defRPr>
-            </a:lvl1pPr>
-            <a:lvl2pPr marL="457200" algn="l" defTabSz="914400" rtl="0" eaLnBrk="1" latinLnBrk="0" hangingPunct="1">
-              <a:defRPr sz="1800" kern="1200">
-                <a:solidFill>
-                  <a:schemeClr val="tx1"/>
-                </a:solidFill>
-                <a:latin typeface="+mn-lt"/>
-                <a:ea typeface="+mn-ea"/>
-                <a:cs typeface="+mn-cs"/>
-              </a:defRPr>
-            </a:lvl2pPr>
-            <a:lvl3pPr marL="914400" algn="l" defTabSz="914400" rtl="0" eaLnBrk="1" latinLnBrk="0" hangingPunct="1">
-              <a:defRPr sz="1800" kern="1200">
-                <a:solidFill>
-                  <a:schemeClr val="tx1"/>
-                </a:solidFill>
-                <a:latin typeface="+mn-lt"/>
-                <a:ea typeface="+mn-ea"/>
-                <a:cs typeface="+mn-cs"/>
-              </a:defRPr>
-            </a:lvl3pPr>
-            <a:lvl4pPr marL="1371600" algn="l" defTabSz="914400" rtl="0" eaLnBrk="1" latinLnBrk="0" hangingPunct="1">
-              <a:defRPr sz="1800" kern="1200">
-                <a:solidFill>
-                  <a:schemeClr val="tx1"/>
-                </a:solidFill>
-                <a:latin typeface="+mn-lt"/>
-                <a:ea typeface="+mn-ea"/>
-                <a:cs typeface="+mn-cs"/>
-              </a:defRPr>
-            </a:lvl4pPr>
-            <a:lvl5pPr marL="1828800" algn="l" defTabSz="914400" rtl="0" eaLnBrk="1" latinLnBrk="0" hangingPunct="1">
-              <a:defRPr sz="1800" kern="1200">
-                <a:solidFill>
-                  <a:schemeClr val="tx1"/>
-                </a:solidFill>
-                <a:latin typeface="+mn-lt"/>
-                <a:ea typeface="+mn-ea"/>
-                <a:cs typeface="+mn-cs"/>
-              </a:defRPr>
-            </a:lvl5pPr>
-            <a:lvl6pPr marL="2286000" algn="l" defTabSz="914400" rtl="0" eaLnBrk="1" latinLnBrk="0" hangingPunct="1">
-              <a:defRPr sz="1800" kern="1200">
-                <a:solidFill>
-                  <a:schemeClr val="tx1"/>
-                </a:solidFill>
-                <a:latin typeface="+mn-lt"/>
-                <a:ea typeface="+mn-ea"/>
-                <a:cs typeface="+mn-cs"/>
-              </a:defRPr>
-            </a:lvl6pPr>
-            <a:lvl7pPr marL="2743200" algn="l" defTabSz="914400" rtl="0" eaLnBrk="1" latinLnBrk="0" hangingPunct="1">
-              <a:defRPr sz="1800" kern="1200">
-                <a:solidFill>
-                  <a:schemeClr val="tx1"/>
-                </a:solidFill>
-                <a:latin typeface="+mn-lt"/>
-                <a:ea typeface="+mn-ea"/>
-                <a:cs typeface="+mn-cs"/>
-              </a:defRPr>
-            </a:lvl7pPr>
-            <a:lvl8pPr marL="3200400" algn="l" defTabSz="914400" rtl="0" eaLnBrk="1" latinLnBrk="0" hangingPunct="1">
-              <a:defRPr sz="1800" kern="1200">
-                <a:solidFill>
-                  <a:schemeClr val="tx1"/>
-                </a:solidFill>
-                <a:latin typeface="+mn-lt"/>
-                <a:ea typeface="+mn-ea"/>
-                <a:cs typeface="+mn-cs"/>
-              </a:defRPr>
-            </a:lvl8pPr>
-            <a:lvl9pPr marL="3657600" algn="l" defTabSz="914400" rtl="0" eaLnBrk="1" latinLnBrk="0" hangingPunct="1">
-              <a:defRPr sz="1800" kern="1200">
-                <a:solidFill>
-                  <a:schemeClr val="tx1"/>
-                </a:solidFill>
-                <a:latin typeface="+mn-lt"/>
-                <a:ea typeface="+mn-ea"/>
-                <a:cs typeface="+mn-cs"/>
-              </a:defRPr>
-            </a:lvl9pPr>
-          </a:lstStyle>
-          <a:p>
-            <a:pPr marL="0" marR="0" indent="0" algn="l" defTabSz="584200" rtl="0" fontAlgn="auto" latinLnBrk="0" hangingPunct="0">
-              <a:lnSpc>
-                <a:spcPct val="100000"/>
-              </a:lnSpc>
-              <a:spcBef>
-                <a:spcPts val="200"/>
-              </a:spcBef>
-              <a:spcAft>
-                <a:spcPts val="0"/>
-              </a:spcAft>
-              <a:buClrTx/>
-              <a:buSzTx/>
-              <a:buFontTx/>
-              <a:buNone/>
-              <a:tabLst/>
-            </a:pPr>
-            <a:r>
-              <a:rPr kumimoji="0" lang="en-US" sz="600" b="0" i="0" u="none" strike="noStrike" cap="none" spc="0" normalizeH="0" baseline="0">
-                <a:ln>
-                  <a:noFill/>
-                </a:ln>
-                <a:solidFill>
-                  <a:srgbClr val="4C4C4C"/>
-                </a:solidFill>
-                <a:effectLst/>
-                <a:uFillTx/>
-                <a:latin typeface="Source Sans Pro"/>
-                <a:ea typeface="Source Sans Pro"/>
-                <a:cs typeface="Source Sans Pro"/>
-                <a:sym typeface="Source Sans Pro"/>
-              </a:rPr>
-              <a:t>issues</a:t>
-            </a:r>
-          </a:p>
-        </p:txBody>
-      </p:sp>
-      <p:pic>
-        <p:nvPicPr>
-          <p:cNvPr id="391" name="Graphic 645" descr="Folder outline">
-            <a:extLst>
-              <a:ext uri="{FF2B5EF4-FFF2-40B4-BE49-F238E27FC236}">
-                <a16:creationId xmlns:a16="http://schemas.microsoft.com/office/drawing/2014/main" id="{E4664D02-4FF0-B495-881F-B75C62BD3726}"/>
-              </a:ext>
-            </a:extLst>
-          </p:cNvPr>
-          <p:cNvPicPr>
-            <a:picLocks noChangeAspect="1"/>
-          </p:cNvPicPr>
-          <p:nvPr/>
-        </p:nvPicPr>
-        <p:blipFill>
-          <a:blip r:embed="rId10">
-            <a:extLst>
-              <a:ext uri="{28A0092B-C50C-407E-A947-70E740481C1C}">
-                <a14:useLocalDpi xmlns:a14="http://schemas.microsoft.com/office/drawing/2010/main" val="0"/>
-              </a:ext>
-              <a:ext uri="{96DAC541-7B7A-43D3-8B79-37D633B846F1}">
-                <asvg:svgBlip xmlns:asvg="http://schemas.microsoft.com/office/drawing/2016/SVG/main" r:embed="rId11"/>
-              </a:ext>
-            </a:extLst>
-          </a:blip>
-          <a:stretch>
-            <a:fillRect/>
-          </a:stretch>
-        </p:blipFill>
-        <p:spPr>
-          <a:xfrm>
-            <a:off x="1532507" y="9646742"/>
-            <a:ext cx="532524" cy="532524"/>
-          </a:xfrm>
-          <a:prstGeom prst="rect">
-            <a:avLst/>
-          </a:prstGeom>
-        </p:spPr>
-      </p:pic>
-      <p:sp>
-        <p:nvSpPr>
-          <p:cNvPr id="392" name="TextBox 646">
-            <a:extLst>
-              <a:ext uri="{FF2B5EF4-FFF2-40B4-BE49-F238E27FC236}">
-                <a16:creationId xmlns:a16="http://schemas.microsoft.com/office/drawing/2014/main" id="{92E7F824-E527-FF9A-5E86-A025D1C1502F}"/>
-              </a:ext>
-            </a:extLst>
-          </p:cNvPr>
-          <p:cNvSpPr txBox="1"/>
-          <p:nvPr/>
-        </p:nvSpPr>
-        <p:spPr>
-          <a:xfrm>
-            <a:off x="1575434" y="9749681"/>
-            <a:ext cx="455073" cy="346168"/>
-          </a:xfrm>
-          <a:prstGeom prst="rect">
-            <a:avLst/>
-          </a:prstGeom>
-          <a:noFill/>
-          <a:ln w="12700" cap="flat">
-            <a:noFill/>
-            <a:miter lim="400000"/>
-          </a:ln>
-          <a:effectLst/>
-          <a:sp3d/>
-        </p:spPr>
-        <p:style>
-          <a:lnRef idx="0">
-            <a:scrgbClr r="0" g="0" b="0"/>
-          </a:lnRef>
-          <a:fillRef idx="0">
-            <a:scrgbClr r="0" g="0" b="0"/>
-          </a:fillRef>
-          <a:effectRef idx="0">
-            <a:scrgbClr r="0" g="0" b="0"/>
-          </a:effectRef>
-          <a:fontRef idx="none"/>
-        </p:style>
-        <p:txBody>
-          <a:bodyPr rot="0" spcFirstLastPara="1" vert="horz" wrap="square" lIns="54570" tIns="54570" rIns="54570" bIns="54570" numCol="1" spcCol="38100" rtlCol="0" anchor="ctr">
-            <a:spAutoFit/>
-          </a:bodyPr>
-          <a:lstStyle>
-            <a:defPPr>
-              <a:defRPr lang="en-US"/>
-            </a:defPPr>
-            <a:lvl1pPr marL="0" algn="l" defTabSz="914400" rtl="0" eaLnBrk="1" latinLnBrk="0" hangingPunct="1">
-              <a:defRPr sz="1800" kern="1200">
-                <a:solidFill>
-                  <a:schemeClr val="tx1"/>
-                </a:solidFill>
-                <a:latin typeface="+mn-lt"/>
-                <a:ea typeface="+mn-ea"/>
-                <a:cs typeface="+mn-cs"/>
-              </a:defRPr>
-            </a:lvl1pPr>
-            <a:lvl2pPr marL="457200" algn="l" defTabSz="914400" rtl="0" eaLnBrk="1" latinLnBrk="0" hangingPunct="1">
-              <a:defRPr sz="1800" kern="1200">
-                <a:solidFill>
-                  <a:schemeClr val="tx1"/>
-                </a:solidFill>
-                <a:latin typeface="+mn-lt"/>
-                <a:ea typeface="+mn-ea"/>
-                <a:cs typeface="+mn-cs"/>
-              </a:defRPr>
-            </a:lvl2pPr>
-            <a:lvl3pPr marL="914400" algn="l" defTabSz="914400" rtl="0" eaLnBrk="1" latinLnBrk="0" hangingPunct="1">
-              <a:defRPr sz="1800" kern="1200">
-                <a:solidFill>
-                  <a:schemeClr val="tx1"/>
-                </a:solidFill>
-                <a:latin typeface="+mn-lt"/>
-                <a:ea typeface="+mn-ea"/>
-                <a:cs typeface="+mn-cs"/>
-              </a:defRPr>
-            </a:lvl3pPr>
-            <a:lvl4pPr marL="1371600" algn="l" defTabSz="914400" rtl="0" eaLnBrk="1" latinLnBrk="0" hangingPunct="1">
-              <a:defRPr sz="1800" kern="1200">
-                <a:solidFill>
-                  <a:schemeClr val="tx1"/>
-                </a:solidFill>
-                <a:latin typeface="+mn-lt"/>
-                <a:ea typeface="+mn-ea"/>
-                <a:cs typeface="+mn-cs"/>
-              </a:defRPr>
-            </a:lvl4pPr>
-            <a:lvl5pPr marL="1828800" algn="l" defTabSz="914400" rtl="0" eaLnBrk="1" latinLnBrk="0" hangingPunct="1">
-              <a:defRPr sz="1800" kern="1200">
-                <a:solidFill>
-                  <a:schemeClr val="tx1"/>
-                </a:solidFill>
-                <a:latin typeface="+mn-lt"/>
-                <a:ea typeface="+mn-ea"/>
-                <a:cs typeface="+mn-cs"/>
-              </a:defRPr>
-            </a:lvl5pPr>
-            <a:lvl6pPr marL="2286000" algn="l" defTabSz="914400" rtl="0" eaLnBrk="1" latinLnBrk="0" hangingPunct="1">
-              <a:defRPr sz="1800" kern="1200">
-                <a:solidFill>
-                  <a:schemeClr val="tx1"/>
-                </a:solidFill>
-                <a:latin typeface="+mn-lt"/>
-                <a:ea typeface="+mn-ea"/>
-                <a:cs typeface="+mn-cs"/>
-              </a:defRPr>
-            </a:lvl6pPr>
-            <a:lvl7pPr marL="2743200" algn="l" defTabSz="914400" rtl="0" eaLnBrk="1" latinLnBrk="0" hangingPunct="1">
-              <a:defRPr sz="1800" kern="1200">
-                <a:solidFill>
-                  <a:schemeClr val="tx1"/>
-                </a:solidFill>
-                <a:latin typeface="+mn-lt"/>
-                <a:ea typeface="+mn-ea"/>
-                <a:cs typeface="+mn-cs"/>
-              </a:defRPr>
-            </a:lvl7pPr>
-            <a:lvl8pPr marL="3200400" algn="l" defTabSz="914400" rtl="0" eaLnBrk="1" latinLnBrk="0" hangingPunct="1">
-              <a:defRPr sz="1800" kern="1200">
-                <a:solidFill>
-                  <a:schemeClr val="tx1"/>
-                </a:solidFill>
-                <a:latin typeface="+mn-lt"/>
-                <a:ea typeface="+mn-ea"/>
-                <a:cs typeface="+mn-cs"/>
-              </a:defRPr>
-            </a:lvl8pPr>
-            <a:lvl9pPr marL="3657600" algn="l" defTabSz="914400" rtl="0" eaLnBrk="1" latinLnBrk="0" hangingPunct="1">
-              <a:defRPr sz="1800" kern="1200">
-                <a:solidFill>
-                  <a:schemeClr val="tx1"/>
-                </a:solidFill>
-                <a:latin typeface="+mn-lt"/>
-                <a:ea typeface="+mn-ea"/>
-                <a:cs typeface="+mn-cs"/>
-              </a:defRPr>
-            </a:lvl9pPr>
-          </a:lstStyle>
-          <a:p>
-            <a:pPr marL="0" marR="0" indent="0" algn="ctr" defTabSz="584200" rtl="0" fontAlgn="auto" latinLnBrk="0" hangingPunct="0">
-              <a:lnSpc>
-                <a:spcPct val="100000"/>
-              </a:lnSpc>
-              <a:spcBef>
-                <a:spcPts val="200"/>
-              </a:spcBef>
-              <a:spcAft>
-                <a:spcPts val="0"/>
-              </a:spcAft>
-              <a:buClrTx/>
-              <a:buSzTx/>
-              <a:buFontTx/>
-              <a:buNone/>
-              <a:tabLst/>
-            </a:pPr>
-            <a:r>
-              <a:rPr kumimoji="0" lang="en-US" sz="600" b="0" i="0" u="none" strike="noStrike" cap="none" spc="0" normalizeH="0" baseline="0" dirty="0">
-                <a:ln>
-                  <a:noFill/>
-                </a:ln>
-                <a:solidFill>
-                  <a:srgbClr val="4C4C4C"/>
-                </a:solidFill>
-                <a:effectLst/>
-                <a:uFillTx/>
-                <a:latin typeface="Source Sans Pro"/>
-                <a:ea typeface="Source Sans Pro"/>
-                <a:cs typeface="Source Sans Pro"/>
-                <a:sym typeface="Source Sans Pro"/>
-              </a:rPr>
-              <a:t>issue</a:t>
-            </a:r>
-          </a:p>
-          <a:p>
-            <a:pPr marL="0" marR="0" indent="0" algn="ctr" defTabSz="584200" rtl="0" fontAlgn="auto" latinLnBrk="0" hangingPunct="0">
-              <a:lnSpc>
-                <a:spcPct val="100000"/>
-              </a:lnSpc>
-              <a:spcBef>
-                <a:spcPts val="200"/>
-              </a:spcBef>
-              <a:spcAft>
-                <a:spcPts val="0"/>
-              </a:spcAft>
-              <a:buClrTx/>
-              <a:buSzTx/>
-              <a:buFontTx/>
-              <a:buNone/>
-              <a:tabLst/>
-            </a:pPr>
-            <a:r>
-              <a:rPr kumimoji="0" lang="en-US" sz="600" b="0" i="0" u="none" strike="noStrike" cap="none" spc="0" normalizeH="0" baseline="0" dirty="0">
-                <a:ln>
-                  <a:noFill/>
-                </a:ln>
-                <a:solidFill>
-                  <a:srgbClr val="4C4C4C"/>
-                </a:solidFill>
-                <a:effectLst/>
-                <a:uFillTx/>
-                <a:latin typeface="Source Sans Pro"/>
-                <a:ea typeface="Source Sans Pro"/>
-                <a:cs typeface="Source Sans Pro"/>
-                <a:sym typeface="Source Sans Pro"/>
-              </a:rPr>
-              <a:t>comments</a:t>
-            </a:r>
-          </a:p>
-        </p:txBody>
-      </p:sp>
-      <p:cxnSp>
-        <p:nvCxnSpPr>
-          <p:cNvPr id="393" name="Straight Connector 392">
-            <a:extLst>
-              <a:ext uri="{FF2B5EF4-FFF2-40B4-BE49-F238E27FC236}">
-                <a16:creationId xmlns:a16="http://schemas.microsoft.com/office/drawing/2014/main" id="{44E79D6A-D655-6FA9-1426-B6C9530D7231}"/>
-              </a:ext>
-            </a:extLst>
-          </p:cNvPr>
-          <p:cNvCxnSpPr/>
-          <p:nvPr/>
-        </p:nvCxnSpPr>
-        <p:spPr>
-          <a:xfrm>
-            <a:off x="3442849" y="9250686"/>
-            <a:ext cx="223639" cy="0"/>
-          </a:xfrm>
-          <a:prstGeom prst="line">
-            <a:avLst/>
-          </a:prstGeom>
-          <a:noFill/>
-          <a:ln w="25400" cap="flat">
-            <a:solidFill>
-              <a:srgbClr val="000000"/>
-            </a:solidFill>
-            <a:prstDash val="solid"/>
-            <a:miter lim="400000"/>
-          </a:ln>
-          <a:effectLst/>
-          <a:sp3d/>
-        </p:spPr>
-        <p:style>
-          <a:lnRef idx="0">
-            <a:scrgbClr r="0" g="0" b="0"/>
-          </a:lnRef>
-          <a:fillRef idx="0">
-            <a:scrgbClr r="0" g="0" b="0"/>
-          </a:fillRef>
-          <a:effectRef idx="0">
-            <a:scrgbClr r="0" g="0" b="0"/>
-          </a:effectRef>
-          <a:fontRef idx="none"/>
-        </p:style>
-      </p:cxnSp>
-      <p:cxnSp>
-        <p:nvCxnSpPr>
-          <p:cNvPr id="394" name="Straight Connector 393">
-            <a:extLst>
-              <a:ext uri="{FF2B5EF4-FFF2-40B4-BE49-F238E27FC236}">
-                <a16:creationId xmlns:a16="http://schemas.microsoft.com/office/drawing/2014/main" id="{DCB3E447-D730-EE11-08A7-89C50B9F3E66}"/>
-              </a:ext>
-            </a:extLst>
-          </p:cNvPr>
-          <p:cNvCxnSpPr/>
-          <p:nvPr/>
-        </p:nvCxnSpPr>
-        <p:spPr>
-          <a:xfrm>
-            <a:off x="3219210" y="9250686"/>
-            <a:ext cx="223639" cy="0"/>
-          </a:xfrm>
-          <a:prstGeom prst="line">
-            <a:avLst/>
-          </a:prstGeom>
-          <a:noFill/>
-          <a:ln w="25400" cap="flat">
-            <a:solidFill>
-              <a:srgbClr val="000000"/>
-            </a:solidFill>
-            <a:prstDash val="solid"/>
-            <a:miter lim="400000"/>
-          </a:ln>
-          <a:effectLst/>
-          <a:sp3d/>
-        </p:spPr>
-        <p:style>
-          <a:lnRef idx="0">
-            <a:scrgbClr r="0" g="0" b="0"/>
-          </a:lnRef>
-          <a:fillRef idx="0">
-            <a:scrgbClr r="0" g="0" b="0"/>
-          </a:fillRef>
-          <a:effectRef idx="0">
-            <a:scrgbClr r="0" g="0" b="0"/>
-          </a:effectRef>
-          <a:fontRef idx="none"/>
-        </p:style>
-      </p:cxnSp>
-      <p:cxnSp>
-        <p:nvCxnSpPr>
-          <p:cNvPr id="395" name="Straight Connector 394">
-            <a:extLst>
-              <a:ext uri="{FF2B5EF4-FFF2-40B4-BE49-F238E27FC236}">
-                <a16:creationId xmlns:a16="http://schemas.microsoft.com/office/drawing/2014/main" id="{DD60FB12-0D07-7C82-58FF-51D2DE8054B5}"/>
-              </a:ext>
-            </a:extLst>
-          </p:cNvPr>
-          <p:cNvCxnSpPr/>
-          <p:nvPr/>
-        </p:nvCxnSpPr>
-        <p:spPr>
-          <a:xfrm>
-            <a:off x="3219408" y="9240736"/>
-            <a:ext cx="0" cy="97023"/>
-          </a:xfrm>
-          <a:prstGeom prst="line">
-            <a:avLst/>
-          </a:prstGeom>
-          <a:noFill/>
-          <a:ln w="25400" cap="flat">
-            <a:solidFill>
-              <a:srgbClr val="000000"/>
-            </a:solidFill>
-            <a:prstDash val="solid"/>
-            <a:miter lim="400000"/>
-          </a:ln>
-          <a:effectLst/>
-          <a:sp3d/>
-        </p:spPr>
-        <p:style>
-          <a:lnRef idx="0">
-            <a:scrgbClr r="0" g="0" b="0"/>
-          </a:lnRef>
-          <a:fillRef idx="0">
-            <a:scrgbClr r="0" g="0" b="0"/>
-          </a:fillRef>
-          <a:effectRef idx="0">
-            <a:scrgbClr r="0" g="0" b="0"/>
-          </a:effectRef>
-          <a:fontRef idx="none"/>
-        </p:style>
-      </p:cxnSp>
-      <p:cxnSp>
-        <p:nvCxnSpPr>
-          <p:cNvPr id="396" name="Straight Connector 395">
-            <a:extLst>
-              <a:ext uri="{FF2B5EF4-FFF2-40B4-BE49-F238E27FC236}">
-                <a16:creationId xmlns:a16="http://schemas.microsoft.com/office/drawing/2014/main" id="{14B9FD7F-EDF1-DA80-54EB-F28070F19CCC}"/>
-              </a:ext>
-            </a:extLst>
-          </p:cNvPr>
-          <p:cNvCxnSpPr>
-            <a:cxnSpLocks/>
-          </p:cNvCxnSpPr>
-          <p:nvPr/>
-        </p:nvCxnSpPr>
-        <p:spPr>
-          <a:xfrm>
-            <a:off x="3666488" y="9240735"/>
-            <a:ext cx="0" cy="97024"/>
-          </a:xfrm>
-          <a:prstGeom prst="line">
-            <a:avLst/>
-          </a:prstGeom>
-          <a:noFill/>
-          <a:ln w="25400" cap="flat">
-            <a:solidFill>
-              <a:srgbClr val="000000"/>
-            </a:solidFill>
-            <a:prstDash val="solid"/>
-            <a:miter lim="400000"/>
-          </a:ln>
-          <a:effectLst/>
-          <a:sp3d/>
-        </p:spPr>
-        <p:style>
-          <a:lnRef idx="0">
-            <a:scrgbClr r="0" g="0" b="0"/>
-          </a:lnRef>
-          <a:fillRef idx="0">
-            <a:scrgbClr r="0" g="0" b="0"/>
-          </a:fillRef>
-          <a:effectRef idx="0">
-            <a:scrgbClr r="0" g="0" b="0"/>
-          </a:effectRef>
-          <a:fontRef idx="none"/>
-        </p:style>
-      </p:cxnSp>
-      <p:pic>
-        <p:nvPicPr>
-          <p:cNvPr id="397" name="Graphic 675" descr="Folder outline">
-            <a:extLst>
-              <a:ext uri="{FF2B5EF4-FFF2-40B4-BE49-F238E27FC236}">
-                <a16:creationId xmlns:a16="http://schemas.microsoft.com/office/drawing/2014/main" id="{BB38055D-85D7-D91E-A33A-5584CE4D27C7}"/>
-              </a:ext>
-            </a:extLst>
-          </p:cNvPr>
-          <p:cNvPicPr>
-            <a:picLocks noChangeAspect="1"/>
-          </p:cNvPicPr>
-          <p:nvPr/>
-        </p:nvPicPr>
-        <p:blipFill>
-          <a:blip r:embed="rId10">
-            <a:extLst>
-              <a:ext uri="{28A0092B-C50C-407E-A947-70E740481C1C}">
-                <a14:useLocalDpi xmlns:a14="http://schemas.microsoft.com/office/drawing/2010/main" val="0"/>
-              </a:ext>
-              <a:ext uri="{96DAC541-7B7A-43D3-8B79-37D633B846F1}">
-                <asvg:svgBlip xmlns:asvg="http://schemas.microsoft.com/office/drawing/2016/SVG/main" r:embed="rId11"/>
-              </a:ext>
-            </a:extLst>
-          </a:blip>
-          <a:stretch>
-            <a:fillRect/>
-          </a:stretch>
-        </p:blipFill>
-        <p:spPr>
-          <a:xfrm>
-            <a:off x="2945206" y="9177530"/>
-            <a:ext cx="532524" cy="532524"/>
-          </a:xfrm>
-          <a:prstGeom prst="rect">
-            <a:avLst/>
-          </a:prstGeom>
-        </p:spPr>
-      </p:pic>
-      <p:sp>
-        <p:nvSpPr>
-          <p:cNvPr id="398" name="TextBox 676">
-            <a:extLst>
-              <a:ext uri="{FF2B5EF4-FFF2-40B4-BE49-F238E27FC236}">
-                <a16:creationId xmlns:a16="http://schemas.microsoft.com/office/drawing/2014/main" id="{92F317D1-E4FF-41F2-60D1-16D7D4ED15BA}"/>
-              </a:ext>
-            </a:extLst>
-          </p:cNvPr>
-          <p:cNvSpPr txBox="1"/>
-          <p:nvPr/>
-        </p:nvSpPr>
-        <p:spPr>
-          <a:xfrm>
-            <a:off x="2973909" y="9270947"/>
-            <a:ext cx="481667" cy="346168"/>
-          </a:xfrm>
-          <a:prstGeom prst="rect">
-            <a:avLst/>
-          </a:prstGeom>
-          <a:noFill/>
-          <a:ln w="12700" cap="flat">
-            <a:noFill/>
-            <a:miter lim="400000"/>
-          </a:ln>
-          <a:effectLst/>
-          <a:sp3d/>
-        </p:spPr>
-        <p:style>
-          <a:lnRef idx="0">
-            <a:scrgbClr r="0" g="0" b="0"/>
-          </a:lnRef>
-          <a:fillRef idx="0">
-            <a:scrgbClr r="0" g="0" b="0"/>
-          </a:fillRef>
-          <a:effectRef idx="0">
-            <a:scrgbClr r="0" g="0" b="0"/>
-          </a:effectRef>
-          <a:fontRef idx="none"/>
-        </p:style>
-        <p:txBody>
-          <a:bodyPr rot="0" spcFirstLastPara="1" vert="horz" wrap="square" lIns="54570" tIns="54570" rIns="54570" bIns="54570" numCol="1" spcCol="38100" rtlCol="0" anchor="ctr">
-            <a:spAutoFit/>
-          </a:bodyPr>
-          <a:lstStyle>
-            <a:defPPr>
-              <a:defRPr lang="en-US"/>
-            </a:defPPr>
-            <a:lvl1pPr marL="0" algn="l" defTabSz="914400" rtl="0" eaLnBrk="1" latinLnBrk="0" hangingPunct="1">
-              <a:defRPr sz="1800" kern="1200">
-                <a:solidFill>
-                  <a:schemeClr val="tx1"/>
-                </a:solidFill>
-                <a:latin typeface="+mn-lt"/>
-                <a:ea typeface="+mn-ea"/>
-                <a:cs typeface="+mn-cs"/>
-              </a:defRPr>
-            </a:lvl1pPr>
-            <a:lvl2pPr marL="457200" algn="l" defTabSz="914400" rtl="0" eaLnBrk="1" latinLnBrk="0" hangingPunct="1">
-              <a:defRPr sz="1800" kern="1200">
-                <a:solidFill>
-                  <a:schemeClr val="tx1"/>
-                </a:solidFill>
-                <a:latin typeface="+mn-lt"/>
-                <a:ea typeface="+mn-ea"/>
-                <a:cs typeface="+mn-cs"/>
-              </a:defRPr>
-            </a:lvl2pPr>
-            <a:lvl3pPr marL="914400" algn="l" defTabSz="914400" rtl="0" eaLnBrk="1" latinLnBrk="0" hangingPunct="1">
-              <a:defRPr sz="1800" kern="1200">
-                <a:solidFill>
-                  <a:schemeClr val="tx1"/>
-                </a:solidFill>
-                <a:latin typeface="+mn-lt"/>
-                <a:ea typeface="+mn-ea"/>
-                <a:cs typeface="+mn-cs"/>
-              </a:defRPr>
-            </a:lvl3pPr>
-            <a:lvl4pPr marL="1371600" algn="l" defTabSz="914400" rtl="0" eaLnBrk="1" latinLnBrk="0" hangingPunct="1">
-              <a:defRPr sz="1800" kern="1200">
-                <a:solidFill>
-                  <a:schemeClr val="tx1"/>
-                </a:solidFill>
-                <a:latin typeface="+mn-lt"/>
-                <a:ea typeface="+mn-ea"/>
-                <a:cs typeface="+mn-cs"/>
-              </a:defRPr>
-            </a:lvl4pPr>
-            <a:lvl5pPr marL="1828800" algn="l" defTabSz="914400" rtl="0" eaLnBrk="1" latinLnBrk="0" hangingPunct="1">
-              <a:defRPr sz="1800" kern="1200">
-                <a:solidFill>
-                  <a:schemeClr val="tx1"/>
-                </a:solidFill>
-                <a:latin typeface="+mn-lt"/>
-                <a:ea typeface="+mn-ea"/>
-                <a:cs typeface="+mn-cs"/>
-              </a:defRPr>
-            </a:lvl5pPr>
-            <a:lvl6pPr marL="2286000" algn="l" defTabSz="914400" rtl="0" eaLnBrk="1" latinLnBrk="0" hangingPunct="1">
-              <a:defRPr sz="1800" kern="1200">
-                <a:solidFill>
-                  <a:schemeClr val="tx1"/>
-                </a:solidFill>
-                <a:latin typeface="+mn-lt"/>
-                <a:ea typeface="+mn-ea"/>
-                <a:cs typeface="+mn-cs"/>
-              </a:defRPr>
-            </a:lvl6pPr>
-            <a:lvl7pPr marL="2743200" algn="l" defTabSz="914400" rtl="0" eaLnBrk="1" latinLnBrk="0" hangingPunct="1">
-              <a:defRPr sz="1800" kern="1200">
-                <a:solidFill>
-                  <a:schemeClr val="tx1"/>
-                </a:solidFill>
-                <a:latin typeface="+mn-lt"/>
-                <a:ea typeface="+mn-ea"/>
-                <a:cs typeface="+mn-cs"/>
-              </a:defRPr>
-            </a:lvl7pPr>
-            <a:lvl8pPr marL="3200400" algn="l" defTabSz="914400" rtl="0" eaLnBrk="1" latinLnBrk="0" hangingPunct="1">
-              <a:defRPr sz="1800" kern="1200">
-                <a:solidFill>
-                  <a:schemeClr val="tx1"/>
-                </a:solidFill>
-                <a:latin typeface="+mn-lt"/>
-                <a:ea typeface="+mn-ea"/>
-                <a:cs typeface="+mn-cs"/>
-              </a:defRPr>
-            </a:lvl8pPr>
-            <a:lvl9pPr marL="3657600" algn="l" defTabSz="914400" rtl="0" eaLnBrk="1" latinLnBrk="0" hangingPunct="1">
-              <a:defRPr sz="1800" kern="1200">
-                <a:solidFill>
-                  <a:schemeClr val="tx1"/>
-                </a:solidFill>
-                <a:latin typeface="+mn-lt"/>
-                <a:ea typeface="+mn-ea"/>
-                <a:cs typeface="+mn-cs"/>
-              </a:defRPr>
-            </a:lvl9pPr>
-          </a:lstStyle>
-          <a:p>
-            <a:pPr marL="0" marR="0" indent="0" algn="ctr" defTabSz="584200" rtl="0" fontAlgn="auto" latinLnBrk="0" hangingPunct="0">
-              <a:lnSpc>
-                <a:spcPct val="100000"/>
-              </a:lnSpc>
-              <a:spcBef>
-                <a:spcPts val="200"/>
-              </a:spcBef>
-              <a:spcAft>
-                <a:spcPts val="0"/>
-              </a:spcAft>
-              <a:buClrTx/>
-              <a:buSzTx/>
-              <a:buFontTx/>
-              <a:buNone/>
-              <a:tabLst/>
-            </a:pPr>
-            <a:r>
-              <a:rPr lang="en-US" sz="600" b="0" err="1"/>
-              <a:t>save_mbox</a:t>
-            </a:r>
-            <a:endParaRPr lang="en-US"/>
-          </a:p>
-          <a:p>
-            <a:pPr algn="ctr"/>
-            <a:r>
-              <a:rPr lang="en-US" sz="600" b="0"/>
-              <a:t>_mail</a:t>
-            </a:r>
-          </a:p>
-        </p:txBody>
-      </p:sp>
-      <p:pic>
-        <p:nvPicPr>
-          <p:cNvPr id="399" name="Graphic 677" descr="Folder outline">
-            <a:extLst>
-              <a:ext uri="{FF2B5EF4-FFF2-40B4-BE49-F238E27FC236}">
-                <a16:creationId xmlns:a16="http://schemas.microsoft.com/office/drawing/2014/main" id="{77283147-EA34-2252-CEAA-6A9069AFC93F}"/>
-              </a:ext>
-            </a:extLst>
-          </p:cNvPr>
-          <p:cNvPicPr>
-            <a:picLocks noChangeAspect="1"/>
-          </p:cNvPicPr>
-          <p:nvPr/>
-        </p:nvPicPr>
-        <p:blipFill>
-          <a:blip r:embed="rId10">
-            <a:extLst>
-              <a:ext uri="{28A0092B-C50C-407E-A947-70E740481C1C}">
-                <a14:useLocalDpi xmlns:a14="http://schemas.microsoft.com/office/drawing/2010/main" val="0"/>
-              </a:ext>
-              <a:ext uri="{96DAC541-7B7A-43D3-8B79-37D633B846F1}">
-                <asvg:svgBlip xmlns:asvg="http://schemas.microsoft.com/office/drawing/2016/SVG/main" r:embed="rId11"/>
-              </a:ext>
-            </a:extLst>
-          </a:blip>
-          <a:stretch>
-            <a:fillRect/>
-          </a:stretch>
-        </p:blipFill>
-        <p:spPr>
-          <a:xfrm>
-            <a:off x="3374991" y="9180109"/>
-            <a:ext cx="532524" cy="532524"/>
-          </a:xfrm>
-          <a:prstGeom prst="rect">
-            <a:avLst/>
-          </a:prstGeom>
-        </p:spPr>
-      </p:pic>
-      <p:sp>
-        <p:nvSpPr>
-          <p:cNvPr id="400" name="TextBox 678">
-            <a:extLst>
-              <a:ext uri="{FF2B5EF4-FFF2-40B4-BE49-F238E27FC236}">
-                <a16:creationId xmlns:a16="http://schemas.microsoft.com/office/drawing/2014/main" id="{BA913548-1793-ADBE-F503-12DB07F64040}"/>
-              </a:ext>
-            </a:extLst>
-          </p:cNvPr>
-          <p:cNvSpPr txBox="1"/>
-          <p:nvPr/>
-        </p:nvSpPr>
-        <p:spPr>
-          <a:xfrm>
-            <a:off x="3400197" y="9291908"/>
-            <a:ext cx="486084" cy="346168"/>
-          </a:xfrm>
-          <a:prstGeom prst="rect">
-            <a:avLst/>
-          </a:prstGeom>
-          <a:noFill/>
-          <a:ln w="12700" cap="flat">
-            <a:noFill/>
-            <a:miter lim="400000"/>
-          </a:ln>
-          <a:effectLst/>
-          <a:sp3d/>
-        </p:spPr>
-        <p:style>
-          <a:lnRef idx="0">
-            <a:scrgbClr r="0" g="0" b="0"/>
-          </a:lnRef>
-          <a:fillRef idx="0">
-            <a:scrgbClr r="0" g="0" b="0"/>
-          </a:fillRef>
-          <a:effectRef idx="0">
-            <a:scrgbClr r="0" g="0" b="0"/>
-          </a:effectRef>
-          <a:fontRef idx="none"/>
-        </p:style>
-        <p:txBody>
-          <a:bodyPr rot="0" spcFirstLastPara="1" vert="horz" wrap="square" lIns="54570" tIns="54570" rIns="54570" bIns="54570" numCol="1" spcCol="38100" rtlCol="0" anchor="ctr">
-            <a:spAutoFit/>
-          </a:bodyPr>
-          <a:lstStyle>
-            <a:defPPr>
-              <a:defRPr lang="en-US"/>
-            </a:defPPr>
-            <a:lvl1pPr marL="0" algn="l" defTabSz="914400" rtl="0" eaLnBrk="1" latinLnBrk="0" hangingPunct="1">
-              <a:defRPr sz="1800" kern="1200">
-                <a:solidFill>
-                  <a:schemeClr val="tx1"/>
-                </a:solidFill>
-                <a:latin typeface="+mn-lt"/>
-                <a:ea typeface="+mn-ea"/>
-                <a:cs typeface="+mn-cs"/>
-              </a:defRPr>
-            </a:lvl1pPr>
-            <a:lvl2pPr marL="457200" algn="l" defTabSz="914400" rtl="0" eaLnBrk="1" latinLnBrk="0" hangingPunct="1">
-              <a:defRPr sz="1800" kern="1200">
-                <a:solidFill>
-                  <a:schemeClr val="tx1"/>
-                </a:solidFill>
-                <a:latin typeface="+mn-lt"/>
-                <a:ea typeface="+mn-ea"/>
-                <a:cs typeface="+mn-cs"/>
-              </a:defRPr>
-            </a:lvl2pPr>
-            <a:lvl3pPr marL="914400" algn="l" defTabSz="914400" rtl="0" eaLnBrk="1" latinLnBrk="0" hangingPunct="1">
-              <a:defRPr sz="1800" kern="1200">
-                <a:solidFill>
-                  <a:schemeClr val="tx1"/>
-                </a:solidFill>
-                <a:latin typeface="+mn-lt"/>
-                <a:ea typeface="+mn-ea"/>
-                <a:cs typeface="+mn-cs"/>
-              </a:defRPr>
-            </a:lvl3pPr>
-            <a:lvl4pPr marL="1371600" algn="l" defTabSz="914400" rtl="0" eaLnBrk="1" latinLnBrk="0" hangingPunct="1">
-              <a:defRPr sz="1800" kern="1200">
-                <a:solidFill>
-                  <a:schemeClr val="tx1"/>
-                </a:solidFill>
-                <a:latin typeface="+mn-lt"/>
-                <a:ea typeface="+mn-ea"/>
-                <a:cs typeface="+mn-cs"/>
-              </a:defRPr>
-            </a:lvl4pPr>
-            <a:lvl5pPr marL="1828800" algn="l" defTabSz="914400" rtl="0" eaLnBrk="1" latinLnBrk="0" hangingPunct="1">
-              <a:defRPr sz="1800" kern="1200">
-                <a:solidFill>
-                  <a:schemeClr val="tx1"/>
-                </a:solidFill>
-                <a:latin typeface="+mn-lt"/>
-                <a:ea typeface="+mn-ea"/>
-                <a:cs typeface="+mn-cs"/>
-              </a:defRPr>
-            </a:lvl5pPr>
-            <a:lvl6pPr marL="2286000" algn="l" defTabSz="914400" rtl="0" eaLnBrk="1" latinLnBrk="0" hangingPunct="1">
-              <a:defRPr sz="1800" kern="1200">
-                <a:solidFill>
-                  <a:schemeClr val="tx1"/>
-                </a:solidFill>
-                <a:latin typeface="+mn-lt"/>
-                <a:ea typeface="+mn-ea"/>
-                <a:cs typeface="+mn-cs"/>
-              </a:defRPr>
-            </a:lvl6pPr>
-            <a:lvl7pPr marL="2743200" algn="l" defTabSz="914400" rtl="0" eaLnBrk="1" latinLnBrk="0" hangingPunct="1">
-              <a:defRPr sz="1800" kern="1200">
-                <a:solidFill>
-                  <a:schemeClr val="tx1"/>
-                </a:solidFill>
-                <a:latin typeface="+mn-lt"/>
-                <a:ea typeface="+mn-ea"/>
-                <a:cs typeface="+mn-cs"/>
-              </a:defRPr>
-            </a:lvl7pPr>
-            <a:lvl8pPr marL="3200400" algn="l" defTabSz="914400" rtl="0" eaLnBrk="1" latinLnBrk="0" hangingPunct="1">
-              <a:defRPr sz="1800" kern="1200">
-                <a:solidFill>
-                  <a:schemeClr val="tx1"/>
-                </a:solidFill>
-                <a:latin typeface="+mn-lt"/>
-                <a:ea typeface="+mn-ea"/>
-                <a:cs typeface="+mn-cs"/>
-              </a:defRPr>
-            </a:lvl8pPr>
-            <a:lvl9pPr marL="3657600" algn="l" defTabSz="914400" rtl="0" eaLnBrk="1" latinLnBrk="0" hangingPunct="1">
-              <a:defRPr sz="1800" kern="1200">
-                <a:solidFill>
-                  <a:schemeClr val="tx1"/>
-                </a:solidFill>
-                <a:latin typeface="+mn-lt"/>
-                <a:ea typeface="+mn-ea"/>
-                <a:cs typeface="+mn-cs"/>
-              </a:defRPr>
-            </a:lvl9pPr>
-          </a:lstStyle>
-          <a:p>
-            <a:pPr algn="ctr"/>
-            <a:r>
-              <a:rPr lang="en-US" sz="600" b="0" err="1"/>
-              <a:t>save_mbox</a:t>
-            </a:r>
-          </a:p>
-          <a:p>
-            <a:pPr algn="ctr"/>
-            <a:r>
-              <a:rPr lang="en-US" sz="600" b="0"/>
-              <a:t>_mail_2</a:t>
-            </a:r>
-            <a:endParaRPr lang="en-US" sz="600" b="0" i="0" u="none" strike="noStrike" cap="none" spc="0" normalizeH="0" baseline="0">
-              <a:ln>
-                <a:noFill/>
-              </a:ln>
-              <a:solidFill>
-                <a:srgbClr val="4C4C4C"/>
-              </a:solidFill>
-              <a:effectLst/>
-              <a:uFillTx/>
-              <a:latin typeface="Source Sans Pro"/>
-              <a:ea typeface="Source Sans Pro"/>
-              <a:cs typeface="Source Sans Pro"/>
-            </a:endParaRPr>
-          </a:p>
-        </p:txBody>
-      </p:sp>
-      <p:cxnSp>
-        <p:nvCxnSpPr>
-          <p:cNvPr id="401" name="Straight Connector 400">
-            <a:extLst>
-              <a:ext uri="{FF2B5EF4-FFF2-40B4-BE49-F238E27FC236}">
-                <a16:creationId xmlns:a16="http://schemas.microsoft.com/office/drawing/2014/main" id="{BEB23646-1423-DD84-ED0C-AB1E4D53007A}"/>
-              </a:ext>
-            </a:extLst>
-          </p:cNvPr>
-          <p:cNvCxnSpPr/>
-          <p:nvPr/>
-        </p:nvCxnSpPr>
-        <p:spPr>
-          <a:xfrm>
-            <a:off x="2491978" y="9712994"/>
-            <a:ext cx="223639" cy="0"/>
-          </a:xfrm>
-          <a:prstGeom prst="line">
-            <a:avLst/>
-          </a:prstGeom>
-          <a:noFill/>
-          <a:ln w="25400" cap="flat">
-            <a:solidFill>
-              <a:srgbClr val="000000"/>
-            </a:solidFill>
-            <a:prstDash val="solid"/>
-            <a:miter lim="400000"/>
-          </a:ln>
-          <a:effectLst/>
-          <a:sp3d/>
-        </p:spPr>
-        <p:style>
-          <a:lnRef idx="0">
-            <a:scrgbClr r="0" g="0" b="0"/>
-          </a:lnRef>
-          <a:fillRef idx="0">
-            <a:scrgbClr r="0" g="0" b="0"/>
-          </a:fillRef>
-          <a:effectRef idx="0">
-            <a:scrgbClr r="0" g="0" b="0"/>
-          </a:effectRef>
-          <a:fontRef idx="none"/>
-        </p:style>
-      </p:cxnSp>
-      <p:cxnSp>
-        <p:nvCxnSpPr>
-          <p:cNvPr id="402" name="Straight Connector 401">
-            <a:extLst>
-              <a:ext uri="{FF2B5EF4-FFF2-40B4-BE49-F238E27FC236}">
-                <a16:creationId xmlns:a16="http://schemas.microsoft.com/office/drawing/2014/main" id="{67D143C5-47CC-F9D6-3B2B-F1F44B0205DA}"/>
-              </a:ext>
-            </a:extLst>
-          </p:cNvPr>
-          <p:cNvCxnSpPr/>
-          <p:nvPr/>
-        </p:nvCxnSpPr>
-        <p:spPr>
-          <a:xfrm>
-            <a:off x="2268339" y="9712994"/>
-            <a:ext cx="223639" cy="0"/>
-          </a:xfrm>
-          <a:prstGeom prst="line">
-            <a:avLst/>
-          </a:prstGeom>
-          <a:noFill/>
-          <a:ln w="25400" cap="flat">
-            <a:solidFill>
-              <a:srgbClr val="000000"/>
-            </a:solidFill>
-            <a:prstDash val="solid"/>
-            <a:miter lim="400000"/>
-          </a:ln>
-          <a:effectLst/>
-          <a:sp3d/>
-        </p:spPr>
-        <p:style>
-          <a:lnRef idx="0">
-            <a:scrgbClr r="0" g="0" b="0"/>
-          </a:lnRef>
-          <a:fillRef idx="0">
-            <a:scrgbClr r="0" g="0" b="0"/>
-          </a:fillRef>
-          <a:effectRef idx="0">
-            <a:scrgbClr r="0" g="0" b="0"/>
-          </a:effectRef>
-          <a:fontRef idx="none"/>
-        </p:style>
-      </p:cxnSp>
-      <p:cxnSp>
-        <p:nvCxnSpPr>
-          <p:cNvPr id="403" name="Straight Connector 402">
-            <a:extLst>
-              <a:ext uri="{FF2B5EF4-FFF2-40B4-BE49-F238E27FC236}">
-                <a16:creationId xmlns:a16="http://schemas.microsoft.com/office/drawing/2014/main" id="{CF588D75-D1A0-C67B-195D-9C46FD2878B0}"/>
-              </a:ext>
-            </a:extLst>
-          </p:cNvPr>
-          <p:cNvCxnSpPr/>
-          <p:nvPr/>
-        </p:nvCxnSpPr>
-        <p:spPr>
-          <a:xfrm>
-            <a:off x="2268537" y="9703044"/>
-            <a:ext cx="0" cy="97023"/>
-          </a:xfrm>
-          <a:prstGeom prst="line">
-            <a:avLst/>
-          </a:prstGeom>
-          <a:noFill/>
-          <a:ln w="25400" cap="flat">
-            <a:solidFill>
-              <a:srgbClr val="000000"/>
-            </a:solidFill>
-            <a:prstDash val="solid"/>
-            <a:miter lim="400000"/>
-          </a:ln>
-          <a:effectLst/>
-          <a:sp3d/>
-        </p:spPr>
-        <p:style>
-          <a:lnRef idx="0">
-            <a:scrgbClr r="0" g="0" b="0"/>
-          </a:lnRef>
-          <a:fillRef idx="0">
-            <a:scrgbClr r="0" g="0" b="0"/>
-          </a:fillRef>
-          <a:effectRef idx="0">
-            <a:scrgbClr r="0" g="0" b="0"/>
-          </a:effectRef>
-          <a:fontRef idx="none"/>
-        </p:style>
-      </p:cxnSp>
-      <p:cxnSp>
-        <p:nvCxnSpPr>
-          <p:cNvPr id="404" name="Straight Connector 403">
-            <a:extLst>
-              <a:ext uri="{FF2B5EF4-FFF2-40B4-BE49-F238E27FC236}">
-                <a16:creationId xmlns:a16="http://schemas.microsoft.com/office/drawing/2014/main" id="{9FEA6819-2BEC-5E2D-0DA7-DCCC8F696D33}"/>
-              </a:ext>
-            </a:extLst>
-          </p:cNvPr>
-          <p:cNvCxnSpPr>
-            <a:cxnSpLocks/>
-          </p:cNvCxnSpPr>
-          <p:nvPr/>
-        </p:nvCxnSpPr>
-        <p:spPr>
-          <a:xfrm>
-            <a:off x="2715617" y="9703043"/>
-            <a:ext cx="0" cy="97024"/>
-          </a:xfrm>
-          <a:prstGeom prst="line">
-            <a:avLst/>
-          </a:prstGeom>
-          <a:noFill/>
-          <a:ln w="25400" cap="flat">
-            <a:solidFill>
-              <a:srgbClr val="000000"/>
-            </a:solidFill>
-            <a:prstDash val="solid"/>
-            <a:miter lim="400000"/>
-          </a:ln>
-          <a:effectLst/>
-          <a:sp3d/>
-        </p:spPr>
-        <p:style>
-          <a:lnRef idx="0">
-            <a:scrgbClr r="0" g="0" b="0"/>
-          </a:lnRef>
-          <a:fillRef idx="0">
-            <a:scrgbClr r="0" g="0" b="0"/>
-          </a:fillRef>
-          <a:effectRef idx="0">
-            <a:scrgbClr r="0" g="0" b="0"/>
-          </a:effectRef>
-          <a:fontRef idx="none"/>
-        </p:style>
-      </p:cxnSp>
-      <p:pic>
-        <p:nvPicPr>
-          <p:cNvPr id="405" name="Graphic 691" descr="Folder outline">
-            <a:extLst>
-              <a:ext uri="{FF2B5EF4-FFF2-40B4-BE49-F238E27FC236}">
-                <a16:creationId xmlns:a16="http://schemas.microsoft.com/office/drawing/2014/main" id="{808FBB34-0B3F-0ABC-8CE8-A8E3B980E5B6}"/>
-              </a:ext>
-            </a:extLst>
-          </p:cNvPr>
-          <p:cNvPicPr>
-            <a:picLocks noChangeAspect="1"/>
-          </p:cNvPicPr>
-          <p:nvPr/>
-        </p:nvPicPr>
-        <p:blipFill>
-          <a:blip r:embed="rId10">
-            <a:extLst>
-              <a:ext uri="{28A0092B-C50C-407E-A947-70E740481C1C}">
-                <a14:useLocalDpi xmlns:a14="http://schemas.microsoft.com/office/drawing/2010/main" val="0"/>
-              </a:ext>
-              <a:ext uri="{96DAC541-7B7A-43D3-8B79-37D633B846F1}">
-                <asvg:svgBlip xmlns:asvg="http://schemas.microsoft.com/office/drawing/2016/SVG/main" r:embed="rId11"/>
-              </a:ext>
-            </a:extLst>
-          </a:blip>
-          <a:stretch>
-            <a:fillRect/>
-          </a:stretch>
-        </p:blipFill>
-        <p:spPr>
-          <a:xfrm>
-            <a:off x="1994335" y="9639838"/>
-            <a:ext cx="532524" cy="532524"/>
-          </a:xfrm>
-          <a:prstGeom prst="rect">
-            <a:avLst/>
-          </a:prstGeom>
-        </p:spPr>
-      </p:pic>
-      <p:sp>
-        <p:nvSpPr>
-          <p:cNvPr id="406" name="TextBox 692">
-            <a:extLst>
-              <a:ext uri="{FF2B5EF4-FFF2-40B4-BE49-F238E27FC236}">
-                <a16:creationId xmlns:a16="http://schemas.microsoft.com/office/drawing/2014/main" id="{B4963917-06D5-463E-C5A8-ED7F76FF9630}"/>
-              </a:ext>
-            </a:extLst>
-          </p:cNvPr>
-          <p:cNvSpPr txBox="1"/>
-          <p:nvPr/>
-        </p:nvSpPr>
-        <p:spPr>
-          <a:xfrm>
-            <a:off x="2102200" y="9798166"/>
-            <a:ext cx="455073" cy="228187"/>
-          </a:xfrm>
-          <a:prstGeom prst="rect">
-            <a:avLst/>
-          </a:prstGeom>
-          <a:noFill/>
-          <a:ln w="12700" cap="flat">
-            <a:noFill/>
-            <a:miter lim="400000"/>
-          </a:ln>
-          <a:effectLst/>
-          <a:sp3d/>
-        </p:spPr>
-        <p:style>
-          <a:lnRef idx="0">
-            <a:scrgbClr r="0" g="0" b="0"/>
-          </a:lnRef>
-          <a:fillRef idx="0">
-            <a:scrgbClr r="0" g="0" b="0"/>
-          </a:fillRef>
-          <a:effectRef idx="0">
-            <a:scrgbClr r="0" g="0" b="0"/>
-          </a:effectRef>
-          <a:fontRef idx="none"/>
-        </p:style>
-        <p:txBody>
-          <a:bodyPr rot="0" spcFirstLastPara="1" vert="horz" wrap="square" lIns="54570" tIns="54570" rIns="54570" bIns="54570" numCol="1" spcCol="38100" rtlCol="0" anchor="ctr">
-            <a:spAutoFit/>
-          </a:bodyPr>
-          <a:lstStyle>
-            <a:defPPr>
-              <a:defRPr lang="en-US"/>
-            </a:defPPr>
-            <a:lvl1pPr marL="0" algn="l" defTabSz="914400" rtl="0" eaLnBrk="1" latinLnBrk="0" hangingPunct="1">
-              <a:defRPr sz="1800" kern="1200">
-                <a:solidFill>
-                  <a:schemeClr val="tx1"/>
-                </a:solidFill>
-                <a:latin typeface="+mn-lt"/>
-                <a:ea typeface="+mn-ea"/>
-                <a:cs typeface="+mn-cs"/>
-              </a:defRPr>
-            </a:lvl1pPr>
-            <a:lvl2pPr marL="457200" algn="l" defTabSz="914400" rtl="0" eaLnBrk="1" latinLnBrk="0" hangingPunct="1">
-              <a:defRPr sz="1800" kern="1200">
-                <a:solidFill>
-                  <a:schemeClr val="tx1"/>
-                </a:solidFill>
-                <a:latin typeface="+mn-lt"/>
-                <a:ea typeface="+mn-ea"/>
-                <a:cs typeface="+mn-cs"/>
-              </a:defRPr>
-            </a:lvl2pPr>
-            <a:lvl3pPr marL="914400" algn="l" defTabSz="914400" rtl="0" eaLnBrk="1" latinLnBrk="0" hangingPunct="1">
-              <a:defRPr sz="1800" kern="1200">
-                <a:solidFill>
-                  <a:schemeClr val="tx1"/>
-                </a:solidFill>
-                <a:latin typeface="+mn-lt"/>
-                <a:ea typeface="+mn-ea"/>
-                <a:cs typeface="+mn-cs"/>
-              </a:defRPr>
-            </a:lvl3pPr>
-            <a:lvl4pPr marL="1371600" algn="l" defTabSz="914400" rtl="0" eaLnBrk="1" latinLnBrk="0" hangingPunct="1">
-              <a:defRPr sz="1800" kern="1200">
-                <a:solidFill>
-                  <a:schemeClr val="tx1"/>
-                </a:solidFill>
-                <a:latin typeface="+mn-lt"/>
-                <a:ea typeface="+mn-ea"/>
-                <a:cs typeface="+mn-cs"/>
-              </a:defRPr>
-            </a:lvl4pPr>
-            <a:lvl5pPr marL="1828800" algn="l" defTabSz="914400" rtl="0" eaLnBrk="1" latinLnBrk="0" hangingPunct="1">
-              <a:defRPr sz="1800" kern="1200">
-                <a:solidFill>
-                  <a:schemeClr val="tx1"/>
-                </a:solidFill>
-                <a:latin typeface="+mn-lt"/>
-                <a:ea typeface="+mn-ea"/>
-                <a:cs typeface="+mn-cs"/>
-              </a:defRPr>
-            </a:lvl5pPr>
-            <a:lvl6pPr marL="2286000" algn="l" defTabSz="914400" rtl="0" eaLnBrk="1" latinLnBrk="0" hangingPunct="1">
-              <a:defRPr sz="1800" kern="1200">
-                <a:solidFill>
-                  <a:schemeClr val="tx1"/>
-                </a:solidFill>
-                <a:latin typeface="+mn-lt"/>
-                <a:ea typeface="+mn-ea"/>
-                <a:cs typeface="+mn-cs"/>
-              </a:defRPr>
-            </a:lvl6pPr>
-            <a:lvl7pPr marL="2743200" algn="l" defTabSz="914400" rtl="0" eaLnBrk="1" latinLnBrk="0" hangingPunct="1">
-              <a:defRPr sz="1800" kern="1200">
-                <a:solidFill>
-                  <a:schemeClr val="tx1"/>
-                </a:solidFill>
-                <a:latin typeface="+mn-lt"/>
-                <a:ea typeface="+mn-ea"/>
-                <a:cs typeface="+mn-cs"/>
-              </a:defRPr>
-            </a:lvl7pPr>
-            <a:lvl8pPr marL="3200400" algn="l" defTabSz="914400" rtl="0" eaLnBrk="1" latinLnBrk="0" hangingPunct="1">
-              <a:defRPr sz="1800" kern="1200">
-                <a:solidFill>
-                  <a:schemeClr val="tx1"/>
-                </a:solidFill>
-                <a:latin typeface="+mn-lt"/>
-                <a:ea typeface="+mn-ea"/>
-                <a:cs typeface="+mn-cs"/>
-              </a:defRPr>
-            </a:lvl8pPr>
-            <a:lvl9pPr marL="3657600" algn="l" defTabSz="914400" rtl="0" eaLnBrk="1" latinLnBrk="0" hangingPunct="1">
-              <a:defRPr sz="1800" kern="1200">
-                <a:solidFill>
-                  <a:schemeClr val="tx1"/>
-                </a:solidFill>
-                <a:latin typeface="+mn-lt"/>
-                <a:ea typeface="+mn-ea"/>
-                <a:cs typeface="+mn-cs"/>
-              </a:defRPr>
-            </a:lvl9pPr>
-          </a:lstStyle>
-          <a:p>
-            <a:pPr marL="0" marR="0" indent="0" algn="l" defTabSz="584200" rtl="0" fontAlgn="auto" latinLnBrk="0" hangingPunct="0">
-              <a:lnSpc>
-                <a:spcPct val="100000"/>
-              </a:lnSpc>
-              <a:spcBef>
-                <a:spcPts val="200"/>
-              </a:spcBef>
-              <a:spcAft>
-                <a:spcPts val="0"/>
-              </a:spcAft>
-              <a:buClrTx/>
-              <a:buSzTx/>
-              <a:buFontTx/>
-              <a:buNone/>
-              <a:tabLst/>
-            </a:pPr>
-            <a:r>
-              <a:rPr kumimoji="0" lang="en-US" sz="600" b="0" i="0" u="none" strike="noStrike" cap="none" spc="0" normalizeH="0" baseline="0">
-                <a:ln>
-                  <a:noFill/>
-                </a:ln>
-                <a:solidFill>
-                  <a:srgbClr val="4C4C4C"/>
-                </a:solidFill>
-                <a:effectLst/>
-                <a:uFillTx/>
-                <a:latin typeface="Source Sans Pro"/>
-                <a:ea typeface="Source Sans Pro"/>
-                <a:cs typeface="Source Sans Pro"/>
-                <a:sym typeface="Source Sans Pro"/>
-              </a:rPr>
-              <a:t>issues</a:t>
-            </a:r>
-          </a:p>
-        </p:txBody>
-      </p:sp>
-      <p:pic>
-        <p:nvPicPr>
-          <p:cNvPr id="407" name="Graphic 693" descr="Folder outline">
-            <a:extLst>
-              <a:ext uri="{FF2B5EF4-FFF2-40B4-BE49-F238E27FC236}">
-                <a16:creationId xmlns:a16="http://schemas.microsoft.com/office/drawing/2014/main" id="{E58BF997-9417-518A-4188-3E3E75CE7ED7}"/>
-              </a:ext>
-            </a:extLst>
-          </p:cNvPr>
-          <p:cNvPicPr>
-            <a:picLocks noChangeAspect="1"/>
-          </p:cNvPicPr>
-          <p:nvPr/>
-        </p:nvPicPr>
-        <p:blipFill>
-          <a:blip r:embed="rId10">
-            <a:extLst>
-              <a:ext uri="{28A0092B-C50C-407E-A947-70E740481C1C}">
-                <a14:useLocalDpi xmlns:a14="http://schemas.microsoft.com/office/drawing/2010/main" val="0"/>
-              </a:ext>
-              <a:ext uri="{96DAC541-7B7A-43D3-8B79-37D633B846F1}">
-                <asvg:svgBlip xmlns:asvg="http://schemas.microsoft.com/office/drawing/2016/SVG/main" r:embed="rId11"/>
-              </a:ext>
-            </a:extLst>
-          </a:blip>
-          <a:stretch>
-            <a:fillRect/>
-          </a:stretch>
-        </p:blipFill>
-        <p:spPr>
-          <a:xfrm>
-            <a:off x="2424120" y="9642417"/>
-            <a:ext cx="532524" cy="532524"/>
-          </a:xfrm>
-          <a:prstGeom prst="rect">
-            <a:avLst/>
-          </a:prstGeom>
-        </p:spPr>
-      </p:pic>
-      <p:sp>
-        <p:nvSpPr>
-          <p:cNvPr id="408" name="TextBox 694">
-            <a:extLst>
-              <a:ext uri="{FF2B5EF4-FFF2-40B4-BE49-F238E27FC236}">
-                <a16:creationId xmlns:a16="http://schemas.microsoft.com/office/drawing/2014/main" id="{BA7B458C-B33C-10FE-19B0-337F3A1B0BCC}"/>
-              </a:ext>
-            </a:extLst>
-          </p:cNvPr>
-          <p:cNvSpPr txBox="1"/>
-          <p:nvPr/>
-        </p:nvSpPr>
-        <p:spPr>
-          <a:xfrm>
-            <a:off x="2467047" y="9745356"/>
-            <a:ext cx="455073" cy="346168"/>
-          </a:xfrm>
-          <a:prstGeom prst="rect">
-            <a:avLst/>
-          </a:prstGeom>
-          <a:noFill/>
-          <a:ln w="12700" cap="flat">
-            <a:noFill/>
-            <a:miter lim="400000"/>
-          </a:ln>
-          <a:effectLst/>
-          <a:sp3d/>
-        </p:spPr>
-        <p:style>
-          <a:lnRef idx="0">
-            <a:scrgbClr r="0" g="0" b="0"/>
-          </a:lnRef>
-          <a:fillRef idx="0">
-            <a:scrgbClr r="0" g="0" b="0"/>
-          </a:fillRef>
-          <a:effectRef idx="0">
-            <a:scrgbClr r="0" g="0" b="0"/>
-          </a:effectRef>
-          <a:fontRef idx="none"/>
-        </p:style>
-        <p:txBody>
-          <a:bodyPr rot="0" spcFirstLastPara="1" vert="horz" wrap="square" lIns="54570" tIns="54570" rIns="54570" bIns="54570" numCol="1" spcCol="38100" rtlCol="0" anchor="ctr">
-            <a:spAutoFit/>
-          </a:bodyPr>
-          <a:lstStyle>
-            <a:defPPr>
-              <a:defRPr lang="en-US"/>
-            </a:defPPr>
-            <a:lvl1pPr marL="0" algn="l" defTabSz="914400" rtl="0" eaLnBrk="1" latinLnBrk="0" hangingPunct="1">
-              <a:defRPr sz="1800" kern="1200">
-                <a:solidFill>
-                  <a:schemeClr val="tx1"/>
-                </a:solidFill>
-                <a:latin typeface="+mn-lt"/>
-                <a:ea typeface="+mn-ea"/>
-                <a:cs typeface="+mn-cs"/>
-              </a:defRPr>
-            </a:lvl1pPr>
-            <a:lvl2pPr marL="457200" algn="l" defTabSz="914400" rtl="0" eaLnBrk="1" latinLnBrk="0" hangingPunct="1">
-              <a:defRPr sz="1800" kern="1200">
-                <a:solidFill>
-                  <a:schemeClr val="tx1"/>
-                </a:solidFill>
-                <a:latin typeface="+mn-lt"/>
-                <a:ea typeface="+mn-ea"/>
-                <a:cs typeface="+mn-cs"/>
-              </a:defRPr>
-            </a:lvl2pPr>
-            <a:lvl3pPr marL="914400" algn="l" defTabSz="914400" rtl="0" eaLnBrk="1" latinLnBrk="0" hangingPunct="1">
-              <a:defRPr sz="1800" kern="1200">
-                <a:solidFill>
-                  <a:schemeClr val="tx1"/>
-                </a:solidFill>
-                <a:latin typeface="+mn-lt"/>
-                <a:ea typeface="+mn-ea"/>
-                <a:cs typeface="+mn-cs"/>
-              </a:defRPr>
-            </a:lvl3pPr>
-            <a:lvl4pPr marL="1371600" algn="l" defTabSz="914400" rtl="0" eaLnBrk="1" latinLnBrk="0" hangingPunct="1">
-              <a:defRPr sz="1800" kern="1200">
-                <a:solidFill>
-                  <a:schemeClr val="tx1"/>
-                </a:solidFill>
-                <a:latin typeface="+mn-lt"/>
-                <a:ea typeface="+mn-ea"/>
-                <a:cs typeface="+mn-cs"/>
-              </a:defRPr>
-            </a:lvl4pPr>
-            <a:lvl5pPr marL="1828800" algn="l" defTabSz="914400" rtl="0" eaLnBrk="1" latinLnBrk="0" hangingPunct="1">
-              <a:defRPr sz="1800" kern="1200">
-                <a:solidFill>
-                  <a:schemeClr val="tx1"/>
-                </a:solidFill>
-                <a:latin typeface="+mn-lt"/>
-                <a:ea typeface="+mn-ea"/>
-                <a:cs typeface="+mn-cs"/>
-              </a:defRPr>
-            </a:lvl5pPr>
-            <a:lvl6pPr marL="2286000" algn="l" defTabSz="914400" rtl="0" eaLnBrk="1" latinLnBrk="0" hangingPunct="1">
-              <a:defRPr sz="1800" kern="1200">
-                <a:solidFill>
-                  <a:schemeClr val="tx1"/>
-                </a:solidFill>
-                <a:latin typeface="+mn-lt"/>
-                <a:ea typeface="+mn-ea"/>
-                <a:cs typeface="+mn-cs"/>
-              </a:defRPr>
-            </a:lvl6pPr>
-            <a:lvl7pPr marL="2743200" algn="l" defTabSz="914400" rtl="0" eaLnBrk="1" latinLnBrk="0" hangingPunct="1">
-              <a:defRPr sz="1800" kern="1200">
-                <a:solidFill>
-                  <a:schemeClr val="tx1"/>
-                </a:solidFill>
-                <a:latin typeface="+mn-lt"/>
-                <a:ea typeface="+mn-ea"/>
-                <a:cs typeface="+mn-cs"/>
-              </a:defRPr>
-            </a:lvl7pPr>
-            <a:lvl8pPr marL="3200400" algn="l" defTabSz="914400" rtl="0" eaLnBrk="1" latinLnBrk="0" hangingPunct="1">
-              <a:defRPr sz="1800" kern="1200">
-                <a:solidFill>
-                  <a:schemeClr val="tx1"/>
-                </a:solidFill>
-                <a:latin typeface="+mn-lt"/>
-                <a:ea typeface="+mn-ea"/>
-                <a:cs typeface="+mn-cs"/>
-              </a:defRPr>
-            </a:lvl8pPr>
-            <a:lvl9pPr marL="3657600" algn="l" defTabSz="914400" rtl="0" eaLnBrk="1" latinLnBrk="0" hangingPunct="1">
-              <a:defRPr sz="1800" kern="1200">
-                <a:solidFill>
-                  <a:schemeClr val="tx1"/>
-                </a:solidFill>
-                <a:latin typeface="+mn-lt"/>
-                <a:ea typeface="+mn-ea"/>
-                <a:cs typeface="+mn-cs"/>
-              </a:defRPr>
-            </a:lvl9pPr>
-          </a:lstStyle>
-          <a:p>
-            <a:pPr marL="0" marR="0" indent="0" algn="ctr" defTabSz="584200" rtl="0" fontAlgn="auto" latinLnBrk="0" hangingPunct="0">
-              <a:lnSpc>
-                <a:spcPct val="100000"/>
-              </a:lnSpc>
-              <a:spcBef>
-                <a:spcPts val="200"/>
-              </a:spcBef>
-              <a:spcAft>
-                <a:spcPts val="0"/>
-              </a:spcAft>
-              <a:buClrTx/>
-              <a:buSzTx/>
-              <a:buFontTx/>
-              <a:buNone/>
-              <a:tabLst/>
-            </a:pPr>
-            <a:r>
-              <a:rPr kumimoji="0" lang="en-US" sz="600" b="0" i="0" u="none" strike="noStrike" cap="none" spc="0" normalizeH="0" baseline="0" dirty="0">
-                <a:ln>
-                  <a:noFill/>
-                </a:ln>
-                <a:solidFill>
-                  <a:srgbClr val="4C4C4C"/>
-                </a:solidFill>
-                <a:effectLst/>
-                <a:uFillTx/>
-                <a:latin typeface="Source Sans Pro"/>
-                <a:ea typeface="Source Sans Pro"/>
-                <a:cs typeface="Source Sans Pro"/>
-                <a:sym typeface="Source Sans Pro"/>
-              </a:rPr>
-              <a:t>issue</a:t>
-            </a:r>
-          </a:p>
-          <a:p>
-            <a:pPr marL="0" marR="0" indent="0" algn="ctr" defTabSz="584200" rtl="0" fontAlgn="auto" latinLnBrk="0" hangingPunct="0">
-              <a:lnSpc>
-                <a:spcPct val="100000"/>
-              </a:lnSpc>
-              <a:spcBef>
-                <a:spcPts val="200"/>
-              </a:spcBef>
-              <a:spcAft>
-                <a:spcPts val="0"/>
-              </a:spcAft>
-              <a:buClrTx/>
-              <a:buSzTx/>
-              <a:buFontTx/>
-              <a:buNone/>
-              <a:tabLst/>
-            </a:pPr>
-            <a:r>
-              <a:rPr kumimoji="0" lang="en-US" sz="600" b="0" i="0" u="none" strike="noStrike" cap="none" spc="0" normalizeH="0" baseline="0" dirty="0">
-                <a:ln>
-                  <a:noFill/>
-                </a:ln>
-                <a:solidFill>
-                  <a:srgbClr val="4C4C4C"/>
-                </a:solidFill>
-                <a:effectLst/>
-                <a:uFillTx/>
-                <a:latin typeface="Source Sans Pro"/>
-                <a:ea typeface="Source Sans Pro"/>
-                <a:cs typeface="Source Sans Pro"/>
-                <a:sym typeface="Source Sans Pro"/>
-              </a:rPr>
-              <a:t>comments</a:t>
-            </a:r>
-          </a:p>
-        </p:txBody>
-      </p:sp>
-      <p:cxnSp>
-        <p:nvCxnSpPr>
-          <p:cNvPr id="409" name="Straight Arrow Connector 408">
-            <a:extLst>
-              <a:ext uri="{FF2B5EF4-FFF2-40B4-BE49-F238E27FC236}">
-                <a16:creationId xmlns:a16="http://schemas.microsoft.com/office/drawing/2014/main" id="{75C19CF7-94EB-70DE-7A7D-C2DF8581781E}"/>
-              </a:ext>
-            </a:extLst>
-          </p:cNvPr>
-          <p:cNvCxnSpPr>
-            <a:cxnSpLocks/>
-          </p:cNvCxnSpPr>
-          <p:nvPr/>
-        </p:nvCxnSpPr>
-        <p:spPr>
-          <a:xfrm flipH="1">
-            <a:off x="2861771" y="7894839"/>
-            <a:ext cx="564325" cy="0"/>
-          </a:xfrm>
-          <a:prstGeom prst="straightConnector1">
-            <a:avLst/>
-          </a:prstGeom>
-          <a:noFill/>
-          <a:ln w="25400" cap="flat">
-            <a:solidFill>
-              <a:srgbClr val="000000"/>
-            </a:solidFill>
-            <a:prstDash val="solid"/>
-            <a:miter lim="400000"/>
-            <a:tailEnd type="triangle"/>
-          </a:ln>
-          <a:effectLst/>
-          <a:sp3d/>
-        </p:spPr>
-        <p:style>
-          <a:lnRef idx="0">
-            <a:scrgbClr r="0" g="0" b="0"/>
-          </a:lnRef>
-          <a:fillRef idx="0">
-            <a:scrgbClr r="0" g="0" b="0"/>
-          </a:fillRef>
-          <a:effectRef idx="0">
-            <a:scrgbClr r="0" g="0" b="0"/>
-          </a:effectRef>
-          <a:fontRef idx="none"/>
-        </p:style>
-      </p:cxnSp>
-      <p:sp>
-        <p:nvSpPr>
-          <p:cNvPr id="410" name="TextBox 700">
-            <a:extLst>
-              <a:ext uri="{FF2B5EF4-FFF2-40B4-BE49-F238E27FC236}">
-                <a16:creationId xmlns:a16="http://schemas.microsoft.com/office/drawing/2014/main" id="{C281D0A6-E0D2-A10F-87AB-C26EE104B51A}"/>
-              </a:ext>
-            </a:extLst>
-          </p:cNvPr>
-          <p:cNvSpPr txBox="1"/>
-          <p:nvPr/>
-        </p:nvSpPr>
-        <p:spPr>
-          <a:xfrm>
-            <a:off x="3459368" y="7738104"/>
-            <a:ext cx="988606" cy="320520"/>
-          </a:xfrm>
-          <a:prstGeom prst="rect">
-            <a:avLst/>
-          </a:prstGeom>
-          <a:noFill/>
-          <a:ln w="12700" cap="flat">
-            <a:noFill/>
-            <a:miter lim="400000"/>
-          </a:ln>
-          <a:effectLst/>
-          <a:sp3d/>
-        </p:spPr>
-        <p:style>
-          <a:lnRef idx="0">
-            <a:scrgbClr r="0" g="0" b="0"/>
-          </a:lnRef>
-          <a:fillRef idx="0">
-            <a:scrgbClr r="0" g="0" b="0"/>
-          </a:fillRef>
-          <a:effectRef idx="0">
-            <a:scrgbClr r="0" g="0" b="0"/>
-          </a:effectRef>
-          <a:fontRef idx="none"/>
-        </p:style>
-        <p:txBody>
-          <a:bodyPr rot="0" spcFirstLastPara="1" vert="horz" wrap="square" lIns="54570" tIns="54570" rIns="54570" bIns="54570" numCol="1" spcCol="38100" rtlCol="0" anchor="ctr">
-            <a:spAutoFit/>
-          </a:bodyPr>
-          <a:lstStyle>
-            <a:defPPr>
-              <a:defRPr lang="en-US"/>
-            </a:defPPr>
-            <a:lvl1pPr marL="0" algn="l" defTabSz="914400" rtl="0" eaLnBrk="1" latinLnBrk="0" hangingPunct="1">
-              <a:defRPr sz="1800" kern="1200">
-                <a:solidFill>
-                  <a:schemeClr val="tx1"/>
-                </a:solidFill>
-                <a:latin typeface="+mn-lt"/>
-                <a:ea typeface="+mn-ea"/>
-                <a:cs typeface="+mn-cs"/>
-              </a:defRPr>
-            </a:lvl1pPr>
-            <a:lvl2pPr marL="457200" algn="l" defTabSz="914400" rtl="0" eaLnBrk="1" latinLnBrk="0" hangingPunct="1">
-              <a:defRPr sz="1800" kern="1200">
-                <a:solidFill>
-                  <a:schemeClr val="tx1"/>
-                </a:solidFill>
-                <a:latin typeface="+mn-lt"/>
-                <a:ea typeface="+mn-ea"/>
-                <a:cs typeface="+mn-cs"/>
-              </a:defRPr>
-            </a:lvl2pPr>
-            <a:lvl3pPr marL="914400" algn="l" defTabSz="914400" rtl="0" eaLnBrk="1" latinLnBrk="0" hangingPunct="1">
-              <a:defRPr sz="1800" kern="1200">
-                <a:solidFill>
-                  <a:schemeClr val="tx1"/>
-                </a:solidFill>
-                <a:latin typeface="+mn-lt"/>
-                <a:ea typeface="+mn-ea"/>
-                <a:cs typeface="+mn-cs"/>
-              </a:defRPr>
-            </a:lvl3pPr>
-            <a:lvl4pPr marL="1371600" algn="l" defTabSz="914400" rtl="0" eaLnBrk="1" latinLnBrk="0" hangingPunct="1">
-              <a:defRPr sz="1800" kern="1200">
-                <a:solidFill>
-                  <a:schemeClr val="tx1"/>
-                </a:solidFill>
-                <a:latin typeface="+mn-lt"/>
-                <a:ea typeface="+mn-ea"/>
-                <a:cs typeface="+mn-cs"/>
-              </a:defRPr>
-            </a:lvl4pPr>
-            <a:lvl5pPr marL="1828800" algn="l" defTabSz="914400" rtl="0" eaLnBrk="1" latinLnBrk="0" hangingPunct="1">
-              <a:defRPr sz="1800" kern="1200">
-                <a:solidFill>
-                  <a:schemeClr val="tx1"/>
-                </a:solidFill>
-                <a:latin typeface="+mn-lt"/>
-                <a:ea typeface="+mn-ea"/>
-                <a:cs typeface="+mn-cs"/>
-              </a:defRPr>
-            </a:lvl5pPr>
-            <a:lvl6pPr marL="2286000" algn="l" defTabSz="914400" rtl="0" eaLnBrk="1" latinLnBrk="0" hangingPunct="1">
-              <a:defRPr sz="1800" kern="1200">
-                <a:solidFill>
-                  <a:schemeClr val="tx1"/>
-                </a:solidFill>
-                <a:latin typeface="+mn-lt"/>
-                <a:ea typeface="+mn-ea"/>
-                <a:cs typeface="+mn-cs"/>
-              </a:defRPr>
-            </a:lvl6pPr>
-            <a:lvl7pPr marL="2743200" algn="l" defTabSz="914400" rtl="0" eaLnBrk="1" latinLnBrk="0" hangingPunct="1">
-              <a:defRPr sz="1800" kern="1200">
-                <a:solidFill>
-                  <a:schemeClr val="tx1"/>
-                </a:solidFill>
-                <a:latin typeface="+mn-lt"/>
-                <a:ea typeface="+mn-ea"/>
-                <a:cs typeface="+mn-cs"/>
-              </a:defRPr>
-            </a:lvl7pPr>
-            <a:lvl8pPr marL="3200400" algn="l" defTabSz="914400" rtl="0" eaLnBrk="1" latinLnBrk="0" hangingPunct="1">
-              <a:defRPr sz="1800" kern="1200">
-                <a:solidFill>
-                  <a:schemeClr val="tx1"/>
-                </a:solidFill>
-                <a:latin typeface="+mn-lt"/>
-                <a:ea typeface="+mn-ea"/>
-                <a:cs typeface="+mn-cs"/>
-              </a:defRPr>
-            </a:lvl8pPr>
-            <a:lvl9pPr marL="3657600" algn="l" defTabSz="914400" rtl="0" eaLnBrk="1" latinLnBrk="0" hangingPunct="1">
-              <a:defRPr sz="1800" kern="1200">
-                <a:solidFill>
-                  <a:schemeClr val="tx1"/>
-                </a:solidFill>
-                <a:latin typeface="+mn-lt"/>
-                <a:ea typeface="+mn-ea"/>
-                <a:cs typeface="+mn-cs"/>
-              </a:defRPr>
-            </a:lvl9pPr>
-          </a:lstStyle>
-          <a:p>
-            <a:pPr marL="0" marR="0" indent="0" algn="l" defTabSz="584200" rtl="0" fontAlgn="auto" latinLnBrk="0" hangingPunct="0">
-              <a:lnSpc>
-                <a:spcPct val="100000"/>
-              </a:lnSpc>
-              <a:spcBef>
-                <a:spcPts val="200"/>
-              </a:spcBef>
-              <a:spcAft>
-                <a:spcPts val="0"/>
-              </a:spcAft>
-              <a:buClrTx/>
-              <a:buSzTx/>
-              <a:buFontTx/>
-              <a:buNone/>
-              <a:tabLst/>
-            </a:pPr>
-            <a:r>
-              <a:rPr kumimoji="0" lang="en-US" sz="1200" b="0" i="0" u="none" strike="noStrike" cap="none" spc="0" normalizeH="0" baseline="0">
-                <a:ln>
-                  <a:noFill/>
-                </a:ln>
-                <a:solidFill>
-                  <a:srgbClr val="4C4C4C"/>
-                </a:solidFill>
-                <a:effectLst/>
-                <a:uFillTx/>
-                <a:latin typeface="Source Sans Pro"/>
-                <a:ea typeface="Source Sans Pro"/>
-                <a:cs typeface="Source Sans Pro"/>
-                <a:sym typeface="Source Sans Pro"/>
-              </a:rPr>
-              <a:t>Project Name</a:t>
-            </a:r>
-          </a:p>
-        </p:txBody>
-      </p:sp>
-      <p:pic>
-        <p:nvPicPr>
-          <p:cNvPr id="411" name="Graphic 643" descr="Folder outline">
-            <a:extLst>
-              <a:ext uri="{FF2B5EF4-FFF2-40B4-BE49-F238E27FC236}">
-                <a16:creationId xmlns:a16="http://schemas.microsoft.com/office/drawing/2014/main" id="{8A30FAA5-E0B4-3BE1-4DC4-611A450AB4C8}"/>
-              </a:ext>
-            </a:extLst>
-          </p:cNvPr>
-          <p:cNvPicPr>
-            <a:picLocks noChangeAspect="1"/>
-          </p:cNvPicPr>
-          <p:nvPr/>
-        </p:nvPicPr>
-        <p:blipFill>
-          <a:blip r:embed="rId10">
-            <a:extLst>
-              <a:ext uri="{28A0092B-C50C-407E-A947-70E740481C1C}">
-                <a14:useLocalDpi xmlns:a14="http://schemas.microsoft.com/office/drawing/2010/main" val="0"/>
-              </a:ext>
-              <a:ext uri="{96DAC541-7B7A-43D3-8B79-37D633B846F1}">
-                <asvg:svgBlip xmlns:asvg="http://schemas.microsoft.com/office/drawing/2016/SVG/main" r:embed="rId11"/>
-              </a:ext>
-            </a:extLst>
-          </a:blip>
-          <a:stretch>
-            <a:fillRect/>
-          </a:stretch>
-        </p:blipFill>
-        <p:spPr>
-          <a:xfrm>
-            <a:off x="376164" y="9010640"/>
-            <a:ext cx="532524" cy="532524"/>
-          </a:xfrm>
-          <a:prstGeom prst="rect">
-            <a:avLst/>
-          </a:prstGeom>
-        </p:spPr>
-      </p:pic>
-      <p:sp>
-        <p:nvSpPr>
-          <p:cNvPr id="412" name="TextBox 608">
-            <a:extLst>
-              <a:ext uri="{FF2B5EF4-FFF2-40B4-BE49-F238E27FC236}">
-                <a16:creationId xmlns:a16="http://schemas.microsoft.com/office/drawing/2014/main" id="{60B06638-8D80-6368-289E-860B5E5B62E9}"/>
-              </a:ext>
-            </a:extLst>
-          </p:cNvPr>
-          <p:cNvSpPr txBox="1"/>
-          <p:nvPr/>
-        </p:nvSpPr>
-        <p:spPr>
-          <a:xfrm>
-            <a:off x="392789" y="9102321"/>
-            <a:ext cx="455073" cy="346168"/>
-          </a:xfrm>
-          <a:prstGeom prst="rect">
-            <a:avLst/>
-          </a:prstGeom>
-          <a:noFill/>
-          <a:ln w="12700" cap="flat">
-            <a:noFill/>
-            <a:miter lim="400000"/>
-          </a:ln>
-          <a:effectLst/>
-          <a:sp3d/>
-        </p:spPr>
-        <p:style>
-          <a:lnRef idx="0">
-            <a:scrgbClr r="0" g="0" b="0"/>
-          </a:lnRef>
-          <a:fillRef idx="0">
-            <a:scrgbClr r="0" g="0" b="0"/>
-          </a:fillRef>
-          <a:effectRef idx="0">
-            <a:scrgbClr r="0" g="0" b="0"/>
-          </a:effectRef>
-          <a:fontRef idx="none"/>
-        </p:style>
-        <p:txBody>
-          <a:bodyPr rot="0" spcFirstLastPara="1" vert="horz" wrap="square" lIns="54570" tIns="54570" rIns="54570" bIns="54570" numCol="1" spcCol="38100" rtlCol="0" anchor="ctr">
-            <a:spAutoFit/>
-          </a:bodyPr>
-          <a:lstStyle>
-            <a:defPPr>
-              <a:defRPr lang="en-US"/>
-            </a:defPPr>
-            <a:lvl1pPr marL="0" algn="l" defTabSz="914400" rtl="0" eaLnBrk="1" latinLnBrk="0" hangingPunct="1">
-              <a:defRPr sz="1800" kern="1200">
-                <a:solidFill>
-                  <a:schemeClr val="tx1"/>
-                </a:solidFill>
-                <a:latin typeface="+mn-lt"/>
-                <a:ea typeface="+mn-ea"/>
-                <a:cs typeface="+mn-cs"/>
-              </a:defRPr>
-            </a:lvl1pPr>
-            <a:lvl2pPr marL="457200" algn="l" defTabSz="914400" rtl="0" eaLnBrk="1" latinLnBrk="0" hangingPunct="1">
-              <a:defRPr sz="1800" kern="1200">
-                <a:solidFill>
-                  <a:schemeClr val="tx1"/>
-                </a:solidFill>
-                <a:latin typeface="+mn-lt"/>
-                <a:ea typeface="+mn-ea"/>
-                <a:cs typeface="+mn-cs"/>
-              </a:defRPr>
-            </a:lvl2pPr>
-            <a:lvl3pPr marL="914400" algn="l" defTabSz="914400" rtl="0" eaLnBrk="1" latinLnBrk="0" hangingPunct="1">
-              <a:defRPr sz="1800" kern="1200">
-                <a:solidFill>
-                  <a:schemeClr val="tx1"/>
-                </a:solidFill>
-                <a:latin typeface="+mn-lt"/>
-                <a:ea typeface="+mn-ea"/>
-                <a:cs typeface="+mn-cs"/>
-              </a:defRPr>
-            </a:lvl3pPr>
-            <a:lvl4pPr marL="1371600" algn="l" defTabSz="914400" rtl="0" eaLnBrk="1" latinLnBrk="0" hangingPunct="1">
-              <a:defRPr sz="1800" kern="1200">
-                <a:solidFill>
-                  <a:schemeClr val="tx1"/>
-                </a:solidFill>
-                <a:latin typeface="+mn-lt"/>
-                <a:ea typeface="+mn-ea"/>
-                <a:cs typeface="+mn-cs"/>
-              </a:defRPr>
-            </a:lvl4pPr>
-            <a:lvl5pPr marL="1828800" algn="l" defTabSz="914400" rtl="0" eaLnBrk="1" latinLnBrk="0" hangingPunct="1">
-              <a:defRPr sz="1800" kern="1200">
-                <a:solidFill>
-                  <a:schemeClr val="tx1"/>
-                </a:solidFill>
-                <a:latin typeface="+mn-lt"/>
-                <a:ea typeface="+mn-ea"/>
-                <a:cs typeface="+mn-cs"/>
-              </a:defRPr>
-            </a:lvl5pPr>
-            <a:lvl6pPr marL="2286000" algn="l" defTabSz="914400" rtl="0" eaLnBrk="1" latinLnBrk="0" hangingPunct="1">
-              <a:defRPr sz="1800" kern="1200">
-                <a:solidFill>
-                  <a:schemeClr val="tx1"/>
-                </a:solidFill>
-                <a:latin typeface="+mn-lt"/>
-                <a:ea typeface="+mn-ea"/>
-                <a:cs typeface="+mn-cs"/>
-              </a:defRPr>
-            </a:lvl6pPr>
-            <a:lvl7pPr marL="2743200" algn="l" defTabSz="914400" rtl="0" eaLnBrk="1" latinLnBrk="0" hangingPunct="1">
-              <a:defRPr sz="1800" kern="1200">
-                <a:solidFill>
-                  <a:schemeClr val="tx1"/>
-                </a:solidFill>
-                <a:latin typeface="+mn-lt"/>
-                <a:ea typeface="+mn-ea"/>
-                <a:cs typeface="+mn-cs"/>
-              </a:defRPr>
-            </a:lvl7pPr>
-            <a:lvl8pPr marL="3200400" algn="l" defTabSz="914400" rtl="0" eaLnBrk="1" latinLnBrk="0" hangingPunct="1">
-              <a:defRPr sz="1800" kern="1200">
-                <a:solidFill>
-                  <a:schemeClr val="tx1"/>
-                </a:solidFill>
-                <a:latin typeface="+mn-lt"/>
-                <a:ea typeface="+mn-ea"/>
-                <a:cs typeface="+mn-cs"/>
-              </a:defRPr>
-            </a:lvl8pPr>
-            <a:lvl9pPr marL="3657600" algn="l" defTabSz="914400" rtl="0" eaLnBrk="1" latinLnBrk="0" hangingPunct="1">
-              <a:defRPr sz="1800" kern="1200">
-                <a:solidFill>
-                  <a:schemeClr val="tx1"/>
-                </a:solidFill>
-                <a:latin typeface="+mn-lt"/>
-                <a:ea typeface="+mn-ea"/>
-                <a:cs typeface="+mn-cs"/>
-              </a:defRPr>
-            </a:lvl9pPr>
-          </a:lstStyle>
-          <a:p>
-            <a:pPr algn="ctr"/>
-            <a:r>
-              <a:rPr lang="en-US" sz="600" b="0"/>
-              <a:t>project</a:t>
-            </a:r>
-          </a:p>
-          <a:p>
-            <a:pPr marL="0" marR="0" indent="0" algn="ctr" defTabSz="584200">
-              <a:lnSpc>
-                <a:spcPct val="100000"/>
-              </a:lnSpc>
-              <a:spcBef>
-                <a:spcPts val="200"/>
-              </a:spcBef>
-              <a:spcAft>
-                <a:spcPts val="0"/>
-              </a:spcAft>
-              <a:buClrTx/>
-              <a:buSzTx/>
-              <a:buFontTx/>
-              <a:buNone/>
-              <a:tabLst/>
-            </a:pPr>
-            <a:r>
-              <a:rPr lang="en-US" sz="600" b="0"/>
-              <a:t>key</a:t>
-            </a:r>
-            <a:endParaRPr lang="en-US" sz="600" b="0" i="0" u="none" strike="noStrike" cap="none" spc="0" normalizeH="0" baseline="0">
-              <a:ln>
-                <a:noFill/>
-              </a:ln>
-              <a:solidFill>
-                <a:srgbClr val="4C4C4C"/>
-              </a:solidFill>
-              <a:effectLst/>
-              <a:uFillTx/>
-              <a:latin typeface="Source Sans Pro"/>
-              <a:ea typeface="Source Sans Pro"/>
-              <a:cs typeface="Source Sans Pro"/>
-            </a:endParaRPr>
-          </a:p>
-        </p:txBody>
-      </p:sp>
-      <p:cxnSp>
-        <p:nvCxnSpPr>
-          <p:cNvPr id="413" name="Straight Connector 412">
-            <a:extLst>
-              <a:ext uri="{FF2B5EF4-FFF2-40B4-BE49-F238E27FC236}">
-                <a16:creationId xmlns:a16="http://schemas.microsoft.com/office/drawing/2014/main" id="{87BC91BD-BAAA-D975-B4CB-BEE032F3C9E0}"/>
-              </a:ext>
-            </a:extLst>
-          </p:cNvPr>
-          <p:cNvCxnSpPr>
-            <a:cxnSpLocks/>
-          </p:cNvCxnSpPr>
-          <p:nvPr/>
-        </p:nvCxnSpPr>
-        <p:spPr>
-          <a:xfrm>
-            <a:off x="2506150" y="8353912"/>
-            <a:ext cx="0" cy="275807"/>
-          </a:xfrm>
-          <a:prstGeom prst="line">
-            <a:avLst/>
-          </a:prstGeom>
-          <a:noFill/>
-          <a:ln w="25400" cap="flat">
-            <a:solidFill>
-              <a:srgbClr val="000000"/>
-            </a:solidFill>
-            <a:prstDash val="solid"/>
-            <a:miter lim="400000"/>
-          </a:ln>
-          <a:effectLst/>
-          <a:sp3d/>
-        </p:spPr>
-        <p:style>
-          <a:lnRef idx="0">
-            <a:scrgbClr r="0" g="0" b="0"/>
-          </a:lnRef>
-          <a:fillRef idx="0">
-            <a:scrgbClr r="0" g="0" b="0"/>
-          </a:fillRef>
-          <a:effectRef idx="0">
-            <a:scrgbClr r="0" g="0" b="0"/>
-          </a:effectRef>
-          <a:fontRef idx="none"/>
-        </p:style>
-      </p:cxnSp>
-      <p:pic>
-        <p:nvPicPr>
-          <p:cNvPr id="414" name="Graphic 444" descr="Folder outline">
-            <a:extLst>
-              <a:ext uri="{FF2B5EF4-FFF2-40B4-BE49-F238E27FC236}">
-                <a16:creationId xmlns:a16="http://schemas.microsoft.com/office/drawing/2014/main" id="{C96A3A50-920A-2A8F-B933-772D84AEC286}"/>
-              </a:ext>
-            </a:extLst>
-          </p:cNvPr>
-          <p:cNvPicPr>
-            <a:picLocks noChangeAspect="1"/>
-          </p:cNvPicPr>
-          <p:nvPr/>
-        </p:nvPicPr>
-        <p:blipFill>
-          <a:blip r:embed="rId10">
-            <a:extLst>
-              <a:ext uri="{28A0092B-C50C-407E-A947-70E740481C1C}">
-                <a14:useLocalDpi xmlns:a14="http://schemas.microsoft.com/office/drawing/2010/main" val="0"/>
-              </a:ext>
-              <a:ext uri="{96DAC541-7B7A-43D3-8B79-37D633B846F1}">
-                <asvg:svgBlip xmlns:asvg="http://schemas.microsoft.com/office/drawing/2016/SVG/main" r:embed="rId11"/>
-              </a:ext>
-            </a:extLst>
-          </a:blip>
-          <a:stretch>
-            <a:fillRect/>
-          </a:stretch>
-        </p:blipFill>
-        <p:spPr>
-          <a:xfrm>
-            <a:off x="2163625" y="8424985"/>
-            <a:ext cx="674740" cy="674740"/>
-          </a:xfrm>
-          <a:prstGeom prst="rect">
-            <a:avLst/>
-          </a:prstGeom>
-        </p:spPr>
-      </p:pic>
-      <p:sp>
-        <p:nvSpPr>
-          <p:cNvPr id="415" name="TextBox 512">
-            <a:extLst>
-              <a:ext uri="{FF2B5EF4-FFF2-40B4-BE49-F238E27FC236}">
-                <a16:creationId xmlns:a16="http://schemas.microsoft.com/office/drawing/2014/main" id="{23F4B318-5078-11B0-B993-A5B1F3CA4ECF}"/>
-              </a:ext>
-            </a:extLst>
-          </p:cNvPr>
-          <p:cNvSpPr txBox="1"/>
-          <p:nvPr/>
-        </p:nvSpPr>
-        <p:spPr>
-          <a:xfrm>
-            <a:off x="2331522" y="8620261"/>
-            <a:ext cx="442138" cy="305131"/>
-          </a:xfrm>
-          <a:prstGeom prst="rect">
-            <a:avLst/>
-          </a:prstGeom>
-          <a:noFill/>
-          <a:ln w="12700" cap="flat">
-            <a:noFill/>
-            <a:miter lim="400000"/>
-          </a:ln>
-          <a:effectLst/>
-          <a:sp3d/>
-        </p:spPr>
-        <p:style>
-          <a:lnRef idx="0">
-            <a:scrgbClr r="0" g="0" b="0"/>
-          </a:lnRef>
-          <a:fillRef idx="0">
-            <a:scrgbClr r="0" g="0" b="0"/>
-          </a:fillRef>
-          <a:effectRef idx="0">
-            <a:scrgbClr r="0" g="0" b="0"/>
-          </a:effectRef>
-          <a:fontRef idx="none"/>
-        </p:style>
-        <p:txBody>
-          <a:bodyPr rot="0" spcFirstLastPara="1" vert="horz" wrap="square" lIns="54570" tIns="54570" rIns="54570" bIns="54570" numCol="1" spcCol="38100" rtlCol="0" anchor="ctr">
-            <a:spAutoFit/>
-          </a:bodyPr>
-          <a:lstStyle>
-            <a:defPPr>
-              <a:defRPr lang="en-US"/>
-            </a:defPPr>
-            <a:lvl1pPr marL="0" algn="l" defTabSz="914400" rtl="0" eaLnBrk="1" latinLnBrk="0" hangingPunct="1">
-              <a:defRPr sz="1800" kern="1200">
-                <a:solidFill>
-                  <a:schemeClr val="tx1"/>
-                </a:solidFill>
-                <a:latin typeface="+mn-lt"/>
-                <a:ea typeface="+mn-ea"/>
-                <a:cs typeface="+mn-cs"/>
-              </a:defRPr>
-            </a:lvl1pPr>
-            <a:lvl2pPr marL="457200" algn="l" defTabSz="914400" rtl="0" eaLnBrk="1" latinLnBrk="0" hangingPunct="1">
-              <a:defRPr sz="1800" kern="1200">
-                <a:solidFill>
-                  <a:schemeClr val="tx1"/>
-                </a:solidFill>
-                <a:latin typeface="+mn-lt"/>
-                <a:ea typeface="+mn-ea"/>
-                <a:cs typeface="+mn-cs"/>
-              </a:defRPr>
-            </a:lvl2pPr>
-            <a:lvl3pPr marL="914400" algn="l" defTabSz="914400" rtl="0" eaLnBrk="1" latinLnBrk="0" hangingPunct="1">
-              <a:defRPr sz="1800" kern="1200">
-                <a:solidFill>
-                  <a:schemeClr val="tx1"/>
-                </a:solidFill>
-                <a:latin typeface="+mn-lt"/>
-                <a:ea typeface="+mn-ea"/>
-                <a:cs typeface="+mn-cs"/>
-              </a:defRPr>
-            </a:lvl3pPr>
-            <a:lvl4pPr marL="1371600" algn="l" defTabSz="914400" rtl="0" eaLnBrk="1" latinLnBrk="0" hangingPunct="1">
-              <a:defRPr sz="1800" kern="1200">
-                <a:solidFill>
-                  <a:schemeClr val="tx1"/>
-                </a:solidFill>
-                <a:latin typeface="+mn-lt"/>
-                <a:ea typeface="+mn-ea"/>
-                <a:cs typeface="+mn-cs"/>
-              </a:defRPr>
-            </a:lvl4pPr>
-            <a:lvl5pPr marL="1828800" algn="l" defTabSz="914400" rtl="0" eaLnBrk="1" latinLnBrk="0" hangingPunct="1">
-              <a:defRPr sz="1800" kern="1200">
-                <a:solidFill>
-                  <a:schemeClr val="tx1"/>
-                </a:solidFill>
-                <a:latin typeface="+mn-lt"/>
-                <a:ea typeface="+mn-ea"/>
-                <a:cs typeface="+mn-cs"/>
-              </a:defRPr>
-            </a:lvl5pPr>
-            <a:lvl6pPr marL="2286000" algn="l" defTabSz="914400" rtl="0" eaLnBrk="1" latinLnBrk="0" hangingPunct="1">
-              <a:defRPr sz="1800" kern="1200">
-                <a:solidFill>
-                  <a:schemeClr val="tx1"/>
-                </a:solidFill>
-                <a:latin typeface="+mn-lt"/>
-                <a:ea typeface="+mn-ea"/>
-                <a:cs typeface="+mn-cs"/>
-              </a:defRPr>
-            </a:lvl6pPr>
-            <a:lvl7pPr marL="2743200" algn="l" defTabSz="914400" rtl="0" eaLnBrk="1" latinLnBrk="0" hangingPunct="1">
-              <a:defRPr sz="1800" kern="1200">
-                <a:solidFill>
-                  <a:schemeClr val="tx1"/>
-                </a:solidFill>
-                <a:latin typeface="+mn-lt"/>
-                <a:ea typeface="+mn-ea"/>
-                <a:cs typeface="+mn-cs"/>
-              </a:defRPr>
-            </a:lvl7pPr>
-            <a:lvl8pPr marL="3200400" algn="l" defTabSz="914400" rtl="0" eaLnBrk="1" latinLnBrk="0" hangingPunct="1">
-              <a:defRPr sz="1800" kern="1200">
-                <a:solidFill>
-                  <a:schemeClr val="tx1"/>
-                </a:solidFill>
-                <a:latin typeface="+mn-lt"/>
-                <a:ea typeface="+mn-ea"/>
-                <a:cs typeface="+mn-cs"/>
-              </a:defRPr>
-            </a:lvl8pPr>
-            <a:lvl9pPr marL="3657600" algn="l" defTabSz="914400" rtl="0" eaLnBrk="1" latinLnBrk="0" hangingPunct="1">
-              <a:defRPr sz="1800" kern="1200">
-                <a:solidFill>
-                  <a:schemeClr val="tx1"/>
-                </a:solidFill>
-                <a:latin typeface="+mn-lt"/>
-                <a:ea typeface="+mn-ea"/>
-                <a:cs typeface="+mn-cs"/>
-              </a:defRPr>
-            </a:lvl9pPr>
-          </a:lstStyle>
-          <a:p>
-            <a:pPr marL="0" marR="0" indent="0" algn="l" defTabSz="584200" rtl="0" fontAlgn="auto" latinLnBrk="0" hangingPunct="0">
-              <a:lnSpc>
-                <a:spcPct val="100000"/>
-              </a:lnSpc>
-              <a:spcBef>
-                <a:spcPts val="200"/>
-              </a:spcBef>
-              <a:spcAft>
-                <a:spcPts val="0"/>
-              </a:spcAft>
-              <a:buClrTx/>
-              <a:buSzTx/>
-              <a:buFontTx/>
-              <a:buNone/>
-              <a:tabLst/>
-            </a:pPr>
-            <a:r>
-              <a:rPr kumimoji="0" lang="en-US" sz="1100" b="0" i="0" u="none" strike="noStrike" cap="none" spc="0" normalizeH="0" baseline="0">
-                <a:ln>
-                  <a:noFill/>
-                </a:ln>
-                <a:solidFill>
-                  <a:srgbClr val="4C4C4C"/>
-                </a:solidFill>
-                <a:effectLst/>
-                <a:uFillTx/>
-                <a:latin typeface="Source Sans Pro"/>
-                <a:ea typeface="Source Sans Pro"/>
-                <a:cs typeface="Source Sans Pro"/>
-                <a:sym typeface="Source Sans Pro"/>
-              </a:rPr>
-              <a:t>Jira</a:t>
-            </a:r>
-          </a:p>
-        </p:txBody>
-      </p:sp>
-      <p:pic>
-        <p:nvPicPr>
-          <p:cNvPr id="416" name="Graphic 643" descr="Folder outline">
-            <a:extLst>
-              <a:ext uri="{FF2B5EF4-FFF2-40B4-BE49-F238E27FC236}">
-                <a16:creationId xmlns:a16="http://schemas.microsoft.com/office/drawing/2014/main" id="{2F34B164-920B-D3CB-DABD-0F3B8F17232F}"/>
-              </a:ext>
-            </a:extLst>
-          </p:cNvPr>
-          <p:cNvPicPr>
-            <a:picLocks noChangeAspect="1"/>
-          </p:cNvPicPr>
-          <p:nvPr/>
-        </p:nvPicPr>
-        <p:blipFill>
-          <a:blip r:embed="rId10">
-            <a:extLst>
-              <a:ext uri="{28A0092B-C50C-407E-A947-70E740481C1C}">
-                <a14:useLocalDpi xmlns:a14="http://schemas.microsoft.com/office/drawing/2010/main" val="0"/>
-              </a:ext>
-              <a:ext uri="{96DAC541-7B7A-43D3-8B79-37D633B846F1}">
-                <asvg:svgBlip xmlns:asvg="http://schemas.microsoft.com/office/drawing/2016/SVG/main" r:embed="rId11"/>
-              </a:ext>
-            </a:extLst>
-          </a:blip>
-          <a:stretch>
-            <a:fillRect/>
-          </a:stretch>
-        </p:blipFill>
-        <p:spPr>
-          <a:xfrm>
-            <a:off x="2227090" y="9022233"/>
-            <a:ext cx="532524" cy="532524"/>
-          </a:xfrm>
-          <a:prstGeom prst="rect">
-            <a:avLst/>
-          </a:prstGeom>
-        </p:spPr>
-      </p:pic>
-      <p:sp>
-        <p:nvSpPr>
-          <p:cNvPr id="417" name="TextBox 608">
-            <a:extLst>
-              <a:ext uri="{FF2B5EF4-FFF2-40B4-BE49-F238E27FC236}">
-                <a16:creationId xmlns:a16="http://schemas.microsoft.com/office/drawing/2014/main" id="{4153E5E4-D751-C101-09E8-6BFC76689671}"/>
-              </a:ext>
-            </a:extLst>
-          </p:cNvPr>
-          <p:cNvSpPr txBox="1"/>
-          <p:nvPr/>
-        </p:nvSpPr>
-        <p:spPr>
-          <a:xfrm>
-            <a:off x="2287224" y="9104143"/>
-            <a:ext cx="455073" cy="346168"/>
-          </a:xfrm>
-          <a:prstGeom prst="rect">
-            <a:avLst/>
-          </a:prstGeom>
-          <a:noFill/>
-          <a:ln w="12700" cap="flat">
-            <a:noFill/>
-            <a:miter lim="400000"/>
-          </a:ln>
-          <a:effectLst/>
-          <a:sp3d/>
-        </p:spPr>
-        <p:style>
-          <a:lnRef idx="0">
-            <a:scrgbClr r="0" g="0" b="0"/>
-          </a:lnRef>
-          <a:fillRef idx="0">
-            <a:scrgbClr r="0" g="0" b="0"/>
-          </a:fillRef>
-          <a:effectRef idx="0">
-            <a:scrgbClr r="0" g="0" b="0"/>
-          </a:effectRef>
-          <a:fontRef idx="none"/>
-        </p:style>
-        <p:txBody>
-          <a:bodyPr rot="0" spcFirstLastPara="1" vert="horz" wrap="square" lIns="54570" tIns="54570" rIns="54570" bIns="54570" numCol="1" spcCol="38100" rtlCol="0" anchor="ctr">
-            <a:spAutoFit/>
-          </a:bodyPr>
-          <a:lstStyle>
-            <a:defPPr>
-              <a:defRPr lang="en-US"/>
-            </a:defPPr>
-            <a:lvl1pPr marL="0" algn="l" defTabSz="914400" rtl="0" eaLnBrk="1" latinLnBrk="0" hangingPunct="1">
-              <a:defRPr sz="1800" kern="1200">
-                <a:solidFill>
-                  <a:schemeClr val="tx1"/>
-                </a:solidFill>
-                <a:latin typeface="+mn-lt"/>
-                <a:ea typeface="+mn-ea"/>
-                <a:cs typeface="+mn-cs"/>
-              </a:defRPr>
-            </a:lvl1pPr>
-            <a:lvl2pPr marL="457200" algn="l" defTabSz="914400" rtl="0" eaLnBrk="1" latinLnBrk="0" hangingPunct="1">
-              <a:defRPr sz="1800" kern="1200">
-                <a:solidFill>
-                  <a:schemeClr val="tx1"/>
-                </a:solidFill>
-                <a:latin typeface="+mn-lt"/>
-                <a:ea typeface="+mn-ea"/>
-                <a:cs typeface="+mn-cs"/>
-              </a:defRPr>
-            </a:lvl2pPr>
-            <a:lvl3pPr marL="914400" algn="l" defTabSz="914400" rtl="0" eaLnBrk="1" latinLnBrk="0" hangingPunct="1">
-              <a:defRPr sz="1800" kern="1200">
-                <a:solidFill>
-                  <a:schemeClr val="tx1"/>
-                </a:solidFill>
-                <a:latin typeface="+mn-lt"/>
-                <a:ea typeface="+mn-ea"/>
-                <a:cs typeface="+mn-cs"/>
-              </a:defRPr>
-            </a:lvl3pPr>
-            <a:lvl4pPr marL="1371600" algn="l" defTabSz="914400" rtl="0" eaLnBrk="1" latinLnBrk="0" hangingPunct="1">
-              <a:defRPr sz="1800" kern="1200">
-                <a:solidFill>
-                  <a:schemeClr val="tx1"/>
-                </a:solidFill>
-                <a:latin typeface="+mn-lt"/>
-                <a:ea typeface="+mn-ea"/>
-                <a:cs typeface="+mn-cs"/>
-              </a:defRPr>
-            </a:lvl4pPr>
-            <a:lvl5pPr marL="1828800" algn="l" defTabSz="914400" rtl="0" eaLnBrk="1" latinLnBrk="0" hangingPunct="1">
-              <a:defRPr sz="1800" kern="1200">
-                <a:solidFill>
-                  <a:schemeClr val="tx1"/>
-                </a:solidFill>
-                <a:latin typeface="+mn-lt"/>
-                <a:ea typeface="+mn-ea"/>
-                <a:cs typeface="+mn-cs"/>
-              </a:defRPr>
-            </a:lvl5pPr>
-            <a:lvl6pPr marL="2286000" algn="l" defTabSz="914400" rtl="0" eaLnBrk="1" latinLnBrk="0" hangingPunct="1">
-              <a:defRPr sz="1800" kern="1200">
-                <a:solidFill>
-                  <a:schemeClr val="tx1"/>
-                </a:solidFill>
-                <a:latin typeface="+mn-lt"/>
-                <a:ea typeface="+mn-ea"/>
-                <a:cs typeface="+mn-cs"/>
-              </a:defRPr>
-            </a:lvl6pPr>
-            <a:lvl7pPr marL="2743200" algn="l" defTabSz="914400" rtl="0" eaLnBrk="1" latinLnBrk="0" hangingPunct="1">
-              <a:defRPr sz="1800" kern="1200">
-                <a:solidFill>
-                  <a:schemeClr val="tx1"/>
-                </a:solidFill>
-                <a:latin typeface="+mn-lt"/>
-                <a:ea typeface="+mn-ea"/>
-                <a:cs typeface="+mn-cs"/>
-              </a:defRPr>
-            </a:lvl7pPr>
-            <a:lvl8pPr marL="3200400" algn="l" defTabSz="914400" rtl="0" eaLnBrk="1" latinLnBrk="0" hangingPunct="1">
-              <a:defRPr sz="1800" kern="1200">
-                <a:solidFill>
-                  <a:schemeClr val="tx1"/>
-                </a:solidFill>
-                <a:latin typeface="+mn-lt"/>
-                <a:ea typeface="+mn-ea"/>
-                <a:cs typeface="+mn-cs"/>
-              </a:defRPr>
-            </a:lvl8pPr>
-            <a:lvl9pPr marL="3657600" algn="l" defTabSz="914400" rtl="0" eaLnBrk="1" latinLnBrk="0" hangingPunct="1">
-              <a:defRPr sz="1800" kern="1200">
-                <a:solidFill>
-                  <a:schemeClr val="tx1"/>
-                </a:solidFill>
-                <a:latin typeface="+mn-lt"/>
-                <a:ea typeface="+mn-ea"/>
-                <a:cs typeface="+mn-cs"/>
-              </a:defRPr>
-            </a:lvl9pPr>
-          </a:lstStyle>
-          <a:p>
-            <a:pPr algn="ctr"/>
-            <a:r>
-              <a:rPr lang="en-US" sz="600" b="0"/>
-              <a:t>project</a:t>
-            </a:r>
-          </a:p>
-          <a:p>
-            <a:pPr marL="0" marR="0" indent="0" algn="ctr" defTabSz="584200">
-              <a:lnSpc>
-                <a:spcPct val="100000"/>
-              </a:lnSpc>
-              <a:spcBef>
-                <a:spcPts val="200"/>
-              </a:spcBef>
-              <a:spcAft>
-                <a:spcPts val="0"/>
-              </a:spcAft>
-              <a:buClrTx/>
-              <a:buSzTx/>
-              <a:buFontTx/>
-              <a:buNone/>
-              <a:tabLst/>
-            </a:pPr>
-            <a:r>
-              <a:rPr lang="en-US" sz="600" b="0"/>
-              <a:t>key</a:t>
-            </a:r>
-            <a:endParaRPr lang="en-US" sz="600" b="0" i="0" u="none" strike="noStrike" cap="none" spc="0" normalizeH="0" baseline="0">
-              <a:ln>
-                <a:noFill/>
-              </a:ln>
-              <a:solidFill>
-                <a:srgbClr val="4C4C4C"/>
-              </a:solidFill>
-              <a:effectLst/>
-              <a:uFillTx/>
-              <a:latin typeface="Source Sans Pro"/>
-              <a:ea typeface="Source Sans Pro"/>
-              <a:cs typeface="Source Sans Pro"/>
-            </a:endParaRPr>
-          </a:p>
-        </p:txBody>
-      </p:sp>
-      <p:pic>
-        <p:nvPicPr>
-          <p:cNvPr id="418" name="Graphic 643" descr="Folder outline">
-            <a:extLst>
-              <a:ext uri="{FF2B5EF4-FFF2-40B4-BE49-F238E27FC236}">
-                <a16:creationId xmlns:a16="http://schemas.microsoft.com/office/drawing/2014/main" id="{6425507E-9A3A-4FAF-BEE2-14C7D063CD67}"/>
-              </a:ext>
-            </a:extLst>
-          </p:cNvPr>
-          <p:cNvPicPr>
-            <a:picLocks noChangeAspect="1"/>
-          </p:cNvPicPr>
-          <p:nvPr/>
-        </p:nvPicPr>
-        <p:blipFill>
-          <a:blip r:embed="rId10">
-            <a:extLst>
-              <a:ext uri="{28A0092B-C50C-407E-A947-70E740481C1C}">
-                <a14:useLocalDpi xmlns:a14="http://schemas.microsoft.com/office/drawing/2010/main" val="0"/>
-              </a:ext>
-              <a:ext uri="{96DAC541-7B7A-43D3-8B79-37D633B846F1}">
-                <asvg:svgBlip xmlns:asvg="http://schemas.microsoft.com/office/drawing/2016/SVG/main" r:embed="rId11"/>
-              </a:ext>
-            </a:extLst>
-          </a:blip>
-          <a:stretch>
-            <a:fillRect/>
-          </a:stretch>
-        </p:blipFill>
-        <p:spPr>
-          <a:xfrm>
-            <a:off x="1333094" y="9019500"/>
-            <a:ext cx="532524" cy="532524"/>
-          </a:xfrm>
-          <a:prstGeom prst="rect">
-            <a:avLst/>
-          </a:prstGeom>
-        </p:spPr>
-      </p:pic>
-      <p:sp>
-        <p:nvSpPr>
-          <p:cNvPr id="419" name="TextBox 608">
-            <a:extLst>
-              <a:ext uri="{FF2B5EF4-FFF2-40B4-BE49-F238E27FC236}">
-                <a16:creationId xmlns:a16="http://schemas.microsoft.com/office/drawing/2014/main" id="{2D3CEC2D-2923-97ED-E62B-094A4292ADE5}"/>
-              </a:ext>
-            </a:extLst>
-          </p:cNvPr>
-          <p:cNvSpPr txBox="1"/>
-          <p:nvPr/>
-        </p:nvSpPr>
-        <p:spPr>
-          <a:xfrm>
-            <a:off x="1349719" y="9111181"/>
-            <a:ext cx="455073" cy="346168"/>
-          </a:xfrm>
-          <a:prstGeom prst="rect">
-            <a:avLst/>
-          </a:prstGeom>
-          <a:noFill/>
-          <a:ln w="12700" cap="flat">
-            <a:noFill/>
-            <a:miter lim="400000"/>
-          </a:ln>
-          <a:effectLst/>
-          <a:sp3d/>
-        </p:spPr>
-        <p:style>
-          <a:lnRef idx="0">
-            <a:scrgbClr r="0" g="0" b="0"/>
-          </a:lnRef>
-          <a:fillRef idx="0">
-            <a:scrgbClr r="0" g="0" b="0"/>
-          </a:fillRef>
-          <a:effectRef idx="0">
-            <a:scrgbClr r="0" g="0" b="0"/>
-          </a:effectRef>
-          <a:fontRef idx="none"/>
-        </p:style>
-        <p:txBody>
-          <a:bodyPr rot="0" spcFirstLastPara="1" vert="horz" wrap="square" lIns="54570" tIns="54570" rIns="54570" bIns="54570" numCol="1" spcCol="38100" rtlCol="0" anchor="ctr">
-            <a:spAutoFit/>
-          </a:bodyPr>
-          <a:lstStyle>
-            <a:defPPr>
-              <a:defRPr lang="en-US"/>
-            </a:defPPr>
-            <a:lvl1pPr marL="0" algn="l" defTabSz="914400" rtl="0" eaLnBrk="1" latinLnBrk="0" hangingPunct="1">
-              <a:defRPr sz="1800" kern="1200">
-                <a:solidFill>
-                  <a:schemeClr val="tx1"/>
-                </a:solidFill>
-                <a:latin typeface="+mn-lt"/>
-                <a:ea typeface="+mn-ea"/>
-                <a:cs typeface="+mn-cs"/>
-              </a:defRPr>
-            </a:lvl1pPr>
-            <a:lvl2pPr marL="457200" algn="l" defTabSz="914400" rtl="0" eaLnBrk="1" latinLnBrk="0" hangingPunct="1">
-              <a:defRPr sz="1800" kern="1200">
-                <a:solidFill>
-                  <a:schemeClr val="tx1"/>
-                </a:solidFill>
-                <a:latin typeface="+mn-lt"/>
-                <a:ea typeface="+mn-ea"/>
-                <a:cs typeface="+mn-cs"/>
-              </a:defRPr>
-            </a:lvl2pPr>
-            <a:lvl3pPr marL="914400" algn="l" defTabSz="914400" rtl="0" eaLnBrk="1" latinLnBrk="0" hangingPunct="1">
-              <a:defRPr sz="1800" kern="1200">
-                <a:solidFill>
-                  <a:schemeClr val="tx1"/>
-                </a:solidFill>
-                <a:latin typeface="+mn-lt"/>
-                <a:ea typeface="+mn-ea"/>
-                <a:cs typeface="+mn-cs"/>
-              </a:defRPr>
-            </a:lvl3pPr>
-            <a:lvl4pPr marL="1371600" algn="l" defTabSz="914400" rtl="0" eaLnBrk="1" latinLnBrk="0" hangingPunct="1">
-              <a:defRPr sz="1800" kern="1200">
-                <a:solidFill>
-                  <a:schemeClr val="tx1"/>
-                </a:solidFill>
-                <a:latin typeface="+mn-lt"/>
-                <a:ea typeface="+mn-ea"/>
-                <a:cs typeface="+mn-cs"/>
-              </a:defRPr>
-            </a:lvl4pPr>
-            <a:lvl5pPr marL="1828800" algn="l" defTabSz="914400" rtl="0" eaLnBrk="1" latinLnBrk="0" hangingPunct="1">
-              <a:defRPr sz="1800" kern="1200">
-                <a:solidFill>
-                  <a:schemeClr val="tx1"/>
-                </a:solidFill>
-                <a:latin typeface="+mn-lt"/>
-                <a:ea typeface="+mn-ea"/>
-                <a:cs typeface="+mn-cs"/>
-              </a:defRPr>
-            </a:lvl5pPr>
-            <a:lvl6pPr marL="2286000" algn="l" defTabSz="914400" rtl="0" eaLnBrk="1" latinLnBrk="0" hangingPunct="1">
-              <a:defRPr sz="1800" kern="1200">
-                <a:solidFill>
-                  <a:schemeClr val="tx1"/>
-                </a:solidFill>
-                <a:latin typeface="+mn-lt"/>
-                <a:ea typeface="+mn-ea"/>
-                <a:cs typeface="+mn-cs"/>
-              </a:defRPr>
-            </a:lvl6pPr>
-            <a:lvl7pPr marL="2743200" algn="l" defTabSz="914400" rtl="0" eaLnBrk="1" latinLnBrk="0" hangingPunct="1">
-              <a:defRPr sz="1800" kern="1200">
-                <a:solidFill>
-                  <a:schemeClr val="tx1"/>
-                </a:solidFill>
-                <a:latin typeface="+mn-lt"/>
-                <a:ea typeface="+mn-ea"/>
-                <a:cs typeface="+mn-cs"/>
-              </a:defRPr>
-            </a:lvl7pPr>
-            <a:lvl8pPr marL="3200400" algn="l" defTabSz="914400" rtl="0" eaLnBrk="1" latinLnBrk="0" hangingPunct="1">
-              <a:defRPr sz="1800" kern="1200">
-                <a:solidFill>
-                  <a:schemeClr val="tx1"/>
-                </a:solidFill>
-                <a:latin typeface="+mn-lt"/>
-                <a:ea typeface="+mn-ea"/>
-                <a:cs typeface="+mn-cs"/>
-              </a:defRPr>
-            </a:lvl8pPr>
-            <a:lvl9pPr marL="3657600" algn="l" defTabSz="914400" rtl="0" eaLnBrk="1" latinLnBrk="0" hangingPunct="1">
-              <a:defRPr sz="1800" kern="1200">
-                <a:solidFill>
-                  <a:schemeClr val="tx1"/>
-                </a:solidFill>
-                <a:latin typeface="+mn-lt"/>
-                <a:ea typeface="+mn-ea"/>
-                <a:cs typeface="+mn-cs"/>
-              </a:defRPr>
-            </a:lvl9pPr>
-          </a:lstStyle>
-          <a:p>
-            <a:pPr algn="ctr"/>
-            <a:r>
-              <a:rPr lang="en-US" sz="600" b="0"/>
-              <a:t>owner</a:t>
-            </a:r>
-          </a:p>
-          <a:p>
-            <a:pPr marL="0" marR="0" indent="0" algn="ctr" defTabSz="584200">
-              <a:lnSpc>
-                <a:spcPct val="100000"/>
-              </a:lnSpc>
-              <a:spcBef>
-                <a:spcPts val="200"/>
-              </a:spcBef>
-              <a:spcAft>
-                <a:spcPts val="0"/>
-              </a:spcAft>
-              <a:buClrTx/>
-              <a:buSzTx/>
-              <a:buFontTx/>
-              <a:buNone/>
-              <a:tabLst/>
-            </a:pPr>
-            <a:r>
-              <a:rPr lang="en-US" sz="600" b="0"/>
-              <a:t>repo</a:t>
-            </a:r>
-            <a:endParaRPr lang="en-US" sz="600" b="0" i="0" u="none" strike="noStrike" cap="none" spc="0" normalizeH="0" baseline="0">
-              <a:ln>
-                <a:noFill/>
-              </a:ln>
-              <a:solidFill>
-                <a:srgbClr val="4C4C4C"/>
-              </a:solidFill>
-              <a:effectLst/>
-              <a:uFillTx/>
-              <a:latin typeface="Source Sans Pro"/>
-              <a:ea typeface="Source Sans Pro"/>
-              <a:cs typeface="Source Sans Pro"/>
-            </a:endParaRPr>
-          </a:p>
-        </p:txBody>
-      </p:sp>
-      <p:cxnSp>
-        <p:nvCxnSpPr>
-          <p:cNvPr id="420" name="Straight Connector 419">
-            <a:extLst>
-              <a:ext uri="{FF2B5EF4-FFF2-40B4-BE49-F238E27FC236}">
-                <a16:creationId xmlns:a16="http://schemas.microsoft.com/office/drawing/2014/main" id="{0A2D383D-9D44-5725-71ED-5B0E89B81AEE}"/>
-              </a:ext>
-            </a:extLst>
-          </p:cNvPr>
-          <p:cNvCxnSpPr>
-            <a:cxnSpLocks/>
-          </p:cNvCxnSpPr>
-          <p:nvPr/>
-        </p:nvCxnSpPr>
-        <p:spPr>
-          <a:xfrm>
-            <a:off x="4377662" y="8958405"/>
-            <a:ext cx="0" cy="275807"/>
-          </a:xfrm>
-          <a:prstGeom prst="line">
-            <a:avLst/>
-          </a:prstGeom>
-          <a:noFill/>
-          <a:ln w="25400" cap="flat">
-            <a:solidFill>
-              <a:srgbClr val="000000"/>
-            </a:solidFill>
-            <a:prstDash val="solid"/>
-            <a:miter lim="400000"/>
-          </a:ln>
-          <a:effectLst/>
-          <a:sp3d/>
-        </p:spPr>
-        <p:style>
-          <a:lnRef idx="0">
-            <a:scrgbClr r="0" g="0" b="0"/>
-          </a:lnRef>
-          <a:fillRef idx="0">
-            <a:scrgbClr r="0" g="0" b="0"/>
-          </a:fillRef>
-          <a:effectRef idx="0">
-            <a:scrgbClr r="0" g="0" b="0"/>
-          </a:effectRef>
-          <a:fontRef idx="none"/>
-        </p:style>
-      </p:cxnSp>
-      <p:cxnSp>
-        <p:nvCxnSpPr>
-          <p:cNvPr id="421" name="Straight Connector 420">
-            <a:extLst>
-              <a:ext uri="{FF2B5EF4-FFF2-40B4-BE49-F238E27FC236}">
-                <a16:creationId xmlns:a16="http://schemas.microsoft.com/office/drawing/2014/main" id="{C30F60EE-712A-D563-368D-9549AC945D3A}"/>
-              </a:ext>
-            </a:extLst>
-          </p:cNvPr>
-          <p:cNvCxnSpPr>
-            <a:cxnSpLocks/>
-          </p:cNvCxnSpPr>
-          <p:nvPr/>
-        </p:nvCxnSpPr>
-        <p:spPr>
-          <a:xfrm>
-            <a:off x="4377628" y="9241825"/>
-            <a:ext cx="223639" cy="0"/>
-          </a:xfrm>
-          <a:prstGeom prst="line">
-            <a:avLst/>
-          </a:prstGeom>
-          <a:noFill/>
-          <a:ln w="25400" cap="flat">
-            <a:solidFill>
-              <a:srgbClr val="000000"/>
-            </a:solidFill>
-            <a:prstDash val="solid"/>
-            <a:miter lim="400000"/>
-          </a:ln>
-          <a:effectLst/>
-          <a:sp3d/>
-        </p:spPr>
-        <p:style>
-          <a:lnRef idx="0">
-            <a:scrgbClr r="0" g="0" b="0"/>
-          </a:lnRef>
-          <a:fillRef idx="0">
-            <a:scrgbClr r="0" g="0" b="0"/>
-          </a:fillRef>
-          <a:effectRef idx="0">
-            <a:scrgbClr r="0" g="0" b="0"/>
-          </a:effectRef>
-          <a:fontRef idx="none"/>
-        </p:style>
-      </p:cxnSp>
-      <p:cxnSp>
-        <p:nvCxnSpPr>
-          <p:cNvPr id="422" name="Straight Connector 421">
-            <a:extLst>
-              <a:ext uri="{FF2B5EF4-FFF2-40B4-BE49-F238E27FC236}">
-                <a16:creationId xmlns:a16="http://schemas.microsoft.com/office/drawing/2014/main" id="{A25D758C-595E-8B38-43C8-101B5D59ED04}"/>
-              </a:ext>
-            </a:extLst>
-          </p:cNvPr>
-          <p:cNvCxnSpPr>
-            <a:cxnSpLocks/>
-          </p:cNvCxnSpPr>
-          <p:nvPr/>
-        </p:nvCxnSpPr>
-        <p:spPr>
-          <a:xfrm>
-            <a:off x="4153989" y="9241825"/>
-            <a:ext cx="223639" cy="0"/>
-          </a:xfrm>
-          <a:prstGeom prst="line">
-            <a:avLst/>
-          </a:prstGeom>
-          <a:noFill/>
-          <a:ln w="25400" cap="flat">
-            <a:solidFill>
-              <a:srgbClr val="000000"/>
-            </a:solidFill>
-            <a:prstDash val="solid"/>
-            <a:miter lim="400000"/>
-          </a:ln>
-          <a:effectLst/>
-          <a:sp3d/>
-        </p:spPr>
-        <p:style>
-          <a:lnRef idx="0">
-            <a:scrgbClr r="0" g="0" b="0"/>
-          </a:lnRef>
-          <a:fillRef idx="0">
-            <a:scrgbClr r="0" g="0" b="0"/>
-          </a:fillRef>
-          <a:effectRef idx="0">
-            <a:scrgbClr r="0" g="0" b="0"/>
-          </a:effectRef>
-          <a:fontRef idx="none"/>
-        </p:style>
-      </p:cxnSp>
-      <p:cxnSp>
-        <p:nvCxnSpPr>
-          <p:cNvPr id="423" name="Straight Connector 422">
-            <a:extLst>
-              <a:ext uri="{FF2B5EF4-FFF2-40B4-BE49-F238E27FC236}">
-                <a16:creationId xmlns:a16="http://schemas.microsoft.com/office/drawing/2014/main" id="{B8FC9EA9-C3D6-5F26-C179-3FB1ABF77D7B}"/>
-              </a:ext>
-            </a:extLst>
-          </p:cNvPr>
-          <p:cNvCxnSpPr>
-            <a:cxnSpLocks/>
-          </p:cNvCxnSpPr>
-          <p:nvPr/>
-        </p:nvCxnSpPr>
-        <p:spPr>
-          <a:xfrm>
-            <a:off x="4154187" y="9231875"/>
-            <a:ext cx="0" cy="97023"/>
-          </a:xfrm>
-          <a:prstGeom prst="line">
-            <a:avLst/>
-          </a:prstGeom>
-          <a:noFill/>
-          <a:ln w="25400" cap="flat">
-            <a:solidFill>
-              <a:srgbClr val="000000"/>
-            </a:solidFill>
-            <a:prstDash val="solid"/>
-            <a:miter lim="400000"/>
-          </a:ln>
-          <a:effectLst/>
-          <a:sp3d/>
-        </p:spPr>
-        <p:style>
-          <a:lnRef idx="0">
-            <a:scrgbClr r="0" g="0" b="0"/>
-          </a:lnRef>
-          <a:fillRef idx="0">
-            <a:scrgbClr r="0" g="0" b="0"/>
-          </a:fillRef>
-          <a:effectRef idx="0">
-            <a:scrgbClr r="0" g="0" b="0"/>
-          </a:effectRef>
-          <a:fontRef idx="none"/>
-        </p:style>
-      </p:cxnSp>
-      <p:cxnSp>
-        <p:nvCxnSpPr>
-          <p:cNvPr id="424" name="Straight Connector 423">
-            <a:extLst>
-              <a:ext uri="{FF2B5EF4-FFF2-40B4-BE49-F238E27FC236}">
-                <a16:creationId xmlns:a16="http://schemas.microsoft.com/office/drawing/2014/main" id="{ECA29892-CE6C-14AB-DDA4-EAF4979BBDB2}"/>
-              </a:ext>
-            </a:extLst>
-          </p:cNvPr>
-          <p:cNvCxnSpPr>
-            <a:cxnSpLocks/>
-          </p:cNvCxnSpPr>
-          <p:nvPr/>
-        </p:nvCxnSpPr>
-        <p:spPr>
-          <a:xfrm>
-            <a:off x="4601267" y="9231874"/>
-            <a:ext cx="0" cy="97024"/>
-          </a:xfrm>
-          <a:prstGeom prst="line">
-            <a:avLst/>
-          </a:prstGeom>
-          <a:noFill/>
-          <a:ln w="25400" cap="flat">
-            <a:solidFill>
-              <a:srgbClr val="000000"/>
-            </a:solidFill>
-            <a:prstDash val="solid"/>
-            <a:miter lim="400000"/>
-          </a:ln>
-          <a:effectLst/>
-          <a:sp3d/>
-        </p:spPr>
-        <p:style>
-          <a:lnRef idx="0">
-            <a:scrgbClr r="0" g="0" b="0"/>
-          </a:lnRef>
-          <a:fillRef idx="0">
-            <a:scrgbClr r="0" g="0" b="0"/>
-          </a:fillRef>
-          <a:effectRef idx="0">
-            <a:scrgbClr r="0" g="0" b="0"/>
-          </a:effectRef>
-          <a:fontRef idx="none"/>
-        </p:style>
-      </p:cxnSp>
-      <p:pic>
-        <p:nvPicPr>
-          <p:cNvPr id="425" name="Graphic 675" descr="Folder outline">
-            <a:extLst>
-              <a:ext uri="{FF2B5EF4-FFF2-40B4-BE49-F238E27FC236}">
-                <a16:creationId xmlns:a16="http://schemas.microsoft.com/office/drawing/2014/main" id="{4D2BE6FE-3CC6-7B41-BEB8-32779CE89E61}"/>
-              </a:ext>
-            </a:extLst>
-          </p:cNvPr>
-          <p:cNvPicPr>
-            <a:picLocks noChangeAspect="1"/>
-          </p:cNvPicPr>
-          <p:nvPr/>
-        </p:nvPicPr>
-        <p:blipFill>
-          <a:blip r:embed="rId10">
-            <a:extLst>
-              <a:ext uri="{28A0092B-C50C-407E-A947-70E740481C1C}">
-                <a14:useLocalDpi xmlns:a14="http://schemas.microsoft.com/office/drawing/2010/main" val="0"/>
-              </a:ext>
-              <a:ext uri="{96DAC541-7B7A-43D3-8B79-37D633B846F1}">
-                <asvg:svgBlip xmlns:asvg="http://schemas.microsoft.com/office/drawing/2016/SVG/main" r:embed="rId11"/>
-              </a:ext>
-            </a:extLst>
-          </a:blip>
-          <a:stretch>
-            <a:fillRect/>
-          </a:stretch>
-        </p:blipFill>
-        <p:spPr>
-          <a:xfrm>
-            <a:off x="3879985" y="9168669"/>
-            <a:ext cx="532524" cy="532524"/>
-          </a:xfrm>
-          <a:prstGeom prst="rect">
-            <a:avLst/>
-          </a:prstGeom>
-        </p:spPr>
-      </p:pic>
-      <p:sp>
-        <p:nvSpPr>
-          <p:cNvPr id="426" name="TextBox 676">
-            <a:extLst>
-              <a:ext uri="{FF2B5EF4-FFF2-40B4-BE49-F238E27FC236}">
-                <a16:creationId xmlns:a16="http://schemas.microsoft.com/office/drawing/2014/main" id="{C93CDE61-C1F2-7BCE-FFD7-0775C528CB49}"/>
-              </a:ext>
-            </a:extLst>
-          </p:cNvPr>
-          <p:cNvSpPr txBox="1"/>
-          <p:nvPr/>
-        </p:nvSpPr>
-        <p:spPr>
-          <a:xfrm>
-            <a:off x="3908688" y="9262086"/>
-            <a:ext cx="481667" cy="346168"/>
-          </a:xfrm>
-          <a:prstGeom prst="rect">
-            <a:avLst/>
-          </a:prstGeom>
-          <a:noFill/>
-          <a:ln w="12700" cap="flat">
-            <a:noFill/>
-            <a:miter lim="400000"/>
-          </a:ln>
-          <a:effectLst/>
-          <a:sp3d/>
-        </p:spPr>
-        <p:style>
-          <a:lnRef idx="0">
-            <a:scrgbClr r="0" g="0" b="0"/>
-          </a:lnRef>
-          <a:fillRef idx="0">
-            <a:scrgbClr r="0" g="0" b="0"/>
-          </a:fillRef>
-          <a:effectRef idx="0">
-            <a:scrgbClr r="0" g="0" b="0"/>
-          </a:effectRef>
-          <a:fontRef idx="none"/>
-        </p:style>
-        <p:txBody>
-          <a:bodyPr rot="0" spcFirstLastPara="1" vert="horz" wrap="square" lIns="54570" tIns="54570" rIns="54570" bIns="54570" numCol="1" spcCol="38100" rtlCol="0" anchor="ctr">
-            <a:spAutoFit/>
-          </a:bodyPr>
-          <a:lstStyle>
-            <a:defPPr>
-              <a:defRPr lang="en-US"/>
-            </a:defPPr>
-            <a:lvl1pPr marL="0" algn="l" defTabSz="914400" rtl="0" eaLnBrk="1" latinLnBrk="0" hangingPunct="1">
-              <a:defRPr sz="1800" kern="1200">
-                <a:solidFill>
-                  <a:schemeClr val="tx1"/>
-                </a:solidFill>
-                <a:latin typeface="+mn-lt"/>
-                <a:ea typeface="+mn-ea"/>
-                <a:cs typeface="+mn-cs"/>
-              </a:defRPr>
-            </a:lvl1pPr>
-            <a:lvl2pPr marL="457200" algn="l" defTabSz="914400" rtl="0" eaLnBrk="1" latinLnBrk="0" hangingPunct="1">
-              <a:defRPr sz="1800" kern="1200">
-                <a:solidFill>
-                  <a:schemeClr val="tx1"/>
-                </a:solidFill>
-                <a:latin typeface="+mn-lt"/>
-                <a:ea typeface="+mn-ea"/>
-                <a:cs typeface="+mn-cs"/>
-              </a:defRPr>
-            </a:lvl2pPr>
-            <a:lvl3pPr marL="914400" algn="l" defTabSz="914400" rtl="0" eaLnBrk="1" latinLnBrk="0" hangingPunct="1">
-              <a:defRPr sz="1800" kern="1200">
-                <a:solidFill>
-                  <a:schemeClr val="tx1"/>
-                </a:solidFill>
-                <a:latin typeface="+mn-lt"/>
-                <a:ea typeface="+mn-ea"/>
-                <a:cs typeface="+mn-cs"/>
-              </a:defRPr>
-            </a:lvl3pPr>
-            <a:lvl4pPr marL="1371600" algn="l" defTabSz="914400" rtl="0" eaLnBrk="1" latinLnBrk="0" hangingPunct="1">
-              <a:defRPr sz="1800" kern="1200">
-                <a:solidFill>
-                  <a:schemeClr val="tx1"/>
-                </a:solidFill>
-                <a:latin typeface="+mn-lt"/>
-                <a:ea typeface="+mn-ea"/>
-                <a:cs typeface="+mn-cs"/>
-              </a:defRPr>
-            </a:lvl4pPr>
-            <a:lvl5pPr marL="1828800" algn="l" defTabSz="914400" rtl="0" eaLnBrk="1" latinLnBrk="0" hangingPunct="1">
-              <a:defRPr sz="1800" kern="1200">
-                <a:solidFill>
-                  <a:schemeClr val="tx1"/>
-                </a:solidFill>
-                <a:latin typeface="+mn-lt"/>
-                <a:ea typeface="+mn-ea"/>
-                <a:cs typeface="+mn-cs"/>
-              </a:defRPr>
-            </a:lvl5pPr>
-            <a:lvl6pPr marL="2286000" algn="l" defTabSz="914400" rtl="0" eaLnBrk="1" latinLnBrk="0" hangingPunct="1">
-              <a:defRPr sz="1800" kern="1200">
-                <a:solidFill>
-                  <a:schemeClr val="tx1"/>
-                </a:solidFill>
-                <a:latin typeface="+mn-lt"/>
-                <a:ea typeface="+mn-ea"/>
-                <a:cs typeface="+mn-cs"/>
-              </a:defRPr>
-            </a:lvl6pPr>
-            <a:lvl7pPr marL="2743200" algn="l" defTabSz="914400" rtl="0" eaLnBrk="1" latinLnBrk="0" hangingPunct="1">
-              <a:defRPr sz="1800" kern="1200">
-                <a:solidFill>
-                  <a:schemeClr val="tx1"/>
-                </a:solidFill>
-                <a:latin typeface="+mn-lt"/>
-                <a:ea typeface="+mn-ea"/>
-                <a:cs typeface="+mn-cs"/>
-              </a:defRPr>
-            </a:lvl7pPr>
-            <a:lvl8pPr marL="3200400" algn="l" defTabSz="914400" rtl="0" eaLnBrk="1" latinLnBrk="0" hangingPunct="1">
-              <a:defRPr sz="1800" kern="1200">
-                <a:solidFill>
-                  <a:schemeClr val="tx1"/>
-                </a:solidFill>
-                <a:latin typeface="+mn-lt"/>
-                <a:ea typeface="+mn-ea"/>
-                <a:cs typeface="+mn-cs"/>
-              </a:defRPr>
-            </a:lvl8pPr>
-            <a:lvl9pPr marL="3657600" algn="l" defTabSz="914400" rtl="0" eaLnBrk="1" latinLnBrk="0" hangingPunct="1">
-              <a:defRPr sz="1800" kern="1200">
-                <a:solidFill>
-                  <a:schemeClr val="tx1"/>
-                </a:solidFill>
-                <a:latin typeface="+mn-lt"/>
-                <a:ea typeface="+mn-ea"/>
-                <a:cs typeface="+mn-cs"/>
-              </a:defRPr>
-            </a:lvl9pPr>
-          </a:lstStyle>
-          <a:p>
-            <a:pPr marL="0" marR="0" indent="0" algn="ctr" defTabSz="584200" rtl="0" fontAlgn="auto" latinLnBrk="0" hangingPunct="0">
-              <a:lnSpc>
-                <a:spcPct val="100000"/>
-              </a:lnSpc>
-              <a:spcBef>
-                <a:spcPts val="200"/>
-              </a:spcBef>
-              <a:spcAft>
-                <a:spcPts val="0"/>
-              </a:spcAft>
-              <a:buClrTx/>
-              <a:buSzTx/>
-              <a:buFontTx/>
-              <a:buNone/>
-              <a:tabLst/>
-            </a:pPr>
-            <a:r>
-              <a:rPr lang="en-US" sz="600" b="0" err="1"/>
-              <a:t>save_mbox</a:t>
-            </a:r>
-            <a:endParaRPr lang="en-US"/>
-          </a:p>
-          <a:p>
-            <a:pPr algn="ctr"/>
-            <a:r>
-              <a:rPr lang="en-US" sz="600" b="0"/>
-              <a:t>_mail</a:t>
-            </a:r>
-          </a:p>
-        </p:txBody>
-      </p:sp>
-      <p:pic>
-        <p:nvPicPr>
-          <p:cNvPr id="427" name="Graphic 677" descr="Folder outline">
-            <a:extLst>
-              <a:ext uri="{FF2B5EF4-FFF2-40B4-BE49-F238E27FC236}">
-                <a16:creationId xmlns:a16="http://schemas.microsoft.com/office/drawing/2014/main" id="{B0E154B3-AFFF-0771-5B2D-EF5D5D8BF33C}"/>
-              </a:ext>
-            </a:extLst>
-          </p:cNvPr>
-          <p:cNvPicPr>
-            <a:picLocks noChangeAspect="1"/>
-          </p:cNvPicPr>
-          <p:nvPr/>
-        </p:nvPicPr>
-        <p:blipFill>
-          <a:blip r:embed="rId10">
-            <a:extLst>
-              <a:ext uri="{28A0092B-C50C-407E-A947-70E740481C1C}">
-                <a14:useLocalDpi xmlns:a14="http://schemas.microsoft.com/office/drawing/2010/main" val="0"/>
-              </a:ext>
-              <a:ext uri="{96DAC541-7B7A-43D3-8B79-37D633B846F1}">
-                <asvg:svgBlip xmlns:asvg="http://schemas.microsoft.com/office/drawing/2016/SVG/main" r:embed="rId11"/>
-              </a:ext>
-            </a:extLst>
-          </a:blip>
-          <a:stretch>
-            <a:fillRect/>
-          </a:stretch>
-        </p:blipFill>
-        <p:spPr>
-          <a:xfrm>
-            <a:off x="4309770" y="9171248"/>
-            <a:ext cx="532524" cy="532524"/>
-          </a:xfrm>
-          <a:prstGeom prst="rect">
-            <a:avLst/>
-          </a:prstGeom>
-        </p:spPr>
-      </p:pic>
-      <p:sp>
-        <p:nvSpPr>
-          <p:cNvPr id="428" name="TextBox 678">
-            <a:extLst>
-              <a:ext uri="{FF2B5EF4-FFF2-40B4-BE49-F238E27FC236}">
-                <a16:creationId xmlns:a16="http://schemas.microsoft.com/office/drawing/2014/main" id="{68E4FF94-0109-E353-BF30-18086371A3F4}"/>
-              </a:ext>
-            </a:extLst>
-          </p:cNvPr>
-          <p:cNvSpPr txBox="1"/>
-          <p:nvPr/>
-        </p:nvSpPr>
-        <p:spPr>
-          <a:xfrm>
-            <a:off x="4334976" y="9283047"/>
-            <a:ext cx="486084" cy="346168"/>
-          </a:xfrm>
-          <a:prstGeom prst="rect">
-            <a:avLst/>
-          </a:prstGeom>
-          <a:noFill/>
-          <a:ln w="12700" cap="flat">
-            <a:noFill/>
-            <a:miter lim="400000"/>
-          </a:ln>
-          <a:effectLst/>
-          <a:sp3d/>
-        </p:spPr>
-        <p:style>
-          <a:lnRef idx="0">
-            <a:scrgbClr r="0" g="0" b="0"/>
-          </a:lnRef>
-          <a:fillRef idx="0">
-            <a:scrgbClr r="0" g="0" b="0"/>
-          </a:fillRef>
-          <a:effectRef idx="0">
-            <a:scrgbClr r="0" g="0" b="0"/>
-          </a:effectRef>
-          <a:fontRef idx="none"/>
-        </p:style>
-        <p:txBody>
-          <a:bodyPr rot="0" spcFirstLastPara="1" vert="horz" wrap="square" lIns="54570" tIns="54570" rIns="54570" bIns="54570" numCol="1" spcCol="38100" rtlCol="0" anchor="ctr">
-            <a:spAutoFit/>
-          </a:bodyPr>
-          <a:lstStyle>
-            <a:defPPr>
-              <a:defRPr lang="en-US"/>
-            </a:defPPr>
-            <a:lvl1pPr marL="0" algn="l" defTabSz="914400" rtl="0" eaLnBrk="1" latinLnBrk="0" hangingPunct="1">
-              <a:defRPr sz="1800" kern="1200">
-                <a:solidFill>
-                  <a:schemeClr val="tx1"/>
-                </a:solidFill>
-                <a:latin typeface="+mn-lt"/>
-                <a:ea typeface="+mn-ea"/>
-                <a:cs typeface="+mn-cs"/>
-              </a:defRPr>
-            </a:lvl1pPr>
-            <a:lvl2pPr marL="457200" algn="l" defTabSz="914400" rtl="0" eaLnBrk="1" latinLnBrk="0" hangingPunct="1">
-              <a:defRPr sz="1800" kern="1200">
-                <a:solidFill>
-                  <a:schemeClr val="tx1"/>
-                </a:solidFill>
-                <a:latin typeface="+mn-lt"/>
-                <a:ea typeface="+mn-ea"/>
-                <a:cs typeface="+mn-cs"/>
-              </a:defRPr>
-            </a:lvl2pPr>
-            <a:lvl3pPr marL="914400" algn="l" defTabSz="914400" rtl="0" eaLnBrk="1" latinLnBrk="0" hangingPunct="1">
-              <a:defRPr sz="1800" kern="1200">
-                <a:solidFill>
-                  <a:schemeClr val="tx1"/>
-                </a:solidFill>
-                <a:latin typeface="+mn-lt"/>
-                <a:ea typeface="+mn-ea"/>
-                <a:cs typeface="+mn-cs"/>
-              </a:defRPr>
-            </a:lvl3pPr>
-            <a:lvl4pPr marL="1371600" algn="l" defTabSz="914400" rtl="0" eaLnBrk="1" latinLnBrk="0" hangingPunct="1">
-              <a:defRPr sz="1800" kern="1200">
-                <a:solidFill>
-                  <a:schemeClr val="tx1"/>
-                </a:solidFill>
-                <a:latin typeface="+mn-lt"/>
-                <a:ea typeface="+mn-ea"/>
-                <a:cs typeface="+mn-cs"/>
-              </a:defRPr>
-            </a:lvl4pPr>
-            <a:lvl5pPr marL="1828800" algn="l" defTabSz="914400" rtl="0" eaLnBrk="1" latinLnBrk="0" hangingPunct="1">
-              <a:defRPr sz="1800" kern="1200">
-                <a:solidFill>
-                  <a:schemeClr val="tx1"/>
-                </a:solidFill>
-                <a:latin typeface="+mn-lt"/>
-                <a:ea typeface="+mn-ea"/>
-                <a:cs typeface="+mn-cs"/>
-              </a:defRPr>
-            </a:lvl5pPr>
-            <a:lvl6pPr marL="2286000" algn="l" defTabSz="914400" rtl="0" eaLnBrk="1" latinLnBrk="0" hangingPunct="1">
-              <a:defRPr sz="1800" kern="1200">
-                <a:solidFill>
-                  <a:schemeClr val="tx1"/>
-                </a:solidFill>
-                <a:latin typeface="+mn-lt"/>
-                <a:ea typeface="+mn-ea"/>
-                <a:cs typeface="+mn-cs"/>
-              </a:defRPr>
-            </a:lvl6pPr>
-            <a:lvl7pPr marL="2743200" algn="l" defTabSz="914400" rtl="0" eaLnBrk="1" latinLnBrk="0" hangingPunct="1">
-              <a:defRPr sz="1800" kern="1200">
-                <a:solidFill>
-                  <a:schemeClr val="tx1"/>
-                </a:solidFill>
-                <a:latin typeface="+mn-lt"/>
-                <a:ea typeface="+mn-ea"/>
-                <a:cs typeface="+mn-cs"/>
-              </a:defRPr>
-            </a:lvl7pPr>
-            <a:lvl8pPr marL="3200400" algn="l" defTabSz="914400" rtl="0" eaLnBrk="1" latinLnBrk="0" hangingPunct="1">
-              <a:defRPr sz="1800" kern="1200">
-                <a:solidFill>
-                  <a:schemeClr val="tx1"/>
-                </a:solidFill>
-                <a:latin typeface="+mn-lt"/>
-                <a:ea typeface="+mn-ea"/>
-                <a:cs typeface="+mn-cs"/>
-              </a:defRPr>
-            </a:lvl8pPr>
-            <a:lvl9pPr marL="3657600" algn="l" defTabSz="914400" rtl="0" eaLnBrk="1" latinLnBrk="0" hangingPunct="1">
-              <a:defRPr sz="1800" kern="1200">
-                <a:solidFill>
-                  <a:schemeClr val="tx1"/>
-                </a:solidFill>
-                <a:latin typeface="+mn-lt"/>
-                <a:ea typeface="+mn-ea"/>
-                <a:cs typeface="+mn-cs"/>
-              </a:defRPr>
-            </a:lvl9pPr>
-          </a:lstStyle>
-          <a:p>
-            <a:pPr algn="ctr"/>
-            <a:r>
-              <a:rPr lang="en-US" sz="600" b="0" err="1"/>
-              <a:t>save_mbox</a:t>
-            </a:r>
-          </a:p>
-          <a:p>
-            <a:pPr algn="ctr"/>
-            <a:r>
-              <a:rPr lang="en-US" sz="600" b="0"/>
-              <a:t>_mail_2</a:t>
-            </a:r>
-            <a:endParaRPr lang="en-US" sz="600" b="0" i="0" u="none" strike="noStrike" cap="none" spc="0" normalizeH="0" baseline="0">
-              <a:ln>
-                <a:noFill/>
-              </a:ln>
-              <a:solidFill>
-                <a:srgbClr val="4C4C4C"/>
-              </a:solidFill>
-              <a:effectLst/>
-              <a:uFillTx/>
-              <a:latin typeface="Source Sans Pro"/>
-              <a:ea typeface="Source Sans Pro"/>
-              <a:cs typeface="Source Sans Pro"/>
-            </a:endParaRPr>
-          </a:p>
-        </p:txBody>
-      </p:sp>
-      <p:cxnSp>
-        <p:nvCxnSpPr>
-          <p:cNvPr id="429" name="Straight Connector 428">
-            <a:extLst>
-              <a:ext uri="{FF2B5EF4-FFF2-40B4-BE49-F238E27FC236}">
-                <a16:creationId xmlns:a16="http://schemas.microsoft.com/office/drawing/2014/main" id="{C480155D-BAC3-8555-4931-03A18B9D9B65}"/>
-              </a:ext>
-            </a:extLst>
-          </p:cNvPr>
-          <p:cNvCxnSpPr>
-            <a:cxnSpLocks/>
-          </p:cNvCxnSpPr>
-          <p:nvPr/>
-        </p:nvCxnSpPr>
-        <p:spPr>
-          <a:xfrm>
-            <a:off x="1595476" y="8936254"/>
-            <a:ext cx="0" cy="222644"/>
-          </a:xfrm>
-          <a:prstGeom prst="line">
-            <a:avLst/>
-          </a:prstGeom>
-          <a:noFill/>
-          <a:ln w="25400" cap="flat">
-            <a:solidFill>
-              <a:srgbClr val="000000"/>
-            </a:solidFill>
-            <a:prstDash val="solid"/>
-            <a:miter lim="400000"/>
-          </a:ln>
-          <a:effectLst/>
-          <a:sp3d/>
-        </p:spPr>
-        <p:style>
-          <a:lnRef idx="0">
-            <a:scrgbClr r="0" g="0" b="0"/>
-          </a:lnRef>
-          <a:fillRef idx="0">
-            <a:scrgbClr r="0" g="0" b="0"/>
-          </a:fillRef>
-          <a:effectRef idx="0">
-            <a:scrgbClr r="0" g="0" b="0"/>
-          </a:effectRef>
-          <a:fontRef idx="none"/>
-        </p:style>
-      </p:cxnSp>
-      <p:cxnSp>
-        <p:nvCxnSpPr>
-          <p:cNvPr id="430" name="Straight Connector 429">
-            <a:extLst>
-              <a:ext uri="{FF2B5EF4-FFF2-40B4-BE49-F238E27FC236}">
-                <a16:creationId xmlns:a16="http://schemas.microsoft.com/office/drawing/2014/main" id="{ABBF3018-11BE-3CFD-7527-C6D607116E44}"/>
-              </a:ext>
-            </a:extLst>
-          </p:cNvPr>
-          <p:cNvCxnSpPr>
-            <a:cxnSpLocks/>
-          </p:cNvCxnSpPr>
-          <p:nvPr/>
-        </p:nvCxnSpPr>
-        <p:spPr>
-          <a:xfrm>
-            <a:off x="2494813" y="8967265"/>
-            <a:ext cx="0" cy="178343"/>
-          </a:xfrm>
-          <a:prstGeom prst="line">
-            <a:avLst/>
-          </a:prstGeom>
-          <a:noFill/>
-          <a:ln w="25400" cap="flat">
-            <a:solidFill>
-              <a:srgbClr val="000000"/>
-            </a:solidFill>
-            <a:prstDash val="solid"/>
-            <a:miter lim="400000"/>
-          </a:ln>
-          <a:effectLst/>
-          <a:sp3d/>
-        </p:spPr>
-        <p:style>
-          <a:lnRef idx="0">
-            <a:scrgbClr r="0" g="0" b="0"/>
-          </a:lnRef>
-          <a:fillRef idx="0">
-            <a:scrgbClr r="0" g="0" b="0"/>
-          </a:fillRef>
-          <a:effectRef idx="0">
-            <a:scrgbClr r="0" g="0" b="0"/>
-          </a:effectRef>
-          <a:fontRef idx="none"/>
-        </p:style>
-      </p:cxnSp>
-      <p:cxnSp>
-        <p:nvCxnSpPr>
-          <p:cNvPr id="431" name="Straight Connector 430">
-            <a:extLst>
-              <a:ext uri="{FF2B5EF4-FFF2-40B4-BE49-F238E27FC236}">
-                <a16:creationId xmlns:a16="http://schemas.microsoft.com/office/drawing/2014/main" id="{EB5BCB63-25D2-4CF2-9006-33CDC382AD96}"/>
-              </a:ext>
-            </a:extLst>
-          </p:cNvPr>
-          <p:cNvCxnSpPr>
-            <a:cxnSpLocks/>
-          </p:cNvCxnSpPr>
-          <p:nvPr/>
-        </p:nvCxnSpPr>
-        <p:spPr>
-          <a:xfrm>
-            <a:off x="638546" y="8940684"/>
-            <a:ext cx="0" cy="218214"/>
-          </a:xfrm>
-          <a:prstGeom prst="line">
-            <a:avLst/>
-          </a:prstGeom>
-          <a:noFill/>
-          <a:ln w="25400" cap="flat">
-            <a:solidFill>
-              <a:srgbClr val="000000"/>
-            </a:solidFill>
-            <a:prstDash val="solid"/>
-            <a:miter lim="400000"/>
-          </a:ln>
-          <a:effectLst/>
-          <a:sp3d/>
-        </p:spPr>
-        <p:style>
-          <a:lnRef idx="0">
-            <a:scrgbClr r="0" g="0" b="0"/>
-          </a:lnRef>
-          <a:fillRef idx="0">
-            <a:scrgbClr r="0" g="0" b="0"/>
-          </a:fillRef>
-          <a:effectRef idx="0">
-            <a:scrgbClr r="0" g="0" b="0"/>
-          </a:effectRef>
-          <a:fontRef idx="none"/>
-        </p:style>
-      </p:cxnSp>
-      <p:sp>
-        <p:nvSpPr>
-          <p:cNvPr id="433" name="TextBox 105">
-            <a:extLst>
-              <a:ext uri="{FF2B5EF4-FFF2-40B4-BE49-F238E27FC236}">
-                <a16:creationId xmlns:a16="http://schemas.microsoft.com/office/drawing/2014/main" id="{CFDE2569-4F94-3BD7-059F-465734F6DB95}"/>
-              </a:ext>
-            </a:extLst>
-          </p:cNvPr>
-          <p:cNvSpPr txBox="1"/>
-          <p:nvPr/>
-        </p:nvSpPr>
-        <p:spPr>
-          <a:xfrm>
-            <a:off x="108491" y="8119965"/>
-            <a:ext cx="866079" cy="230832"/>
-          </a:xfrm>
-          <a:prstGeom prst="rect">
-            <a:avLst/>
-          </a:prstGeom>
-          <a:noFill/>
-        </p:spPr>
-        <p:txBody>
-          <a:bodyPr rot="0" spcFirstLastPara="0" vert="horz" wrap="square" lIns="91440" tIns="45720" rIns="91440" bIns="45720" numCol="1" spcCol="0" rtlCol="0" fromWordArt="0" anchor="t" anchorCtr="0" forceAA="0" compatLnSpc="1">
-            <a:prstTxWarp prst="textNoShape">
-              <a:avLst/>
-            </a:prstTxWarp>
-            <a:spAutoFit/>
-          </a:bodyPr>
-          <a:lstStyle>
-            <a:defPPr>
-              <a:defRPr lang="en-US"/>
-            </a:defPPr>
-            <a:lvl1pPr marL="0" algn="l" defTabSz="914400" rtl="0" eaLnBrk="1" latinLnBrk="0" hangingPunct="1">
-              <a:defRPr sz="1800" kern="1200">
-                <a:solidFill>
-                  <a:schemeClr val="tx1"/>
-                </a:solidFill>
-                <a:latin typeface="+mn-lt"/>
-                <a:ea typeface="+mn-ea"/>
-                <a:cs typeface="+mn-cs"/>
-              </a:defRPr>
-            </a:lvl1pPr>
-            <a:lvl2pPr marL="457200" algn="l" defTabSz="914400" rtl="0" eaLnBrk="1" latinLnBrk="0" hangingPunct="1">
-              <a:defRPr sz="1800" kern="1200">
-                <a:solidFill>
-                  <a:schemeClr val="tx1"/>
-                </a:solidFill>
-                <a:latin typeface="+mn-lt"/>
-                <a:ea typeface="+mn-ea"/>
-                <a:cs typeface="+mn-cs"/>
-              </a:defRPr>
-            </a:lvl2pPr>
-            <a:lvl3pPr marL="914400" algn="l" defTabSz="914400" rtl="0" eaLnBrk="1" latinLnBrk="0" hangingPunct="1">
-              <a:defRPr sz="1800" kern="1200">
-                <a:solidFill>
-                  <a:schemeClr val="tx1"/>
-                </a:solidFill>
-                <a:latin typeface="+mn-lt"/>
-                <a:ea typeface="+mn-ea"/>
-                <a:cs typeface="+mn-cs"/>
-              </a:defRPr>
-            </a:lvl3pPr>
-            <a:lvl4pPr marL="1371600" algn="l" defTabSz="914400" rtl="0" eaLnBrk="1" latinLnBrk="0" hangingPunct="1">
-              <a:defRPr sz="1800" kern="1200">
-                <a:solidFill>
-                  <a:schemeClr val="tx1"/>
-                </a:solidFill>
-                <a:latin typeface="+mn-lt"/>
-                <a:ea typeface="+mn-ea"/>
-                <a:cs typeface="+mn-cs"/>
-              </a:defRPr>
-            </a:lvl4pPr>
-            <a:lvl5pPr marL="1828800" algn="l" defTabSz="914400" rtl="0" eaLnBrk="1" latinLnBrk="0" hangingPunct="1">
-              <a:defRPr sz="1800" kern="1200">
-                <a:solidFill>
-                  <a:schemeClr val="tx1"/>
-                </a:solidFill>
-                <a:latin typeface="+mn-lt"/>
-                <a:ea typeface="+mn-ea"/>
-                <a:cs typeface="+mn-cs"/>
-              </a:defRPr>
-            </a:lvl5pPr>
-            <a:lvl6pPr marL="2286000" algn="l" defTabSz="914400" rtl="0" eaLnBrk="1" latinLnBrk="0" hangingPunct="1">
-              <a:defRPr sz="1800" kern="1200">
-                <a:solidFill>
-                  <a:schemeClr val="tx1"/>
-                </a:solidFill>
-                <a:latin typeface="+mn-lt"/>
-                <a:ea typeface="+mn-ea"/>
-                <a:cs typeface="+mn-cs"/>
-              </a:defRPr>
-            </a:lvl6pPr>
-            <a:lvl7pPr marL="2743200" algn="l" defTabSz="914400" rtl="0" eaLnBrk="1" latinLnBrk="0" hangingPunct="1">
-              <a:defRPr sz="1800" kern="1200">
-                <a:solidFill>
-                  <a:schemeClr val="tx1"/>
-                </a:solidFill>
-                <a:latin typeface="+mn-lt"/>
-                <a:ea typeface="+mn-ea"/>
-                <a:cs typeface="+mn-cs"/>
-              </a:defRPr>
-            </a:lvl7pPr>
-            <a:lvl8pPr marL="3200400" algn="l" defTabSz="914400" rtl="0" eaLnBrk="1" latinLnBrk="0" hangingPunct="1">
-              <a:defRPr sz="1800" kern="1200">
-                <a:solidFill>
-                  <a:schemeClr val="tx1"/>
-                </a:solidFill>
-                <a:latin typeface="+mn-lt"/>
-                <a:ea typeface="+mn-ea"/>
-                <a:cs typeface="+mn-cs"/>
-              </a:defRPr>
-            </a:lvl8pPr>
-            <a:lvl9pPr marL="3657600" algn="l" defTabSz="914400" rtl="0" eaLnBrk="1" latinLnBrk="0" hangingPunct="1">
-              <a:defRPr sz="1800" kern="1200">
-                <a:solidFill>
-                  <a:schemeClr val="tx1"/>
-                </a:solidFill>
-                <a:latin typeface="+mn-lt"/>
-                <a:ea typeface="+mn-ea"/>
-                <a:cs typeface="+mn-cs"/>
-              </a:defRPr>
-            </a:lvl9pPr>
-          </a:lstStyle>
-          <a:p>
-            <a:r>
-              <a:rPr lang="en-US" sz="900">
-                <a:solidFill>
-                  <a:schemeClr val="accent1">
-                    <a:lumMod val="40000"/>
-                    <a:lumOff val="60000"/>
-                  </a:schemeClr>
-                </a:solidFill>
-              </a:rPr>
-              <a:t>Issue tracker</a:t>
-            </a:r>
-          </a:p>
-        </p:txBody>
-      </p:sp>
-      <p:sp>
-        <p:nvSpPr>
-          <p:cNvPr id="434" name="TextBox 106">
-            <a:extLst>
-              <a:ext uri="{FF2B5EF4-FFF2-40B4-BE49-F238E27FC236}">
-                <a16:creationId xmlns:a16="http://schemas.microsoft.com/office/drawing/2014/main" id="{6BB93EBF-C849-10EF-9FE9-429E2F370333}"/>
-              </a:ext>
-            </a:extLst>
-          </p:cNvPr>
-          <p:cNvSpPr txBox="1"/>
-          <p:nvPr/>
-        </p:nvSpPr>
-        <p:spPr>
-          <a:xfrm>
-            <a:off x="2965990" y="8096733"/>
-            <a:ext cx="866079" cy="230832"/>
-          </a:xfrm>
-          <a:prstGeom prst="rect">
-            <a:avLst/>
-          </a:prstGeom>
-          <a:noFill/>
-        </p:spPr>
-        <p:txBody>
-          <a:bodyPr rot="0" spcFirstLastPara="0" vert="horz" wrap="square" lIns="91440" tIns="45720" rIns="91440" bIns="45720" numCol="1" spcCol="0" rtlCol="0" fromWordArt="0" anchor="t" anchorCtr="0" forceAA="0" compatLnSpc="1">
-            <a:prstTxWarp prst="textNoShape">
-              <a:avLst/>
-            </a:prstTxWarp>
-            <a:spAutoFit/>
-          </a:bodyPr>
-          <a:lstStyle>
-            <a:defPPr>
-              <a:defRPr lang="en-US"/>
-            </a:defPPr>
-            <a:lvl1pPr marL="0" algn="l" defTabSz="914400" rtl="0" eaLnBrk="1" latinLnBrk="0" hangingPunct="1">
-              <a:defRPr sz="1800" kern="1200">
-                <a:solidFill>
-                  <a:schemeClr val="tx1"/>
-                </a:solidFill>
-                <a:latin typeface="+mn-lt"/>
-                <a:ea typeface="+mn-ea"/>
-                <a:cs typeface="+mn-cs"/>
-              </a:defRPr>
-            </a:lvl1pPr>
-            <a:lvl2pPr marL="457200" algn="l" defTabSz="914400" rtl="0" eaLnBrk="1" latinLnBrk="0" hangingPunct="1">
-              <a:defRPr sz="1800" kern="1200">
-                <a:solidFill>
-                  <a:schemeClr val="tx1"/>
-                </a:solidFill>
-                <a:latin typeface="+mn-lt"/>
-                <a:ea typeface="+mn-ea"/>
-                <a:cs typeface="+mn-cs"/>
-              </a:defRPr>
-            </a:lvl2pPr>
-            <a:lvl3pPr marL="914400" algn="l" defTabSz="914400" rtl="0" eaLnBrk="1" latinLnBrk="0" hangingPunct="1">
-              <a:defRPr sz="1800" kern="1200">
-                <a:solidFill>
-                  <a:schemeClr val="tx1"/>
-                </a:solidFill>
-                <a:latin typeface="+mn-lt"/>
-                <a:ea typeface="+mn-ea"/>
-                <a:cs typeface="+mn-cs"/>
-              </a:defRPr>
-            </a:lvl3pPr>
-            <a:lvl4pPr marL="1371600" algn="l" defTabSz="914400" rtl="0" eaLnBrk="1" latinLnBrk="0" hangingPunct="1">
-              <a:defRPr sz="1800" kern="1200">
-                <a:solidFill>
-                  <a:schemeClr val="tx1"/>
-                </a:solidFill>
-                <a:latin typeface="+mn-lt"/>
-                <a:ea typeface="+mn-ea"/>
-                <a:cs typeface="+mn-cs"/>
-              </a:defRPr>
-            </a:lvl4pPr>
-            <a:lvl5pPr marL="1828800" algn="l" defTabSz="914400" rtl="0" eaLnBrk="1" latinLnBrk="0" hangingPunct="1">
-              <a:defRPr sz="1800" kern="1200">
-                <a:solidFill>
-                  <a:schemeClr val="tx1"/>
-                </a:solidFill>
-                <a:latin typeface="+mn-lt"/>
-                <a:ea typeface="+mn-ea"/>
-                <a:cs typeface="+mn-cs"/>
-              </a:defRPr>
-            </a:lvl5pPr>
-            <a:lvl6pPr marL="2286000" algn="l" defTabSz="914400" rtl="0" eaLnBrk="1" latinLnBrk="0" hangingPunct="1">
-              <a:defRPr sz="1800" kern="1200">
-                <a:solidFill>
-                  <a:schemeClr val="tx1"/>
-                </a:solidFill>
-                <a:latin typeface="+mn-lt"/>
-                <a:ea typeface="+mn-ea"/>
-                <a:cs typeface="+mn-cs"/>
-              </a:defRPr>
-            </a:lvl6pPr>
-            <a:lvl7pPr marL="2743200" algn="l" defTabSz="914400" rtl="0" eaLnBrk="1" latinLnBrk="0" hangingPunct="1">
-              <a:defRPr sz="1800" kern="1200">
-                <a:solidFill>
-                  <a:schemeClr val="tx1"/>
-                </a:solidFill>
-                <a:latin typeface="+mn-lt"/>
-                <a:ea typeface="+mn-ea"/>
-                <a:cs typeface="+mn-cs"/>
-              </a:defRPr>
-            </a:lvl7pPr>
-            <a:lvl8pPr marL="3200400" algn="l" defTabSz="914400" rtl="0" eaLnBrk="1" latinLnBrk="0" hangingPunct="1">
-              <a:defRPr sz="1800" kern="1200">
-                <a:solidFill>
-                  <a:schemeClr val="tx1"/>
-                </a:solidFill>
-                <a:latin typeface="+mn-lt"/>
-                <a:ea typeface="+mn-ea"/>
-                <a:cs typeface="+mn-cs"/>
-              </a:defRPr>
-            </a:lvl8pPr>
-            <a:lvl9pPr marL="3657600" algn="l" defTabSz="914400" rtl="0" eaLnBrk="1" latinLnBrk="0" hangingPunct="1">
-              <a:defRPr sz="1800" kern="1200">
-                <a:solidFill>
-                  <a:schemeClr val="tx1"/>
-                </a:solidFill>
-                <a:latin typeface="+mn-lt"/>
-                <a:ea typeface="+mn-ea"/>
-                <a:cs typeface="+mn-cs"/>
-              </a:defRPr>
-            </a:lvl9pPr>
-          </a:lstStyle>
-          <a:p>
-            <a:r>
-              <a:rPr lang="en-US" sz="900">
-                <a:solidFill>
-                  <a:schemeClr val="accent5">
-                    <a:lumMod val="40000"/>
-                    <a:lumOff val="60000"/>
-                  </a:schemeClr>
-                </a:solidFill>
-              </a:rPr>
-              <a:t>Mailing list</a:t>
-            </a:r>
-          </a:p>
-        </p:txBody>
-      </p:sp>
-      <p:sp>
-        <p:nvSpPr>
           <p:cNvPr id="454" name="Manipulate Variables">
             <a:extLst>
               <a:ext uri="{FF2B5EF4-FFF2-40B4-BE49-F238E27FC236}">
@@ -13741,7 +7117,7 @@
         </p:nvSpPr>
         <p:spPr>
           <a:xfrm>
-            <a:off x="9577919" y="5127230"/>
+            <a:off x="9573838" y="5127230"/>
             <a:ext cx="2021387" cy="340029"/>
           </a:xfrm>
           <a:prstGeom prst="rect">
@@ -13867,9 +7243,19 @@
                 </a:solidFill>
                 <a:latin typeface="Source Sans Pro" panose="020B0503030403020204" pitchFamily="34" charset="0"/>
                 <a:ea typeface="Source Sans Pro" panose="020B0503030403020204" pitchFamily="34" charset="0"/>
+              </a:rPr>
+              <a:t>E</a:t>
+            </a:r>
+            <a:r>
+              <a:rPr lang="en-US" dirty="0">
+                <a:solidFill>
+                  <a:schemeClr val="accent1"/>
+                </a:solidFill>
+                <a:latin typeface="Source Sans Pro" panose="020B0503030403020204" pitchFamily="34" charset="0"/>
+                <a:ea typeface="Source Sans Pro" panose="020B0503030403020204" pitchFamily="34" charset="0"/>
                 <a:sym typeface="Source Sans Pro"/>
               </a:rPr>
-              <a:t>exec scripts</a:t>
+              <a:t>xec scripts</a:t>
             </a:r>
             <a:r>
               <a:rPr lang="en-US" dirty="0">
@@ -13912,13 +7298,13 @@
           <p:nvPr/>
         </p:nvPicPr>
         <p:blipFill>
-          <a:blip r:embed="rId12">
+          <a:blip r:embed="rId10">
             <a:extLst>
               <a:ext uri="{28A0092B-C50C-407E-A947-70E740481C1C}">
                 <a14:useLocalDpi xmlns:a14="http://schemas.microsoft.com/office/drawing/2010/main" val="0"/>
               </a:ext>
               <a:ext uri="{96DAC541-7B7A-43D3-8B79-37D633B846F1}">
-                <asvg:svgBlip xmlns:asvg="http://schemas.microsoft.com/office/drawing/2016/SVG/main" r:embed="rId13"/>
+                <asvg:svgBlip xmlns:asvg="http://schemas.microsoft.com/office/drawing/2016/SVG/main" r:embed="rId11"/>
               </a:ext>
             </a:extLst>
           </a:blip>
@@ -13928,7 +7314,7 @@
         </p:blipFill>
         <p:spPr>
           <a:xfrm>
-            <a:off x="9932229" y="6976731"/>
+            <a:off x="9859045" y="6989173"/>
             <a:ext cx="527267" cy="527267"/>
           </a:xfrm>
           <a:prstGeom prst="rect">
@@ -13950,7 +7336,7 @@
         </p:nvSpPr>
         <p:spPr>
           <a:xfrm>
-            <a:off x="9861279" y="7411211"/>
+            <a:off x="9788095" y="7423653"/>
             <a:ext cx="781573" cy="258964"/>
           </a:xfrm>
           <a:prstGeom prst="rect">
@@ -14033,13 +7419,13 @@
           <p:nvPr/>
         </p:nvPicPr>
         <p:blipFill>
-          <a:blip r:embed="rId12">
+          <a:blip r:embed="rId10">
             <a:extLst>
               <a:ext uri="{28A0092B-C50C-407E-A947-70E740481C1C}">
                 <a14:useLocalDpi xmlns:a14="http://schemas.microsoft.com/office/drawing/2010/main" val="0"/>
               </a:ext>
               <a:ext uri="{96DAC541-7B7A-43D3-8B79-37D633B846F1}">
-                <asvg:svgBlip xmlns:asvg="http://schemas.microsoft.com/office/drawing/2016/SVG/main" r:embed="rId13"/>
+                <asvg:svgBlip xmlns:asvg="http://schemas.microsoft.com/office/drawing/2016/SVG/main" r:embed="rId11"/>
               </a:ext>
             </a:extLst>
           </a:blip>
@@ -14049,7 +7435,7 @@
         </p:blipFill>
         <p:spPr>
           <a:xfrm>
-            <a:off x="11374936" y="6464108"/>
+            <a:off x="11301752" y="6476550"/>
             <a:ext cx="527267" cy="527267"/>
           </a:xfrm>
           <a:prstGeom prst="rect">
@@ -14071,7 +7457,7 @@
         </p:nvSpPr>
         <p:spPr>
           <a:xfrm>
-            <a:off x="11478843" y="6601251"/>
+            <a:off x="11405659" y="6613693"/>
             <a:ext cx="319451" cy="258964"/>
           </a:xfrm>
           <a:prstGeom prst="rect">
@@ -14159,13 +7545,13 @@
           <p:nvPr/>
         </p:nvPicPr>
         <p:blipFill>
-          <a:blip r:embed="rId12">
+          <a:blip r:embed="rId10">
             <a:extLst>
               <a:ext uri="{28A0092B-C50C-407E-A947-70E740481C1C}">
                 <a14:useLocalDpi xmlns:a14="http://schemas.microsoft.com/office/drawing/2010/main" val="0"/>
               </a:ext>
               <a:ext uri="{96DAC541-7B7A-43D3-8B79-37D633B846F1}">
-                <asvg:svgBlip xmlns:asvg="http://schemas.microsoft.com/office/drawing/2016/SVG/main" r:embed="rId13"/>
+                <asvg:svgBlip xmlns:asvg="http://schemas.microsoft.com/office/drawing/2016/SVG/main" r:embed="rId11"/>
               </a:ext>
             </a:extLst>
           </a:blip>
@@ -14175,7 +7561,7 @@
         </p:blipFill>
         <p:spPr>
           <a:xfrm>
-            <a:off x="11954204" y="6460966"/>
+            <a:off x="11881020" y="6473408"/>
             <a:ext cx="527267" cy="527267"/>
           </a:xfrm>
           <a:prstGeom prst="rect">
@@ -14197,7 +7583,7 @@
         </p:nvSpPr>
         <p:spPr>
           <a:xfrm>
-            <a:off x="12033440" y="6604903"/>
+            <a:off x="11960256" y="6617345"/>
             <a:ext cx="423360" cy="258964"/>
           </a:xfrm>
           <a:prstGeom prst="rect">
@@ -14279,13 +7665,13 @@
           <p:nvPr>
             <p:extLst>
               <p:ext uri="{D42A27DB-BD31-4B8C-83A1-F6EECF244321}">
-                <p14:modId xmlns:p14="http://schemas.microsoft.com/office/powerpoint/2010/main" val="4129999772"/>
+                <p14:modId xmlns:p14="http://schemas.microsoft.com/office/powerpoint/2010/main" val="3105165955"/>
               </p:ext>
             </p:extLst>
           </p:nvPr>
         </p:nvGraphicFramePr>
         <p:xfrm>
-          <a:off x="12614626" y="6529982"/>
+          <a:off x="12541442" y="6542424"/>
           <a:ext cx="369704" cy="373251"/>
         </p:xfrm>
         <a:graphic>
@@ -14704,13 +8090,13 @@
           <p:nvPr/>
         </p:nvPicPr>
         <p:blipFill>
-          <a:blip r:embed="rId10">
+          <a:blip r:embed="rId12">
             <a:extLst>
               <a:ext uri="{28A0092B-C50C-407E-A947-70E740481C1C}">
                 <a14:useLocalDpi xmlns:a14="http://schemas.microsoft.com/office/drawing/2010/main" val="0"/>
               </a:ext>
               <a:ext uri="{96DAC541-7B7A-43D3-8B79-37D633B846F1}">
-                <asvg:svgBlip xmlns:asvg="http://schemas.microsoft.com/office/drawing/2016/SVG/main" r:embed="rId11"/>
+                <asvg:svgBlip xmlns:asvg="http://schemas.microsoft.com/office/drawing/2016/SVG/main" r:embed="rId13"/>
               </a:ext>
             </a:extLst>
           </a:blip>
@@ -14720,7 +8106,7 @@
         </p:blipFill>
         <p:spPr>
           <a:xfrm>
-            <a:off x="13203444" y="6926755"/>
+            <a:off x="13130260" y="6939197"/>
             <a:ext cx="674740" cy="674740"/>
           </a:xfrm>
           <a:prstGeom prst="rect">
@@ -14742,7 +8128,7 @@
         </p:nvSpPr>
         <p:spPr>
           <a:xfrm>
-            <a:off x="13339338" y="7076450"/>
+            <a:off x="13266154" y="7088892"/>
             <a:ext cx="453492" cy="382075"/>
           </a:xfrm>
           <a:prstGeom prst="rect">
@@ -14833,7 +8219,7 @@
         </p:nvSpPr>
         <p:spPr>
           <a:xfrm>
-            <a:off x="10672402" y="6063272"/>
+            <a:off x="10599218" y="6075714"/>
             <a:ext cx="781573" cy="258964"/>
           </a:xfrm>
           <a:prstGeom prst="rect">
@@ -14922,7 +8308,7 @@
         </p:nvCxnSpPr>
         <p:spPr>
           <a:xfrm>
-            <a:off x="9756302" y="7235935"/>
+            <a:off x="9683118" y="7248377"/>
             <a:ext cx="167561" cy="4430"/>
           </a:xfrm>
           <a:prstGeom prst="straightConnector1">
@@ -14969,7 +8355,7 @@
         </p:nvCxnSpPr>
         <p:spPr>
           <a:xfrm flipV="1">
-            <a:off x="10403871" y="7011918"/>
+            <a:off x="10330687" y="7024360"/>
             <a:ext cx="239813" cy="224017"/>
           </a:xfrm>
           <a:prstGeom prst="straightConnector1">
@@ -15016,7 +8402,7 @@
         </p:nvCxnSpPr>
         <p:spPr>
           <a:xfrm>
-            <a:off x="11858397" y="6724620"/>
+            <a:off x="11785213" y="6737062"/>
             <a:ext cx="167561" cy="4430"/>
           </a:xfrm>
           <a:prstGeom prst="straightConnector1">
@@ -15063,7 +8449,7 @@
         </p:nvCxnSpPr>
         <p:spPr>
           <a:xfrm>
-            <a:off x="10405459" y="7235935"/>
+            <a:off x="10332275" y="7248377"/>
             <a:ext cx="222607" cy="227211"/>
           </a:xfrm>
           <a:prstGeom prst="straightConnector1">
@@ -15110,7 +8496,7 @@
         </p:nvCxnSpPr>
         <p:spPr>
           <a:xfrm>
-            <a:off x="12413702" y="6727044"/>
+            <a:off x="12340518" y="6739486"/>
             <a:ext cx="167561" cy="4430"/>
           </a:xfrm>
           <a:prstGeom prst="straightConnector1">
@@ -15157,7 +8543,7 @@
         </p:nvCxnSpPr>
         <p:spPr>
           <a:xfrm>
-            <a:off x="13068810" y="7142474"/>
+            <a:off x="12995626" y="7154916"/>
             <a:ext cx="167561" cy="4430"/>
           </a:xfrm>
           <a:prstGeom prst="straightConnector1">
@@ -15204,7 +8590,7 @@
         </p:nvCxnSpPr>
         <p:spPr>
           <a:xfrm>
-            <a:off x="13073191" y="7386965"/>
+            <a:off x="13000007" y="7399407"/>
             <a:ext cx="167561" cy="4430"/>
           </a:xfrm>
           <a:prstGeom prst="straightConnector1">
@@ -15314,7 +8700,17 @@
                 <a:ea typeface="Source Sans Pro" panose="020B0503030403020204" pitchFamily="34" charset="0"/>
                 <a:sym typeface="Source Sans Pro"/>
               </a:rPr>
-              <a:t>The parallelize.py script can be used with other Kaiāulu /</a:t>
+              <a:t>The parallelize.py script can be used with other Kaiāulu </a:t>
+            </a:r>
+            <a:r>
+              <a:rPr lang="en-US" b="0" dirty="0">
+                <a:solidFill>
+                  <a:schemeClr val="accent1"/>
+                </a:solidFill>
+                <a:latin typeface="Source Sans Pro" panose="020B0503030403020204" pitchFamily="34" charset="0"/>
+                <a:ea typeface="Source Sans Pro" panose="020B0503030403020204" pitchFamily="34" charset="0"/>
+              </a:rPr>
+              <a:t>E</a:t>
             </a:r>
             <a:r>
               <a:rPr lang="en-US" b="0" dirty="0">
@@ -15325,7 +8721,7 @@
                 <a:ea typeface="Source Sans Pro" panose="020B0503030403020204" pitchFamily="34" charset="0"/>
                 <a:sym typeface="Source Sans Pro"/>
               </a:rPr>
-              <a:t>exec scripts </a:t>
+              <a:t>xec scripts </a:t>
             </a:r>
             <a:r>
               <a:rPr lang="en-US" b="0" dirty="0">
@@ -16811,13 +10207,13 @@
           <p:nvPr/>
         </p:nvPicPr>
         <p:blipFill>
-          <a:blip r:embed="rId10">
+          <a:blip r:embed="rId12">
             <a:extLst>
               <a:ext uri="{28A0092B-C50C-407E-A947-70E740481C1C}">
                 <a14:useLocalDpi xmlns:a14="http://schemas.microsoft.com/office/drawing/2010/main" val="0"/>
               </a:ext>
               <a:ext uri="{96DAC541-7B7A-43D3-8B79-37D633B846F1}">
-                <asvg:svgBlip xmlns:asvg="http://schemas.microsoft.com/office/drawing/2016/SVG/main" r:embed="rId11"/>
+                <asvg:svgBlip xmlns:asvg="http://schemas.microsoft.com/office/drawing/2016/SVG/main" r:embed="rId13"/>
               </a:ext>
             </a:extLst>
           </a:blip>
@@ -17107,7 +10503,7 @@
         </p:nvGrpSpPr>
         <p:grpSpPr>
           <a:xfrm>
-            <a:off x="1795265" y="3883771"/>
+            <a:off x="1887452" y="3883771"/>
             <a:ext cx="2347524" cy="3512096"/>
             <a:chOff x="1959219" y="3168291"/>
             <a:chExt cx="2347524" cy="3551336"/>
@@ -18592,7 +11988,7 @@
         </p:nvSpPr>
         <p:spPr>
           <a:xfrm>
-            <a:off x="88079" y="3776562"/>
+            <a:off x="180266" y="3776562"/>
             <a:ext cx="1716713" cy="3536785"/>
           </a:xfrm>
           <a:prstGeom prst="rect">
@@ -18829,7 +12225,7 @@
         </p:nvSpPr>
         <p:spPr>
           <a:xfrm>
-            <a:off x="8932015" y="6578970"/>
+            <a:off x="8858831" y="6591412"/>
             <a:ext cx="1075025" cy="258964"/>
           </a:xfrm>
           <a:prstGeom prst="rect">
@@ -18950,13 +12346,13 @@
           <p:nvPr/>
         </p:nvPicPr>
         <p:blipFill>
-          <a:blip r:embed="rId12">
+          <a:blip r:embed="rId10">
             <a:extLst>
               <a:ext uri="{28A0092B-C50C-407E-A947-70E740481C1C}">
                 <a14:useLocalDpi xmlns:a14="http://schemas.microsoft.com/office/drawing/2010/main" val="0"/>
               </a:ext>
               <a:ext uri="{96DAC541-7B7A-43D3-8B79-37D633B846F1}">
-                <asvg:svgBlip xmlns:asvg="http://schemas.microsoft.com/office/drawing/2016/SVG/main" r:embed="rId13"/>
+                <asvg:svgBlip xmlns:asvg="http://schemas.microsoft.com/office/drawing/2016/SVG/main" r:embed="rId11"/>
               </a:ext>
             </a:extLst>
           </a:blip>
@@ -18966,7 +12362,7 @@
         </p:blipFill>
         <p:spPr>
           <a:xfrm>
-            <a:off x="9180236" y="6151155"/>
+            <a:off x="9107052" y="6163597"/>
             <a:ext cx="527267" cy="527267"/>
           </a:xfrm>
           <a:prstGeom prst="rect">
@@ -18988,7 +12384,7 @@
         </p:nvSpPr>
         <p:spPr>
           <a:xfrm>
-            <a:off x="8929315" y="7265788"/>
+            <a:off x="8856131" y="7278230"/>
             <a:ext cx="1093916" cy="258964"/>
           </a:xfrm>
           <a:prstGeom prst="rect">
@@ -19100,13 +12496,13 @@
           <p:nvPr/>
         </p:nvPicPr>
         <p:blipFill>
-          <a:blip r:embed="rId12">
+          <a:blip r:embed="rId10">
             <a:extLst>
               <a:ext uri="{28A0092B-C50C-407E-A947-70E740481C1C}">
                 <a14:useLocalDpi xmlns:a14="http://schemas.microsoft.com/office/drawing/2010/main" val="0"/>
               </a:ext>
               <a:ext uri="{96DAC541-7B7A-43D3-8B79-37D633B846F1}">
-                <asvg:svgBlip xmlns:asvg="http://schemas.microsoft.com/office/drawing/2016/SVG/main" r:embed="rId13"/>
+                <asvg:svgBlip xmlns:asvg="http://schemas.microsoft.com/office/drawing/2016/SVG/main" r:embed="rId11"/>
               </a:ext>
             </a:extLst>
           </a:blip>
@@ -19116,7 +12512,7 @@
         </p:blipFill>
         <p:spPr>
           <a:xfrm>
-            <a:off x="9180035" y="6805926"/>
+            <a:off x="9106851" y="6818368"/>
             <a:ext cx="527267" cy="527267"/>
           </a:xfrm>
           <a:prstGeom prst="rect">
@@ -19138,7 +12534,7 @@
         </p:nvSpPr>
         <p:spPr>
           <a:xfrm>
-            <a:off x="8929315" y="7960535"/>
+            <a:off x="8856131" y="7972977"/>
             <a:ext cx="1087486" cy="258964"/>
           </a:xfrm>
           <a:prstGeom prst="rect">
@@ -19259,13 +12655,13 @@
           <p:nvPr/>
         </p:nvPicPr>
         <p:blipFill>
-          <a:blip r:embed="rId12">
+          <a:blip r:embed="rId10">
             <a:extLst>
               <a:ext uri="{28A0092B-C50C-407E-A947-70E740481C1C}">
                 <a14:useLocalDpi xmlns:a14="http://schemas.microsoft.com/office/drawing/2010/main" val="0"/>
               </a:ext>
               <a:ext uri="{96DAC541-7B7A-43D3-8B79-37D633B846F1}">
-                <asvg:svgBlip xmlns:asvg="http://schemas.microsoft.com/office/drawing/2016/SVG/main" r:embed="rId13"/>
+                <asvg:svgBlip xmlns:asvg="http://schemas.microsoft.com/office/drawing/2016/SVG/main" r:embed="rId11"/>
               </a:ext>
             </a:extLst>
           </a:blip>
@@ -19275,7 +12671,7 @@
         </p:blipFill>
         <p:spPr>
           <a:xfrm>
-            <a:off x="9179066" y="7488760"/>
+            <a:off x="9105882" y="7501202"/>
             <a:ext cx="527267" cy="527267"/>
           </a:xfrm>
           <a:prstGeom prst="rect">
@@ -19298,13 +12694,13 @@
           <p:nvPr/>
         </p:nvPicPr>
         <p:blipFill>
-          <a:blip r:embed="rId12">
+          <a:blip r:embed="rId10">
             <a:extLst>
               <a:ext uri="{28A0092B-C50C-407E-A947-70E740481C1C}">
                 <a14:useLocalDpi xmlns:a14="http://schemas.microsoft.com/office/drawing/2010/main" val="0"/>
               </a:ext>
               <a:ext uri="{96DAC541-7B7A-43D3-8B79-37D633B846F1}">
-                <asvg:svgBlip xmlns:asvg="http://schemas.microsoft.com/office/drawing/2016/SVG/main" r:embed="rId13"/>
+                <asvg:svgBlip xmlns:asvg="http://schemas.microsoft.com/office/drawing/2016/SVG/main" r:embed="rId11"/>
               </a:ext>
             </a:extLst>
           </a:blip>
@@ -19314,7 +12710,7 @@
         </p:blipFill>
         <p:spPr>
           <a:xfrm>
-            <a:off x="10770193" y="6464166"/>
+            <a:off x="10697009" y="6476608"/>
             <a:ext cx="527267" cy="527267"/>
           </a:xfrm>
           <a:prstGeom prst="rect">
@@ -19336,7 +12732,7 @@
         </p:nvSpPr>
         <p:spPr>
           <a:xfrm>
-            <a:off x="11325473" y="6890723"/>
+            <a:off x="11252289" y="6903165"/>
             <a:ext cx="781573" cy="258964"/>
           </a:xfrm>
           <a:prstGeom prst="rect">
@@ -19436,7 +12832,7 @@
         </p:nvSpPr>
         <p:spPr>
           <a:xfrm>
-            <a:off x="11909754" y="6883635"/>
+            <a:off x="11836570" y="6896077"/>
             <a:ext cx="781573" cy="258964"/>
           </a:xfrm>
           <a:prstGeom prst="rect">
@@ -19523,7 +12919,7 @@
         </p:nvSpPr>
         <p:spPr>
           <a:xfrm>
-            <a:off x="10707134" y="6892779"/>
+            <a:off x="10633950" y="6905221"/>
             <a:ext cx="745139" cy="258964"/>
           </a:xfrm>
           <a:prstGeom prst="rect">
@@ -19624,7 +13020,7 @@
         </p:nvCxnSpPr>
         <p:spPr>
           <a:xfrm>
-            <a:off x="11262131" y="6725564"/>
+            <a:off x="11188947" y="6738006"/>
             <a:ext cx="167561" cy="4430"/>
           </a:xfrm>
           <a:prstGeom prst="straightConnector1">
@@ -19669,7 +13065,7 @@
         </p:nvSpPr>
         <p:spPr>
           <a:xfrm>
-            <a:off x="10700238" y="6283327"/>
+            <a:off x="10627054" y="6295769"/>
             <a:ext cx="2365131" cy="899988"/>
           </a:xfrm>
           <a:prstGeom prst="rect">
@@ -19757,13 +13153,13 @@
           <p:nvPr/>
         </p:nvPicPr>
         <p:blipFill>
-          <a:blip r:embed="rId12">
+          <a:blip r:embed="rId10">
             <a:extLst>
               <a:ext uri="{28A0092B-C50C-407E-A947-70E740481C1C}">
                 <a14:useLocalDpi xmlns:a14="http://schemas.microsoft.com/office/drawing/2010/main" val="0"/>
               </a:ext>
               <a:ext uri="{96DAC541-7B7A-43D3-8B79-37D633B846F1}">
-                <asvg:svgBlip xmlns:asvg="http://schemas.microsoft.com/office/drawing/2016/SVG/main" r:embed="rId13"/>
+                <asvg:svgBlip xmlns:asvg="http://schemas.microsoft.com/office/drawing/2016/SVG/main" r:embed="rId11"/>
               </a:ext>
             </a:extLst>
           </a:blip>
@@ -19773,7 +13169,7 @@
         </p:blipFill>
         <p:spPr>
           <a:xfrm>
-            <a:off x="11378995" y="7518941"/>
+            <a:off x="11305811" y="7531383"/>
             <a:ext cx="527267" cy="527267"/>
           </a:xfrm>
           <a:prstGeom prst="rect">
@@ -19795,7 +13191,7 @@
         </p:nvSpPr>
         <p:spPr>
           <a:xfrm>
-            <a:off x="11482902" y="7656084"/>
+            <a:off x="11409718" y="7668526"/>
             <a:ext cx="319451" cy="258964"/>
           </a:xfrm>
           <a:prstGeom prst="rect">
@@ -19883,13 +13279,13 @@
           <p:nvPr/>
         </p:nvPicPr>
         <p:blipFill>
-          <a:blip r:embed="rId12">
+          <a:blip r:embed="rId10">
             <a:extLst>
               <a:ext uri="{28A0092B-C50C-407E-A947-70E740481C1C}">
                 <a14:useLocalDpi xmlns:a14="http://schemas.microsoft.com/office/drawing/2010/main" val="0"/>
               </a:ext>
               <a:ext uri="{96DAC541-7B7A-43D3-8B79-37D633B846F1}">
-                <asvg:svgBlip xmlns:asvg="http://schemas.microsoft.com/office/drawing/2016/SVG/main" r:embed="rId13"/>
+                <asvg:svgBlip xmlns:asvg="http://schemas.microsoft.com/office/drawing/2016/SVG/main" r:embed="rId11"/>
               </a:ext>
             </a:extLst>
           </a:blip>
@@ -19899,7 +13295,7 @@
         </p:blipFill>
         <p:spPr>
           <a:xfrm>
-            <a:off x="11958263" y="7515799"/>
+            <a:off x="11885079" y="7528241"/>
             <a:ext cx="527267" cy="527267"/>
           </a:xfrm>
           <a:prstGeom prst="rect">
@@ -19921,7 +13317,7 @@
         </p:nvSpPr>
         <p:spPr>
           <a:xfrm>
-            <a:off x="12037499" y="7659736"/>
+            <a:off x="11964315" y="7672178"/>
             <a:ext cx="423360" cy="258964"/>
           </a:xfrm>
           <a:prstGeom prst="rect">
@@ -20003,13 +13399,13 @@
           <p:nvPr>
             <p:extLst>
               <p:ext uri="{D42A27DB-BD31-4B8C-83A1-F6EECF244321}">
-                <p14:modId xmlns:p14="http://schemas.microsoft.com/office/powerpoint/2010/main" val="2910518981"/>
+                <p14:modId xmlns:p14="http://schemas.microsoft.com/office/powerpoint/2010/main" val="703938673"/>
               </p:ext>
             </p:extLst>
           </p:nvPr>
         </p:nvGraphicFramePr>
         <p:xfrm>
-          <a:off x="12618685" y="7584815"/>
+          <a:off x="12545501" y="7597257"/>
           <a:ext cx="369704" cy="373251"/>
         </p:xfrm>
         <a:graphic>
@@ -20429,7 +13825,7 @@
         </p:nvCxnSpPr>
         <p:spPr>
           <a:xfrm>
-            <a:off x="11862456" y="7779453"/>
+            <a:off x="11789272" y="7791895"/>
             <a:ext cx="167561" cy="4430"/>
           </a:xfrm>
           <a:prstGeom prst="straightConnector1">
@@ -20476,7 +13872,7 @@
         </p:nvCxnSpPr>
         <p:spPr>
           <a:xfrm>
-            <a:off x="12417761" y="7781877"/>
+            <a:off x="12344577" y="7794319"/>
             <a:ext cx="167561" cy="4430"/>
           </a:xfrm>
           <a:prstGeom prst="straightConnector1">
@@ -20522,13 +13918,13 @@
           <p:nvPr/>
         </p:nvPicPr>
         <p:blipFill>
-          <a:blip r:embed="rId12">
+          <a:blip r:embed="rId10">
             <a:extLst>
               <a:ext uri="{28A0092B-C50C-407E-A947-70E740481C1C}">
                 <a14:useLocalDpi xmlns:a14="http://schemas.microsoft.com/office/drawing/2010/main" val="0"/>
               </a:ext>
               <a:ext uri="{96DAC541-7B7A-43D3-8B79-37D633B846F1}">
-                <asvg:svgBlip xmlns:asvg="http://schemas.microsoft.com/office/drawing/2016/SVG/main" r:embed="rId13"/>
+                <asvg:svgBlip xmlns:asvg="http://schemas.microsoft.com/office/drawing/2016/SVG/main" r:embed="rId11"/>
               </a:ext>
             </a:extLst>
           </a:blip>
@@ -20538,7 +13934,7 @@
         </p:blipFill>
         <p:spPr>
           <a:xfrm>
-            <a:off x="10774252" y="7518999"/>
+            <a:off x="10701068" y="7531441"/>
             <a:ext cx="527267" cy="527267"/>
           </a:xfrm>
           <a:prstGeom prst="rect">
@@ -20560,7 +13956,7 @@
         </p:nvSpPr>
         <p:spPr>
           <a:xfrm>
-            <a:off x="11329532" y="7945556"/>
+            <a:off x="11256348" y="7957998"/>
             <a:ext cx="781573" cy="258964"/>
           </a:xfrm>
           <a:prstGeom prst="rect">
@@ -20660,7 +14056,7 @@
         </p:nvSpPr>
         <p:spPr>
           <a:xfrm>
-            <a:off x="11913813" y="7938468"/>
+            <a:off x="11840629" y="7950910"/>
             <a:ext cx="781573" cy="258964"/>
           </a:xfrm>
           <a:prstGeom prst="rect">
@@ -20747,7 +14143,7 @@
         </p:nvSpPr>
         <p:spPr>
           <a:xfrm>
-            <a:off x="10711193" y="7947612"/>
+            <a:off x="10638009" y="7960054"/>
             <a:ext cx="745139" cy="258964"/>
           </a:xfrm>
           <a:prstGeom prst="rect">
@@ -20848,7 +14244,7 @@
         </p:nvCxnSpPr>
         <p:spPr>
           <a:xfrm>
-            <a:off x="11266190" y="7780397"/>
+            <a:off x="11193006" y="7792839"/>
             <a:ext cx="167561" cy="4430"/>
           </a:xfrm>
           <a:prstGeom prst="straightConnector1">
@@ -20893,7 +14289,7 @@
         </p:nvSpPr>
         <p:spPr>
           <a:xfrm>
-            <a:off x="10704297" y="7338160"/>
+            <a:off x="10631113" y="7350602"/>
             <a:ext cx="2365131" cy="899988"/>
           </a:xfrm>
           <a:prstGeom prst="rect">
@@ -20966,6 +14362,36 @@
           </a:p>
         </p:txBody>
       </p:sp>
+      <p:pic>
+        <p:nvPicPr>
+          <p:cNvPr id="31" name="Picture 30">
+            <a:extLst>
+              <a:ext uri="{FF2B5EF4-FFF2-40B4-BE49-F238E27FC236}">
+                <a16:creationId xmlns:a16="http://schemas.microsoft.com/office/drawing/2014/main" id="{F7BE3922-D306-4814-2549-B227C8A7AB8A}"/>
+              </a:ext>
+            </a:extLst>
+          </p:cNvPr>
+          <p:cNvPicPr>
+            <a:picLocks noChangeAspect="1"/>
+          </p:cNvPicPr>
+          <p:nvPr/>
+        </p:nvPicPr>
+        <p:blipFill>
+          <a:blip r:embed="rId18"/>
+          <a:stretch>
+            <a:fillRect/>
+          </a:stretch>
+        </p:blipFill>
+        <p:spPr>
+          <a:xfrm>
+            <a:off x="165226" y="7702205"/>
+            <a:ext cx="4506678" cy="2366097"/>
+          </a:xfrm>
+          <a:prstGeom prst="rect">
+            <a:avLst/>
+          </a:prstGeom>
+        </p:spPr>
+      </p:pic>
     </p:spTree>
     <p:extLst>
       <p:ext uri="{BB962C8B-B14F-4D97-AF65-F5344CB8AC3E}">

--- a/cheatsheets/project-analysis-cheatsheet.pptx
+++ b/cheatsheets/project-analysis-cheatsheet.pptx
@@ -3361,7 +3361,7 @@
           <a:p>
             <a:r>
               <a:rPr lang="en-US" dirty="0"/>
-              <a:t>Analyzing Projects</a:t>
+              <a:t>Analyzing Projects </a:t>
             </a:r>
             <a:r>
               <a:rPr dirty="0"/>
@@ -4012,7 +4012,7 @@
         </p:nvSpPr>
         <p:spPr>
           <a:xfrm flipV="1">
-            <a:off x="9573838" y="4999777"/>
+            <a:off x="9573838" y="5390062"/>
             <a:ext cx="4178808" cy="0"/>
           </a:xfrm>
           <a:prstGeom prst="line">
@@ -7117,7 +7117,7 @@
         </p:nvSpPr>
         <p:spPr>
           <a:xfrm>
-            <a:off x="9573838" y="5127230"/>
+            <a:off x="9573838" y="5517515"/>
             <a:ext cx="2021387" cy="340029"/>
           </a:xfrm>
           <a:prstGeom prst="rect">
@@ -7172,7 +7172,7 @@
         </p:nvSpPr>
         <p:spPr>
           <a:xfrm>
-            <a:off x="9570182" y="5468032"/>
+            <a:off x="9570182" y="5858317"/>
             <a:ext cx="3968070" cy="481077"/>
           </a:xfrm>
           <a:prstGeom prst="rect">
@@ -7314,7 +7314,7 @@
         </p:blipFill>
         <p:spPr>
           <a:xfrm>
-            <a:off x="9859045" y="6989173"/>
+            <a:off x="9859045" y="7502119"/>
             <a:ext cx="527267" cy="527267"/>
           </a:xfrm>
           <a:prstGeom prst="rect">
@@ -7336,7 +7336,7 @@
         </p:nvSpPr>
         <p:spPr>
           <a:xfrm>
-            <a:off x="9788095" y="7423653"/>
+            <a:off x="9788095" y="7936599"/>
             <a:ext cx="781573" cy="258964"/>
           </a:xfrm>
           <a:prstGeom prst="rect">
@@ -7435,7 +7435,7 @@
         </p:blipFill>
         <p:spPr>
           <a:xfrm>
-            <a:off x="11301752" y="6476550"/>
+            <a:off x="11301752" y="6989496"/>
             <a:ext cx="527267" cy="527267"/>
           </a:xfrm>
           <a:prstGeom prst="rect">
@@ -7457,7 +7457,7 @@
         </p:nvSpPr>
         <p:spPr>
           <a:xfrm>
-            <a:off x="11405659" y="6613693"/>
+            <a:off x="11405659" y="7126639"/>
             <a:ext cx="319451" cy="258964"/>
           </a:xfrm>
           <a:prstGeom prst="rect">
@@ -7561,7 +7561,7 @@
         </p:blipFill>
         <p:spPr>
           <a:xfrm>
-            <a:off x="11881020" y="6473408"/>
+            <a:off x="11881020" y="6986354"/>
             <a:ext cx="527267" cy="527267"/>
           </a:xfrm>
           <a:prstGeom prst="rect">
@@ -7583,7 +7583,7 @@
         </p:nvSpPr>
         <p:spPr>
           <a:xfrm>
-            <a:off x="11960256" y="6617345"/>
+            <a:off x="11960256" y="7130291"/>
             <a:ext cx="423360" cy="258964"/>
           </a:xfrm>
           <a:prstGeom prst="rect">
@@ -7665,13 +7665,13 @@
           <p:nvPr>
             <p:extLst>
               <p:ext uri="{D42A27DB-BD31-4B8C-83A1-F6EECF244321}">
-                <p14:modId xmlns:p14="http://schemas.microsoft.com/office/powerpoint/2010/main" val="3105165955"/>
+                <p14:modId xmlns:p14="http://schemas.microsoft.com/office/powerpoint/2010/main" val="1392953760"/>
               </p:ext>
             </p:extLst>
           </p:nvPr>
         </p:nvGraphicFramePr>
         <p:xfrm>
-          <a:off x="12541442" y="6542424"/>
+          <a:off x="12541442" y="7055370"/>
           <a:ext cx="369704" cy="373251"/>
         </p:xfrm>
         <a:graphic>
@@ -8106,7 +8106,7 @@
         </p:blipFill>
         <p:spPr>
           <a:xfrm>
-            <a:off x="13130260" y="6939197"/>
+            <a:off x="13130260" y="7452143"/>
             <a:ext cx="674740" cy="674740"/>
           </a:xfrm>
           <a:prstGeom prst="rect">
@@ -8128,7 +8128,7 @@
         </p:nvSpPr>
         <p:spPr>
           <a:xfrm>
-            <a:off x="13266154" y="7088892"/>
+            <a:off x="13266154" y="7601838"/>
             <a:ext cx="453492" cy="382075"/>
           </a:xfrm>
           <a:prstGeom prst="rect">
@@ -8219,7 +8219,7 @@
         </p:nvSpPr>
         <p:spPr>
           <a:xfrm>
-            <a:off x="10599218" y="6075714"/>
+            <a:off x="10599218" y="6588660"/>
             <a:ext cx="781573" cy="258964"/>
           </a:xfrm>
           <a:prstGeom prst="rect">
@@ -8308,7 +8308,7 @@
         </p:nvCxnSpPr>
         <p:spPr>
           <a:xfrm>
-            <a:off x="9683118" y="7248377"/>
+            <a:off x="9683118" y="7761323"/>
             <a:ext cx="167561" cy="4430"/>
           </a:xfrm>
           <a:prstGeom prst="straightConnector1">
@@ -8355,7 +8355,7 @@
         </p:nvCxnSpPr>
         <p:spPr>
           <a:xfrm flipV="1">
-            <a:off x="10330687" y="7024360"/>
+            <a:off x="10330687" y="7537306"/>
             <a:ext cx="239813" cy="224017"/>
           </a:xfrm>
           <a:prstGeom prst="straightConnector1">
@@ -8402,7 +8402,7 @@
         </p:nvCxnSpPr>
         <p:spPr>
           <a:xfrm>
-            <a:off x="11785213" y="6737062"/>
+            <a:off x="11785213" y="7250008"/>
             <a:ext cx="167561" cy="4430"/>
           </a:xfrm>
           <a:prstGeom prst="straightConnector1">
@@ -8449,7 +8449,7 @@
         </p:nvCxnSpPr>
         <p:spPr>
           <a:xfrm>
-            <a:off x="10332275" y="7248377"/>
+            <a:off x="10332275" y="7761323"/>
             <a:ext cx="222607" cy="227211"/>
           </a:xfrm>
           <a:prstGeom prst="straightConnector1">
@@ -8496,7 +8496,7 @@
         </p:nvCxnSpPr>
         <p:spPr>
           <a:xfrm>
-            <a:off x="12340518" y="6739486"/>
+            <a:off x="12340518" y="7252432"/>
             <a:ext cx="167561" cy="4430"/>
           </a:xfrm>
           <a:prstGeom prst="straightConnector1">
@@ -8543,7 +8543,7 @@
         </p:nvCxnSpPr>
         <p:spPr>
           <a:xfrm>
-            <a:off x="12995626" y="7154916"/>
+            <a:off x="12995626" y="7667862"/>
             <a:ext cx="167561" cy="4430"/>
           </a:xfrm>
           <a:prstGeom prst="straightConnector1">
@@ -8590,7 +8590,7 @@
         </p:nvCxnSpPr>
         <p:spPr>
           <a:xfrm>
-            <a:off x="13000007" y="7399407"/>
+            <a:off x="13000007" y="7912353"/>
             <a:ext cx="167561" cy="4430"/>
           </a:xfrm>
           <a:prstGeom prst="straightConnector1">
@@ -8635,7 +8635,7 @@
         </p:nvSpPr>
         <p:spPr>
           <a:xfrm>
-            <a:off x="9530976" y="8314460"/>
+            <a:off x="9530976" y="9050430"/>
             <a:ext cx="3968070" cy="481077"/>
           </a:xfrm>
           <a:prstGeom prst="rect">
@@ -8848,7 +8848,7 @@
         </p:blipFill>
         <p:spPr>
           <a:xfrm>
-            <a:off x="9478983" y="3120910"/>
+            <a:off x="9478983" y="3288175"/>
             <a:ext cx="455550" cy="455550"/>
           </a:xfrm>
           <a:prstGeom prst="rect">
@@ -8887,7 +8887,7 @@
         </p:blipFill>
         <p:spPr>
           <a:xfrm>
-            <a:off x="10321323" y="2882646"/>
+            <a:off x="10321323" y="3049911"/>
             <a:ext cx="527267" cy="527267"/>
           </a:xfrm>
           <a:prstGeom prst="rect">
@@ -8909,7 +8909,7 @@
         </p:nvSpPr>
         <p:spPr>
           <a:xfrm>
-            <a:off x="10399145" y="3365455"/>
+            <a:off x="10399145" y="3532720"/>
             <a:ext cx="417059" cy="258964"/>
           </a:xfrm>
           <a:prstGeom prst="rect">
@@ -9009,7 +9009,7 @@
         </p:blipFill>
         <p:spPr>
           <a:xfrm>
-            <a:off x="10957410" y="3205427"/>
+            <a:off x="10957410" y="3372692"/>
             <a:ext cx="527267" cy="527267"/>
           </a:xfrm>
           <a:prstGeom prst="rect">
@@ -9031,7 +9031,7 @@
         </p:nvSpPr>
         <p:spPr>
           <a:xfrm>
-            <a:off x="11011208" y="3698416"/>
+            <a:off x="11011208" y="3865681"/>
             <a:ext cx="527267" cy="258964"/>
           </a:xfrm>
           <a:prstGeom prst="rect">
@@ -9105,13 +9105,13 @@
           <p:nvPr>
             <p:extLst>
               <p:ext uri="{D42A27DB-BD31-4B8C-83A1-F6EECF244321}">
-                <p14:modId xmlns:p14="http://schemas.microsoft.com/office/powerpoint/2010/main" val="1543345445"/>
+                <p14:modId xmlns:p14="http://schemas.microsoft.com/office/powerpoint/2010/main" val="3857453829"/>
               </p:ext>
             </p:extLst>
           </p:nvPr>
         </p:nvGraphicFramePr>
         <p:xfrm>
-          <a:off x="11658797" y="3276049"/>
+          <a:off x="11658797" y="3443314"/>
           <a:ext cx="554556" cy="373251"/>
         </p:xfrm>
         <a:graphic>
@@ -9715,7 +9715,7 @@
         </p:nvCxnSpPr>
         <p:spPr>
           <a:xfrm>
-            <a:off x="11443920" y="3473111"/>
+            <a:off x="11443920" y="3640376"/>
             <a:ext cx="167561" cy="4430"/>
           </a:xfrm>
           <a:prstGeom prst="straightConnector1">
@@ -9760,7 +9760,7 @@
         </p:nvSpPr>
         <p:spPr>
           <a:xfrm>
-            <a:off x="11730381" y="3709453"/>
+            <a:off x="11730381" y="3876718"/>
             <a:ext cx="527267" cy="258964"/>
           </a:xfrm>
           <a:prstGeom prst="rect">
@@ -9835,7 +9835,7 @@
         </p:nvSpPr>
         <p:spPr>
           <a:xfrm>
-            <a:off x="11072046" y="2769591"/>
+            <a:off x="11072046" y="2936856"/>
             <a:ext cx="527260" cy="208694"/>
           </a:xfrm>
           <a:prstGeom prst="rect">
@@ -9933,7 +9933,7 @@
         </p:nvCxnSpPr>
         <p:spPr>
           <a:xfrm flipV="1">
-            <a:off x="10776710" y="2939951"/>
+            <a:off x="10776710" y="3107216"/>
             <a:ext cx="239813" cy="224017"/>
           </a:xfrm>
           <a:prstGeom prst="straightConnector1">
@@ -9980,7 +9980,7 @@
         </p:nvCxnSpPr>
         <p:spPr>
           <a:xfrm>
-            <a:off x="10778298" y="3163968"/>
+            <a:off x="10778298" y="3331233"/>
             <a:ext cx="222607" cy="227211"/>
           </a:xfrm>
           <a:prstGeom prst="straightConnector1">
@@ -10027,7 +10027,7 @@
         </p:nvCxnSpPr>
         <p:spPr>
           <a:xfrm flipH="1">
-            <a:off x="10775064" y="2843816"/>
+            <a:off x="10775064" y="3011081"/>
             <a:ext cx="198127" cy="185077"/>
           </a:xfrm>
           <a:prstGeom prst="straightConnector1">
@@ -10072,7 +10072,7 @@
         </p:nvSpPr>
         <p:spPr>
           <a:xfrm>
-            <a:off x="10256229" y="2664396"/>
+            <a:off x="10256229" y="2831661"/>
             <a:ext cx="2367914" cy="1313879"/>
           </a:xfrm>
           <a:prstGeom prst="rect">
@@ -10161,7 +10161,7 @@
         </p:nvCxnSpPr>
         <p:spPr>
           <a:xfrm>
-            <a:off x="9974895" y="3312551"/>
+            <a:off x="9974895" y="3479816"/>
             <a:ext cx="167561" cy="4430"/>
           </a:xfrm>
           <a:prstGeom prst="straightConnector1">
@@ -10223,7 +10223,7 @@
         </p:blipFill>
         <p:spPr>
           <a:xfrm>
-            <a:off x="12857400" y="2965068"/>
+            <a:off x="12857400" y="3132333"/>
             <a:ext cx="674740" cy="674740"/>
           </a:xfrm>
           <a:prstGeom prst="rect">
@@ -10247,7 +10247,7 @@
         </p:nvCxnSpPr>
         <p:spPr>
           <a:xfrm>
-            <a:off x="12695395" y="3308354"/>
+            <a:off x="12695395" y="3475619"/>
             <a:ext cx="167561" cy="4430"/>
           </a:xfrm>
           <a:prstGeom prst="straightConnector1">
@@ -10292,7 +10292,7 @@
         </p:nvSpPr>
         <p:spPr>
           <a:xfrm>
-            <a:off x="9560056" y="4089261"/>
+            <a:off x="9560056" y="4479546"/>
             <a:ext cx="4001400" cy="813435"/>
           </a:xfrm>
           <a:prstGeom prst="rect">
@@ -12150,7 +12150,7 @@
         </p:nvSpPr>
         <p:spPr>
           <a:xfrm>
-            <a:off x="12978187" y="3125945"/>
+            <a:off x="12978187" y="3293210"/>
             <a:ext cx="527266" cy="382075"/>
           </a:xfrm>
           <a:prstGeom prst="rect">
@@ -12225,7 +12225,7 @@
         </p:nvSpPr>
         <p:spPr>
           <a:xfrm>
-            <a:off x="8858831" y="6591412"/>
+            <a:off x="8858831" y="7104358"/>
             <a:ext cx="1075025" cy="258964"/>
           </a:xfrm>
           <a:prstGeom prst="rect">
@@ -12362,7 +12362,7 @@
         </p:blipFill>
         <p:spPr>
           <a:xfrm>
-            <a:off x="9107052" y="6163597"/>
+            <a:off x="9107052" y="6676543"/>
             <a:ext cx="527267" cy="527267"/>
           </a:xfrm>
           <a:prstGeom prst="rect">
@@ -12384,7 +12384,7 @@
         </p:nvSpPr>
         <p:spPr>
           <a:xfrm>
-            <a:off x="8856131" y="7278230"/>
+            <a:off x="8856131" y="7791176"/>
             <a:ext cx="1093916" cy="258964"/>
           </a:xfrm>
           <a:prstGeom prst="rect">
@@ -12512,7 +12512,7 @@
         </p:blipFill>
         <p:spPr>
           <a:xfrm>
-            <a:off x="9106851" y="6818368"/>
+            <a:off x="9106851" y="7331314"/>
             <a:ext cx="527267" cy="527267"/>
           </a:xfrm>
           <a:prstGeom prst="rect">
@@ -12534,7 +12534,7 @@
         </p:nvSpPr>
         <p:spPr>
           <a:xfrm>
-            <a:off x="8856131" y="7972977"/>
+            <a:off x="8856131" y="8485923"/>
             <a:ext cx="1087486" cy="258964"/>
           </a:xfrm>
           <a:prstGeom prst="rect">
@@ -12671,7 +12671,7 @@
         </p:blipFill>
         <p:spPr>
           <a:xfrm>
-            <a:off x="9105882" y="7501202"/>
+            <a:off x="9105882" y="8014148"/>
             <a:ext cx="527267" cy="527267"/>
           </a:xfrm>
           <a:prstGeom prst="rect">
@@ -12710,7 +12710,7 @@
         </p:blipFill>
         <p:spPr>
           <a:xfrm>
-            <a:off x="10697009" y="6476608"/>
+            <a:off x="10697009" y="6989554"/>
             <a:ext cx="527267" cy="527267"/>
           </a:xfrm>
           <a:prstGeom prst="rect">
@@ -12732,7 +12732,7 @@
         </p:nvSpPr>
         <p:spPr>
           <a:xfrm>
-            <a:off x="11252289" y="6903165"/>
+            <a:off x="11252289" y="7416111"/>
             <a:ext cx="781573" cy="258964"/>
           </a:xfrm>
           <a:prstGeom prst="rect">
@@ -12832,7 +12832,7 @@
         </p:nvSpPr>
         <p:spPr>
           <a:xfrm>
-            <a:off x="11836570" y="6896077"/>
+            <a:off x="11836570" y="7409023"/>
             <a:ext cx="781573" cy="258964"/>
           </a:xfrm>
           <a:prstGeom prst="rect">
@@ -12919,7 +12919,7 @@
         </p:nvSpPr>
         <p:spPr>
           <a:xfrm>
-            <a:off x="10633950" y="6905221"/>
+            <a:off x="10633950" y="7418167"/>
             <a:ext cx="745139" cy="258964"/>
           </a:xfrm>
           <a:prstGeom prst="rect">
@@ -13020,7 +13020,7 @@
         </p:nvCxnSpPr>
         <p:spPr>
           <a:xfrm>
-            <a:off x="11188947" y="6738006"/>
+            <a:off x="11188947" y="7250952"/>
             <a:ext cx="167561" cy="4430"/>
           </a:xfrm>
           <a:prstGeom prst="straightConnector1">
@@ -13065,7 +13065,7 @@
         </p:nvSpPr>
         <p:spPr>
           <a:xfrm>
-            <a:off x="10627054" y="6295769"/>
+            <a:off x="10627054" y="6808715"/>
             <a:ext cx="2365131" cy="899988"/>
           </a:xfrm>
           <a:prstGeom prst="rect">
@@ -13169,7 +13169,7 @@
         </p:blipFill>
         <p:spPr>
           <a:xfrm>
-            <a:off x="11305811" y="7531383"/>
+            <a:off x="11305811" y="8044329"/>
             <a:ext cx="527267" cy="527267"/>
           </a:xfrm>
           <a:prstGeom prst="rect">
@@ -13191,7 +13191,7 @@
         </p:nvSpPr>
         <p:spPr>
           <a:xfrm>
-            <a:off x="11409718" y="7668526"/>
+            <a:off x="11409718" y="8181472"/>
             <a:ext cx="319451" cy="258964"/>
           </a:xfrm>
           <a:prstGeom prst="rect">
@@ -13295,7 +13295,7 @@
         </p:blipFill>
         <p:spPr>
           <a:xfrm>
-            <a:off x="11885079" y="7528241"/>
+            <a:off x="11885079" y="8041187"/>
             <a:ext cx="527267" cy="527267"/>
           </a:xfrm>
           <a:prstGeom prst="rect">
@@ -13317,7 +13317,7 @@
         </p:nvSpPr>
         <p:spPr>
           <a:xfrm>
-            <a:off x="11964315" y="7672178"/>
+            <a:off x="11964315" y="8185124"/>
             <a:ext cx="423360" cy="258964"/>
           </a:xfrm>
           <a:prstGeom prst="rect">
@@ -13399,13 +13399,13 @@
           <p:nvPr>
             <p:extLst>
               <p:ext uri="{D42A27DB-BD31-4B8C-83A1-F6EECF244321}">
-                <p14:modId xmlns:p14="http://schemas.microsoft.com/office/powerpoint/2010/main" val="703938673"/>
+                <p14:modId xmlns:p14="http://schemas.microsoft.com/office/powerpoint/2010/main" val="2308114841"/>
               </p:ext>
             </p:extLst>
           </p:nvPr>
         </p:nvGraphicFramePr>
         <p:xfrm>
-          <a:off x="12545501" y="7597257"/>
+          <a:off x="12545501" y="8110203"/>
           <a:ext cx="369704" cy="373251"/>
         </p:xfrm>
         <a:graphic>
@@ -13825,7 +13825,7 @@
         </p:nvCxnSpPr>
         <p:spPr>
           <a:xfrm>
-            <a:off x="11789272" y="7791895"/>
+            <a:off x="11789272" y="8304841"/>
             <a:ext cx="167561" cy="4430"/>
           </a:xfrm>
           <a:prstGeom prst="straightConnector1">
@@ -13872,7 +13872,7 @@
         </p:nvCxnSpPr>
         <p:spPr>
           <a:xfrm>
-            <a:off x="12344577" y="7794319"/>
+            <a:off x="12344577" y="8307265"/>
             <a:ext cx="167561" cy="4430"/>
           </a:xfrm>
           <a:prstGeom prst="straightConnector1">
@@ -13934,7 +13934,7 @@
         </p:blipFill>
         <p:spPr>
           <a:xfrm>
-            <a:off x="10701068" y="7531441"/>
+            <a:off x="10701068" y="8044387"/>
             <a:ext cx="527267" cy="527267"/>
           </a:xfrm>
           <a:prstGeom prst="rect">
@@ -13956,7 +13956,7 @@
         </p:nvSpPr>
         <p:spPr>
           <a:xfrm>
-            <a:off x="11256348" y="7957998"/>
+            <a:off x="11256348" y="8470944"/>
             <a:ext cx="781573" cy="258964"/>
           </a:xfrm>
           <a:prstGeom prst="rect">
@@ -14056,7 +14056,7 @@
         </p:nvSpPr>
         <p:spPr>
           <a:xfrm>
-            <a:off x="11840629" y="7950910"/>
+            <a:off x="11840629" y="8463856"/>
             <a:ext cx="781573" cy="258964"/>
           </a:xfrm>
           <a:prstGeom prst="rect">
@@ -14143,7 +14143,7 @@
         </p:nvSpPr>
         <p:spPr>
           <a:xfrm>
-            <a:off x="10638009" y="7960054"/>
+            <a:off x="10638009" y="8473000"/>
             <a:ext cx="745139" cy="258964"/>
           </a:xfrm>
           <a:prstGeom prst="rect">
@@ -14244,7 +14244,7 @@
         </p:nvCxnSpPr>
         <p:spPr>
           <a:xfrm>
-            <a:off x="11193006" y="7792839"/>
+            <a:off x="11193006" y="8305785"/>
             <a:ext cx="167561" cy="4430"/>
           </a:xfrm>
           <a:prstGeom prst="straightConnector1">
@@ -14289,7 +14289,7 @@
         </p:nvSpPr>
         <p:spPr>
           <a:xfrm>
-            <a:off x="10631113" y="7350602"/>
+            <a:off x="10631113" y="7863548"/>
             <a:ext cx="2365131" cy="899988"/>
           </a:xfrm>
           <a:prstGeom prst="rect">

--- a/cheatsheets/project-analysis-cheatsheet.pptx
+++ b/cheatsheets/project-analysis-cheatsheet.pptx
@@ -2201,7 +2201,7 @@
           </a:ln>
           <a:extLst>
             <a:ext uri="{C572A759-6A51-4108-AA02-DFA0A04FC94B}">
-              <ma14:wrappingTextBoxFlag xmlns:ma14="http://schemas.microsoft.com/office/mac/drawingml/2011/main" xmlns:a14="http://schemas.microsoft.com/office/drawing/2010/main" xmlns:m="http://schemas.openxmlformats.org/officeDocument/2006/math" xmlns="" val="1"/>
+              <ma14:wrappingTextBoxFlag xmlns="" xmlns:m="http://schemas.openxmlformats.org/officeDocument/2006/math" xmlns:a14="http://schemas.microsoft.com/office/drawing/2010/main" xmlns:ma14="http://schemas.microsoft.com/office/mac/drawingml/2011/main" val="1"/>
             </a:ext>
           </a:extLst>
         </p:spPr>
@@ -2240,7 +2240,7 @@
           </a:ln>
           <a:extLst>
             <a:ext uri="{C572A759-6A51-4108-AA02-DFA0A04FC94B}">
-              <ma14:wrappingTextBoxFlag xmlns:ma14="http://schemas.microsoft.com/office/mac/drawingml/2011/main" xmlns:a14="http://schemas.microsoft.com/office/drawing/2010/main" xmlns:m="http://schemas.openxmlformats.org/officeDocument/2006/math" xmlns="" val="1"/>
+              <ma14:wrappingTextBoxFlag xmlns="" xmlns:m="http://schemas.openxmlformats.org/officeDocument/2006/math" xmlns:a14="http://schemas.microsoft.com/office/drawing/2010/main" xmlns:ma14="http://schemas.microsoft.com/office/mac/drawingml/2011/main" val="1"/>
             </a:ext>
           </a:extLst>
         </p:spPr>
@@ -3252,7 +3252,7 @@
           </a:ln>
           <a:extLst>
             <a:ext uri="{C572A759-6A51-4108-AA02-DFA0A04FC94B}">
-              <ma14:wrappingTextBoxFlag xmlns:ma14="http://schemas.microsoft.com/office/mac/drawingml/2011/main" xmlns:a14="http://schemas.microsoft.com/office/drawing/2010/main" xmlns:m="http://schemas.openxmlformats.org/officeDocument/2006/math" xmlns="" val="1"/>
+              <ma14:wrappingTextBoxFlag xmlns="" xmlns:m="http://schemas.openxmlformats.org/officeDocument/2006/math" xmlns:a14="http://schemas.microsoft.com/office/drawing/2010/main" xmlns:ma14="http://schemas.microsoft.com/office/mac/drawingml/2011/main" val="1"/>
             </a:ext>
           </a:extLst>
         </p:spPr>
@@ -3304,7 +3304,7 @@
           </a:ln>
           <a:extLst>
             <a:ext uri="{C572A759-6A51-4108-AA02-DFA0A04FC94B}">
-              <ma14:wrappingTextBoxFlag xmlns:ma14="http://schemas.microsoft.com/office/mac/drawingml/2011/main" xmlns:a14="http://schemas.microsoft.com/office/drawing/2010/main" xmlns:m="http://schemas.openxmlformats.org/officeDocument/2006/math" xmlns="" val="1"/>
+              <ma14:wrappingTextBoxFlag xmlns="" xmlns:m="http://schemas.openxmlformats.org/officeDocument/2006/math" xmlns:a14="http://schemas.microsoft.com/office/drawing/2010/main" xmlns:ma14="http://schemas.microsoft.com/office/mac/drawingml/2011/main" val="1"/>
             </a:ext>
           </a:extLst>
         </p:spPr>
@@ -3402,7 +3402,7 @@
           </a:ln>
           <a:extLst>
             <a:ext uri="{C572A759-6A51-4108-AA02-DFA0A04FC94B}">
-              <ma14:wrappingTextBoxFlag xmlns:ma14="http://schemas.microsoft.com/office/mac/drawingml/2011/main" xmlns:a14="http://schemas.microsoft.com/office/drawing/2010/main" xmlns:m="http://schemas.openxmlformats.org/officeDocument/2006/math" xmlns="" val="1"/>
+              <ma14:wrappingTextBoxFlag xmlns="" xmlns:m="http://schemas.openxmlformats.org/officeDocument/2006/math" xmlns:a14="http://schemas.microsoft.com/office/drawing/2010/main" xmlns:ma14="http://schemas.microsoft.com/office/mac/drawingml/2011/main" val="1"/>
             </a:ext>
           </a:extLst>
         </p:spPr>
@@ -3513,7 +3513,7 @@
           </a:ln>
           <a:extLst>
             <a:ext uri="{C572A759-6A51-4108-AA02-DFA0A04FC94B}">
-              <ma14:wrappingTextBoxFlag xmlns:ma14="http://schemas.microsoft.com/office/mac/drawingml/2011/main" xmlns:a14="http://schemas.microsoft.com/office/drawing/2010/main" xmlns:m="http://schemas.openxmlformats.org/officeDocument/2006/math" xmlns="" val="1"/>
+              <ma14:wrappingTextBoxFlag xmlns="" xmlns:m="http://schemas.openxmlformats.org/officeDocument/2006/math" xmlns:a14="http://schemas.microsoft.com/office/drawing/2010/main" xmlns:ma14="http://schemas.microsoft.com/office/mac/drawingml/2011/main" val="1"/>
             </a:ext>
           </a:extLst>
         </p:spPr>
@@ -3562,7 +3562,7 @@
           </a:ln>
           <a:extLst>
             <a:ext uri="{C572A759-6A51-4108-AA02-DFA0A04FC94B}">
-              <ma14:wrappingTextBoxFlag xmlns:ma14="http://schemas.microsoft.com/office/mac/drawingml/2011/main" xmlns:a14="http://schemas.microsoft.com/office/drawing/2010/main" xmlns:m="http://schemas.openxmlformats.org/officeDocument/2006/math" xmlns="" val="1"/>
+              <ma14:wrappingTextBoxFlag xmlns="" xmlns:m="http://schemas.openxmlformats.org/officeDocument/2006/math" xmlns:a14="http://schemas.microsoft.com/office/drawing/2010/main" xmlns:ma14="http://schemas.microsoft.com/office/mac/drawingml/2011/main" val="1"/>
             </a:ext>
           </a:extLst>
         </p:spPr>
@@ -3881,7 +3881,7 @@
           </a:ln>
           <a:extLst>
             <a:ext uri="{C572A759-6A51-4108-AA02-DFA0A04FC94B}">
-              <ma14:wrappingTextBoxFlag xmlns:ma14="http://schemas.microsoft.com/office/mac/drawingml/2011/main" xmlns:a14="http://schemas.microsoft.com/office/drawing/2010/main" xmlns:m="http://schemas.openxmlformats.org/officeDocument/2006/math" xmlns="" val="1"/>
+              <ma14:wrappingTextBoxFlag xmlns="" xmlns:m="http://schemas.openxmlformats.org/officeDocument/2006/math" xmlns:a14="http://schemas.microsoft.com/office/drawing/2010/main" xmlns:ma14="http://schemas.microsoft.com/office/mac/drawingml/2011/main" val="1"/>
             </a:ext>
           </a:extLst>
         </p:spPr>
@@ -4119,7 +4119,7 @@
           </a:ln>
           <a:extLst>
             <a:ext uri="{C572A759-6A51-4108-AA02-DFA0A04FC94B}">
-              <ma14:wrappingTextBoxFlag xmlns:ma14="http://schemas.microsoft.com/office/mac/drawingml/2011/main" xmlns:a14="http://schemas.microsoft.com/office/drawing/2010/main" xmlns:m="http://schemas.openxmlformats.org/officeDocument/2006/math" xmlns="" val="1"/>
+              <ma14:wrappingTextBoxFlag xmlns="" xmlns:m="http://schemas.openxmlformats.org/officeDocument/2006/math" xmlns:a14="http://schemas.microsoft.com/office/drawing/2010/main" xmlns:ma14="http://schemas.microsoft.com/office/mac/drawingml/2011/main" val="1"/>
             </a:ext>
           </a:extLst>
         </p:spPr>
@@ -6138,7 +6138,7 @@
           </a:ln>
           <a:extLst>
             <a:ext uri="{C572A759-6A51-4108-AA02-DFA0A04FC94B}">
-              <ma14:wrappingTextBoxFlag xmlns:ma14="http://schemas.microsoft.com/office/mac/drawingml/2011/main" xmlns:a14="http://schemas.microsoft.com/office/drawing/2010/main" xmlns:m="http://schemas.openxmlformats.org/officeDocument/2006/math" xmlns="" val="1"/>
+              <ma14:wrappingTextBoxFlag xmlns="" xmlns:m="http://schemas.openxmlformats.org/officeDocument/2006/math" xmlns:a14="http://schemas.microsoft.com/office/drawing/2010/main" xmlns:ma14="http://schemas.microsoft.com/office/mac/drawingml/2011/main" val="1"/>
             </a:ext>
           </a:extLst>
         </p:spPr>
@@ -6495,7 +6495,7 @@
           </a:ln>
           <a:extLst>
             <a:ext uri="{C572A759-6A51-4108-AA02-DFA0A04FC94B}">
-              <ma14:wrappingTextBoxFlag xmlns:ma14="http://schemas.microsoft.com/office/mac/drawingml/2011/main" xmlns:a14="http://schemas.microsoft.com/office/drawing/2010/main" xmlns:m="http://schemas.openxmlformats.org/officeDocument/2006/math" xmlns="" val="1"/>
+              <ma14:wrappingTextBoxFlag xmlns="" xmlns:m="http://schemas.openxmlformats.org/officeDocument/2006/math" xmlns:a14="http://schemas.microsoft.com/office/drawing/2010/main" xmlns:ma14="http://schemas.microsoft.com/office/mac/drawingml/2011/main" val="1"/>
             </a:ext>
           </a:extLst>
         </p:spPr>
@@ -6686,7 +6686,7 @@
           </a:ln>
           <a:extLst>
             <a:ext uri="{C572A759-6A51-4108-AA02-DFA0A04FC94B}">
-              <ma14:wrappingTextBoxFlag xmlns:ma14="http://schemas.microsoft.com/office/mac/drawingml/2011/main" xmlns:a14="http://schemas.microsoft.com/office/drawing/2010/main" xmlns:m="http://schemas.openxmlformats.org/officeDocument/2006/math" xmlns="" val="1"/>
+              <ma14:wrappingTextBoxFlag xmlns="" xmlns:m="http://schemas.openxmlformats.org/officeDocument/2006/math" xmlns:a14="http://schemas.microsoft.com/office/drawing/2010/main" xmlns:ma14="http://schemas.microsoft.com/office/mac/drawingml/2011/main" val="1"/>
             </a:ext>
           </a:extLst>
         </p:spPr>
@@ -6859,7 +6859,7 @@
           </a:ln>
           <a:extLst>
             <a:ext uri="{C572A759-6A51-4108-AA02-DFA0A04FC94B}">
-              <ma14:wrappingTextBoxFlag xmlns:ma14="http://schemas.microsoft.com/office/mac/drawingml/2011/main" xmlns:a14="http://schemas.microsoft.com/office/drawing/2010/main" xmlns:m="http://schemas.openxmlformats.org/officeDocument/2006/math" xmlns="" val="1"/>
+              <ma14:wrappingTextBoxFlag xmlns="" xmlns:m="http://schemas.openxmlformats.org/officeDocument/2006/math" xmlns:a14="http://schemas.microsoft.com/office/drawing/2010/main" xmlns:ma14="http://schemas.microsoft.com/office/mac/drawingml/2011/main" val="1"/>
             </a:ext>
           </a:extLst>
         </p:spPr>
@@ -7072,7 +7072,7 @@
           </a:ln>
           <a:extLst>
             <a:ext uri="{C572A759-6A51-4108-AA02-DFA0A04FC94B}">
-              <ma14:wrappingTextBoxFlag xmlns:m="http://schemas.openxmlformats.org/officeDocument/2006/math" xmlns:a14="http://schemas.microsoft.com/office/drawing/2010/main" xmlns:ma14="http://schemas.microsoft.com/office/mac/drawingml/2011/main" xmlns="" val="1"/>
+              <ma14:wrappingTextBoxFlag xmlns="" xmlns:ma14="http://schemas.microsoft.com/office/mac/drawingml/2011/main" xmlns:a14="http://schemas.microsoft.com/office/drawing/2010/main" xmlns:m="http://schemas.openxmlformats.org/officeDocument/2006/math" val="1"/>
             </a:ext>
           </a:extLst>
         </p:spPr>
@@ -7128,7 +7128,7 @@
           </a:ln>
           <a:extLst>
             <a:ext uri="{C572A759-6A51-4108-AA02-DFA0A04FC94B}">
-              <ma14:wrappingTextBoxFlag xmlns="" xmlns:m="http://schemas.openxmlformats.org/officeDocument/2006/math" xmlns:a14="http://schemas.microsoft.com/office/drawing/2010/main" xmlns:ma14="http://schemas.microsoft.com/office/mac/drawingml/2011/main" val="1"/>
+              <ma14:wrappingTextBoxFlag xmlns:ma14="http://schemas.microsoft.com/office/mac/drawingml/2011/main" xmlns:a14="http://schemas.microsoft.com/office/drawing/2010/main" xmlns:m="http://schemas.openxmlformats.org/officeDocument/2006/math" xmlns="" val="1"/>
             </a:ext>
           </a:extLst>
         </p:spPr>
@@ -14364,10 +14364,10 @@
       </p:sp>
       <p:pic>
         <p:nvPicPr>
-          <p:cNvPr id="31" name="Picture 30">
+          <p:cNvPr id="27" name="Picture 26" descr="A screenshot of a computer&#10;&#10;Description automatically generated">
             <a:extLst>
               <a:ext uri="{FF2B5EF4-FFF2-40B4-BE49-F238E27FC236}">
-                <a16:creationId xmlns:a16="http://schemas.microsoft.com/office/drawing/2014/main" id="{F7BE3922-D306-4814-2549-B227C8A7AB8A}"/>
+                <a16:creationId xmlns:a16="http://schemas.microsoft.com/office/drawing/2014/main" id="{D205F759-4D04-FCC6-834D-4B385C6E14B0}"/>
               </a:ext>
             </a:extLst>
           </p:cNvPr>
@@ -14377,15 +14377,21 @@
           <p:nvPr/>
         </p:nvPicPr>
         <p:blipFill>
-          <a:blip r:embed="rId18"/>
+          <a:blip r:embed="rId18" cstate="print">
+            <a:extLst>
+              <a:ext uri="{28A0092B-C50C-407E-A947-70E740481C1C}">
+                <a14:useLocalDpi xmlns:a14="http://schemas.microsoft.com/office/drawing/2010/main" val="0"/>
+              </a:ext>
+            </a:extLst>
+          </a:blip>
           <a:stretch>
             <a:fillRect/>
           </a:stretch>
         </p:blipFill>
         <p:spPr>
           <a:xfrm>
-            <a:off x="165226" y="7702205"/>
-            <a:ext cx="4506678" cy="2366097"/>
+            <a:off x="170343" y="7601838"/>
+            <a:ext cx="4167062" cy="2327504"/>
           </a:xfrm>
           <a:prstGeom prst="rect">
             <a:avLst/>

--- a/cheatsheets/project-analysis-cheatsheet.pptx
+++ b/cheatsheets/project-analysis-cheatsheet.pptx
@@ -2201,7 +2201,7 @@
           </a:ln>
           <a:extLst>
             <a:ext uri="{C572A759-6A51-4108-AA02-DFA0A04FC94B}">
-              <ma14:wrappingTextBoxFlag xmlns="" xmlns:m="http://schemas.openxmlformats.org/officeDocument/2006/math" xmlns:a14="http://schemas.microsoft.com/office/drawing/2010/main" xmlns:ma14="http://schemas.microsoft.com/office/mac/drawingml/2011/main" val="1"/>
+              <ma14:wrappingTextBoxFlag xmlns:ma14="http://schemas.microsoft.com/office/mac/drawingml/2011/main" xmlns:a14="http://schemas.microsoft.com/office/drawing/2010/main" xmlns:m="http://schemas.openxmlformats.org/officeDocument/2006/math" xmlns="" val="1"/>
             </a:ext>
           </a:extLst>
         </p:spPr>
@@ -2240,7 +2240,7 @@
           </a:ln>
           <a:extLst>
             <a:ext uri="{C572A759-6A51-4108-AA02-DFA0A04FC94B}">
-              <ma14:wrappingTextBoxFlag xmlns="" xmlns:m="http://schemas.openxmlformats.org/officeDocument/2006/math" xmlns:a14="http://schemas.microsoft.com/office/drawing/2010/main" xmlns:ma14="http://schemas.microsoft.com/office/mac/drawingml/2011/main" val="1"/>
+              <ma14:wrappingTextBoxFlag xmlns:ma14="http://schemas.microsoft.com/office/mac/drawingml/2011/main" xmlns:a14="http://schemas.microsoft.com/office/drawing/2010/main" xmlns:m="http://schemas.openxmlformats.org/officeDocument/2006/math" xmlns="" val="1"/>
             </a:ext>
           </a:extLst>
         </p:spPr>
@@ -3252,7 +3252,7 @@
           </a:ln>
           <a:extLst>
             <a:ext uri="{C572A759-6A51-4108-AA02-DFA0A04FC94B}">
-              <ma14:wrappingTextBoxFlag xmlns="" xmlns:m="http://schemas.openxmlformats.org/officeDocument/2006/math" xmlns:a14="http://schemas.microsoft.com/office/drawing/2010/main" xmlns:ma14="http://schemas.microsoft.com/office/mac/drawingml/2011/main" val="1"/>
+              <ma14:wrappingTextBoxFlag xmlns:ma14="http://schemas.microsoft.com/office/mac/drawingml/2011/main" xmlns:a14="http://schemas.microsoft.com/office/drawing/2010/main" xmlns:m="http://schemas.openxmlformats.org/officeDocument/2006/math" xmlns="" val="1"/>
             </a:ext>
           </a:extLst>
         </p:spPr>
@@ -3304,7 +3304,7 @@
           </a:ln>
           <a:extLst>
             <a:ext uri="{C572A759-6A51-4108-AA02-DFA0A04FC94B}">
-              <ma14:wrappingTextBoxFlag xmlns="" xmlns:m="http://schemas.openxmlformats.org/officeDocument/2006/math" xmlns:a14="http://schemas.microsoft.com/office/drawing/2010/main" xmlns:ma14="http://schemas.microsoft.com/office/mac/drawingml/2011/main" val="1"/>
+              <ma14:wrappingTextBoxFlag xmlns:ma14="http://schemas.microsoft.com/office/mac/drawingml/2011/main" xmlns:a14="http://schemas.microsoft.com/office/drawing/2010/main" xmlns:m="http://schemas.openxmlformats.org/officeDocument/2006/math" xmlns="" val="1"/>
             </a:ext>
           </a:extLst>
         </p:spPr>
@@ -3391,7 +3391,7 @@
         </p:nvSpPr>
         <p:spPr>
           <a:xfrm>
-            <a:off x="198780" y="2092793"/>
+            <a:off x="180266" y="2092793"/>
             <a:ext cx="3949153" cy="1145874"/>
           </a:xfrm>
           <a:prstGeom prst="rect">
@@ -3402,7 +3402,7 @@
           </a:ln>
           <a:extLst>
             <a:ext uri="{C572A759-6A51-4108-AA02-DFA0A04FC94B}">
-              <ma14:wrappingTextBoxFlag xmlns="" xmlns:m="http://schemas.openxmlformats.org/officeDocument/2006/math" xmlns:a14="http://schemas.microsoft.com/office/drawing/2010/main" xmlns:ma14="http://schemas.microsoft.com/office/mac/drawingml/2011/main" val="1"/>
+              <ma14:wrappingTextBoxFlag xmlns:ma14="http://schemas.microsoft.com/office/mac/drawingml/2011/main" xmlns:a14="http://schemas.microsoft.com/office/drawing/2010/main" xmlns:m="http://schemas.openxmlformats.org/officeDocument/2006/math" xmlns="" val="1"/>
             </a:ext>
           </a:extLst>
         </p:spPr>
@@ -3513,7 +3513,7 @@
           </a:ln>
           <a:extLst>
             <a:ext uri="{C572A759-6A51-4108-AA02-DFA0A04FC94B}">
-              <ma14:wrappingTextBoxFlag xmlns="" xmlns:m="http://schemas.openxmlformats.org/officeDocument/2006/math" xmlns:a14="http://schemas.microsoft.com/office/drawing/2010/main" xmlns:ma14="http://schemas.microsoft.com/office/mac/drawingml/2011/main" val="1"/>
+              <ma14:wrappingTextBoxFlag xmlns:ma14="http://schemas.microsoft.com/office/mac/drawingml/2011/main" xmlns:a14="http://schemas.microsoft.com/office/drawing/2010/main" xmlns:m="http://schemas.openxmlformats.org/officeDocument/2006/math" xmlns="" val="1"/>
             </a:ext>
           </a:extLst>
         </p:spPr>
@@ -3562,7 +3562,7 @@
           </a:ln>
           <a:extLst>
             <a:ext uri="{C572A759-6A51-4108-AA02-DFA0A04FC94B}">
-              <ma14:wrappingTextBoxFlag xmlns="" xmlns:m="http://schemas.openxmlformats.org/officeDocument/2006/math" xmlns:a14="http://schemas.microsoft.com/office/drawing/2010/main" xmlns:ma14="http://schemas.microsoft.com/office/mac/drawingml/2011/main" val="1"/>
+              <ma14:wrappingTextBoxFlag xmlns:ma14="http://schemas.microsoft.com/office/mac/drawingml/2011/main" xmlns:a14="http://schemas.microsoft.com/office/drawing/2010/main" xmlns:m="http://schemas.openxmlformats.org/officeDocument/2006/math" xmlns="" val="1"/>
             </a:ext>
           </a:extLst>
         </p:spPr>
@@ -3881,7 +3881,7 @@
           </a:ln>
           <a:extLst>
             <a:ext uri="{C572A759-6A51-4108-AA02-DFA0A04FC94B}">
-              <ma14:wrappingTextBoxFlag xmlns="" xmlns:m="http://schemas.openxmlformats.org/officeDocument/2006/math" xmlns:a14="http://schemas.microsoft.com/office/drawing/2010/main" xmlns:ma14="http://schemas.microsoft.com/office/mac/drawingml/2011/main" val="1"/>
+              <ma14:wrappingTextBoxFlag xmlns:ma14="http://schemas.microsoft.com/office/mac/drawingml/2011/main" xmlns:a14="http://schemas.microsoft.com/office/drawing/2010/main" xmlns:m="http://schemas.openxmlformats.org/officeDocument/2006/math" xmlns="" val="1"/>
             </a:ext>
           </a:extLst>
         </p:spPr>
@@ -4119,7 +4119,7 @@
           </a:ln>
           <a:extLst>
             <a:ext uri="{C572A759-6A51-4108-AA02-DFA0A04FC94B}">
-              <ma14:wrappingTextBoxFlag xmlns="" xmlns:m="http://schemas.openxmlformats.org/officeDocument/2006/math" xmlns:a14="http://schemas.microsoft.com/office/drawing/2010/main" xmlns:ma14="http://schemas.microsoft.com/office/mac/drawingml/2011/main" val="1"/>
+              <ma14:wrappingTextBoxFlag xmlns:ma14="http://schemas.microsoft.com/office/mac/drawingml/2011/main" xmlns:a14="http://schemas.microsoft.com/office/drawing/2010/main" xmlns:m="http://schemas.openxmlformats.org/officeDocument/2006/math" xmlns="" val="1"/>
             </a:ext>
           </a:extLst>
         </p:spPr>
@@ -6127,7 +6127,7 @@
         </p:nvSpPr>
         <p:spPr>
           <a:xfrm>
-            <a:off x="4728517" y="7188040"/>
+            <a:off x="4716784" y="7188040"/>
             <a:ext cx="3616562" cy="3127955"/>
           </a:xfrm>
           <a:prstGeom prst="rect">
@@ -6138,7 +6138,7 @@
           </a:ln>
           <a:extLst>
             <a:ext uri="{C572A759-6A51-4108-AA02-DFA0A04FC94B}">
-              <ma14:wrappingTextBoxFlag xmlns="" xmlns:m="http://schemas.openxmlformats.org/officeDocument/2006/math" xmlns:a14="http://schemas.microsoft.com/office/drawing/2010/main" xmlns:ma14="http://schemas.microsoft.com/office/mac/drawingml/2011/main" val="1"/>
+              <ma14:wrappingTextBoxFlag xmlns:ma14="http://schemas.microsoft.com/office/mac/drawingml/2011/main" xmlns:a14="http://schemas.microsoft.com/office/drawing/2010/main" xmlns:m="http://schemas.openxmlformats.org/officeDocument/2006/math" xmlns="" val="1"/>
             </a:ext>
           </a:extLst>
         </p:spPr>
@@ -6495,7 +6495,7 @@
           </a:ln>
           <a:extLst>
             <a:ext uri="{C572A759-6A51-4108-AA02-DFA0A04FC94B}">
-              <ma14:wrappingTextBoxFlag xmlns="" xmlns:m="http://schemas.openxmlformats.org/officeDocument/2006/math" xmlns:a14="http://schemas.microsoft.com/office/drawing/2010/main" xmlns:ma14="http://schemas.microsoft.com/office/mac/drawingml/2011/main" val="1"/>
+              <ma14:wrappingTextBoxFlag xmlns:ma14="http://schemas.microsoft.com/office/mac/drawingml/2011/main" xmlns:a14="http://schemas.microsoft.com/office/drawing/2010/main" xmlns:m="http://schemas.openxmlformats.org/officeDocument/2006/math" xmlns="" val="1"/>
             </a:ext>
           </a:extLst>
         </p:spPr>
@@ -6675,7 +6675,7 @@
         </p:nvSpPr>
         <p:spPr>
           <a:xfrm>
-            <a:off x="7270693" y="4594663"/>
+            <a:off x="7270693" y="4568719"/>
             <a:ext cx="1537505" cy="1273601"/>
           </a:xfrm>
           <a:prstGeom prst="rect">
@@ -6686,7 +6686,7 @@
           </a:ln>
           <a:extLst>
             <a:ext uri="{C572A759-6A51-4108-AA02-DFA0A04FC94B}">
-              <ma14:wrappingTextBoxFlag xmlns="" xmlns:m="http://schemas.openxmlformats.org/officeDocument/2006/math" xmlns:a14="http://schemas.microsoft.com/office/drawing/2010/main" xmlns:ma14="http://schemas.microsoft.com/office/mac/drawingml/2011/main" val="1"/>
+              <ma14:wrappingTextBoxFlag xmlns:ma14="http://schemas.microsoft.com/office/mac/drawingml/2011/main" xmlns:a14="http://schemas.microsoft.com/office/drawing/2010/main" xmlns:m="http://schemas.openxmlformats.org/officeDocument/2006/math" xmlns="" val="1"/>
             </a:ext>
           </a:extLst>
         </p:spPr>
@@ -6848,7 +6848,7 @@
         </p:nvSpPr>
         <p:spPr>
           <a:xfrm>
-            <a:off x="4721426" y="5978925"/>
+            <a:off x="4716784" y="5978925"/>
             <a:ext cx="4032978" cy="775003"/>
           </a:xfrm>
           <a:prstGeom prst="rect">
@@ -6859,7 +6859,7 @@
           </a:ln>
           <a:extLst>
             <a:ext uri="{C572A759-6A51-4108-AA02-DFA0A04FC94B}">
-              <ma14:wrappingTextBoxFlag xmlns="" xmlns:m="http://schemas.openxmlformats.org/officeDocument/2006/math" xmlns:a14="http://schemas.microsoft.com/office/drawing/2010/main" xmlns:ma14="http://schemas.microsoft.com/office/mac/drawingml/2011/main" val="1"/>
+              <ma14:wrappingTextBoxFlag xmlns:ma14="http://schemas.microsoft.com/office/mac/drawingml/2011/main" xmlns:a14="http://schemas.microsoft.com/office/drawing/2010/main" xmlns:m="http://schemas.openxmlformats.org/officeDocument/2006/math" xmlns="" val="1"/>
             </a:ext>
           </a:extLst>
         </p:spPr>
@@ -6964,16 +6964,6 @@
               <a:t> and </a:t>
             </a:r>
             <a:r>
-              <a:rPr lang="en-US" b="0" dirty="0">
-                <a:solidFill>
-                  <a:schemeClr val="accent1"/>
-                </a:solidFill>
-                <a:latin typeface="Source Sans Pro" panose="020B0503030403020204" pitchFamily="34" charset="0"/>
-                <a:ea typeface="Source Sans Pro" panose="020B0503030403020204" pitchFamily="34" charset="0"/>
-              </a:rPr>
-              <a:t>E</a:t>
-            </a:r>
-            <a:r>
               <a:rPr lang="en-US" dirty="0">
                 <a:solidFill>
                   <a:schemeClr val="accent1"/>
@@ -6982,7 +6972,7 @@
                 <a:ea typeface="Source Sans Pro" panose="020B0503030403020204" pitchFamily="34" charset="0"/>
                 <a:sym typeface="Source Sans Pro"/>
               </a:rPr>
-              <a:t>xec scripts</a:t>
+              <a:t>exec scripts</a:t>
             </a:r>
             <a:r>
               <a:rPr lang="en-US" b="0" dirty="0">
@@ -7072,7 +7062,7 @@
           </a:ln>
           <a:extLst>
             <a:ext uri="{C572A759-6A51-4108-AA02-DFA0A04FC94B}">
-              <ma14:wrappingTextBoxFlag xmlns="" xmlns:ma14="http://schemas.microsoft.com/office/mac/drawingml/2011/main" xmlns:a14="http://schemas.microsoft.com/office/drawing/2010/main" xmlns:m="http://schemas.openxmlformats.org/officeDocument/2006/math" val="1"/>
+              <ma14:wrappingTextBoxFlag xmlns:m="http://schemas.openxmlformats.org/officeDocument/2006/math" xmlns:a14="http://schemas.microsoft.com/office/drawing/2010/main" xmlns:ma14="http://schemas.microsoft.com/office/mac/drawingml/2011/main" xmlns="" val="1"/>
             </a:ext>
           </a:extLst>
         </p:spPr>
@@ -7128,7 +7118,7 @@
           </a:ln>
           <a:extLst>
             <a:ext uri="{C572A759-6A51-4108-AA02-DFA0A04FC94B}">
-              <ma14:wrappingTextBoxFlag xmlns:ma14="http://schemas.microsoft.com/office/mac/drawingml/2011/main" xmlns:a14="http://schemas.microsoft.com/office/drawing/2010/main" xmlns:m="http://schemas.openxmlformats.org/officeDocument/2006/math" xmlns="" val="1"/>
+              <ma14:wrappingTextBoxFlag xmlns="" xmlns:m="http://schemas.openxmlformats.org/officeDocument/2006/math" xmlns:a14="http://schemas.microsoft.com/office/drawing/2010/main" xmlns:ma14="http://schemas.microsoft.com/office/mac/drawingml/2011/main" val="1"/>
             </a:ext>
           </a:extLst>
         </p:spPr>
@@ -7172,7 +7162,7 @@
         </p:nvSpPr>
         <p:spPr>
           <a:xfrm>
-            <a:off x="9570182" y="5858317"/>
+            <a:off x="9530976" y="5858317"/>
             <a:ext cx="3968070" cy="481077"/>
           </a:xfrm>
           <a:prstGeom prst="rect">
@@ -7243,19 +7233,9 @@
                 </a:solidFill>
                 <a:latin typeface="Source Sans Pro" panose="020B0503030403020204" pitchFamily="34" charset="0"/>
                 <a:ea typeface="Source Sans Pro" panose="020B0503030403020204" pitchFamily="34" charset="0"/>
-              </a:rPr>
-              <a:t>E</a:t>
-            </a:r>
-            <a:r>
-              <a:rPr lang="en-US" dirty="0">
-                <a:solidFill>
-                  <a:schemeClr val="accent1"/>
-                </a:solidFill>
-                <a:latin typeface="Source Sans Pro" panose="020B0503030403020204" pitchFamily="34" charset="0"/>
-                <a:ea typeface="Source Sans Pro" panose="020B0503030403020204" pitchFamily="34" charset="0"/>
                 <a:sym typeface="Source Sans Pro"/>
               </a:rPr>
-              <a:t>xec scripts</a:t>
+              <a:t>exec scripts</a:t>
             </a:r>
             <a:r>
               <a:rPr lang="en-US" dirty="0">
@@ -8710,7 +8690,7 @@
                 <a:latin typeface="Source Sans Pro" panose="020B0503030403020204" pitchFamily="34" charset="0"/>
                 <a:ea typeface="Source Sans Pro" panose="020B0503030403020204" pitchFamily="34" charset="0"/>
               </a:rPr>
-              <a:t>E</a:t>
+              <a:t>e</a:t>
             </a:r>
             <a:r>
               <a:rPr lang="en-US" b="0" dirty="0">
@@ -8751,7 +8731,7 @@
         </p:nvSpPr>
         <p:spPr>
           <a:xfrm>
-            <a:off x="9573838" y="1969106"/>
+            <a:off x="9560056" y="1969106"/>
             <a:ext cx="4001400" cy="647236"/>
           </a:xfrm>
           <a:prstGeom prst="rect">
@@ -9760,7 +9740,7 @@
         </p:nvSpPr>
         <p:spPr>
           <a:xfrm>
-            <a:off x="11730381" y="3876718"/>
+            <a:off x="11730381" y="3865681"/>
             <a:ext cx="527267" cy="258964"/>
           </a:xfrm>
           <a:prstGeom prst="rect">
@@ -10342,7 +10322,17 @@
                 <a:latin typeface="Source Sans Pro" panose="020B0503030403020204" pitchFamily="34" charset="0"/>
                 <a:ea typeface="Source Sans Pro" panose="020B0503030403020204" pitchFamily="34" charset="0"/>
               </a:rPr>
-              <a:t>Executable files </a:t>
+              <a:t>Exec </a:t>
+            </a:r>
+            <a:r>
+              <a:rPr lang="en-US" b="0" dirty="0">
+                <a:solidFill>
+                  <a:schemeClr val="accent1"/>
+                </a:solidFill>
+                <a:latin typeface="Source Sans Pro" panose="020B0503030403020204" pitchFamily="34" charset="0"/>
+                <a:ea typeface="Source Sans Pro" panose="020B0503030403020204" pitchFamily="34" charset="0"/>
+              </a:rPr>
+              <a:t>scripts </a:t>
             </a:r>
             <a:r>
               <a:rPr lang="en-US" b="0" i="0" u="none" strike="noStrike" dirty="0">
@@ -12225,7 +12215,7 @@
         </p:nvSpPr>
         <p:spPr>
           <a:xfrm>
-            <a:off x="8858831" y="7104358"/>
+            <a:off x="8856131" y="7104358"/>
             <a:ext cx="1075025" cy="258964"/>
           </a:xfrm>
           <a:prstGeom prst="rect">
@@ -12732,7 +12722,7 @@
         </p:nvSpPr>
         <p:spPr>
           <a:xfrm>
-            <a:off x="11252289" y="7416111"/>
+            <a:off x="11252289" y="7409023"/>
             <a:ext cx="781573" cy="258964"/>
           </a:xfrm>
           <a:prstGeom prst="rect">
@@ -12919,7 +12909,7 @@
         </p:nvSpPr>
         <p:spPr>
           <a:xfrm>
-            <a:off x="10633950" y="7418167"/>
+            <a:off x="10633950" y="7409023"/>
             <a:ext cx="745139" cy="258964"/>
           </a:xfrm>
           <a:prstGeom prst="rect">
@@ -13956,7 +13946,7 @@
         </p:nvSpPr>
         <p:spPr>
           <a:xfrm>
-            <a:off x="11256348" y="8470944"/>
+            <a:off x="11256348" y="8463856"/>
             <a:ext cx="781573" cy="258964"/>
           </a:xfrm>
           <a:prstGeom prst="rect">
@@ -14143,7 +14133,7 @@
         </p:nvSpPr>
         <p:spPr>
           <a:xfrm>
-            <a:off x="10638009" y="8473000"/>
+            <a:off x="10638009" y="8463856"/>
             <a:ext cx="745139" cy="258964"/>
           </a:xfrm>
           <a:prstGeom prst="rect">

--- a/cheatsheets/project-analysis-cheatsheet.pptx
+++ b/cheatsheets/project-analysis-cheatsheet.pptx
@@ -2201,7 +2201,7 @@
           </a:ln>
           <a:extLst>
             <a:ext uri="{C572A759-6A51-4108-AA02-DFA0A04FC94B}">
-              <ma14:wrappingTextBoxFlag xmlns:ma14="http://schemas.microsoft.com/office/mac/drawingml/2011/main" xmlns:a14="http://schemas.microsoft.com/office/drawing/2010/main" xmlns:m="http://schemas.openxmlformats.org/officeDocument/2006/math" xmlns="" val="1"/>
+              <ma14:wrappingTextBoxFlag xmlns="" xmlns:m="http://schemas.openxmlformats.org/officeDocument/2006/math" xmlns:a14="http://schemas.microsoft.com/office/drawing/2010/main" xmlns:ma14="http://schemas.microsoft.com/office/mac/drawingml/2011/main" val="1"/>
             </a:ext>
           </a:extLst>
         </p:spPr>
@@ -2240,7 +2240,7 @@
           </a:ln>
           <a:extLst>
             <a:ext uri="{C572A759-6A51-4108-AA02-DFA0A04FC94B}">
-              <ma14:wrappingTextBoxFlag xmlns:ma14="http://schemas.microsoft.com/office/mac/drawingml/2011/main" xmlns:a14="http://schemas.microsoft.com/office/drawing/2010/main" xmlns:m="http://schemas.openxmlformats.org/officeDocument/2006/math" xmlns="" val="1"/>
+              <ma14:wrappingTextBoxFlag xmlns="" xmlns:m="http://schemas.openxmlformats.org/officeDocument/2006/math" xmlns:a14="http://schemas.microsoft.com/office/drawing/2010/main" xmlns:ma14="http://schemas.microsoft.com/office/mac/drawingml/2011/main" val="1"/>
             </a:ext>
           </a:extLst>
         </p:spPr>
@@ -3252,7 +3252,7 @@
           </a:ln>
           <a:extLst>
             <a:ext uri="{C572A759-6A51-4108-AA02-DFA0A04FC94B}">
-              <ma14:wrappingTextBoxFlag xmlns:ma14="http://schemas.microsoft.com/office/mac/drawingml/2011/main" xmlns:a14="http://schemas.microsoft.com/office/drawing/2010/main" xmlns:m="http://schemas.openxmlformats.org/officeDocument/2006/math" xmlns="" val="1"/>
+              <ma14:wrappingTextBoxFlag xmlns="" xmlns:m="http://schemas.openxmlformats.org/officeDocument/2006/math" xmlns:a14="http://schemas.microsoft.com/office/drawing/2010/main" xmlns:ma14="http://schemas.microsoft.com/office/mac/drawingml/2011/main" val="1"/>
             </a:ext>
           </a:extLst>
         </p:spPr>
@@ -3304,7 +3304,7 @@
           </a:ln>
           <a:extLst>
             <a:ext uri="{C572A759-6A51-4108-AA02-DFA0A04FC94B}">
-              <ma14:wrappingTextBoxFlag xmlns:ma14="http://schemas.microsoft.com/office/mac/drawingml/2011/main" xmlns:a14="http://schemas.microsoft.com/office/drawing/2010/main" xmlns:m="http://schemas.openxmlformats.org/officeDocument/2006/math" xmlns="" val="1"/>
+              <ma14:wrappingTextBoxFlag xmlns="" xmlns:m="http://schemas.openxmlformats.org/officeDocument/2006/math" xmlns:a14="http://schemas.microsoft.com/office/drawing/2010/main" xmlns:ma14="http://schemas.microsoft.com/office/mac/drawingml/2011/main" val="1"/>
             </a:ext>
           </a:extLst>
         </p:spPr>
@@ -3402,7 +3402,7 @@
           </a:ln>
           <a:extLst>
             <a:ext uri="{C572A759-6A51-4108-AA02-DFA0A04FC94B}">
-              <ma14:wrappingTextBoxFlag xmlns:ma14="http://schemas.microsoft.com/office/mac/drawingml/2011/main" xmlns:a14="http://schemas.microsoft.com/office/drawing/2010/main" xmlns:m="http://schemas.openxmlformats.org/officeDocument/2006/math" xmlns="" val="1"/>
+              <ma14:wrappingTextBoxFlag xmlns="" xmlns:m="http://schemas.openxmlformats.org/officeDocument/2006/math" xmlns:a14="http://schemas.microsoft.com/office/drawing/2010/main" xmlns:ma14="http://schemas.microsoft.com/office/mac/drawingml/2011/main" val="1"/>
             </a:ext>
           </a:extLst>
         </p:spPr>
@@ -3513,7 +3513,7 @@
           </a:ln>
           <a:extLst>
             <a:ext uri="{C572A759-6A51-4108-AA02-DFA0A04FC94B}">
-              <ma14:wrappingTextBoxFlag xmlns:ma14="http://schemas.microsoft.com/office/mac/drawingml/2011/main" xmlns:a14="http://schemas.microsoft.com/office/drawing/2010/main" xmlns:m="http://schemas.openxmlformats.org/officeDocument/2006/math" xmlns="" val="1"/>
+              <ma14:wrappingTextBoxFlag xmlns="" xmlns:m="http://schemas.openxmlformats.org/officeDocument/2006/math" xmlns:a14="http://schemas.microsoft.com/office/drawing/2010/main" xmlns:ma14="http://schemas.microsoft.com/office/mac/drawingml/2011/main" val="1"/>
             </a:ext>
           </a:extLst>
         </p:spPr>
@@ -3562,7 +3562,7 @@
           </a:ln>
           <a:extLst>
             <a:ext uri="{C572A759-6A51-4108-AA02-DFA0A04FC94B}">
-              <ma14:wrappingTextBoxFlag xmlns:ma14="http://schemas.microsoft.com/office/mac/drawingml/2011/main" xmlns:a14="http://schemas.microsoft.com/office/drawing/2010/main" xmlns:m="http://schemas.openxmlformats.org/officeDocument/2006/math" xmlns="" val="1"/>
+              <ma14:wrappingTextBoxFlag xmlns="" xmlns:m="http://schemas.openxmlformats.org/officeDocument/2006/math" xmlns:a14="http://schemas.microsoft.com/office/drawing/2010/main" xmlns:ma14="http://schemas.microsoft.com/office/mac/drawingml/2011/main" val="1"/>
             </a:ext>
           </a:extLst>
         </p:spPr>
@@ -3797,7 +3797,32 @@
                 <a:cs typeface="Source Sans Pro"/>
                 <a:sym typeface="Source Sans Pro"/>
               </a:rPr>
-              <a:t>ulu package version 0.0.0.9700 (in development) •  Updated: 2025-</a:t>
+              <a:t>ulu package version 0.0.0.9700 (in development) •  Updated: 202</a:t>
+            </a:r>
+            <a:r>
+              <a:rPr lang="en-US" sz="1000" b="0" dirty="0">
+                <a:solidFill>
+                  <a:schemeClr val="tx1"/>
+                </a:solidFill>
+              </a:rPr>
+              <a:t>4</a:t>
+            </a:r>
+            <a:r>
+              <a:rPr kumimoji="0" lang="en-US" sz="1000" b="0" i="0" u="none" strike="noStrike" cap="none" spc="0" normalizeH="0" baseline="0" dirty="0">
+                <a:ln>
+                  <a:noFill/>
+                </a:ln>
+                <a:solidFill>
+                  <a:schemeClr val="tx1"/>
+                </a:solidFill>
+                <a:effectLst/>
+                <a:uFillTx/>
+                <a:latin typeface="Source Sans Pro"/>
+                <a:ea typeface="Source Sans Pro"/>
+                <a:cs typeface="Source Sans Pro"/>
+                <a:sym typeface="Source Sans Pro"/>
+              </a:rPr>
+              <a:t>-</a:t>
             </a:r>
             <a:r>
               <a:rPr lang="en-US" sz="1000" b="0" dirty="0">
@@ -3881,7 +3906,7 @@
           </a:ln>
           <a:extLst>
             <a:ext uri="{C572A759-6A51-4108-AA02-DFA0A04FC94B}">
-              <ma14:wrappingTextBoxFlag xmlns:ma14="http://schemas.microsoft.com/office/mac/drawingml/2011/main" xmlns:a14="http://schemas.microsoft.com/office/drawing/2010/main" xmlns:m="http://schemas.openxmlformats.org/officeDocument/2006/math" xmlns="" val="1"/>
+              <ma14:wrappingTextBoxFlag xmlns="" xmlns:m="http://schemas.openxmlformats.org/officeDocument/2006/math" xmlns:a14="http://schemas.microsoft.com/office/drawing/2010/main" xmlns:ma14="http://schemas.microsoft.com/office/mac/drawingml/2011/main" val="1"/>
             </a:ext>
           </a:extLst>
         </p:spPr>
@@ -4119,7 +4144,7 @@
           </a:ln>
           <a:extLst>
             <a:ext uri="{C572A759-6A51-4108-AA02-DFA0A04FC94B}">
-              <ma14:wrappingTextBoxFlag xmlns:ma14="http://schemas.microsoft.com/office/mac/drawingml/2011/main" xmlns:a14="http://schemas.microsoft.com/office/drawing/2010/main" xmlns:m="http://schemas.openxmlformats.org/officeDocument/2006/math" xmlns="" val="1"/>
+              <ma14:wrappingTextBoxFlag xmlns="" xmlns:m="http://schemas.openxmlformats.org/officeDocument/2006/math" xmlns:a14="http://schemas.microsoft.com/office/drawing/2010/main" xmlns:ma14="http://schemas.microsoft.com/office/mac/drawingml/2011/main" val="1"/>
             </a:ext>
           </a:extLst>
         </p:spPr>
@@ -6138,7 +6163,7 @@
           </a:ln>
           <a:extLst>
             <a:ext uri="{C572A759-6A51-4108-AA02-DFA0A04FC94B}">
-              <ma14:wrappingTextBoxFlag xmlns:ma14="http://schemas.microsoft.com/office/mac/drawingml/2011/main" xmlns:a14="http://schemas.microsoft.com/office/drawing/2010/main" xmlns:m="http://schemas.openxmlformats.org/officeDocument/2006/math" xmlns="" val="1"/>
+              <ma14:wrappingTextBoxFlag xmlns="" xmlns:m="http://schemas.openxmlformats.org/officeDocument/2006/math" xmlns:a14="http://schemas.microsoft.com/office/drawing/2010/main" xmlns:ma14="http://schemas.microsoft.com/office/mac/drawingml/2011/main" val="1"/>
             </a:ext>
           </a:extLst>
         </p:spPr>
@@ -6495,7 +6520,7 @@
           </a:ln>
           <a:extLst>
             <a:ext uri="{C572A759-6A51-4108-AA02-DFA0A04FC94B}">
-              <ma14:wrappingTextBoxFlag xmlns:ma14="http://schemas.microsoft.com/office/mac/drawingml/2011/main" xmlns:a14="http://schemas.microsoft.com/office/drawing/2010/main" xmlns:m="http://schemas.openxmlformats.org/officeDocument/2006/math" xmlns="" val="1"/>
+              <ma14:wrappingTextBoxFlag xmlns="" xmlns:m="http://schemas.openxmlformats.org/officeDocument/2006/math" xmlns:a14="http://schemas.microsoft.com/office/drawing/2010/main" xmlns:ma14="http://schemas.microsoft.com/office/mac/drawingml/2011/main" val="1"/>
             </a:ext>
           </a:extLst>
         </p:spPr>
@@ -6686,7 +6711,7 @@
           </a:ln>
           <a:extLst>
             <a:ext uri="{C572A759-6A51-4108-AA02-DFA0A04FC94B}">
-              <ma14:wrappingTextBoxFlag xmlns:ma14="http://schemas.microsoft.com/office/mac/drawingml/2011/main" xmlns:a14="http://schemas.microsoft.com/office/drawing/2010/main" xmlns:m="http://schemas.openxmlformats.org/officeDocument/2006/math" xmlns="" val="1"/>
+              <ma14:wrappingTextBoxFlag xmlns="" xmlns:m="http://schemas.openxmlformats.org/officeDocument/2006/math" xmlns:a14="http://schemas.microsoft.com/office/drawing/2010/main" xmlns:ma14="http://schemas.microsoft.com/office/mac/drawingml/2011/main" val="1"/>
             </a:ext>
           </a:extLst>
         </p:spPr>
@@ -6859,7 +6884,7 @@
           </a:ln>
           <a:extLst>
             <a:ext uri="{C572A759-6A51-4108-AA02-DFA0A04FC94B}">
-              <ma14:wrappingTextBoxFlag xmlns:ma14="http://schemas.microsoft.com/office/mac/drawingml/2011/main" xmlns:a14="http://schemas.microsoft.com/office/drawing/2010/main" xmlns:m="http://schemas.openxmlformats.org/officeDocument/2006/math" xmlns="" val="1"/>
+              <ma14:wrappingTextBoxFlag xmlns="" xmlns:m="http://schemas.openxmlformats.org/officeDocument/2006/math" xmlns:a14="http://schemas.microsoft.com/office/drawing/2010/main" xmlns:ma14="http://schemas.microsoft.com/office/mac/drawingml/2011/main" val="1"/>
             </a:ext>
           </a:extLst>
         </p:spPr>
@@ -7062,7 +7087,7 @@
           </a:ln>
           <a:extLst>
             <a:ext uri="{C572A759-6A51-4108-AA02-DFA0A04FC94B}">
-              <ma14:wrappingTextBoxFlag xmlns:m="http://schemas.openxmlformats.org/officeDocument/2006/math" xmlns:a14="http://schemas.microsoft.com/office/drawing/2010/main" xmlns:ma14="http://schemas.microsoft.com/office/mac/drawingml/2011/main" xmlns="" val="1"/>
+              <ma14:wrappingTextBoxFlag xmlns="" xmlns:ma14="http://schemas.microsoft.com/office/mac/drawingml/2011/main" xmlns:a14="http://schemas.microsoft.com/office/drawing/2010/main" xmlns:m="http://schemas.openxmlformats.org/officeDocument/2006/math" val="1"/>
             </a:ext>
           </a:extLst>
         </p:spPr>
@@ -7118,7 +7143,7 @@
           </a:ln>
           <a:extLst>
             <a:ext uri="{C572A759-6A51-4108-AA02-DFA0A04FC94B}">
-              <ma14:wrappingTextBoxFlag xmlns="" xmlns:m="http://schemas.openxmlformats.org/officeDocument/2006/math" xmlns:a14="http://schemas.microsoft.com/office/drawing/2010/main" xmlns:ma14="http://schemas.microsoft.com/office/mac/drawingml/2011/main" val="1"/>
+              <ma14:wrappingTextBoxFlag xmlns:ma14="http://schemas.microsoft.com/office/mac/drawingml/2011/main" xmlns:a14="http://schemas.microsoft.com/office/drawing/2010/main" xmlns:m="http://schemas.openxmlformats.org/officeDocument/2006/math" xmlns="" val="1"/>
             </a:ext>
           </a:extLst>
         </p:spPr>
